--- a/_book/plot/unnamed-chunk-51-1.pptx
+++ b/_book/plot/unnamed-chunk-51-1.pptx
@@ -3192,8 +3192,8 @@
           </p:nvSpPr>
           <p:spPr>
             <a:xfrm>
-              <a:off x="2023549" y="1590617"/>
-              <a:ext cx="6913543" cy="4048310"/>
+              <a:off x="2116330" y="1809173"/>
+              <a:ext cx="1308481" cy="3245468"/>
             </a:xfrm>
             <a:prstGeom prst="rect">
               <a:avLst/>
@@ -3218,28 +3218,28 @@
           </p:nvSpPr>
           <p:spPr>
             <a:xfrm>
-              <a:off x="2977388" y="1590617"/>
-              <a:ext cx="0" cy="4048310"/>
-            </a:xfrm>
-            <a:custGeom>
-              <a:avLst/>
-              <a:pathLst>
-                <a:path w="0" h="4048310">
-                  <a:moveTo>
-                    <a:pt x="0" y="4048310"/>
-                  </a:moveTo>
-                  <a:lnTo>
-                    <a:pt x="0" y="0"/>
-                  </a:lnTo>
-                  <a:lnTo>
-                    <a:pt x="0" y="0"/>
-                  </a:lnTo>
-                </a:path>
-              </a:pathLst>
-            </a:custGeom>
-            <a:ln w="3387" cap="flat">
-              <a:solidFill>
-                <a:srgbClr val="DEDEDE">
+              <a:off x="2116330" y="4515470"/>
+              <a:ext cx="1308481" cy="0"/>
+            </a:xfrm>
+            <a:custGeom>
+              <a:avLst/>
+              <a:pathLst>
+                <a:path w="1308481" h="0">
+                  <a:moveTo>
+                    <a:pt x="0" y="0"/>
+                  </a:moveTo>
+                  <a:lnTo>
+                    <a:pt x="1308481" y="0"/>
+                  </a:lnTo>
+                  <a:lnTo>
+                    <a:pt x="1308481" y="0"/>
+                  </a:lnTo>
+                </a:path>
+              </a:pathLst>
+            </a:custGeom>
+            <a:ln w="6775" cap="flat">
+              <a:solidFill>
+                <a:srgbClr val="EBEBEB">
                   <a:alpha val="100000"/>
                 </a:srgbClr>
               </a:solidFill>
@@ -3261,28 +3261,28 @@
           </p:nvSpPr>
           <p:spPr>
             <a:xfrm>
-              <a:off x="4885067" y="1590617"/>
-              <a:ext cx="0" cy="4048310"/>
-            </a:xfrm>
-            <a:custGeom>
-              <a:avLst/>
-              <a:pathLst>
-                <a:path w="0" h="4048310">
-                  <a:moveTo>
-                    <a:pt x="0" y="4048310"/>
-                  </a:moveTo>
-                  <a:lnTo>
-                    <a:pt x="0" y="0"/>
-                  </a:lnTo>
-                  <a:lnTo>
-                    <a:pt x="0" y="0"/>
-                  </a:lnTo>
-                </a:path>
-              </a:pathLst>
-            </a:custGeom>
-            <a:ln w="3387" cap="flat">
-              <a:solidFill>
-                <a:srgbClr val="DEDEDE">
+              <a:off x="2116330" y="3732171"/>
+              <a:ext cx="1308481" cy="0"/>
+            </a:xfrm>
+            <a:custGeom>
+              <a:avLst/>
+              <a:pathLst>
+                <a:path w="1308481" h="0">
+                  <a:moveTo>
+                    <a:pt x="0" y="0"/>
+                  </a:moveTo>
+                  <a:lnTo>
+                    <a:pt x="1308481" y="0"/>
+                  </a:lnTo>
+                  <a:lnTo>
+                    <a:pt x="1308481" y="0"/>
+                  </a:lnTo>
+                </a:path>
+              </a:pathLst>
+            </a:custGeom>
+            <a:ln w="6775" cap="flat">
+              <a:solidFill>
+                <a:srgbClr val="EBEBEB">
                   <a:alpha val="100000"/>
                 </a:srgbClr>
               </a:solidFill>
@@ -3304,28 +3304,28 @@
           </p:nvSpPr>
           <p:spPr>
             <a:xfrm>
-              <a:off x="6792746" y="1590617"/>
-              <a:ext cx="0" cy="4048310"/>
-            </a:xfrm>
-            <a:custGeom>
-              <a:avLst/>
-              <a:pathLst>
-                <a:path w="0" h="4048310">
-                  <a:moveTo>
-                    <a:pt x="0" y="4048310"/>
-                  </a:moveTo>
-                  <a:lnTo>
-                    <a:pt x="0" y="0"/>
-                  </a:lnTo>
-                  <a:lnTo>
-                    <a:pt x="0" y="0"/>
-                  </a:lnTo>
-                </a:path>
-              </a:pathLst>
-            </a:custGeom>
-            <a:ln w="3387" cap="flat">
-              <a:solidFill>
-                <a:srgbClr val="DEDEDE">
+              <a:off x="2116330" y="2948872"/>
+              <a:ext cx="1308481" cy="0"/>
+            </a:xfrm>
+            <a:custGeom>
+              <a:avLst/>
+              <a:pathLst>
+                <a:path w="1308481" h="0">
+                  <a:moveTo>
+                    <a:pt x="0" y="0"/>
+                  </a:moveTo>
+                  <a:lnTo>
+                    <a:pt x="1308481" y="0"/>
+                  </a:lnTo>
+                  <a:lnTo>
+                    <a:pt x="1308481" y="0"/>
+                  </a:lnTo>
+                </a:path>
+              </a:pathLst>
+            </a:custGeom>
+            <a:ln w="6775" cap="flat">
+              <a:solidFill>
+                <a:srgbClr val="EBEBEB">
                   <a:alpha val="100000"/>
                 </a:srgbClr>
               </a:solidFill>
@@ -3347,28 +3347,28 @@
           </p:nvSpPr>
           <p:spPr>
             <a:xfrm>
-              <a:off x="8700425" y="1590617"/>
-              <a:ext cx="0" cy="4048310"/>
-            </a:xfrm>
-            <a:custGeom>
-              <a:avLst/>
-              <a:pathLst>
-                <a:path w="0" h="4048310">
-                  <a:moveTo>
-                    <a:pt x="0" y="4048310"/>
-                  </a:moveTo>
-                  <a:lnTo>
-                    <a:pt x="0" y="0"/>
-                  </a:lnTo>
-                  <a:lnTo>
-                    <a:pt x="0" y="0"/>
-                  </a:lnTo>
-                </a:path>
-              </a:pathLst>
-            </a:custGeom>
-            <a:ln w="3387" cap="flat">
-              <a:solidFill>
-                <a:srgbClr val="DEDEDE">
+              <a:off x="2116330" y="2165574"/>
+              <a:ext cx="1308481" cy="0"/>
+            </a:xfrm>
+            <a:custGeom>
+              <a:avLst/>
+              <a:pathLst>
+                <a:path w="1308481" h="0">
+                  <a:moveTo>
+                    <a:pt x="0" y="0"/>
+                  </a:moveTo>
+                  <a:lnTo>
+                    <a:pt x="1308481" y="0"/>
+                  </a:lnTo>
+                  <a:lnTo>
+                    <a:pt x="1308481" y="0"/>
+                  </a:lnTo>
+                </a:path>
+              </a:pathLst>
+            </a:custGeom>
+            <a:ln w="6775" cap="flat">
+              <a:solidFill>
+                <a:srgbClr val="EBEBEB">
                   <a:alpha val="100000"/>
                 </a:srgbClr>
               </a:solidFill>
@@ -3390,28 +3390,28 @@
           </p:nvSpPr>
           <p:spPr>
             <a:xfrm>
-              <a:off x="2023549" y="5247155"/>
-              <a:ext cx="6913543" cy="0"/>
-            </a:xfrm>
-            <a:custGeom>
-              <a:avLst/>
-              <a:pathLst>
-                <a:path w="6913543" h="0">
-                  <a:moveTo>
-                    <a:pt x="0" y="0"/>
-                  </a:moveTo>
-                  <a:lnTo>
-                    <a:pt x="6913543" y="0"/>
-                  </a:lnTo>
-                  <a:lnTo>
-                    <a:pt x="6913543" y="0"/>
-                  </a:lnTo>
-                </a:path>
-              </a:pathLst>
-            </a:custGeom>
-            <a:ln w="6775" cap="flat">
-              <a:solidFill>
-                <a:srgbClr val="DEDEDE">
+              <a:off x="2116330" y="4907120"/>
+              <a:ext cx="1308481" cy="0"/>
+            </a:xfrm>
+            <a:custGeom>
+              <a:avLst/>
+              <a:pathLst>
+                <a:path w="1308481" h="0">
+                  <a:moveTo>
+                    <a:pt x="0" y="0"/>
+                  </a:moveTo>
+                  <a:lnTo>
+                    <a:pt x="1308481" y="0"/>
+                  </a:lnTo>
+                  <a:lnTo>
+                    <a:pt x="1308481" y="0"/>
+                  </a:lnTo>
+                </a:path>
+              </a:pathLst>
+            </a:custGeom>
+            <a:ln w="13550" cap="flat">
+              <a:solidFill>
+                <a:srgbClr val="EBEBEB">
                   <a:alpha val="100000"/>
                 </a:srgbClr>
               </a:solidFill>
@@ -3433,28 +3433,28 @@
           </p:nvSpPr>
           <p:spPr>
             <a:xfrm>
-              <a:off x="2023549" y="4594202"/>
-              <a:ext cx="6913543" cy="0"/>
-            </a:xfrm>
-            <a:custGeom>
-              <a:avLst/>
-              <a:pathLst>
-                <a:path w="6913543" h="0">
-                  <a:moveTo>
-                    <a:pt x="0" y="0"/>
-                  </a:moveTo>
-                  <a:lnTo>
-                    <a:pt x="6913543" y="0"/>
-                  </a:lnTo>
-                  <a:lnTo>
-                    <a:pt x="6913543" y="0"/>
-                  </a:lnTo>
-                </a:path>
-              </a:pathLst>
-            </a:custGeom>
-            <a:ln w="6775" cap="flat">
-              <a:solidFill>
-                <a:srgbClr val="DEDEDE">
+              <a:off x="2116330" y="4123821"/>
+              <a:ext cx="1308481" cy="0"/>
+            </a:xfrm>
+            <a:custGeom>
+              <a:avLst/>
+              <a:pathLst>
+                <a:path w="1308481" h="0">
+                  <a:moveTo>
+                    <a:pt x="0" y="0"/>
+                  </a:moveTo>
+                  <a:lnTo>
+                    <a:pt x="1308481" y="0"/>
+                  </a:lnTo>
+                  <a:lnTo>
+                    <a:pt x="1308481" y="0"/>
+                  </a:lnTo>
+                </a:path>
+              </a:pathLst>
+            </a:custGeom>
+            <a:ln w="13550" cap="flat">
+              <a:solidFill>
+                <a:srgbClr val="EBEBEB">
                   <a:alpha val="100000"/>
                 </a:srgbClr>
               </a:solidFill>
@@ -3476,28 +3476,28 @@
           </p:nvSpPr>
           <p:spPr>
             <a:xfrm>
-              <a:off x="2023549" y="3941249"/>
-              <a:ext cx="6913543" cy="0"/>
-            </a:xfrm>
-            <a:custGeom>
-              <a:avLst/>
-              <a:pathLst>
-                <a:path w="6913543" h="0">
-                  <a:moveTo>
-                    <a:pt x="0" y="0"/>
-                  </a:moveTo>
-                  <a:lnTo>
-                    <a:pt x="6913543" y="0"/>
-                  </a:lnTo>
-                  <a:lnTo>
-                    <a:pt x="6913543" y="0"/>
-                  </a:lnTo>
-                </a:path>
-              </a:pathLst>
-            </a:custGeom>
-            <a:ln w="6775" cap="flat">
-              <a:solidFill>
-                <a:srgbClr val="DEDEDE">
+              <a:off x="2116330" y="3340522"/>
+              <a:ext cx="1308481" cy="0"/>
+            </a:xfrm>
+            <a:custGeom>
+              <a:avLst/>
+              <a:pathLst>
+                <a:path w="1308481" h="0">
+                  <a:moveTo>
+                    <a:pt x="0" y="0"/>
+                  </a:moveTo>
+                  <a:lnTo>
+                    <a:pt x="1308481" y="0"/>
+                  </a:lnTo>
+                  <a:lnTo>
+                    <a:pt x="1308481" y="0"/>
+                  </a:lnTo>
+                </a:path>
+              </a:pathLst>
+            </a:custGeom>
+            <a:ln w="13550" cap="flat">
+              <a:solidFill>
+                <a:srgbClr val="EBEBEB">
                   <a:alpha val="100000"/>
                 </a:srgbClr>
               </a:solidFill>
@@ -3519,28 +3519,28 @@
           </p:nvSpPr>
           <p:spPr>
             <a:xfrm>
-              <a:off x="2023549" y="3288295"/>
-              <a:ext cx="6913543" cy="0"/>
-            </a:xfrm>
-            <a:custGeom>
-              <a:avLst/>
-              <a:pathLst>
-                <a:path w="6913543" h="0">
-                  <a:moveTo>
-                    <a:pt x="0" y="0"/>
-                  </a:moveTo>
-                  <a:lnTo>
-                    <a:pt x="6913543" y="0"/>
-                  </a:lnTo>
-                  <a:lnTo>
-                    <a:pt x="6913543" y="0"/>
-                  </a:lnTo>
-                </a:path>
-              </a:pathLst>
-            </a:custGeom>
-            <a:ln w="6775" cap="flat">
-              <a:solidFill>
-                <a:srgbClr val="DEDEDE">
+              <a:off x="2116330" y="2557223"/>
+              <a:ext cx="1308481" cy="0"/>
+            </a:xfrm>
+            <a:custGeom>
+              <a:avLst/>
+              <a:pathLst>
+                <a:path w="1308481" h="0">
+                  <a:moveTo>
+                    <a:pt x="0" y="0"/>
+                  </a:moveTo>
+                  <a:lnTo>
+                    <a:pt x="1308481" y="0"/>
+                  </a:lnTo>
+                  <a:lnTo>
+                    <a:pt x="1308481" y="0"/>
+                  </a:lnTo>
+                </a:path>
+              </a:pathLst>
+            </a:custGeom>
+            <a:ln w="13550" cap="flat">
+              <a:solidFill>
+                <a:srgbClr val="EBEBEB">
                   <a:alpha val="100000"/>
                 </a:srgbClr>
               </a:solidFill>
@@ -3562,28 +3562,28 @@
           </p:nvSpPr>
           <p:spPr>
             <a:xfrm>
-              <a:off x="2023549" y="2635342"/>
-              <a:ext cx="6913543" cy="0"/>
-            </a:xfrm>
-            <a:custGeom>
-              <a:avLst/>
-              <a:pathLst>
-                <a:path w="6913543" h="0">
-                  <a:moveTo>
-                    <a:pt x="0" y="0"/>
-                  </a:moveTo>
-                  <a:lnTo>
-                    <a:pt x="6913543" y="0"/>
-                  </a:lnTo>
-                  <a:lnTo>
-                    <a:pt x="6913543" y="0"/>
-                  </a:lnTo>
-                </a:path>
-              </a:pathLst>
-            </a:custGeom>
-            <a:ln w="6775" cap="flat">
-              <a:solidFill>
-                <a:srgbClr val="DEDEDE">
+              <a:off x="2225370" y="1809173"/>
+              <a:ext cx="0" cy="3245468"/>
+            </a:xfrm>
+            <a:custGeom>
+              <a:avLst/>
+              <a:pathLst>
+                <a:path w="0" h="3245468">
+                  <a:moveTo>
+                    <a:pt x="0" y="3245468"/>
+                  </a:moveTo>
+                  <a:lnTo>
+                    <a:pt x="0" y="0"/>
+                  </a:lnTo>
+                  <a:lnTo>
+                    <a:pt x="0" y="0"/>
+                  </a:lnTo>
+                </a:path>
+              </a:pathLst>
+            </a:custGeom>
+            <a:ln w="13550" cap="flat">
+              <a:solidFill>
+                <a:srgbClr val="EBEBEB">
                   <a:alpha val="100000"/>
                 </a:srgbClr>
               </a:solidFill>
@@ -3605,28 +3605,28 @@
           </p:nvSpPr>
           <p:spPr>
             <a:xfrm>
-              <a:off x="2023549" y="1982389"/>
-              <a:ext cx="6913543" cy="0"/>
-            </a:xfrm>
-            <a:custGeom>
-              <a:avLst/>
-              <a:pathLst>
-                <a:path w="6913543" h="0">
-                  <a:moveTo>
-                    <a:pt x="0" y="0"/>
-                  </a:moveTo>
-                  <a:lnTo>
-                    <a:pt x="6913543" y="0"/>
-                  </a:lnTo>
-                  <a:lnTo>
-                    <a:pt x="6913543" y="0"/>
-                  </a:lnTo>
-                </a:path>
-              </a:pathLst>
-            </a:custGeom>
-            <a:ln w="6775" cap="flat">
-              <a:solidFill>
-                <a:srgbClr val="DEDEDE">
+              <a:off x="2407104" y="1809173"/>
+              <a:ext cx="0" cy="3245468"/>
+            </a:xfrm>
+            <a:custGeom>
+              <a:avLst/>
+              <a:pathLst>
+                <a:path w="0" h="3245468">
+                  <a:moveTo>
+                    <a:pt x="0" y="3245468"/>
+                  </a:moveTo>
+                  <a:lnTo>
+                    <a:pt x="0" y="0"/>
+                  </a:lnTo>
+                  <a:lnTo>
+                    <a:pt x="0" y="0"/>
+                  </a:lnTo>
+                </a:path>
+              </a:pathLst>
+            </a:custGeom>
+            <a:ln w="13550" cap="flat">
+              <a:solidFill>
+                <a:srgbClr val="EBEBEB">
                   <a:alpha val="100000"/>
                 </a:srgbClr>
               </a:solidFill>
@@ -3648,28 +3648,28 @@
           </p:nvSpPr>
           <p:spPr>
             <a:xfrm>
-              <a:off x="2023549" y="1590617"/>
-              <a:ext cx="0" cy="4048310"/>
-            </a:xfrm>
-            <a:custGeom>
-              <a:avLst/>
-              <a:pathLst>
-                <a:path w="0" h="4048310">
-                  <a:moveTo>
-                    <a:pt x="0" y="4048310"/>
-                  </a:moveTo>
-                  <a:lnTo>
-                    <a:pt x="0" y="0"/>
-                  </a:lnTo>
-                  <a:lnTo>
-                    <a:pt x="0" y="0"/>
-                  </a:lnTo>
-                </a:path>
-              </a:pathLst>
-            </a:custGeom>
-            <a:ln w="6775" cap="flat">
-              <a:solidFill>
-                <a:srgbClr val="DEDEDE">
+              <a:off x="2588837" y="1809173"/>
+              <a:ext cx="0" cy="3245468"/>
+            </a:xfrm>
+            <a:custGeom>
+              <a:avLst/>
+              <a:pathLst>
+                <a:path w="0" h="3245468">
+                  <a:moveTo>
+                    <a:pt x="0" y="3245468"/>
+                  </a:moveTo>
+                  <a:lnTo>
+                    <a:pt x="0" y="0"/>
+                  </a:lnTo>
+                  <a:lnTo>
+                    <a:pt x="0" y="0"/>
+                  </a:lnTo>
+                </a:path>
+              </a:pathLst>
+            </a:custGeom>
+            <a:ln w="13550" cap="flat">
+              <a:solidFill>
+                <a:srgbClr val="EBEBEB">
                   <a:alpha val="100000"/>
                 </a:srgbClr>
               </a:solidFill>
@@ -3691,28 +3691,28 @@
           </p:nvSpPr>
           <p:spPr>
             <a:xfrm>
-              <a:off x="3931228" y="1590617"/>
-              <a:ext cx="0" cy="4048310"/>
-            </a:xfrm>
-            <a:custGeom>
-              <a:avLst/>
-              <a:pathLst>
-                <a:path w="0" h="4048310">
-                  <a:moveTo>
-                    <a:pt x="0" y="4048310"/>
-                  </a:moveTo>
-                  <a:lnTo>
-                    <a:pt x="0" y="0"/>
-                  </a:lnTo>
-                  <a:lnTo>
-                    <a:pt x="0" y="0"/>
-                  </a:lnTo>
-                </a:path>
-              </a:pathLst>
-            </a:custGeom>
-            <a:ln w="6775" cap="flat">
-              <a:solidFill>
-                <a:srgbClr val="DEDEDE">
+              <a:off x="2770571" y="1809173"/>
+              <a:ext cx="0" cy="3245468"/>
+            </a:xfrm>
+            <a:custGeom>
+              <a:avLst/>
+              <a:pathLst>
+                <a:path w="0" h="3245468">
+                  <a:moveTo>
+                    <a:pt x="0" y="3245468"/>
+                  </a:moveTo>
+                  <a:lnTo>
+                    <a:pt x="0" y="0"/>
+                  </a:lnTo>
+                  <a:lnTo>
+                    <a:pt x="0" y="0"/>
+                  </a:lnTo>
+                </a:path>
+              </a:pathLst>
+            </a:custGeom>
+            <a:ln w="13550" cap="flat">
+              <a:solidFill>
+                <a:srgbClr val="EBEBEB">
                   <a:alpha val="100000"/>
                 </a:srgbClr>
               </a:solidFill>
@@ -3734,28 +3734,28 @@
           </p:nvSpPr>
           <p:spPr>
             <a:xfrm>
-              <a:off x="5838907" y="1590617"/>
-              <a:ext cx="0" cy="4048310"/>
-            </a:xfrm>
-            <a:custGeom>
-              <a:avLst/>
-              <a:pathLst>
-                <a:path w="0" h="4048310">
-                  <a:moveTo>
-                    <a:pt x="0" y="4048310"/>
-                  </a:moveTo>
-                  <a:lnTo>
-                    <a:pt x="0" y="0"/>
-                  </a:lnTo>
-                  <a:lnTo>
-                    <a:pt x="0" y="0"/>
-                  </a:lnTo>
-                </a:path>
-              </a:pathLst>
-            </a:custGeom>
-            <a:ln w="6775" cap="flat">
-              <a:solidFill>
-                <a:srgbClr val="DEDEDE">
+              <a:off x="2952304" y="1809173"/>
+              <a:ext cx="0" cy="3245468"/>
+            </a:xfrm>
+            <a:custGeom>
+              <a:avLst/>
+              <a:pathLst>
+                <a:path w="0" h="3245468">
+                  <a:moveTo>
+                    <a:pt x="0" y="3245468"/>
+                  </a:moveTo>
+                  <a:lnTo>
+                    <a:pt x="0" y="0"/>
+                  </a:lnTo>
+                  <a:lnTo>
+                    <a:pt x="0" y="0"/>
+                  </a:lnTo>
+                </a:path>
+              </a:pathLst>
+            </a:custGeom>
+            <a:ln w="13550" cap="flat">
+              <a:solidFill>
+                <a:srgbClr val="EBEBEB">
                   <a:alpha val="100000"/>
                 </a:srgbClr>
               </a:solidFill>
@@ -3777,57 +3777,100 @@
           </p:nvSpPr>
           <p:spPr>
             <a:xfrm>
-              <a:off x="7746586" y="1590617"/>
-              <a:ext cx="0" cy="4048310"/>
-            </a:xfrm>
-            <a:custGeom>
-              <a:avLst/>
-              <a:pathLst>
-                <a:path w="0" h="4048310">
-                  <a:moveTo>
-                    <a:pt x="0" y="4048310"/>
-                  </a:moveTo>
-                  <a:lnTo>
-                    <a:pt x="0" y="0"/>
-                  </a:lnTo>
-                  <a:lnTo>
-                    <a:pt x="0" y="0"/>
-                  </a:lnTo>
-                </a:path>
-              </a:pathLst>
-            </a:custGeom>
-            <a:ln w="6775" cap="flat">
-              <a:solidFill>
-                <a:srgbClr val="DEDEDE">
-                  <a:alpha val="100000"/>
-                </a:srgbClr>
-              </a:solidFill>
-              <a:prstDash val="solid"/>
-              <a:round/>
-            </a:ln>
-          </p:spPr>
-          <p:txBody>
-            <a:bodyPr/>
-            <a:lstStyle/>
-            <a:p/>
-          </p:txBody>
-        </p:sp>
-        <p:sp>
-          <p:nvSpPr>
-            <p:cNvPr id="20" name="rc20"/>
-            <p:cNvSpPr/>
-            <p:nvPr/>
-          </p:nvSpPr>
-          <p:spPr>
-            <a:xfrm>
-              <a:off x="2023549" y="1688560"/>
-              <a:ext cx="6777983" cy="587658"/>
+              <a:off x="3134038" y="1809173"/>
+              <a:ext cx="0" cy="3245468"/>
+            </a:xfrm>
+            <a:custGeom>
+              <a:avLst/>
+              <a:pathLst>
+                <a:path w="0" h="3245468">
+                  <a:moveTo>
+                    <a:pt x="0" y="3245468"/>
+                  </a:moveTo>
+                  <a:lnTo>
+                    <a:pt x="0" y="0"/>
+                  </a:lnTo>
+                  <a:lnTo>
+                    <a:pt x="0" y="0"/>
+                  </a:lnTo>
+                </a:path>
+              </a:pathLst>
+            </a:custGeom>
+            <a:ln w="13550" cap="flat">
+              <a:solidFill>
+                <a:srgbClr val="EBEBEB">
+                  <a:alpha val="100000"/>
+                </a:srgbClr>
+              </a:solidFill>
+              <a:prstDash val="solid"/>
+              <a:round/>
+            </a:ln>
+          </p:spPr>
+          <p:txBody>
+            <a:bodyPr/>
+            <a:lstStyle/>
+            <a:p/>
+          </p:txBody>
+        </p:sp>
+        <p:sp>
+          <p:nvSpPr>
+            <p:cNvPr id="20" name="pl20"/>
+            <p:cNvSpPr/>
+            <p:nvPr/>
+          </p:nvSpPr>
+          <p:spPr>
+            <a:xfrm>
+              <a:off x="3315771" y="1809173"/>
+              <a:ext cx="0" cy="3245468"/>
+            </a:xfrm>
+            <a:custGeom>
+              <a:avLst/>
+              <a:pathLst>
+                <a:path w="0" h="3245468">
+                  <a:moveTo>
+                    <a:pt x="0" y="3245468"/>
+                  </a:moveTo>
+                  <a:lnTo>
+                    <a:pt x="0" y="0"/>
+                  </a:lnTo>
+                  <a:lnTo>
+                    <a:pt x="0" y="0"/>
+                  </a:lnTo>
+                </a:path>
+              </a:pathLst>
+            </a:custGeom>
+            <a:ln w="13550" cap="flat">
+              <a:solidFill>
+                <a:srgbClr val="EBEBEB">
+                  <a:alpha val="100000"/>
+                </a:srgbClr>
+              </a:solidFill>
+              <a:prstDash val="solid"/>
+              <a:round/>
+            </a:ln>
+          </p:spPr>
+          <p:txBody>
+            <a:bodyPr/>
+            <a:lstStyle/>
+            <a:p/>
+          </p:txBody>
+        </p:sp>
+        <p:sp>
+          <p:nvSpPr>
+            <p:cNvPr id="21" name="rc21"/>
+            <p:cNvSpPr/>
+            <p:nvPr/>
+          </p:nvSpPr>
+          <p:spPr>
+            <a:xfrm>
+              <a:off x="2143590" y="3001092"/>
+              <a:ext cx="163560" cy="1906027"/>
             </a:xfrm>
             <a:prstGeom prst="rect">
               <a:avLst/>
             </a:prstGeom>
             <a:solidFill>
-              <a:srgbClr val="595959">
+              <a:srgbClr val="FEE5D9">
                 <a:alpha val="100000"/>
               </a:srgbClr>
             </a:solidFill>
@@ -3840,20 +3883,20 @@
         </p:sp>
         <p:sp>
           <p:nvSpPr>
-            <p:cNvPr id="21" name="rc21"/>
-            <p:cNvSpPr/>
-            <p:nvPr/>
-          </p:nvSpPr>
-          <p:spPr>
-            <a:xfrm>
-              <a:off x="2023549" y="2341513"/>
-              <a:ext cx="5856574" cy="587658"/>
+            <p:cNvPr id="22" name="rc22"/>
+            <p:cNvSpPr/>
+            <p:nvPr/>
+          </p:nvSpPr>
+          <p:spPr>
+            <a:xfrm>
+              <a:off x="2325324" y="4358810"/>
+              <a:ext cx="163560" cy="548309"/>
             </a:xfrm>
             <a:prstGeom prst="rect">
               <a:avLst/>
             </a:prstGeom>
             <a:solidFill>
-              <a:srgbClr val="595959">
+              <a:srgbClr val="FCBBA1">
                 <a:alpha val="100000"/>
               </a:srgbClr>
             </a:solidFill>
@@ -3866,20 +3909,20 @@
         </p:sp>
         <p:sp>
           <p:nvSpPr>
-            <p:cNvPr id="22" name="rc22"/>
-            <p:cNvSpPr/>
-            <p:nvPr/>
-          </p:nvSpPr>
-          <p:spPr>
-            <a:xfrm>
-              <a:off x="2023549" y="2994466"/>
-              <a:ext cx="4210247" cy="587658"/>
+            <p:cNvPr id="23" name="rc23"/>
+            <p:cNvSpPr/>
+            <p:nvPr/>
+          </p:nvSpPr>
+          <p:spPr>
+            <a:xfrm>
+              <a:off x="2507057" y="2400563"/>
+              <a:ext cx="163560" cy="2506556"/>
             </a:xfrm>
             <a:prstGeom prst="rect">
               <a:avLst/>
             </a:prstGeom>
             <a:solidFill>
-              <a:srgbClr val="595959">
+              <a:srgbClr val="FC9272">
                 <a:alpha val="100000"/>
               </a:srgbClr>
             </a:solidFill>
@@ -3892,20 +3935,20 @@
         </p:sp>
         <p:sp>
           <p:nvSpPr>
-            <p:cNvPr id="23" name="rc23"/>
-            <p:cNvSpPr/>
-            <p:nvPr/>
-          </p:nvSpPr>
-          <p:spPr>
-            <a:xfrm>
-              <a:off x="2023549" y="3647420"/>
-              <a:ext cx="4002310" cy="587658"/>
+            <p:cNvPr id="24" name="rc24"/>
+            <p:cNvSpPr/>
+            <p:nvPr/>
+          </p:nvSpPr>
+          <p:spPr>
+            <a:xfrm>
+              <a:off x="2688791" y="2870543"/>
+              <a:ext cx="163560" cy="2036577"/>
             </a:xfrm>
             <a:prstGeom prst="rect">
               <a:avLst/>
             </a:prstGeom>
             <a:solidFill>
-              <a:srgbClr val="595959">
+              <a:srgbClr val="FB6A4A">
                 <a:alpha val="100000"/>
               </a:srgbClr>
             </a:solidFill>
@@ -3918,20 +3961,20 @@
         </p:sp>
         <p:sp>
           <p:nvSpPr>
-            <p:cNvPr id="24" name="rc24"/>
-            <p:cNvSpPr/>
-            <p:nvPr/>
-          </p:nvSpPr>
-          <p:spPr>
-            <a:xfrm>
-              <a:off x="2023549" y="4300373"/>
-              <a:ext cx="1577650" cy="587658"/>
+            <p:cNvPr id="25" name="rc25"/>
+            <p:cNvSpPr/>
+            <p:nvPr/>
+          </p:nvSpPr>
+          <p:spPr>
+            <a:xfrm>
+              <a:off x="2870524" y="4045491"/>
+              <a:ext cx="163560" cy="861628"/>
             </a:xfrm>
             <a:prstGeom prst="rect">
               <a:avLst/>
             </a:prstGeom>
             <a:solidFill>
-              <a:srgbClr val="595959">
+              <a:srgbClr val="EF3B2C">
                 <a:alpha val="100000"/>
               </a:srgbClr>
             </a:solidFill>
@@ -3944,20 +3987,20 @@
         </p:sp>
         <p:sp>
           <p:nvSpPr>
-            <p:cNvPr id="25" name="rc25"/>
-            <p:cNvSpPr/>
-            <p:nvPr/>
-          </p:nvSpPr>
-          <p:spPr>
-            <a:xfrm>
-              <a:off x="2023549" y="4953326"/>
-              <a:ext cx="120183" cy="587658"/>
+            <p:cNvPr id="26" name="rc26"/>
+            <p:cNvSpPr/>
+            <p:nvPr/>
+          </p:nvSpPr>
+          <p:spPr>
+            <a:xfrm>
+              <a:off x="3052258" y="1956694"/>
+              <a:ext cx="163560" cy="2950425"/>
             </a:xfrm>
             <a:prstGeom prst="rect">
               <a:avLst/>
             </a:prstGeom>
             <a:solidFill>
-              <a:srgbClr val="595959">
+              <a:srgbClr val="CB181D">
                 <a:alpha val="100000"/>
               </a:srgbClr>
             </a:solidFill>
@@ -3970,320 +4013,3637 @@
         </p:sp>
         <p:sp>
           <p:nvSpPr>
-            <p:cNvPr id="26" name="tx26"/>
-            <p:cNvSpPr/>
-            <p:nvPr/>
-          </p:nvSpPr>
-          <p:spPr>
-            <a:xfrm>
-              <a:off x="8198450" y="1925423"/>
-              <a:ext cx="436637" cy="80245"/>
+            <p:cNvPr id="27" name="rc27"/>
+            <p:cNvSpPr/>
+            <p:nvPr/>
+          </p:nvSpPr>
+          <p:spPr>
+            <a:xfrm>
+              <a:off x="3233991" y="4228261"/>
+              <a:ext cx="163560" cy="678859"/>
             </a:xfrm>
             <a:prstGeom prst="rect">
               <a:avLst/>
             </a:prstGeom>
-            <a:noFill/>
-          </p:spPr>
-          <p:txBody>
-            <a:bodyPr lIns="0" rIns="0" tIns="0" bIns="0" anchorCtr="1" anchor="ctr" wrap="none"/>
-            <a:lstStyle/>
-            <a:p>
-              <a:pPr algn="l" marL="0" marR="0" indent="0">
-                <a:lnSpc>
-                  <a:spcPts val="853"/>
-                </a:lnSpc>
-                <a:spcBef>
-                  <a:spcPts val="0"/>
-                </a:spcBef>
-                <a:spcAft>
-                  <a:spcPts val="0"/>
-                </a:spcAft>
-              </a:pPr>
-              <a:r>
-                <a:rPr sz="853" b="1">
-                  <a:solidFill>
-                    <a:srgbClr val="FFFFFF">
-                      <a:alpha val="100000"/>
-                    </a:srgbClr>
-                  </a:solidFill>
-                  <a:latin typeface="Arial"/>
-                  <a:cs typeface="Arial"/>
-                </a:rPr>
-                <a:t>有益/有害菌</a:t>
-              </a:r>
-            </a:p>
-          </p:txBody>
-        </p:sp>
-        <p:sp>
-          <p:nvSpPr>
-            <p:cNvPr id="27" name="tx27"/>
-            <p:cNvSpPr/>
-            <p:nvPr/>
-          </p:nvSpPr>
-          <p:spPr>
-            <a:xfrm>
-              <a:off x="7307160" y="2590869"/>
-              <a:ext cx="406518" cy="67753"/>
-            </a:xfrm>
-            <a:prstGeom prst="rect">
-              <a:avLst/>
-            </a:prstGeom>
-            <a:noFill/>
-          </p:spPr>
-          <p:txBody>
-            <a:bodyPr lIns="0" rIns="0" tIns="0" bIns="0" anchorCtr="1" anchor="ctr" wrap="none"/>
-            <a:lstStyle/>
-            <a:p>
-              <a:pPr algn="l" marL="0" marR="0" indent="0">
-                <a:lnSpc>
-                  <a:spcPts val="853"/>
-                </a:lnSpc>
-                <a:spcBef>
-                  <a:spcPts val="0"/>
-                </a:spcBef>
-                <a:spcAft>
-                  <a:spcPts val="0"/>
-                </a:spcAft>
-              </a:pPr>
-              <a:r>
-                <a:rPr sz="853" b="1">
-                  <a:solidFill>
-                    <a:srgbClr val="FFFFFF">
-                      <a:alpha val="100000"/>
-                    </a:srgbClr>
-                  </a:solidFill>
-                  <a:latin typeface="Arial"/>
-                  <a:cs typeface="Arial"/>
-                </a:rPr>
-                <a:t>微生态平衡</a:t>
-              </a:r>
-            </a:p>
-          </p:txBody>
-        </p:sp>
-        <p:sp>
-          <p:nvSpPr>
-            <p:cNvPr id="28" name="tx28"/>
-            <p:cNvSpPr/>
-            <p:nvPr/>
-          </p:nvSpPr>
-          <p:spPr>
-            <a:xfrm>
-              <a:off x="5742136" y="3243822"/>
-              <a:ext cx="325215" cy="67753"/>
-            </a:xfrm>
-            <a:prstGeom prst="rect">
-              <a:avLst/>
-            </a:prstGeom>
-            <a:noFill/>
-          </p:spPr>
-          <p:txBody>
-            <a:bodyPr lIns="0" rIns="0" tIns="0" bIns="0" anchorCtr="1" anchor="ctr" wrap="none"/>
-            <a:lstStyle/>
-            <a:p>
-              <a:pPr algn="l" marL="0" marR="0" indent="0">
-                <a:lnSpc>
-                  <a:spcPts val="853"/>
-                </a:lnSpc>
-                <a:spcBef>
-                  <a:spcPts val="0"/>
-                </a:spcBef>
-                <a:spcAft>
-                  <a:spcPts val="0"/>
-                </a:spcAft>
-              </a:pPr>
-              <a:r>
-                <a:rPr sz="853" b="1">
-                  <a:solidFill>
-                    <a:srgbClr val="FFFFFF">
-                      <a:alpha val="100000"/>
-                    </a:srgbClr>
-                  </a:solidFill>
-                  <a:latin typeface="Arial"/>
-                  <a:cs typeface="Arial"/>
-                </a:rPr>
-                <a:t>肠道屏障</a:t>
-              </a:r>
-            </a:p>
-          </p:txBody>
-        </p:sp>
-        <p:sp>
-          <p:nvSpPr>
-            <p:cNvPr id="29" name="tx29"/>
-            <p:cNvSpPr/>
-            <p:nvPr/>
-          </p:nvSpPr>
-          <p:spPr>
-            <a:xfrm>
-              <a:off x="5534199" y="3896775"/>
-              <a:ext cx="325215" cy="67753"/>
-            </a:xfrm>
-            <a:prstGeom prst="rect">
-              <a:avLst/>
-            </a:prstGeom>
-            <a:noFill/>
-          </p:spPr>
-          <p:txBody>
-            <a:bodyPr lIns="0" rIns="0" tIns="0" bIns="0" anchorCtr="1" anchor="ctr" wrap="none"/>
-            <a:lstStyle/>
-            <a:p>
-              <a:pPr algn="l" marL="0" marR="0" indent="0">
-                <a:lnSpc>
-                  <a:spcPts val="853"/>
-                </a:lnSpc>
-                <a:spcBef>
-                  <a:spcPts val="0"/>
-                </a:spcBef>
-                <a:spcAft>
-                  <a:spcPts val="0"/>
-                </a:spcAft>
-              </a:pPr>
-              <a:r>
-                <a:rPr sz="853" b="1">
-                  <a:solidFill>
-                    <a:srgbClr val="FFFFFF">
-                      <a:alpha val="100000"/>
-                    </a:srgbClr>
-                  </a:solidFill>
-                  <a:latin typeface="Arial"/>
-                  <a:cs typeface="Arial"/>
-                </a:rPr>
-                <a:t>肠道菌群</a:t>
-              </a:r>
-            </a:p>
-          </p:txBody>
-        </p:sp>
-        <p:sp>
-          <p:nvSpPr>
-            <p:cNvPr id="30" name="tx30"/>
-            <p:cNvSpPr/>
-            <p:nvPr/>
-          </p:nvSpPr>
-          <p:spPr>
-            <a:xfrm>
-              <a:off x="3767644" y="4565248"/>
-              <a:ext cx="325215" cy="67753"/>
-            </a:xfrm>
-            <a:prstGeom prst="rect">
-              <a:avLst/>
-            </a:prstGeom>
-            <a:noFill/>
-          </p:spPr>
-          <p:txBody>
-            <a:bodyPr lIns="0" rIns="0" tIns="0" bIns="0" anchorCtr="1" anchor="ctr" wrap="none"/>
-            <a:lstStyle/>
-            <a:p>
-              <a:pPr algn="l" marL="0" marR="0" indent="0">
-                <a:lnSpc>
-                  <a:spcPts val="853"/>
-                </a:lnSpc>
-                <a:spcBef>
-                  <a:spcPts val="0"/>
-                </a:spcBef>
-                <a:spcAft>
-                  <a:spcPts val="0"/>
-                </a:spcAft>
-              </a:pPr>
-              <a:r>
-                <a:rPr sz="853">
-                  <a:solidFill>
-                    <a:srgbClr val="000000">
-                      <a:alpha val="100000"/>
-                    </a:srgbClr>
-                  </a:solidFill>
-                  <a:latin typeface="Arial"/>
-                  <a:cs typeface="Arial"/>
-                </a:rPr>
-                <a:t>黏膜免疫</a:t>
-              </a:r>
-            </a:p>
-          </p:txBody>
-        </p:sp>
-        <p:sp>
-          <p:nvSpPr>
-            <p:cNvPr id="31" name="tx31"/>
-            <p:cNvSpPr/>
-            <p:nvPr/>
-          </p:nvSpPr>
-          <p:spPr>
-            <a:xfrm>
-              <a:off x="2310178" y="5218202"/>
-              <a:ext cx="569126" cy="67753"/>
-            </a:xfrm>
-            <a:prstGeom prst="rect">
-              <a:avLst/>
-            </a:prstGeom>
-            <a:noFill/>
-          </p:spPr>
-          <p:txBody>
-            <a:bodyPr lIns="0" rIns="0" tIns="0" bIns="0" anchorCtr="1" anchor="ctr" wrap="none"/>
-            <a:lstStyle/>
-            <a:p>
-              <a:pPr algn="l" marL="0" marR="0" indent="0">
-                <a:lnSpc>
-                  <a:spcPts val="853"/>
-                </a:lnSpc>
-                <a:spcBef>
-                  <a:spcPts val="0"/>
-                </a:spcBef>
-                <a:spcAft>
-                  <a:spcPts val="0"/>
-                </a:spcAft>
-              </a:pPr>
-              <a:r>
-                <a:rPr sz="853">
-                  <a:solidFill>
-                    <a:srgbClr val="000000">
-                      <a:alpha val="100000"/>
-                    </a:srgbClr>
-                  </a:solidFill>
-                  <a:latin typeface="Arial"/>
-                  <a:cs typeface="Arial"/>
-                </a:rPr>
-                <a:t>以上有没有听过</a:t>
-              </a:r>
-            </a:p>
-          </p:txBody>
-        </p:sp>
-        <p:sp>
-          <p:nvSpPr>
-            <p:cNvPr id="32" name="rc32"/>
-            <p:cNvSpPr/>
-            <p:nvPr/>
-          </p:nvSpPr>
-          <p:spPr>
-            <a:xfrm>
-              <a:off x="2023549" y="1590617"/>
-              <a:ext cx="6913543" cy="4048310"/>
+            <a:solidFill>
+              <a:srgbClr val="99000D">
+                <a:alpha val="100000"/>
+              </a:srgbClr>
+            </a:solidFill>
+          </p:spPr>
+          <p:txBody>
+            <a:bodyPr/>
+            <a:lstStyle/>
+            <a:p/>
+          </p:txBody>
+        </p:sp>
+        <p:sp>
+          <p:nvSpPr>
+            <p:cNvPr id="28" name="rc28"/>
+            <p:cNvSpPr/>
+            <p:nvPr/>
+          </p:nvSpPr>
+          <p:spPr>
+            <a:xfrm>
+              <a:off x="2116330" y="1809173"/>
+              <a:ext cx="1308481" cy="3245468"/>
             </a:xfrm>
             <a:prstGeom prst="rect">
               <a:avLst/>
             </a:prstGeom>
             <a:ln w="13550" cap="rnd">
               <a:solidFill>
-                <a:srgbClr val="B3B3B3">
-                  <a:alpha val="100000"/>
-                </a:srgbClr>
-              </a:solidFill>
-              <a:prstDash val="solid"/>
-              <a:round/>
-            </a:ln>
-          </p:spPr>
-          <p:txBody>
-            <a:bodyPr/>
-            <a:lstStyle/>
-            <a:p/>
-          </p:txBody>
-        </p:sp>
-        <p:sp>
-          <p:nvSpPr>
-            <p:cNvPr id="33" name="tx33"/>
-            <p:cNvSpPr/>
-            <p:nvPr/>
-          </p:nvSpPr>
-          <p:spPr>
-            <a:xfrm>
-              <a:off x="1926599" y="5205464"/>
-              <a:ext cx="62155" cy="81691"/>
+                <a:srgbClr val="333333">
+                  <a:alpha val="100000"/>
+                </a:srgbClr>
+              </a:solidFill>
+              <a:prstDash val="solid"/>
+              <a:round/>
+            </a:ln>
+          </p:spPr>
+          <p:txBody>
+            <a:bodyPr/>
+            <a:lstStyle/>
+            <a:p/>
+          </p:txBody>
+        </p:sp>
+        <p:sp>
+          <p:nvSpPr>
+            <p:cNvPr id="29" name="rc29"/>
+            <p:cNvSpPr/>
+            <p:nvPr/>
+          </p:nvSpPr>
+          <p:spPr>
+            <a:xfrm>
+              <a:off x="3494401" y="1809173"/>
+              <a:ext cx="1308481" cy="3245468"/>
+            </a:xfrm>
+            <a:prstGeom prst="rect">
+              <a:avLst/>
+            </a:prstGeom>
+            <a:solidFill>
+              <a:srgbClr val="FFFFFF">
+                <a:alpha val="100000"/>
+              </a:srgbClr>
+            </a:solidFill>
+          </p:spPr>
+          <p:txBody>
+            <a:bodyPr/>
+            <a:lstStyle/>
+            <a:p/>
+          </p:txBody>
+        </p:sp>
+        <p:sp>
+          <p:nvSpPr>
+            <p:cNvPr id="30" name="pl30"/>
+            <p:cNvSpPr/>
+            <p:nvPr/>
+          </p:nvSpPr>
+          <p:spPr>
+            <a:xfrm>
+              <a:off x="3494401" y="4515470"/>
+              <a:ext cx="1308481" cy="0"/>
+            </a:xfrm>
+            <a:custGeom>
+              <a:avLst/>
+              <a:pathLst>
+                <a:path w="1308481" h="0">
+                  <a:moveTo>
+                    <a:pt x="0" y="0"/>
+                  </a:moveTo>
+                  <a:lnTo>
+                    <a:pt x="1308481" y="0"/>
+                  </a:lnTo>
+                  <a:lnTo>
+                    <a:pt x="1308481" y="0"/>
+                  </a:lnTo>
+                </a:path>
+              </a:pathLst>
+            </a:custGeom>
+            <a:ln w="6775" cap="flat">
+              <a:solidFill>
+                <a:srgbClr val="EBEBEB">
+                  <a:alpha val="100000"/>
+                </a:srgbClr>
+              </a:solidFill>
+              <a:prstDash val="solid"/>
+              <a:round/>
+            </a:ln>
+          </p:spPr>
+          <p:txBody>
+            <a:bodyPr/>
+            <a:lstStyle/>
+            <a:p/>
+          </p:txBody>
+        </p:sp>
+        <p:sp>
+          <p:nvSpPr>
+            <p:cNvPr id="31" name="pl31"/>
+            <p:cNvSpPr/>
+            <p:nvPr/>
+          </p:nvSpPr>
+          <p:spPr>
+            <a:xfrm>
+              <a:off x="3494401" y="3732171"/>
+              <a:ext cx="1308481" cy="0"/>
+            </a:xfrm>
+            <a:custGeom>
+              <a:avLst/>
+              <a:pathLst>
+                <a:path w="1308481" h="0">
+                  <a:moveTo>
+                    <a:pt x="0" y="0"/>
+                  </a:moveTo>
+                  <a:lnTo>
+                    <a:pt x="1308481" y="0"/>
+                  </a:lnTo>
+                  <a:lnTo>
+                    <a:pt x="1308481" y="0"/>
+                  </a:lnTo>
+                </a:path>
+              </a:pathLst>
+            </a:custGeom>
+            <a:ln w="6775" cap="flat">
+              <a:solidFill>
+                <a:srgbClr val="EBEBEB">
+                  <a:alpha val="100000"/>
+                </a:srgbClr>
+              </a:solidFill>
+              <a:prstDash val="solid"/>
+              <a:round/>
+            </a:ln>
+          </p:spPr>
+          <p:txBody>
+            <a:bodyPr/>
+            <a:lstStyle/>
+            <a:p/>
+          </p:txBody>
+        </p:sp>
+        <p:sp>
+          <p:nvSpPr>
+            <p:cNvPr id="32" name="pl32"/>
+            <p:cNvSpPr/>
+            <p:nvPr/>
+          </p:nvSpPr>
+          <p:spPr>
+            <a:xfrm>
+              <a:off x="3494401" y="2948872"/>
+              <a:ext cx="1308481" cy="0"/>
+            </a:xfrm>
+            <a:custGeom>
+              <a:avLst/>
+              <a:pathLst>
+                <a:path w="1308481" h="0">
+                  <a:moveTo>
+                    <a:pt x="0" y="0"/>
+                  </a:moveTo>
+                  <a:lnTo>
+                    <a:pt x="1308481" y="0"/>
+                  </a:lnTo>
+                  <a:lnTo>
+                    <a:pt x="1308481" y="0"/>
+                  </a:lnTo>
+                </a:path>
+              </a:pathLst>
+            </a:custGeom>
+            <a:ln w="6775" cap="flat">
+              <a:solidFill>
+                <a:srgbClr val="EBEBEB">
+                  <a:alpha val="100000"/>
+                </a:srgbClr>
+              </a:solidFill>
+              <a:prstDash val="solid"/>
+              <a:round/>
+            </a:ln>
+          </p:spPr>
+          <p:txBody>
+            <a:bodyPr/>
+            <a:lstStyle/>
+            <a:p/>
+          </p:txBody>
+        </p:sp>
+        <p:sp>
+          <p:nvSpPr>
+            <p:cNvPr id="33" name="pl33"/>
+            <p:cNvSpPr/>
+            <p:nvPr/>
+          </p:nvSpPr>
+          <p:spPr>
+            <a:xfrm>
+              <a:off x="3494401" y="2165574"/>
+              <a:ext cx="1308481" cy="0"/>
+            </a:xfrm>
+            <a:custGeom>
+              <a:avLst/>
+              <a:pathLst>
+                <a:path w="1308481" h="0">
+                  <a:moveTo>
+                    <a:pt x="0" y="0"/>
+                  </a:moveTo>
+                  <a:lnTo>
+                    <a:pt x="1308481" y="0"/>
+                  </a:lnTo>
+                  <a:lnTo>
+                    <a:pt x="1308481" y="0"/>
+                  </a:lnTo>
+                </a:path>
+              </a:pathLst>
+            </a:custGeom>
+            <a:ln w="6775" cap="flat">
+              <a:solidFill>
+                <a:srgbClr val="EBEBEB">
+                  <a:alpha val="100000"/>
+                </a:srgbClr>
+              </a:solidFill>
+              <a:prstDash val="solid"/>
+              <a:round/>
+            </a:ln>
+          </p:spPr>
+          <p:txBody>
+            <a:bodyPr/>
+            <a:lstStyle/>
+            <a:p/>
+          </p:txBody>
+        </p:sp>
+        <p:sp>
+          <p:nvSpPr>
+            <p:cNvPr id="34" name="pl34"/>
+            <p:cNvSpPr/>
+            <p:nvPr/>
+          </p:nvSpPr>
+          <p:spPr>
+            <a:xfrm>
+              <a:off x="3494401" y="4907120"/>
+              <a:ext cx="1308481" cy="0"/>
+            </a:xfrm>
+            <a:custGeom>
+              <a:avLst/>
+              <a:pathLst>
+                <a:path w="1308481" h="0">
+                  <a:moveTo>
+                    <a:pt x="0" y="0"/>
+                  </a:moveTo>
+                  <a:lnTo>
+                    <a:pt x="1308481" y="0"/>
+                  </a:lnTo>
+                  <a:lnTo>
+                    <a:pt x="1308481" y="0"/>
+                  </a:lnTo>
+                </a:path>
+              </a:pathLst>
+            </a:custGeom>
+            <a:ln w="13550" cap="flat">
+              <a:solidFill>
+                <a:srgbClr val="EBEBEB">
+                  <a:alpha val="100000"/>
+                </a:srgbClr>
+              </a:solidFill>
+              <a:prstDash val="solid"/>
+              <a:round/>
+            </a:ln>
+          </p:spPr>
+          <p:txBody>
+            <a:bodyPr/>
+            <a:lstStyle/>
+            <a:p/>
+          </p:txBody>
+        </p:sp>
+        <p:sp>
+          <p:nvSpPr>
+            <p:cNvPr id="35" name="pl35"/>
+            <p:cNvSpPr/>
+            <p:nvPr/>
+          </p:nvSpPr>
+          <p:spPr>
+            <a:xfrm>
+              <a:off x="3494401" y="4123821"/>
+              <a:ext cx="1308481" cy="0"/>
+            </a:xfrm>
+            <a:custGeom>
+              <a:avLst/>
+              <a:pathLst>
+                <a:path w="1308481" h="0">
+                  <a:moveTo>
+                    <a:pt x="0" y="0"/>
+                  </a:moveTo>
+                  <a:lnTo>
+                    <a:pt x="1308481" y="0"/>
+                  </a:lnTo>
+                  <a:lnTo>
+                    <a:pt x="1308481" y="0"/>
+                  </a:lnTo>
+                </a:path>
+              </a:pathLst>
+            </a:custGeom>
+            <a:ln w="13550" cap="flat">
+              <a:solidFill>
+                <a:srgbClr val="EBEBEB">
+                  <a:alpha val="100000"/>
+                </a:srgbClr>
+              </a:solidFill>
+              <a:prstDash val="solid"/>
+              <a:round/>
+            </a:ln>
+          </p:spPr>
+          <p:txBody>
+            <a:bodyPr/>
+            <a:lstStyle/>
+            <a:p/>
+          </p:txBody>
+        </p:sp>
+        <p:sp>
+          <p:nvSpPr>
+            <p:cNvPr id="36" name="pl36"/>
+            <p:cNvSpPr/>
+            <p:nvPr/>
+          </p:nvSpPr>
+          <p:spPr>
+            <a:xfrm>
+              <a:off x="3494401" y="3340522"/>
+              <a:ext cx="1308481" cy="0"/>
+            </a:xfrm>
+            <a:custGeom>
+              <a:avLst/>
+              <a:pathLst>
+                <a:path w="1308481" h="0">
+                  <a:moveTo>
+                    <a:pt x="0" y="0"/>
+                  </a:moveTo>
+                  <a:lnTo>
+                    <a:pt x="1308481" y="0"/>
+                  </a:lnTo>
+                  <a:lnTo>
+                    <a:pt x="1308481" y="0"/>
+                  </a:lnTo>
+                </a:path>
+              </a:pathLst>
+            </a:custGeom>
+            <a:ln w="13550" cap="flat">
+              <a:solidFill>
+                <a:srgbClr val="EBEBEB">
+                  <a:alpha val="100000"/>
+                </a:srgbClr>
+              </a:solidFill>
+              <a:prstDash val="solid"/>
+              <a:round/>
+            </a:ln>
+          </p:spPr>
+          <p:txBody>
+            <a:bodyPr/>
+            <a:lstStyle/>
+            <a:p/>
+          </p:txBody>
+        </p:sp>
+        <p:sp>
+          <p:nvSpPr>
+            <p:cNvPr id="37" name="pl37"/>
+            <p:cNvSpPr/>
+            <p:nvPr/>
+          </p:nvSpPr>
+          <p:spPr>
+            <a:xfrm>
+              <a:off x="3494401" y="2557223"/>
+              <a:ext cx="1308481" cy="0"/>
+            </a:xfrm>
+            <a:custGeom>
+              <a:avLst/>
+              <a:pathLst>
+                <a:path w="1308481" h="0">
+                  <a:moveTo>
+                    <a:pt x="0" y="0"/>
+                  </a:moveTo>
+                  <a:lnTo>
+                    <a:pt x="1308481" y="0"/>
+                  </a:lnTo>
+                  <a:lnTo>
+                    <a:pt x="1308481" y="0"/>
+                  </a:lnTo>
+                </a:path>
+              </a:pathLst>
+            </a:custGeom>
+            <a:ln w="13550" cap="flat">
+              <a:solidFill>
+                <a:srgbClr val="EBEBEB">
+                  <a:alpha val="100000"/>
+                </a:srgbClr>
+              </a:solidFill>
+              <a:prstDash val="solid"/>
+              <a:round/>
+            </a:ln>
+          </p:spPr>
+          <p:txBody>
+            <a:bodyPr/>
+            <a:lstStyle/>
+            <a:p/>
+          </p:txBody>
+        </p:sp>
+        <p:sp>
+          <p:nvSpPr>
+            <p:cNvPr id="38" name="pl38"/>
+            <p:cNvSpPr/>
+            <p:nvPr/>
+          </p:nvSpPr>
+          <p:spPr>
+            <a:xfrm>
+              <a:off x="3603441" y="1809173"/>
+              <a:ext cx="0" cy="3245468"/>
+            </a:xfrm>
+            <a:custGeom>
+              <a:avLst/>
+              <a:pathLst>
+                <a:path w="0" h="3245468">
+                  <a:moveTo>
+                    <a:pt x="0" y="3245468"/>
+                  </a:moveTo>
+                  <a:lnTo>
+                    <a:pt x="0" y="0"/>
+                  </a:lnTo>
+                  <a:lnTo>
+                    <a:pt x="0" y="0"/>
+                  </a:lnTo>
+                </a:path>
+              </a:pathLst>
+            </a:custGeom>
+            <a:ln w="13550" cap="flat">
+              <a:solidFill>
+                <a:srgbClr val="EBEBEB">
+                  <a:alpha val="100000"/>
+                </a:srgbClr>
+              </a:solidFill>
+              <a:prstDash val="solid"/>
+              <a:round/>
+            </a:ln>
+          </p:spPr>
+          <p:txBody>
+            <a:bodyPr/>
+            <a:lstStyle/>
+            <a:p/>
+          </p:txBody>
+        </p:sp>
+        <p:sp>
+          <p:nvSpPr>
+            <p:cNvPr id="39" name="pl39"/>
+            <p:cNvSpPr/>
+            <p:nvPr/>
+          </p:nvSpPr>
+          <p:spPr>
+            <a:xfrm>
+              <a:off x="3785174" y="1809173"/>
+              <a:ext cx="0" cy="3245468"/>
+            </a:xfrm>
+            <a:custGeom>
+              <a:avLst/>
+              <a:pathLst>
+                <a:path w="0" h="3245468">
+                  <a:moveTo>
+                    <a:pt x="0" y="3245468"/>
+                  </a:moveTo>
+                  <a:lnTo>
+                    <a:pt x="0" y="0"/>
+                  </a:lnTo>
+                  <a:lnTo>
+                    <a:pt x="0" y="0"/>
+                  </a:lnTo>
+                </a:path>
+              </a:pathLst>
+            </a:custGeom>
+            <a:ln w="13550" cap="flat">
+              <a:solidFill>
+                <a:srgbClr val="EBEBEB">
+                  <a:alpha val="100000"/>
+                </a:srgbClr>
+              </a:solidFill>
+              <a:prstDash val="solid"/>
+              <a:round/>
+            </a:ln>
+          </p:spPr>
+          <p:txBody>
+            <a:bodyPr/>
+            <a:lstStyle/>
+            <a:p/>
+          </p:txBody>
+        </p:sp>
+        <p:sp>
+          <p:nvSpPr>
+            <p:cNvPr id="40" name="pl40"/>
+            <p:cNvSpPr/>
+            <p:nvPr/>
+          </p:nvSpPr>
+          <p:spPr>
+            <a:xfrm>
+              <a:off x="3966908" y="1809173"/>
+              <a:ext cx="0" cy="3245468"/>
+            </a:xfrm>
+            <a:custGeom>
+              <a:avLst/>
+              <a:pathLst>
+                <a:path w="0" h="3245468">
+                  <a:moveTo>
+                    <a:pt x="0" y="3245468"/>
+                  </a:moveTo>
+                  <a:lnTo>
+                    <a:pt x="0" y="0"/>
+                  </a:lnTo>
+                  <a:lnTo>
+                    <a:pt x="0" y="0"/>
+                  </a:lnTo>
+                </a:path>
+              </a:pathLst>
+            </a:custGeom>
+            <a:ln w="13550" cap="flat">
+              <a:solidFill>
+                <a:srgbClr val="EBEBEB">
+                  <a:alpha val="100000"/>
+                </a:srgbClr>
+              </a:solidFill>
+              <a:prstDash val="solid"/>
+              <a:round/>
+            </a:ln>
+          </p:spPr>
+          <p:txBody>
+            <a:bodyPr/>
+            <a:lstStyle/>
+            <a:p/>
+          </p:txBody>
+        </p:sp>
+        <p:sp>
+          <p:nvSpPr>
+            <p:cNvPr id="41" name="pl41"/>
+            <p:cNvSpPr/>
+            <p:nvPr/>
+          </p:nvSpPr>
+          <p:spPr>
+            <a:xfrm>
+              <a:off x="4148641" y="1809173"/>
+              <a:ext cx="0" cy="3245468"/>
+            </a:xfrm>
+            <a:custGeom>
+              <a:avLst/>
+              <a:pathLst>
+                <a:path w="0" h="3245468">
+                  <a:moveTo>
+                    <a:pt x="0" y="3245468"/>
+                  </a:moveTo>
+                  <a:lnTo>
+                    <a:pt x="0" y="0"/>
+                  </a:lnTo>
+                  <a:lnTo>
+                    <a:pt x="0" y="0"/>
+                  </a:lnTo>
+                </a:path>
+              </a:pathLst>
+            </a:custGeom>
+            <a:ln w="13550" cap="flat">
+              <a:solidFill>
+                <a:srgbClr val="EBEBEB">
+                  <a:alpha val="100000"/>
+                </a:srgbClr>
+              </a:solidFill>
+              <a:prstDash val="solid"/>
+              <a:round/>
+            </a:ln>
+          </p:spPr>
+          <p:txBody>
+            <a:bodyPr/>
+            <a:lstStyle/>
+            <a:p/>
+          </p:txBody>
+        </p:sp>
+        <p:sp>
+          <p:nvSpPr>
+            <p:cNvPr id="42" name="pl42"/>
+            <p:cNvSpPr/>
+            <p:nvPr/>
+          </p:nvSpPr>
+          <p:spPr>
+            <a:xfrm>
+              <a:off x="4330375" y="1809173"/>
+              <a:ext cx="0" cy="3245468"/>
+            </a:xfrm>
+            <a:custGeom>
+              <a:avLst/>
+              <a:pathLst>
+                <a:path w="0" h="3245468">
+                  <a:moveTo>
+                    <a:pt x="0" y="3245468"/>
+                  </a:moveTo>
+                  <a:lnTo>
+                    <a:pt x="0" y="0"/>
+                  </a:lnTo>
+                  <a:lnTo>
+                    <a:pt x="0" y="0"/>
+                  </a:lnTo>
+                </a:path>
+              </a:pathLst>
+            </a:custGeom>
+            <a:ln w="13550" cap="flat">
+              <a:solidFill>
+                <a:srgbClr val="EBEBEB">
+                  <a:alpha val="100000"/>
+                </a:srgbClr>
+              </a:solidFill>
+              <a:prstDash val="solid"/>
+              <a:round/>
+            </a:ln>
+          </p:spPr>
+          <p:txBody>
+            <a:bodyPr/>
+            <a:lstStyle/>
+            <a:p/>
+          </p:txBody>
+        </p:sp>
+        <p:sp>
+          <p:nvSpPr>
+            <p:cNvPr id="43" name="pl43"/>
+            <p:cNvSpPr/>
+            <p:nvPr/>
+          </p:nvSpPr>
+          <p:spPr>
+            <a:xfrm>
+              <a:off x="4512108" y="1809173"/>
+              <a:ext cx="0" cy="3245468"/>
+            </a:xfrm>
+            <a:custGeom>
+              <a:avLst/>
+              <a:pathLst>
+                <a:path w="0" h="3245468">
+                  <a:moveTo>
+                    <a:pt x="0" y="3245468"/>
+                  </a:moveTo>
+                  <a:lnTo>
+                    <a:pt x="0" y="0"/>
+                  </a:lnTo>
+                  <a:lnTo>
+                    <a:pt x="0" y="0"/>
+                  </a:lnTo>
+                </a:path>
+              </a:pathLst>
+            </a:custGeom>
+            <a:ln w="13550" cap="flat">
+              <a:solidFill>
+                <a:srgbClr val="EBEBEB">
+                  <a:alpha val="100000"/>
+                </a:srgbClr>
+              </a:solidFill>
+              <a:prstDash val="solid"/>
+              <a:round/>
+            </a:ln>
+          </p:spPr>
+          <p:txBody>
+            <a:bodyPr/>
+            <a:lstStyle/>
+            <a:p/>
+          </p:txBody>
+        </p:sp>
+        <p:sp>
+          <p:nvSpPr>
+            <p:cNvPr id="44" name="pl44"/>
+            <p:cNvSpPr/>
+            <p:nvPr/>
+          </p:nvSpPr>
+          <p:spPr>
+            <a:xfrm>
+              <a:off x="4693842" y="1809173"/>
+              <a:ext cx="0" cy="3245468"/>
+            </a:xfrm>
+            <a:custGeom>
+              <a:avLst/>
+              <a:pathLst>
+                <a:path w="0" h="3245468">
+                  <a:moveTo>
+                    <a:pt x="0" y="3245468"/>
+                  </a:moveTo>
+                  <a:lnTo>
+                    <a:pt x="0" y="0"/>
+                  </a:lnTo>
+                  <a:lnTo>
+                    <a:pt x="0" y="0"/>
+                  </a:lnTo>
+                </a:path>
+              </a:pathLst>
+            </a:custGeom>
+            <a:ln w="13550" cap="flat">
+              <a:solidFill>
+                <a:srgbClr val="EBEBEB">
+                  <a:alpha val="100000"/>
+                </a:srgbClr>
+              </a:solidFill>
+              <a:prstDash val="solid"/>
+              <a:round/>
+            </a:ln>
+          </p:spPr>
+          <p:txBody>
+            <a:bodyPr/>
+            <a:lstStyle/>
+            <a:p/>
+          </p:txBody>
+        </p:sp>
+        <p:sp>
+          <p:nvSpPr>
+            <p:cNvPr id="45" name="rc45"/>
+            <p:cNvSpPr/>
+            <p:nvPr/>
+          </p:nvSpPr>
+          <p:spPr>
+            <a:xfrm>
+              <a:off x="3521661" y="4071601"/>
+              <a:ext cx="163560" cy="835518"/>
+            </a:xfrm>
+            <a:prstGeom prst="rect">
+              <a:avLst/>
+            </a:prstGeom>
+            <a:solidFill>
+              <a:srgbClr val="FEE5D9">
+                <a:alpha val="100000"/>
+              </a:srgbClr>
+            </a:solidFill>
+          </p:spPr>
+          <p:txBody>
+            <a:bodyPr/>
+            <a:lstStyle/>
+            <a:p/>
+          </p:txBody>
+        </p:sp>
+        <p:sp>
+          <p:nvSpPr>
+            <p:cNvPr id="46" name="rc46"/>
+            <p:cNvSpPr/>
+            <p:nvPr/>
+          </p:nvSpPr>
+          <p:spPr>
+            <a:xfrm>
+              <a:off x="3703394" y="4463250"/>
+              <a:ext cx="163560" cy="443869"/>
+            </a:xfrm>
+            <a:prstGeom prst="rect">
+              <a:avLst/>
+            </a:prstGeom>
+            <a:solidFill>
+              <a:srgbClr val="FCBBA1">
+                <a:alpha val="100000"/>
+              </a:srgbClr>
+            </a:solidFill>
+          </p:spPr>
+          <p:txBody>
+            <a:bodyPr/>
+            <a:lstStyle/>
+            <a:p/>
+          </p:txBody>
+        </p:sp>
+        <p:sp>
+          <p:nvSpPr>
+            <p:cNvPr id="47" name="rc47"/>
+            <p:cNvSpPr/>
+            <p:nvPr/>
+          </p:nvSpPr>
+          <p:spPr>
+            <a:xfrm>
+              <a:off x="3885128" y="3627732"/>
+              <a:ext cx="163560" cy="1279388"/>
+            </a:xfrm>
+            <a:prstGeom prst="rect">
+              <a:avLst/>
+            </a:prstGeom>
+            <a:solidFill>
+              <a:srgbClr val="FC9272">
+                <a:alpha val="100000"/>
+              </a:srgbClr>
+            </a:solidFill>
+          </p:spPr>
+          <p:txBody>
+            <a:bodyPr/>
+            <a:lstStyle/>
+            <a:p/>
+          </p:txBody>
+        </p:sp>
+        <p:sp>
+          <p:nvSpPr>
+            <p:cNvPr id="48" name="rc48"/>
+            <p:cNvSpPr/>
+            <p:nvPr/>
+          </p:nvSpPr>
+          <p:spPr>
+            <a:xfrm>
+              <a:off x="4066861" y="3366632"/>
+              <a:ext cx="163560" cy="1540487"/>
+            </a:xfrm>
+            <a:prstGeom prst="rect">
+              <a:avLst/>
+            </a:prstGeom>
+            <a:solidFill>
+              <a:srgbClr val="FB6A4A">
+                <a:alpha val="100000"/>
+              </a:srgbClr>
+            </a:solidFill>
+          </p:spPr>
+          <p:txBody>
+            <a:bodyPr/>
+            <a:lstStyle/>
+            <a:p/>
+          </p:txBody>
+        </p:sp>
+        <p:sp>
+          <p:nvSpPr>
+            <p:cNvPr id="49" name="rc49"/>
+            <p:cNvSpPr/>
+            <p:nvPr/>
+          </p:nvSpPr>
+          <p:spPr>
+            <a:xfrm>
+              <a:off x="4248594" y="4332700"/>
+              <a:ext cx="163560" cy="574419"/>
+            </a:xfrm>
+            <a:prstGeom prst="rect">
+              <a:avLst/>
+            </a:prstGeom>
+            <a:solidFill>
+              <a:srgbClr val="EF3B2C">
+                <a:alpha val="100000"/>
+              </a:srgbClr>
+            </a:solidFill>
+          </p:spPr>
+          <p:txBody>
+            <a:bodyPr/>
+            <a:lstStyle/>
+            <a:p/>
+          </p:txBody>
+        </p:sp>
+        <p:sp>
+          <p:nvSpPr>
+            <p:cNvPr id="50" name="rc50"/>
+            <p:cNvSpPr/>
+            <p:nvPr/>
+          </p:nvSpPr>
+          <p:spPr>
+            <a:xfrm>
+              <a:off x="4430328" y="3236082"/>
+              <a:ext cx="163560" cy="1671037"/>
+            </a:xfrm>
+            <a:prstGeom prst="rect">
+              <a:avLst/>
+            </a:prstGeom>
+            <a:solidFill>
+              <a:srgbClr val="CB181D">
+                <a:alpha val="100000"/>
+              </a:srgbClr>
+            </a:solidFill>
+          </p:spPr>
+          <p:txBody>
+            <a:bodyPr/>
+            <a:lstStyle/>
+            <a:p/>
+          </p:txBody>
+        </p:sp>
+        <p:sp>
+          <p:nvSpPr>
+            <p:cNvPr id="51" name="rc51"/>
+            <p:cNvSpPr/>
+            <p:nvPr/>
+          </p:nvSpPr>
+          <p:spPr>
+            <a:xfrm>
+              <a:off x="4612061" y="4489360"/>
+              <a:ext cx="163560" cy="417759"/>
+            </a:xfrm>
+            <a:prstGeom prst="rect">
+              <a:avLst/>
+            </a:prstGeom>
+            <a:solidFill>
+              <a:srgbClr val="99000D">
+                <a:alpha val="100000"/>
+              </a:srgbClr>
+            </a:solidFill>
+          </p:spPr>
+          <p:txBody>
+            <a:bodyPr/>
+            <a:lstStyle/>
+            <a:p/>
+          </p:txBody>
+        </p:sp>
+        <p:sp>
+          <p:nvSpPr>
+            <p:cNvPr id="52" name="rc52"/>
+            <p:cNvSpPr/>
+            <p:nvPr/>
+          </p:nvSpPr>
+          <p:spPr>
+            <a:xfrm>
+              <a:off x="3494401" y="1809173"/>
+              <a:ext cx="1308481" cy="3245468"/>
+            </a:xfrm>
+            <a:prstGeom prst="rect">
+              <a:avLst/>
+            </a:prstGeom>
+            <a:ln w="13550" cap="rnd">
+              <a:solidFill>
+                <a:srgbClr val="333333">
+                  <a:alpha val="100000"/>
+                </a:srgbClr>
+              </a:solidFill>
+              <a:prstDash val="solid"/>
+              <a:round/>
+            </a:ln>
+          </p:spPr>
+          <p:txBody>
+            <a:bodyPr/>
+            <a:lstStyle/>
+            <a:p/>
+          </p:txBody>
+        </p:sp>
+        <p:sp>
+          <p:nvSpPr>
+            <p:cNvPr id="53" name="rc53"/>
+            <p:cNvSpPr/>
+            <p:nvPr/>
+          </p:nvSpPr>
+          <p:spPr>
+            <a:xfrm>
+              <a:off x="4872471" y="1809173"/>
+              <a:ext cx="1308481" cy="3245468"/>
+            </a:xfrm>
+            <a:prstGeom prst="rect">
+              <a:avLst/>
+            </a:prstGeom>
+            <a:solidFill>
+              <a:srgbClr val="FFFFFF">
+                <a:alpha val="100000"/>
+              </a:srgbClr>
+            </a:solidFill>
+          </p:spPr>
+          <p:txBody>
+            <a:bodyPr/>
+            <a:lstStyle/>
+            <a:p/>
+          </p:txBody>
+        </p:sp>
+        <p:sp>
+          <p:nvSpPr>
+            <p:cNvPr id="54" name="pl54"/>
+            <p:cNvSpPr/>
+            <p:nvPr/>
+          </p:nvSpPr>
+          <p:spPr>
+            <a:xfrm>
+              <a:off x="4872471" y="4515470"/>
+              <a:ext cx="1308481" cy="0"/>
+            </a:xfrm>
+            <a:custGeom>
+              <a:avLst/>
+              <a:pathLst>
+                <a:path w="1308481" h="0">
+                  <a:moveTo>
+                    <a:pt x="0" y="0"/>
+                  </a:moveTo>
+                  <a:lnTo>
+                    <a:pt x="1308481" y="0"/>
+                  </a:lnTo>
+                  <a:lnTo>
+                    <a:pt x="1308481" y="0"/>
+                  </a:lnTo>
+                </a:path>
+              </a:pathLst>
+            </a:custGeom>
+            <a:ln w="6775" cap="flat">
+              <a:solidFill>
+                <a:srgbClr val="EBEBEB">
+                  <a:alpha val="100000"/>
+                </a:srgbClr>
+              </a:solidFill>
+              <a:prstDash val="solid"/>
+              <a:round/>
+            </a:ln>
+          </p:spPr>
+          <p:txBody>
+            <a:bodyPr/>
+            <a:lstStyle/>
+            <a:p/>
+          </p:txBody>
+        </p:sp>
+        <p:sp>
+          <p:nvSpPr>
+            <p:cNvPr id="55" name="pl55"/>
+            <p:cNvSpPr/>
+            <p:nvPr/>
+          </p:nvSpPr>
+          <p:spPr>
+            <a:xfrm>
+              <a:off x="4872471" y="3732171"/>
+              <a:ext cx="1308481" cy="0"/>
+            </a:xfrm>
+            <a:custGeom>
+              <a:avLst/>
+              <a:pathLst>
+                <a:path w="1308481" h="0">
+                  <a:moveTo>
+                    <a:pt x="0" y="0"/>
+                  </a:moveTo>
+                  <a:lnTo>
+                    <a:pt x="1308481" y="0"/>
+                  </a:lnTo>
+                  <a:lnTo>
+                    <a:pt x="1308481" y="0"/>
+                  </a:lnTo>
+                </a:path>
+              </a:pathLst>
+            </a:custGeom>
+            <a:ln w="6775" cap="flat">
+              <a:solidFill>
+                <a:srgbClr val="EBEBEB">
+                  <a:alpha val="100000"/>
+                </a:srgbClr>
+              </a:solidFill>
+              <a:prstDash val="solid"/>
+              <a:round/>
+            </a:ln>
+          </p:spPr>
+          <p:txBody>
+            <a:bodyPr/>
+            <a:lstStyle/>
+            <a:p/>
+          </p:txBody>
+        </p:sp>
+        <p:sp>
+          <p:nvSpPr>
+            <p:cNvPr id="56" name="pl56"/>
+            <p:cNvSpPr/>
+            <p:nvPr/>
+          </p:nvSpPr>
+          <p:spPr>
+            <a:xfrm>
+              <a:off x="4872471" y="2948872"/>
+              <a:ext cx="1308481" cy="0"/>
+            </a:xfrm>
+            <a:custGeom>
+              <a:avLst/>
+              <a:pathLst>
+                <a:path w="1308481" h="0">
+                  <a:moveTo>
+                    <a:pt x="0" y="0"/>
+                  </a:moveTo>
+                  <a:lnTo>
+                    <a:pt x="1308481" y="0"/>
+                  </a:lnTo>
+                  <a:lnTo>
+                    <a:pt x="1308481" y="0"/>
+                  </a:lnTo>
+                </a:path>
+              </a:pathLst>
+            </a:custGeom>
+            <a:ln w="6775" cap="flat">
+              <a:solidFill>
+                <a:srgbClr val="EBEBEB">
+                  <a:alpha val="100000"/>
+                </a:srgbClr>
+              </a:solidFill>
+              <a:prstDash val="solid"/>
+              <a:round/>
+            </a:ln>
+          </p:spPr>
+          <p:txBody>
+            <a:bodyPr/>
+            <a:lstStyle/>
+            <a:p/>
+          </p:txBody>
+        </p:sp>
+        <p:sp>
+          <p:nvSpPr>
+            <p:cNvPr id="57" name="pl57"/>
+            <p:cNvSpPr/>
+            <p:nvPr/>
+          </p:nvSpPr>
+          <p:spPr>
+            <a:xfrm>
+              <a:off x="4872471" y="2165574"/>
+              <a:ext cx="1308481" cy="0"/>
+            </a:xfrm>
+            <a:custGeom>
+              <a:avLst/>
+              <a:pathLst>
+                <a:path w="1308481" h="0">
+                  <a:moveTo>
+                    <a:pt x="0" y="0"/>
+                  </a:moveTo>
+                  <a:lnTo>
+                    <a:pt x="1308481" y="0"/>
+                  </a:lnTo>
+                  <a:lnTo>
+                    <a:pt x="1308481" y="0"/>
+                  </a:lnTo>
+                </a:path>
+              </a:pathLst>
+            </a:custGeom>
+            <a:ln w="6775" cap="flat">
+              <a:solidFill>
+                <a:srgbClr val="EBEBEB">
+                  <a:alpha val="100000"/>
+                </a:srgbClr>
+              </a:solidFill>
+              <a:prstDash val="solid"/>
+              <a:round/>
+            </a:ln>
+          </p:spPr>
+          <p:txBody>
+            <a:bodyPr/>
+            <a:lstStyle/>
+            <a:p/>
+          </p:txBody>
+        </p:sp>
+        <p:sp>
+          <p:nvSpPr>
+            <p:cNvPr id="58" name="pl58"/>
+            <p:cNvSpPr/>
+            <p:nvPr/>
+          </p:nvSpPr>
+          <p:spPr>
+            <a:xfrm>
+              <a:off x="4872471" y="4907120"/>
+              <a:ext cx="1308481" cy="0"/>
+            </a:xfrm>
+            <a:custGeom>
+              <a:avLst/>
+              <a:pathLst>
+                <a:path w="1308481" h="0">
+                  <a:moveTo>
+                    <a:pt x="0" y="0"/>
+                  </a:moveTo>
+                  <a:lnTo>
+                    <a:pt x="1308481" y="0"/>
+                  </a:lnTo>
+                  <a:lnTo>
+                    <a:pt x="1308481" y="0"/>
+                  </a:lnTo>
+                </a:path>
+              </a:pathLst>
+            </a:custGeom>
+            <a:ln w="13550" cap="flat">
+              <a:solidFill>
+                <a:srgbClr val="EBEBEB">
+                  <a:alpha val="100000"/>
+                </a:srgbClr>
+              </a:solidFill>
+              <a:prstDash val="solid"/>
+              <a:round/>
+            </a:ln>
+          </p:spPr>
+          <p:txBody>
+            <a:bodyPr/>
+            <a:lstStyle/>
+            <a:p/>
+          </p:txBody>
+        </p:sp>
+        <p:sp>
+          <p:nvSpPr>
+            <p:cNvPr id="59" name="pl59"/>
+            <p:cNvSpPr/>
+            <p:nvPr/>
+          </p:nvSpPr>
+          <p:spPr>
+            <a:xfrm>
+              <a:off x="4872471" y="4123821"/>
+              <a:ext cx="1308481" cy="0"/>
+            </a:xfrm>
+            <a:custGeom>
+              <a:avLst/>
+              <a:pathLst>
+                <a:path w="1308481" h="0">
+                  <a:moveTo>
+                    <a:pt x="0" y="0"/>
+                  </a:moveTo>
+                  <a:lnTo>
+                    <a:pt x="1308481" y="0"/>
+                  </a:lnTo>
+                  <a:lnTo>
+                    <a:pt x="1308481" y="0"/>
+                  </a:lnTo>
+                </a:path>
+              </a:pathLst>
+            </a:custGeom>
+            <a:ln w="13550" cap="flat">
+              <a:solidFill>
+                <a:srgbClr val="EBEBEB">
+                  <a:alpha val="100000"/>
+                </a:srgbClr>
+              </a:solidFill>
+              <a:prstDash val="solid"/>
+              <a:round/>
+            </a:ln>
+          </p:spPr>
+          <p:txBody>
+            <a:bodyPr/>
+            <a:lstStyle/>
+            <a:p/>
+          </p:txBody>
+        </p:sp>
+        <p:sp>
+          <p:nvSpPr>
+            <p:cNvPr id="60" name="pl60"/>
+            <p:cNvSpPr/>
+            <p:nvPr/>
+          </p:nvSpPr>
+          <p:spPr>
+            <a:xfrm>
+              <a:off x="4872471" y="3340522"/>
+              <a:ext cx="1308481" cy="0"/>
+            </a:xfrm>
+            <a:custGeom>
+              <a:avLst/>
+              <a:pathLst>
+                <a:path w="1308481" h="0">
+                  <a:moveTo>
+                    <a:pt x="0" y="0"/>
+                  </a:moveTo>
+                  <a:lnTo>
+                    <a:pt x="1308481" y="0"/>
+                  </a:lnTo>
+                  <a:lnTo>
+                    <a:pt x="1308481" y="0"/>
+                  </a:lnTo>
+                </a:path>
+              </a:pathLst>
+            </a:custGeom>
+            <a:ln w="13550" cap="flat">
+              <a:solidFill>
+                <a:srgbClr val="EBEBEB">
+                  <a:alpha val="100000"/>
+                </a:srgbClr>
+              </a:solidFill>
+              <a:prstDash val="solid"/>
+              <a:round/>
+            </a:ln>
+          </p:spPr>
+          <p:txBody>
+            <a:bodyPr/>
+            <a:lstStyle/>
+            <a:p/>
+          </p:txBody>
+        </p:sp>
+        <p:sp>
+          <p:nvSpPr>
+            <p:cNvPr id="61" name="pl61"/>
+            <p:cNvSpPr/>
+            <p:nvPr/>
+          </p:nvSpPr>
+          <p:spPr>
+            <a:xfrm>
+              <a:off x="4872471" y="2557223"/>
+              <a:ext cx="1308481" cy="0"/>
+            </a:xfrm>
+            <a:custGeom>
+              <a:avLst/>
+              <a:pathLst>
+                <a:path w="1308481" h="0">
+                  <a:moveTo>
+                    <a:pt x="0" y="0"/>
+                  </a:moveTo>
+                  <a:lnTo>
+                    <a:pt x="1308481" y="0"/>
+                  </a:lnTo>
+                  <a:lnTo>
+                    <a:pt x="1308481" y="0"/>
+                  </a:lnTo>
+                </a:path>
+              </a:pathLst>
+            </a:custGeom>
+            <a:ln w="13550" cap="flat">
+              <a:solidFill>
+                <a:srgbClr val="EBEBEB">
+                  <a:alpha val="100000"/>
+                </a:srgbClr>
+              </a:solidFill>
+              <a:prstDash val="solid"/>
+              <a:round/>
+            </a:ln>
+          </p:spPr>
+          <p:txBody>
+            <a:bodyPr/>
+            <a:lstStyle/>
+            <a:p/>
+          </p:txBody>
+        </p:sp>
+        <p:sp>
+          <p:nvSpPr>
+            <p:cNvPr id="62" name="pl62"/>
+            <p:cNvSpPr/>
+            <p:nvPr/>
+          </p:nvSpPr>
+          <p:spPr>
+            <a:xfrm>
+              <a:off x="4981511" y="1809173"/>
+              <a:ext cx="0" cy="3245468"/>
+            </a:xfrm>
+            <a:custGeom>
+              <a:avLst/>
+              <a:pathLst>
+                <a:path w="0" h="3245468">
+                  <a:moveTo>
+                    <a:pt x="0" y="3245468"/>
+                  </a:moveTo>
+                  <a:lnTo>
+                    <a:pt x="0" y="0"/>
+                  </a:lnTo>
+                  <a:lnTo>
+                    <a:pt x="0" y="0"/>
+                  </a:lnTo>
+                </a:path>
+              </a:pathLst>
+            </a:custGeom>
+            <a:ln w="13550" cap="flat">
+              <a:solidFill>
+                <a:srgbClr val="EBEBEB">
+                  <a:alpha val="100000"/>
+                </a:srgbClr>
+              </a:solidFill>
+              <a:prstDash val="solid"/>
+              <a:round/>
+            </a:ln>
+          </p:spPr>
+          <p:txBody>
+            <a:bodyPr/>
+            <a:lstStyle/>
+            <a:p/>
+          </p:txBody>
+        </p:sp>
+        <p:sp>
+          <p:nvSpPr>
+            <p:cNvPr id="63" name="pl63"/>
+            <p:cNvSpPr/>
+            <p:nvPr/>
+          </p:nvSpPr>
+          <p:spPr>
+            <a:xfrm>
+              <a:off x="5163244" y="1809173"/>
+              <a:ext cx="0" cy="3245468"/>
+            </a:xfrm>
+            <a:custGeom>
+              <a:avLst/>
+              <a:pathLst>
+                <a:path w="0" h="3245468">
+                  <a:moveTo>
+                    <a:pt x="0" y="3245468"/>
+                  </a:moveTo>
+                  <a:lnTo>
+                    <a:pt x="0" y="0"/>
+                  </a:lnTo>
+                  <a:lnTo>
+                    <a:pt x="0" y="0"/>
+                  </a:lnTo>
+                </a:path>
+              </a:pathLst>
+            </a:custGeom>
+            <a:ln w="13550" cap="flat">
+              <a:solidFill>
+                <a:srgbClr val="EBEBEB">
+                  <a:alpha val="100000"/>
+                </a:srgbClr>
+              </a:solidFill>
+              <a:prstDash val="solid"/>
+              <a:round/>
+            </a:ln>
+          </p:spPr>
+          <p:txBody>
+            <a:bodyPr/>
+            <a:lstStyle/>
+            <a:p/>
+          </p:txBody>
+        </p:sp>
+        <p:sp>
+          <p:nvSpPr>
+            <p:cNvPr id="64" name="pl64"/>
+            <p:cNvSpPr/>
+            <p:nvPr/>
+          </p:nvSpPr>
+          <p:spPr>
+            <a:xfrm>
+              <a:off x="5344978" y="1809173"/>
+              <a:ext cx="0" cy="3245468"/>
+            </a:xfrm>
+            <a:custGeom>
+              <a:avLst/>
+              <a:pathLst>
+                <a:path w="0" h="3245468">
+                  <a:moveTo>
+                    <a:pt x="0" y="3245468"/>
+                  </a:moveTo>
+                  <a:lnTo>
+                    <a:pt x="0" y="0"/>
+                  </a:lnTo>
+                  <a:lnTo>
+                    <a:pt x="0" y="0"/>
+                  </a:lnTo>
+                </a:path>
+              </a:pathLst>
+            </a:custGeom>
+            <a:ln w="13550" cap="flat">
+              <a:solidFill>
+                <a:srgbClr val="EBEBEB">
+                  <a:alpha val="100000"/>
+                </a:srgbClr>
+              </a:solidFill>
+              <a:prstDash val="solid"/>
+              <a:round/>
+            </a:ln>
+          </p:spPr>
+          <p:txBody>
+            <a:bodyPr/>
+            <a:lstStyle/>
+            <a:p/>
+          </p:txBody>
+        </p:sp>
+        <p:sp>
+          <p:nvSpPr>
+            <p:cNvPr id="65" name="pl65"/>
+            <p:cNvSpPr/>
+            <p:nvPr/>
+          </p:nvSpPr>
+          <p:spPr>
+            <a:xfrm>
+              <a:off x="5526711" y="1809173"/>
+              <a:ext cx="0" cy="3245468"/>
+            </a:xfrm>
+            <a:custGeom>
+              <a:avLst/>
+              <a:pathLst>
+                <a:path w="0" h="3245468">
+                  <a:moveTo>
+                    <a:pt x="0" y="3245468"/>
+                  </a:moveTo>
+                  <a:lnTo>
+                    <a:pt x="0" y="0"/>
+                  </a:lnTo>
+                  <a:lnTo>
+                    <a:pt x="0" y="0"/>
+                  </a:lnTo>
+                </a:path>
+              </a:pathLst>
+            </a:custGeom>
+            <a:ln w="13550" cap="flat">
+              <a:solidFill>
+                <a:srgbClr val="EBEBEB">
+                  <a:alpha val="100000"/>
+                </a:srgbClr>
+              </a:solidFill>
+              <a:prstDash val="solid"/>
+              <a:round/>
+            </a:ln>
+          </p:spPr>
+          <p:txBody>
+            <a:bodyPr/>
+            <a:lstStyle/>
+            <a:p/>
+          </p:txBody>
+        </p:sp>
+        <p:sp>
+          <p:nvSpPr>
+            <p:cNvPr id="66" name="pl66"/>
+            <p:cNvSpPr/>
+            <p:nvPr/>
+          </p:nvSpPr>
+          <p:spPr>
+            <a:xfrm>
+              <a:off x="5708445" y="1809173"/>
+              <a:ext cx="0" cy="3245468"/>
+            </a:xfrm>
+            <a:custGeom>
+              <a:avLst/>
+              <a:pathLst>
+                <a:path w="0" h="3245468">
+                  <a:moveTo>
+                    <a:pt x="0" y="3245468"/>
+                  </a:moveTo>
+                  <a:lnTo>
+                    <a:pt x="0" y="0"/>
+                  </a:lnTo>
+                  <a:lnTo>
+                    <a:pt x="0" y="0"/>
+                  </a:lnTo>
+                </a:path>
+              </a:pathLst>
+            </a:custGeom>
+            <a:ln w="13550" cap="flat">
+              <a:solidFill>
+                <a:srgbClr val="EBEBEB">
+                  <a:alpha val="100000"/>
+                </a:srgbClr>
+              </a:solidFill>
+              <a:prstDash val="solid"/>
+              <a:round/>
+            </a:ln>
+          </p:spPr>
+          <p:txBody>
+            <a:bodyPr/>
+            <a:lstStyle/>
+            <a:p/>
+          </p:txBody>
+        </p:sp>
+        <p:sp>
+          <p:nvSpPr>
+            <p:cNvPr id="67" name="pl67"/>
+            <p:cNvSpPr/>
+            <p:nvPr/>
+          </p:nvSpPr>
+          <p:spPr>
+            <a:xfrm>
+              <a:off x="5890178" y="1809173"/>
+              <a:ext cx="0" cy="3245468"/>
+            </a:xfrm>
+            <a:custGeom>
+              <a:avLst/>
+              <a:pathLst>
+                <a:path w="0" h="3245468">
+                  <a:moveTo>
+                    <a:pt x="0" y="3245468"/>
+                  </a:moveTo>
+                  <a:lnTo>
+                    <a:pt x="0" y="0"/>
+                  </a:lnTo>
+                  <a:lnTo>
+                    <a:pt x="0" y="0"/>
+                  </a:lnTo>
+                </a:path>
+              </a:pathLst>
+            </a:custGeom>
+            <a:ln w="13550" cap="flat">
+              <a:solidFill>
+                <a:srgbClr val="EBEBEB">
+                  <a:alpha val="100000"/>
+                </a:srgbClr>
+              </a:solidFill>
+              <a:prstDash val="solid"/>
+              <a:round/>
+            </a:ln>
+          </p:spPr>
+          <p:txBody>
+            <a:bodyPr/>
+            <a:lstStyle/>
+            <a:p/>
+          </p:txBody>
+        </p:sp>
+        <p:sp>
+          <p:nvSpPr>
+            <p:cNvPr id="68" name="pl68"/>
+            <p:cNvSpPr/>
+            <p:nvPr/>
+          </p:nvSpPr>
+          <p:spPr>
+            <a:xfrm>
+              <a:off x="6071912" y="1809173"/>
+              <a:ext cx="0" cy="3245468"/>
+            </a:xfrm>
+            <a:custGeom>
+              <a:avLst/>
+              <a:pathLst>
+                <a:path w="0" h="3245468">
+                  <a:moveTo>
+                    <a:pt x="0" y="3245468"/>
+                  </a:moveTo>
+                  <a:lnTo>
+                    <a:pt x="0" y="0"/>
+                  </a:lnTo>
+                  <a:lnTo>
+                    <a:pt x="0" y="0"/>
+                  </a:lnTo>
+                </a:path>
+              </a:pathLst>
+            </a:custGeom>
+            <a:ln w="13550" cap="flat">
+              <a:solidFill>
+                <a:srgbClr val="EBEBEB">
+                  <a:alpha val="100000"/>
+                </a:srgbClr>
+              </a:solidFill>
+              <a:prstDash val="solid"/>
+              <a:round/>
+            </a:ln>
+          </p:spPr>
+          <p:txBody>
+            <a:bodyPr/>
+            <a:lstStyle/>
+            <a:p/>
+          </p:txBody>
+        </p:sp>
+        <p:sp>
+          <p:nvSpPr>
+            <p:cNvPr id="69" name="rc69"/>
+            <p:cNvSpPr/>
+            <p:nvPr/>
+          </p:nvSpPr>
+          <p:spPr>
+            <a:xfrm>
+              <a:off x="4899731" y="4802680"/>
+              <a:ext cx="163560" cy="104439"/>
+            </a:xfrm>
+            <a:prstGeom prst="rect">
+              <a:avLst/>
+            </a:prstGeom>
+            <a:solidFill>
+              <a:srgbClr val="FEE5D9">
+                <a:alpha val="100000"/>
+              </a:srgbClr>
+            </a:solidFill>
+          </p:spPr>
+          <p:txBody>
+            <a:bodyPr/>
+            <a:lstStyle/>
+            <a:p/>
+          </p:txBody>
+        </p:sp>
+        <p:sp>
+          <p:nvSpPr>
+            <p:cNvPr id="70" name="rc70"/>
+            <p:cNvSpPr/>
+            <p:nvPr/>
+          </p:nvSpPr>
+          <p:spPr>
+            <a:xfrm>
+              <a:off x="5081464" y="4724350"/>
+              <a:ext cx="163560" cy="182769"/>
+            </a:xfrm>
+            <a:prstGeom prst="rect">
+              <a:avLst/>
+            </a:prstGeom>
+            <a:solidFill>
+              <a:srgbClr val="FCBBA1">
+                <a:alpha val="100000"/>
+              </a:srgbClr>
+            </a:solidFill>
+          </p:spPr>
+          <p:txBody>
+            <a:bodyPr/>
+            <a:lstStyle/>
+            <a:p/>
+          </p:txBody>
+        </p:sp>
+        <p:sp>
+          <p:nvSpPr>
+            <p:cNvPr id="71" name="rc71"/>
+            <p:cNvSpPr/>
+            <p:nvPr/>
+          </p:nvSpPr>
+          <p:spPr>
+            <a:xfrm>
+              <a:off x="5263198" y="4593800"/>
+              <a:ext cx="163560" cy="313319"/>
+            </a:xfrm>
+            <a:prstGeom prst="rect">
+              <a:avLst/>
+            </a:prstGeom>
+            <a:solidFill>
+              <a:srgbClr val="FC9272">
+                <a:alpha val="100000"/>
+              </a:srgbClr>
+            </a:solidFill>
+          </p:spPr>
+          <p:txBody>
+            <a:bodyPr/>
+            <a:lstStyle/>
+            <a:p/>
+          </p:txBody>
+        </p:sp>
+        <p:sp>
+          <p:nvSpPr>
+            <p:cNvPr id="72" name="rc72"/>
+            <p:cNvSpPr/>
+            <p:nvPr/>
+          </p:nvSpPr>
+          <p:spPr>
+            <a:xfrm>
+              <a:off x="5444931" y="4149931"/>
+              <a:ext cx="163560" cy="757188"/>
+            </a:xfrm>
+            <a:prstGeom prst="rect">
+              <a:avLst/>
+            </a:prstGeom>
+            <a:solidFill>
+              <a:srgbClr val="FB6A4A">
+                <a:alpha val="100000"/>
+              </a:srgbClr>
+            </a:solidFill>
+          </p:spPr>
+          <p:txBody>
+            <a:bodyPr/>
+            <a:lstStyle/>
+            <a:p/>
+          </p:txBody>
+        </p:sp>
+        <p:sp>
+          <p:nvSpPr>
+            <p:cNvPr id="73" name="rc73"/>
+            <p:cNvSpPr/>
+            <p:nvPr/>
+          </p:nvSpPr>
+          <p:spPr>
+            <a:xfrm>
+              <a:off x="5626665" y="4646020"/>
+              <a:ext cx="163560" cy="261099"/>
+            </a:xfrm>
+            <a:prstGeom prst="rect">
+              <a:avLst/>
+            </a:prstGeom>
+            <a:solidFill>
+              <a:srgbClr val="EF3B2C">
+                <a:alpha val="100000"/>
+              </a:srgbClr>
+            </a:solidFill>
+          </p:spPr>
+          <p:txBody>
+            <a:bodyPr/>
+            <a:lstStyle/>
+            <a:p/>
+          </p:txBody>
+        </p:sp>
+        <p:sp>
+          <p:nvSpPr>
+            <p:cNvPr id="74" name="rc74"/>
+            <p:cNvSpPr/>
+            <p:nvPr/>
+          </p:nvSpPr>
+          <p:spPr>
+            <a:xfrm>
+              <a:off x="5808398" y="4437140"/>
+              <a:ext cx="163560" cy="469979"/>
+            </a:xfrm>
+            <a:prstGeom prst="rect">
+              <a:avLst/>
+            </a:prstGeom>
+            <a:solidFill>
+              <a:srgbClr val="CB181D">
+                <a:alpha val="100000"/>
+              </a:srgbClr>
+            </a:solidFill>
+          </p:spPr>
+          <p:txBody>
+            <a:bodyPr/>
+            <a:lstStyle/>
+            <a:p/>
+          </p:txBody>
+        </p:sp>
+        <p:sp>
+          <p:nvSpPr>
+            <p:cNvPr id="75" name="rc75"/>
+            <p:cNvSpPr/>
+            <p:nvPr/>
+          </p:nvSpPr>
+          <p:spPr>
+            <a:xfrm>
+              <a:off x="5990132" y="4750460"/>
+              <a:ext cx="163560" cy="156659"/>
+            </a:xfrm>
+            <a:prstGeom prst="rect">
+              <a:avLst/>
+            </a:prstGeom>
+            <a:solidFill>
+              <a:srgbClr val="99000D">
+                <a:alpha val="100000"/>
+              </a:srgbClr>
+            </a:solidFill>
+          </p:spPr>
+          <p:txBody>
+            <a:bodyPr/>
+            <a:lstStyle/>
+            <a:p/>
+          </p:txBody>
+        </p:sp>
+        <p:sp>
+          <p:nvSpPr>
+            <p:cNvPr id="76" name="rc76"/>
+            <p:cNvSpPr/>
+            <p:nvPr/>
+          </p:nvSpPr>
+          <p:spPr>
+            <a:xfrm>
+              <a:off x="4872471" y="1809173"/>
+              <a:ext cx="1308481" cy="3245468"/>
+            </a:xfrm>
+            <a:prstGeom prst="rect">
+              <a:avLst/>
+            </a:prstGeom>
+            <a:ln w="13550" cap="rnd">
+              <a:solidFill>
+                <a:srgbClr val="333333">
+                  <a:alpha val="100000"/>
+                </a:srgbClr>
+              </a:solidFill>
+              <a:prstDash val="solid"/>
+              <a:round/>
+            </a:ln>
+          </p:spPr>
+          <p:txBody>
+            <a:bodyPr/>
+            <a:lstStyle/>
+            <a:p/>
+          </p:txBody>
+        </p:sp>
+        <p:sp>
+          <p:nvSpPr>
+            <p:cNvPr id="77" name="rc77"/>
+            <p:cNvSpPr/>
+            <p:nvPr/>
+          </p:nvSpPr>
+          <p:spPr>
+            <a:xfrm>
+              <a:off x="6250541" y="1809173"/>
+              <a:ext cx="1308481" cy="3245468"/>
+            </a:xfrm>
+            <a:prstGeom prst="rect">
+              <a:avLst/>
+            </a:prstGeom>
+            <a:solidFill>
+              <a:srgbClr val="FFFFFF">
+                <a:alpha val="100000"/>
+              </a:srgbClr>
+            </a:solidFill>
+          </p:spPr>
+          <p:txBody>
+            <a:bodyPr/>
+            <a:lstStyle/>
+            <a:p/>
+          </p:txBody>
+        </p:sp>
+        <p:sp>
+          <p:nvSpPr>
+            <p:cNvPr id="78" name="pl78"/>
+            <p:cNvSpPr/>
+            <p:nvPr/>
+          </p:nvSpPr>
+          <p:spPr>
+            <a:xfrm>
+              <a:off x="6250541" y="4515470"/>
+              <a:ext cx="1308481" cy="0"/>
+            </a:xfrm>
+            <a:custGeom>
+              <a:avLst/>
+              <a:pathLst>
+                <a:path w="1308481" h="0">
+                  <a:moveTo>
+                    <a:pt x="0" y="0"/>
+                  </a:moveTo>
+                  <a:lnTo>
+                    <a:pt x="1308481" y="0"/>
+                  </a:lnTo>
+                  <a:lnTo>
+                    <a:pt x="1308481" y="0"/>
+                  </a:lnTo>
+                </a:path>
+              </a:pathLst>
+            </a:custGeom>
+            <a:ln w="6775" cap="flat">
+              <a:solidFill>
+                <a:srgbClr val="EBEBEB">
+                  <a:alpha val="100000"/>
+                </a:srgbClr>
+              </a:solidFill>
+              <a:prstDash val="solid"/>
+              <a:round/>
+            </a:ln>
+          </p:spPr>
+          <p:txBody>
+            <a:bodyPr/>
+            <a:lstStyle/>
+            <a:p/>
+          </p:txBody>
+        </p:sp>
+        <p:sp>
+          <p:nvSpPr>
+            <p:cNvPr id="79" name="pl79"/>
+            <p:cNvSpPr/>
+            <p:nvPr/>
+          </p:nvSpPr>
+          <p:spPr>
+            <a:xfrm>
+              <a:off x="6250541" y="3732171"/>
+              <a:ext cx="1308481" cy="0"/>
+            </a:xfrm>
+            <a:custGeom>
+              <a:avLst/>
+              <a:pathLst>
+                <a:path w="1308481" h="0">
+                  <a:moveTo>
+                    <a:pt x="0" y="0"/>
+                  </a:moveTo>
+                  <a:lnTo>
+                    <a:pt x="1308481" y="0"/>
+                  </a:lnTo>
+                  <a:lnTo>
+                    <a:pt x="1308481" y="0"/>
+                  </a:lnTo>
+                </a:path>
+              </a:pathLst>
+            </a:custGeom>
+            <a:ln w="6775" cap="flat">
+              <a:solidFill>
+                <a:srgbClr val="EBEBEB">
+                  <a:alpha val="100000"/>
+                </a:srgbClr>
+              </a:solidFill>
+              <a:prstDash val="solid"/>
+              <a:round/>
+            </a:ln>
+          </p:spPr>
+          <p:txBody>
+            <a:bodyPr/>
+            <a:lstStyle/>
+            <a:p/>
+          </p:txBody>
+        </p:sp>
+        <p:sp>
+          <p:nvSpPr>
+            <p:cNvPr id="80" name="pl80"/>
+            <p:cNvSpPr/>
+            <p:nvPr/>
+          </p:nvSpPr>
+          <p:spPr>
+            <a:xfrm>
+              <a:off x="6250541" y="2948872"/>
+              <a:ext cx="1308481" cy="0"/>
+            </a:xfrm>
+            <a:custGeom>
+              <a:avLst/>
+              <a:pathLst>
+                <a:path w="1308481" h="0">
+                  <a:moveTo>
+                    <a:pt x="0" y="0"/>
+                  </a:moveTo>
+                  <a:lnTo>
+                    <a:pt x="1308481" y="0"/>
+                  </a:lnTo>
+                  <a:lnTo>
+                    <a:pt x="1308481" y="0"/>
+                  </a:lnTo>
+                </a:path>
+              </a:pathLst>
+            </a:custGeom>
+            <a:ln w="6775" cap="flat">
+              <a:solidFill>
+                <a:srgbClr val="EBEBEB">
+                  <a:alpha val="100000"/>
+                </a:srgbClr>
+              </a:solidFill>
+              <a:prstDash val="solid"/>
+              <a:round/>
+            </a:ln>
+          </p:spPr>
+          <p:txBody>
+            <a:bodyPr/>
+            <a:lstStyle/>
+            <a:p/>
+          </p:txBody>
+        </p:sp>
+        <p:sp>
+          <p:nvSpPr>
+            <p:cNvPr id="81" name="pl81"/>
+            <p:cNvSpPr/>
+            <p:nvPr/>
+          </p:nvSpPr>
+          <p:spPr>
+            <a:xfrm>
+              <a:off x="6250541" y="2165574"/>
+              <a:ext cx="1308481" cy="0"/>
+            </a:xfrm>
+            <a:custGeom>
+              <a:avLst/>
+              <a:pathLst>
+                <a:path w="1308481" h="0">
+                  <a:moveTo>
+                    <a:pt x="0" y="0"/>
+                  </a:moveTo>
+                  <a:lnTo>
+                    <a:pt x="1308481" y="0"/>
+                  </a:lnTo>
+                  <a:lnTo>
+                    <a:pt x="1308481" y="0"/>
+                  </a:lnTo>
+                </a:path>
+              </a:pathLst>
+            </a:custGeom>
+            <a:ln w="6775" cap="flat">
+              <a:solidFill>
+                <a:srgbClr val="EBEBEB">
+                  <a:alpha val="100000"/>
+                </a:srgbClr>
+              </a:solidFill>
+              <a:prstDash val="solid"/>
+              <a:round/>
+            </a:ln>
+          </p:spPr>
+          <p:txBody>
+            <a:bodyPr/>
+            <a:lstStyle/>
+            <a:p/>
+          </p:txBody>
+        </p:sp>
+        <p:sp>
+          <p:nvSpPr>
+            <p:cNvPr id="82" name="pl82"/>
+            <p:cNvSpPr/>
+            <p:nvPr/>
+          </p:nvSpPr>
+          <p:spPr>
+            <a:xfrm>
+              <a:off x="6250541" y="4907120"/>
+              <a:ext cx="1308481" cy="0"/>
+            </a:xfrm>
+            <a:custGeom>
+              <a:avLst/>
+              <a:pathLst>
+                <a:path w="1308481" h="0">
+                  <a:moveTo>
+                    <a:pt x="0" y="0"/>
+                  </a:moveTo>
+                  <a:lnTo>
+                    <a:pt x="1308481" y="0"/>
+                  </a:lnTo>
+                  <a:lnTo>
+                    <a:pt x="1308481" y="0"/>
+                  </a:lnTo>
+                </a:path>
+              </a:pathLst>
+            </a:custGeom>
+            <a:ln w="13550" cap="flat">
+              <a:solidFill>
+                <a:srgbClr val="EBEBEB">
+                  <a:alpha val="100000"/>
+                </a:srgbClr>
+              </a:solidFill>
+              <a:prstDash val="solid"/>
+              <a:round/>
+            </a:ln>
+          </p:spPr>
+          <p:txBody>
+            <a:bodyPr/>
+            <a:lstStyle/>
+            <a:p/>
+          </p:txBody>
+        </p:sp>
+        <p:sp>
+          <p:nvSpPr>
+            <p:cNvPr id="83" name="pl83"/>
+            <p:cNvSpPr/>
+            <p:nvPr/>
+          </p:nvSpPr>
+          <p:spPr>
+            <a:xfrm>
+              <a:off x="6250541" y="4123821"/>
+              <a:ext cx="1308481" cy="0"/>
+            </a:xfrm>
+            <a:custGeom>
+              <a:avLst/>
+              <a:pathLst>
+                <a:path w="1308481" h="0">
+                  <a:moveTo>
+                    <a:pt x="0" y="0"/>
+                  </a:moveTo>
+                  <a:lnTo>
+                    <a:pt x="1308481" y="0"/>
+                  </a:lnTo>
+                  <a:lnTo>
+                    <a:pt x="1308481" y="0"/>
+                  </a:lnTo>
+                </a:path>
+              </a:pathLst>
+            </a:custGeom>
+            <a:ln w="13550" cap="flat">
+              <a:solidFill>
+                <a:srgbClr val="EBEBEB">
+                  <a:alpha val="100000"/>
+                </a:srgbClr>
+              </a:solidFill>
+              <a:prstDash val="solid"/>
+              <a:round/>
+            </a:ln>
+          </p:spPr>
+          <p:txBody>
+            <a:bodyPr/>
+            <a:lstStyle/>
+            <a:p/>
+          </p:txBody>
+        </p:sp>
+        <p:sp>
+          <p:nvSpPr>
+            <p:cNvPr id="84" name="pl84"/>
+            <p:cNvSpPr/>
+            <p:nvPr/>
+          </p:nvSpPr>
+          <p:spPr>
+            <a:xfrm>
+              <a:off x="6250541" y="3340522"/>
+              <a:ext cx="1308481" cy="0"/>
+            </a:xfrm>
+            <a:custGeom>
+              <a:avLst/>
+              <a:pathLst>
+                <a:path w="1308481" h="0">
+                  <a:moveTo>
+                    <a:pt x="0" y="0"/>
+                  </a:moveTo>
+                  <a:lnTo>
+                    <a:pt x="1308481" y="0"/>
+                  </a:lnTo>
+                  <a:lnTo>
+                    <a:pt x="1308481" y="0"/>
+                  </a:lnTo>
+                </a:path>
+              </a:pathLst>
+            </a:custGeom>
+            <a:ln w="13550" cap="flat">
+              <a:solidFill>
+                <a:srgbClr val="EBEBEB">
+                  <a:alpha val="100000"/>
+                </a:srgbClr>
+              </a:solidFill>
+              <a:prstDash val="solid"/>
+              <a:round/>
+            </a:ln>
+          </p:spPr>
+          <p:txBody>
+            <a:bodyPr/>
+            <a:lstStyle/>
+            <a:p/>
+          </p:txBody>
+        </p:sp>
+        <p:sp>
+          <p:nvSpPr>
+            <p:cNvPr id="85" name="pl85"/>
+            <p:cNvSpPr/>
+            <p:nvPr/>
+          </p:nvSpPr>
+          <p:spPr>
+            <a:xfrm>
+              <a:off x="6250541" y="2557223"/>
+              <a:ext cx="1308481" cy="0"/>
+            </a:xfrm>
+            <a:custGeom>
+              <a:avLst/>
+              <a:pathLst>
+                <a:path w="1308481" h="0">
+                  <a:moveTo>
+                    <a:pt x="0" y="0"/>
+                  </a:moveTo>
+                  <a:lnTo>
+                    <a:pt x="1308481" y="0"/>
+                  </a:lnTo>
+                  <a:lnTo>
+                    <a:pt x="1308481" y="0"/>
+                  </a:lnTo>
+                </a:path>
+              </a:pathLst>
+            </a:custGeom>
+            <a:ln w="13550" cap="flat">
+              <a:solidFill>
+                <a:srgbClr val="EBEBEB">
+                  <a:alpha val="100000"/>
+                </a:srgbClr>
+              </a:solidFill>
+              <a:prstDash val="solid"/>
+              <a:round/>
+            </a:ln>
+          </p:spPr>
+          <p:txBody>
+            <a:bodyPr/>
+            <a:lstStyle/>
+            <a:p/>
+          </p:txBody>
+        </p:sp>
+        <p:sp>
+          <p:nvSpPr>
+            <p:cNvPr id="86" name="pl86"/>
+            <p:cNvSpPr/>
+            <p:nvPr/>
+          </p:nvSpPr>
+          <p:spPr>
+            <a:xfrm>
+              <a:off x="6359581" y="1809173"/>
+              <a:ext cx="0" cy="3245468"/>
+            </a:xfrm>
+            <a:custGeom>
+              <a:avLst/>
+              <a:pathLst>
+                <a:path w="0" h="3245468">
+                  <a:moveTo>
+                    <a:pt x="0" y="3245468"/>
+                  </a:moveTo>
+                  <a:lnTo>
+                    <a:pt x="0" y="0"/>
+                  </a:lnTo>
+                  <a:lnTo>
+                    <a:pt x="0" y="0"/>
+                  </a:lnTo>
+                </a:path>
+              </a:pathLst>
+            </a:custGeom>
+            <a:ln w="13550" cap="flat">
+              <a:solidFill>
+                <a:srgbClr val="EBEBEB">
+                  <a:alpha val="100000"/>
+                </a:srgbClr>
+              </a:solidFill>
+              <a:prstDash val="solid"/>
+              <a:round/>
+            </a:ln>
+          </p:spPr>
+          <p:txBody>
+            <a:bodyPr/>
+            <a:lstStyle/>
+            <a:p/>
+          </p:txBody>
+        </p:sp>
+        <p:sp>
+          <p:nvSpPr>
+            <p:cNvPr id="87" name="pl87"/>
+            <p:cNvSpPr/>
+            <p:nvPr/>
+          </p:nvSpPr>
+          <p:spPr>
+            <a:xfrm>
+              <a:off x="6541314" y="1809173"/>
+              <a:ext cx="0" cy="3245468"/>
+            </a:xfrm>
+            <a:custGeom>
+              <a:avLst/>
+              <a:pathLst>
+                <a:path w="0" h="3245468">
+                  <a:moveTo>
+                    <a:pt x="0" y="3245468"/>
+                  </a:moveTo>
+                  <a:lnTo>
+                    <a:pt x="0" y="0"/>
+                  </a:lnTo>
+                  <a:lnTo>
+                    <a:pt x="0" y="0"/>
+                  </a:lnTo>
+                </a:path>
+              </a:pathLst>
+            </a:custGeom>
+            <a:ln w="13550" cap="flat">
+              <a:solidFill>
+                <a:srgbClr val="EBEBEB">
+                  <a:alpha val="100000"/>
+                </a:srgbClr>
+              </a:solidFill>
+              <a:prstDash val="solid"/>
+              <a:round/>
+            </a:ln>
+          </p:spPr>
+          <p:txBody>
+            <a:bodyPr/>
+            <a:lstStyle/>
+            <a:p/>
+          </p:txBody>
+        </p:sp>
+        <p:sp>
+          <p:nvSpPr>
+            <p:cNvPr id="88" name="pl88"/>
+            <p:cNvSpPr/>
+            <p:nvPr/>
+          </p:nvSpPr>
+          <p:spPr>
+            <a:xfrm>
+              <a:off x="6723048" y="1809173"/>
+              <a:ext cx="0" cy="3245468"/>
+            </a:xfrm>
+            <a:custGeom>
+              <a:avLst/>
+              <a:pathLst>
+                <a:path w="0" h="3245468">
+                  <a:moveTo>
+                    <a:pt x="0" y="3245468"/>
+                  </a:moveTo>
+                  <a:lnTo>
+                    <a:pt x="0" y="0"/>
+                  </a:lnTo>
+                  <a:lnTo>
+                    <a:pt x="0" y="0"/>
+                  </a:lnTo>
+                </a:path>
+              </a:pathLst>
+            </a:custGeom>
+            <a:ln w="13550" cap="flat">
+              <a:solidFill>
+                <a:srgbClr val="EBEBEB">
+                  <a:alpha val="100000"/>
+                </a:srgbClr>
+              </a:solidFill>
+              <a:prstDash val="solid"/>
+              <a:round/>
+            </a:ln>
+          </p:spPr>
+          <p:txBody>
+            <a:bodyPr/>
+            <a:lstStyle/>
+            <a:p/>
+          </p:txBody>
+        </p:sp>
+        <p:sp>
+          <p:nvSpPr>
+            <p:cNvPr id="89" name="pl89"/>
+            <p:cNvSpPr/>
+            <p:nvPr/>
+          </p:nvSpPr>
+          <p:spPr>
+            <a:xfrm>
+              <a:off x="6904781" y="1809173"/>
+              <a:ext cx="0" cy="3245468"/>
+            </a:xfrm>
+            <a:custGeom>
+              <a:avLst/>
+              <a:pathLst>
+                <a:path w="0" h="3245468">
+                  <a:moveTo>
+                    <a:pt x="0" y="3245468"/>
+                  </a:moveTo>
+                  <a:lnTo>
+                    <a:pt x="0" y="0"/>
+                  </a:lnTo>
+                  <a:lnTo>
+                    <a:pt x="0" y="0"/>
+                  </a:lnTo>
+                </a:path>
+              </a:pathLst>
+            </a:custGeom>
+            <a:ln w="13550" cap="flat">
+              <a:solidFill>
+                <a:srgbClr val="EBEBEB">
+                  <a:alpha val="100000"/>
+                </a:srgbClr>
+              </a:solidFill>
+              <a:prstDash val="solid"/>
+              <a:round/>
+            </a:ln>
+          </p:spPr>
+          <p:txBody>
+            <a:bodyPr/>
+            <a:lstStyle/>
+            <a:p/>
+          </p:txBody>
+        </p:sp>
+        <p:sp>
+          <p:nvSpPr>
+            <p:cNvPr id="90" name="pl90"/>
+            <p:cNvSpPr/>
+            <p:nvPr/>
+          </p:nvSpPr>
+          <p:spPr>
+            <a:xfrm>
+              <a:off x="7086515" y="1809173"/>
+              <a:ext cx="0" cy="3245468"/>
+            </a:xfrm>
+            <a:custGeom>
+              <a:avLst/>
+              <a:pathLst>
+                <a:path w="0" h="3245468">
+                  <a:moveTo>
+                    <a:pt x="0" y="3245468"/>
+                  </a:moveTo>
+                  <a:lnTo>
+                    <a:pt x="0" y="0"/>
+                  </a:lnTo>
+                  <a:lnTo>
+                    <a:pt x="0" y="0"/>
+                  </a:lnTo>
+                </a:path>
+              </a:pathLst>
+            </a:custGeom>
+            <a:ln w="13550" cap="flat">
+              <a:solidFill>
+                <a:srgbClr val="EBEBEB">
+                  <a:alpha val="100000"/>
+                </a:srgbClr>
+              </a:solidFill>
+              <a:prstDash val="solid"/>
+              <a:round/>
+            </a:ln>
+          </p:spPr>
+          <p:txBody>
+            <a:bodyPr/>
+            <a:lstStyle/>
+            <a:p/>
+          </p:txBody>
+        </p:sp>
+        <p:sp>
+          <p:nvSpPr>
+            <p:cNvPr id="91" name="pl91"/>
+            <p:cNvSpPr/>
+            <p:nvPr/>
+          </p:nvSpPr>
+          <p:spPr>
+            <a:xfrm>
+              <a:off x="7268248" y="1809173"/>
+              <a:ext cx="0" cy="3245468"/>
+            </a:xfrm>
+            <a:custGeom>
+              <a:avLst/>
+              <a:pathLst>
+                <a:path w="0" h="3245468">
+                  <a:moveTo>
+                    <a:pt x="0" y="3245468"/>
+                  </a:moveTo>
+                  <a:lnTo>
+                    <a:pt x="0" y="0"/>
+                  </a:lnTo>
+                  <a:lnTo>
+                    <a:pt x="0" y="0"/>
+                  </a:lnTo>
+                </a:path>
+              </a:pathLst>
+            </a:custGeom>
+            <a:ln w="13550" cap="flat">
+              <a:solidFill>
+                <a:srgbClr val="EBEBEB">
+                  <a:alpha val="100000"/>
+                </a:srgbClr>
+              </a:solidFill>
+              <a:prstDash val="solid"/>
+              <a:round/>
+            </a:ln>
+          </p:spPr>
+          <p:txBody>
+            <a:bodyPr/>
+            <a:lstStyle/>
+            <a:p/>
+          </p:txBody>
+        </p:sp>
+        <p:sp>
+          <p:nvSpPr>
+            <p:cNvPr id="92" name="pl92"/>
+            <p:cNvSpPr/>
+            <p:nvPr/>
+          </p:nvSpPr>
+          <p:spPr>
+            <a:xfrm>
+              <a:off x="7449982" y="1809173"/>
+              <a:ext cx="0" cy="3245468"/>
+            </a:xfrm>
+            <a:custGeom>
+              <a:avLst/>
+              <a:pathLst>
+                <a:path w="0" h="3245468">
+                  <a:moveTo>
+                    <a:pt x="0" y="3245468"/>
+                  </a:moveTo>
+                  <a:lnTo>
+                    <a:pt x="0" y="0"/>
+                  </a:lnTo>
+                  <a:lnTo>
+                    <a:pt x="0" y="0"/>
+                  </a:lnTo>
+                </a:path>
+              </a:pathLst>
+            </a:custGeom>
+            <a:ln w="13550" cap="flat">
+              <a:solidFill>
+                <a:srgbClr val="EBEBEB">
+                  <a:alpha val="100000"/>
+                </a:srgbClr>
+              </a:solidFill>
+              <a:prstDash val="solid"/>
+              <a:round/>
+            </a:ln>
+          </p:spPr>
+          <p:txBody>
+            <a:bodyPr/>
+            <a:lstStyle/>
+            <a:p/>
+          </p:txBody>
+        </p:sp>
+        <p:sp>
+          <p:nvSpPr>
+            <p:cNvPr id="93" name="rc93"/>
+            <p:cNvSpPr/>
+            <p:nvPr/>
+          </p:nvSpPr>
+          <p:spPr>
+            <a:xfrm>
+              <a:off x="6277801" y="4698240"/>
+              <a:ext cx="163560" cy="208879"/>
+            </a:xfrm>
+            <a:prstGeom prst="rect">
+              <a:avLst/>
+            </a:prstGeom>
+            <a:solidFill>
+              <a:srgbClr val="FEE5D9">
+                <a:alpha val="100000"/>
+              </a:srgbClr>
+            </a:solidFill>
+          </p:spPr>
+          <p:txBody>
+            <a:bodyPr/>
+            <a:lstStyle/>
+            <a:p/>
+          </p:txBody>
+        </p:sp>
+        <p:sp>
+          <p:nvSpPr>
+            <p:cNvPr id="94" name="rc94"/>
+            <p:cNvSpPr/>
+            <p:nvPr/>
+          </p:nvSpPr>
+          <p:spPr>
+            <a:xfrm>
+              <a:off x="6459534" y="4802680"/>
+              <a:ext cx="163560" cy="104439"/>
+            </a:xfrm>
+            <a:prstGeom prst="rect">
+              <a:avLst/>
+            </a:prstGeom>
+            <a:solidFill>
+              <a:srgbClr val="FCBBA1">
+                <a:alpha val="100000"/>
+              </a:srgbClr>
+            </a:solidFill>
+          </p:spPr>
+          <p:txBody>
+            <a:bodyPr/>
+            <a:lstStyle/>
+            <a:p/>
+          </p:txBody>
+        </p:sp>
+        <p:sp>
+          <p:nvSpPr>
+            <p:cNvPr id="95" name="rc95"/>
+            <p:cNvSpPr/>
+            <p:nvPr/>
+          </p:nvSpPr>
+          <p:spPr>
+            <a:xfrm>
+              <a:off x="6641268" y="4619910"/>
+              <a:ext cx="163560" cy="287209"/>
+            </a:xfrm>
+            <a:prstGeom prst="rect">
+              <a:avLst/>
+            </a:prstGeom>
+            <a:solidFill>
+              <a:srgbClr val="FC9272">
+                <a:alpha val="100000"/>
+              </a:srgbClr>
+            </a:solidFill>
+          </p:spPr>
+          <p:txBody>
+            <a:bodyPr/>
+            <a:lstStyle/>
+            <a:p/>
+          </p:txBody>
+        </p:sp>
+        <p:sp>
+          <p:nvSpPr>
+            <p:cNvPr id="96" name="rc96"/>
+            <p:cNvSpPr/>
+            <p:nvPr/>
+          </p:nvSpPr>
+          <p:spPr>
+            <a:xfrm>
+              <a:off x="6823001" y="4384920"/>
+              <a:ext cx="163560" cy="522199"/>
+            </a:xfrm>
+            <a:prstGeom prst="rect">
+              <a:avLst/>
+            </a:prstGeom>
+            <a:solidFill>
+              <a:srgbClr val="FB6A4A">
+                <a:alpha val="100000"/>
+              </a:srgbClr>
+            </a:solidFill>
+          </p:spPr>
+          <p:txBody>
+            <a:bodyPr/>
+            <a:lstStyle/>
+            <a:p/>
+          </p:txBody>
+        </p:sp>
+        <p:sp>
+          <p:nvSpPr>
+            <p:cNvPr id="97" name="rc97"/>
+            <p:cNvSpPr/>
+            <p:nvPr/>
+          </p:nvSpPr>
+          <p:spPr>
+            <a:xfrm>
+              <a:off x="7004735" y="4646020"/>
+              <a:ext cx="163560" cy="261099"/>
+            </a:xfrm>
+            <a:prstGeom prst="rect">
+              <a:avLst/>
+            </a:prstGeom>
+            <a:solidFill>
+              <a:srgbClr val="EF3B2C">
+                <a:alpha val="100000"/>
+              </a:srgbClr>
+            </a:solidFill>
+          </p:spPr>
+          <p:txBody>
+            <a:bodyPr/>
+            <a:lstStyle/>
+            <a:p/>
+          </p:txBody>
+        </p:sp>
+        <p:sp>
+          <p:nvSpPr>
+            <p:cNvPr id="98" name="rc98"/>
+            <p:cNvSpPr/>
+            <p:nvPr/>
+          </p:nvSpPr>
+          <p:spPr>
+            <a:xfrm>
+              <a:off x="7186468" y="4567690"/>
+              <a:ext cx="163560" cy="339429"/>
+            </a:xfrm>
+            <a:prstGeom prst="rect">
+              <a:avLst/>
+            </a:prstGeom>
+            <a:solidFill>
+              <a:srgbClr val="CB181D">
+                <a:alpha val="100000"/>
+              </a:srgbClr>
+            </a:solidFill>
+          </p:spPr>
+          <p:txBody>
+            <a:bodyPr/>
+            <a:lstStyle/>
+            <a:p/>
+          </p:txBody>
+        </p:sp>
+        <p:sp>
+          <p:nvSpPr>
+            <p:cNvPr id="99" name="rc99"/>
+            <p:cNvSpPr/>
+            <p:nvPr/>
+          </p:nvSpPr>
+          <p:spPr>
+            <a:xfrm>
+              <a:off x="7368202" y="4802680"/>
+              <a:ext cx="163560" cy="104439"/>
+            </a:xfrm>
+            <a:prstGeom prst="rect">
+              <a:avLst/>
+            </a:prstGeom>
+            <a:solidFill>
+              <a:srgbClr val="99000D">
+                <a:alpha val="100000"/>
+              </a:srgbClr>
+            </a:solidFill>
+          </p:spPr>
+          <p:txBody>
+            <a:bodyPr/>
+            <a:lstStyle/>
+            <a:p/>
+          </p:txBody>
+        </p:sp>
+        <p:sp>
+          <p:nvSpPr>
+            <p:cNvPr id="100" name="rc100"/>
+            <p:cNvSpPr/>
+            <p:nvPr/>
+          </p:nvSpPr>
+          <p:spPr>
+            <a:xfrm>
+              <a:off x="6250541" y="1809173"/>
+              <a:ext cx="1308481" cy="3245468"/>
+            </a:xfrm>
+            <a:prstGeom prst="rect">
+              <a:avLst/>
+            </a:prstGeom>
+            <a:ln w="13550" cap="rnd">
+              <a:solidFill>
+                <a:srgbClr val="333333">
+                  <a:alpha val="100000"/>
+                </a:srgbClr>
+              </a:solidFill>
+              <a:prstDash val="solid"/>
+              <a:round/>
+            </a:ln>
+          </p:spPr>
+          <p:txBody>
+            <a:bodyPr/>
+            <a:lstStyle/>
+            <a:p/>
+          </p:txBody>
+        </p:sp>
+        <p:sp>
+          <p:nvSpPr>
+            <p:cNvPr id="101" name="rc101"/>
+            <p:cNvSpPr/>
+            <p:nvPr/>
+          </p:nvSpPr>
+          <p:spPr>
+            <a:xfrm>
+              <a:off x="7628611" y="1809173"/>
+              <a:ext cx="1308481" cy="3245468"/>
+            </a:xfrm>
+            <a:prstGeom prst="rect">
+              <a:avLst/>
+            </a:prstGeom>
+            <a:solidFill>
+              <a:srgbClr val="FFFFFF">
+                <a:alpha val="100000"/>
+              </a:srgbClr>
+            </a:solidFill>
+          </p:spPr>
+          <p:txBody>
+            <a:bodyPr/>
+            <a:lstStyle/>
+            <a:p/>
+          </p:txBody>
+        </p:sp>
+        <p:sp>
+          <p:nvSpPr>
+            <p:cNvPr id="102" name="pl102"/>
+            <p:cNvSpPr/>
+            <p:nvPr/>
+          </p:nvSpPr>
+          <p:spPr>
+            <a:xfrm>
+              <a:off x="7628611" y="4515470"/>
+              <a:ext cx="1308481" cy="0"/>
+            </a:xfrm>
+            <a:custGeom>
+              <a:avLst/>
+              <a:pathLst>
+                <a:path w="1308481" h="0">
+                  <a:moveTo>
+                    <a:pt x="0" y="0"/>
+                  </a:moveTo>
+                  <a:lnTo>
+                    <a:pt x="1308481" y="0"/>
+                  </a:lnTo>
+                  <a:lnTo>
+                    <a:pt x="1308481" y="0"/>
+                  </a:lnTo>
+                </a:path>
+              </a:pathLst>
+            </a:custGeom>
+            <a:ln w="6775" cap="flat">
+              <a:solidFill>
+                <a:srgbClr val="EBEBEB">
+                  <a:alpha val="100000"/>
+                </a:srgbClr>
+              </a:solidFill>
+              <a:prstDash val="solid"/>
+              <a:round/>
+            </a:ln>
+          </p:spPr>
+          <p:txBody>
+            <a:bodyPr/>
+            <a:lstStyle/>
+            <a:p/>
+          </p:txBody>
+        </p:sp>
+        <p:sp>
+          <p:nvSpPr>
+            <p:cNvPr id="103" name="pl103"/>
+            <p:cNvSpPr/>
+            <p:nvPr/>
+          </p:nvSpPr>
+          <p:spPr>
+            <a:xfrm>
+              <a:off x="7628611" y="3732171"/>
+              <a:ext cx="1308481" cy="0"/>
+            </a:xfrm>
+            <a:custGeom>
+              <a:avLst/>
+              <a:pathLst>
+                <a:path w="1308481" h="0">
+                  <a:moveTo>
+                    <a:pt x="0" y="0"/>
+                  </a:moveTo>
+                  <a:lnTo>
+                    <a:pt x="1308481" y="0"/>
+                  </a:lnTo>
+                  <a:lnTo>
+                    <a:pt x="1308481" y="0"/>
+                  </a:lnTo>
+                </a:path>
+              </a:pathLst>
+            </a:custGeom>
+            <a:ln w="6775" cap="flat">
+              <a:solidFill>
+                <a:srgbClr val="EBEBEB">
+                  <a:alpha val="100000"/>
+                </a:srgbClr>
+              </a:solidFill>
+              <a:prstDash val="solid"/>
+              <a:round/>
+            </a:ln>
+          </p:spPr>
+          <p:txBody>
+            <a:bodyPr/>
+            <a:lstStyle/>
+            <a:p/>
+          </p:txBody>
+        </p:sp>
+        <p:sp>
+          <p:nvSpPr>
+            <p:cNvPr id="104" name="pl104"/>
+            <p:cNvSpPr/>
+            <p:nvPr/>
+          </p:nvSpPr>
+          <p:spPr>
+            <a:xfrm>
+              <a:off x="7628611" y="2948872"/>
+              <a:ext cx="1308481" cy="0"/>
+            </a:xfrm>
+            <a:custGeom>
+              <a:avLst/>
+              <a:pathLst>
+                <a:path w="1308481" h="0">
+                  <a:moveTo>
+                    <a:pt x="0" y="0"/>
+                  </a:moveTo>
+                  <a:lnTo>
+                    <a:pt x="1308481" y="0"/>
+                  </a:lnTo>
+                  <a:lnTo>
+                    <a:pt x="1308481" y="0"/>
+                  </a:lnTo>
+                </a:path>
+              </a:pathLst>
+            </a:custGeom>
+            <a:ln w="6775" cap="flat">
+              <a:solidFill>
+                <a:srgbClr val="EBEBEB">
+                  <a:alpha val="100000"/>
+                </a:srgbClr>
+              </a:solidFill>
+              <a:prstDash val="solid"/>
+              <a:round/>
+            </a:ln>
+          </p:spPr>
+          <p:txBody>
+            <a:bodyPr/>
+            <a:lstStyle/>
+            <a:p/>
+          </p:txBody>
+        </p:sp>
+        <p:sp>
+          <p:nvSpPr>
+            <p:cNvPr id="105" name="pl105"/>
+            <p:cNvSpPr/>
+            <p:nvPr/>
+          </p:nvSpPr>
+          <p:spPr>
+            <a:xfrm>
+              <a:off x="7628611" y="2165574"/>
+              <a:ext cx="1308481" cy="0"/>
+            </a:xfrm>
+            <a:custGeom>
+              <a:avLst/>
+              <a:pathLst>
+                <a:path w="1308481" h="0">
+                  <a:moveTo>
+                    <a:pt x="0" y="0"/>
+                  </a:moveTo>
+                  <a:lnTo>
+                    <a:pt x="1308481" y="0"/>
+                  </a:lnTo>
+                  <a:lnTo>
+                    <a:pt x="1308481" y="0"/>
+                  </a:lnTo>
+                </a:path>
+              </a:pathLst>
+            </a:custGeom>
+            <a:ln w="6775" cap="flat">
+              <a:solidFill>
+                <a:srgbClr val="EBEBEB">
+                  <a:alpha val="100000"/>
+                </a:srgbClr>
+              </a:solidFill>
+              <a:prstDash val="solid"/>
+              <a:round/>
+            </a:ln>
+          </p:spPr>
+          <p:txBody>
+            <a:bodyPr/>
+            <a:lstStyle/>
+            <a:p/>
+          </p:txBody>
+        </p:sp>
+        <p:sp>
+          <p:nvSpPr>
+            <p:cNvPr id="106" name="pl106"/>
+            <p:cNvSpPr/>
+            <p:nvPr/>
+          </p:nvSpPr>
+          <p:spPr>
+            <a:xfrm>
+              <a:off x="7628611" y="4907120"/>
+              <a:ext cx="1308481" cy="0"/>
+            </a:xfrm>
+            <a:custGeom>
+              <a:avLst/>
+              <a:pathLst>
+                <a:path w="1308481" h="0">
+                  <a:moveTo>
+                    <a:pt x="0" y="0"/>
+                  </a:moveTo>
+                  <a:lnTo>
+                    <a:pt x="1308481" y="0"/>
+                  </a:lnTo>
+                  <a:lnTo>
+                    <a:pt x="1308481" y="0"/>
+                  </a:lnTo>
+                </a:path>
+              </a:pathLst>
+            </a:custGeom>
+            <a:ln w="13550" cap="flat">
+              <a:solidFill>
+                <a:srgbClr val="EBEBEB">
+                  <a:alpha val="100000"/>
+                </a:srgbClr>
+              </a:solidFill>
+              <a:prstDash val="solid"/>
+              <a:round/>
+            </a:ln>
+          </p:spPr>
+          <p:txBody>
+            <a:bodyPr/>
+            <a:lstStyle/>
+            <a:p/>
+          </p:txBody>
+        </p:sp>
+        <p:sp>
+          <p:nvSpPr>
+            <p:cNvPr id="107" name="pl107"/>
+            <p:cNvSpPr/>
+            <p:nvPr/>
+          </p:nvSpPr>
+          <p:spPr>
+            <a:xfrm>
+              <a:off x="7628611" y="4123821"/>
+              <a:ext cx="1308481" cy="0"/>
+            </a:xfrm>
+            <a:custGeom>
+              <a:avLst/>
+              <a:pathLst>
+                <a:path w="1308481" h="0">
+                  <a:moveTo>
+                    <a:pt x="0" y="0"/>
+                  </a:moveTo>
+                  <a:lnTo>
+                    <a:pt x="1308481" y="0"/>
+                  </a:lnTo>
+                  <a:lnTo>
+                    <a:pt x="1308481" y="0"/>
+                  </a:lnTo>
+                </a:path>
+              </a:pathLst>
+            </a:custGeom>
+            <a:ln w="13550" cap="flat">
+              <a:solidFill>
+                <a:srgbClr val="EBEBEB">
+                  <a:alpha val="100000"/>
+                </a:srgbClr>
+              </a:solidFill>
+              <a:prstDash val="solid"/>
+              <a:round/>
+            </a:ln>
+          </p:spPr>
+          <p:txBody>
+            <a:bodyPr/>
+            <a:lstStyle/>
+            <a:p/>
+          </p:txBody>
+        </p:sp>
+        <p:sp>
+          <p:nvSpPr>
+            <p:cNvPr id="108" name="pl108"/>
+            <p:cNvSpPr/>
+            <p:nvPr/>
+          </p:nvSpPr>
+          <p:spPr>
+            <a:xfrm>
+              <a:off x="7628611" y="3340522"/>
+              <a:ext cx="1308481" cy="0"/>
+            </a:xfrm>
+            <a:custGeom>
+              <a:avLst/>
+              <a:pathLst>
+                <a:path w="1308481" h="0">
+                  <a:moveTo>
+                    <a:pt x="0" y="0"/>
+                  </a:moveTo>
+                  <a:lnTo>
+                    <a:pt x="1308481" y="0"/>
+                  </a:lnTo>
+                  <a:lnTo>
+                    <a:pt x="1308481" y="0"/>
+                  </a:lnTo>
+                </a:path>
+              </a:pathLst>
+            </a:custGeom>
+            <a:ln w="13550" cap="flat">
+              <a:solidFill>
+                <a:srgbClr val="EBEBEB">
+                  <a:alpha val="100000"/>
+                </a:srgbClr>
+              </a:solidFill>
+              <a:prstDash val="solid"/>
+              <a:round/>
+            </a:ln>
+          </p:spPr>
+          <p:txBody>
+            <a:bodyPr/>
+            <a:lstStyle/>
+            <a:p/>
+          </p:txBody>
+        </p:sp>
+        <p:sp>
+          <p:nvSpPr>
+            <p:cNvPr id="109" name="pl109"/>
+            <p:cNvSpPr/>
+            <p:nvPr/>
+          </p:nvSpPr>
+          <p:spPr>
+            <a:xfrm>
+              <a:off x="7628611" y="2557223"/>
+              <a:ext cx="1308481" cy="0"/>
+            </a:xfrm>
+            <a:custGeom>
+              <a:avLst/>
+              <a:pathLst>
+                <a:path w="1308481" h="0">
+                  <a:moveTo>
+                    <a:pt x="0" y="0"/>
+                  </a:moveTo>
+                  <a:lnTo>
+                    <a:pt x="1308481" y="0"/>
+                  </a:lnTo>
+                  <a:lnTo>
+                    <a:pt x="1308481" y="0"/>
+                  </a:lnTo>
+                </a:path>
+              </a:pathLst>
+            </a:custGeom>
+            <a:ln w="13550" cap="flat">
+              <a:solidFill>
+                <a:srgbClr val="EBEBEB">
+                  <a:alpha val="100000"/>
+                </a:srgbClr>
+              </a:solidFill>
+              <a:prstDash val="solid"/>
+              <a:round/>
+            </a:ln>
+          </p:spPr>
+          <p:txBody>
+            <a:bodyPr/>
+            <a:lstStyle/>
+            <a:p/>
+          </p:txBody>
+        </p:sp>
+        <p:sp>
+          <p:nvSpPr>
+            <p:cNvPr id="110" name="pl110"/>
+            <p:cNvSpPr/>
+            <p:nvPr/>
+          </p:nvSpPr>
+          <p:spPr>
+            <a:xfrm>
+              <a:off x="7737651" y="1809173"/>
+              <a:ext cx="0" cy="3245468"/>
+            </a:xfrm>
+            <a:custGeom>
+              <a:avLst/>
+              <a:pathLst>
+                <a:path w="0" h="3245468">
+                  <a:moveTo>
+                    <a:pt x="0" y="3245468"/>
+                  </a:moveTo>
+                  <a:lnTo>
+                    <a:pt x="0" y="0"/>
+                  </a:lnTo>
+                  <a:lnTo>
+                    <a:pt x="0" y="0"/>
+                  </a:lnTo>
+                </a:path>
+              </a:pathLst>
+            </a:custGeom>
+            <a:ln w="13550" cap="flat">
+              <a:solidFill>
+                <a:srgbClr val="EBEBEB">
+                  <a:alpha val="100000"/>
+                </a:srgbClr>
+              </a:solidFill>
+              <a:prstDash val="solid"/>
+              <a:round/>
+            </a:ln>
+          </p:spPr>
+          <p:txBody>
+            <a:bodyPr/>
+            <a:lstStyle/>
+            <a:p/>
+          </p:txBody>
+        </p:sp>
+        <p:sp>
+          <p:nvSpPr>
+            <p:cNvPr id="111" name="pl111"/>
+            <p:cNvSpPr/>
+            <p:nvPr/>
+          </p:nvSpPr>
+          <p:spPr>
+            <a:xfrm>
+              <a:off x="7919384" y="1809173"/>
+              <a:ext cx="0" cy="3245468"/>
+            </a:xfrm>
+            <a:custGeom>
+              <a:avLst/>
+              <a:pathLst>
+                <a:path w="0" h="3245468">
+                  <a:moveTo>
+                    <a:pt x="0" y="3245468"/>
+                  </a:moveTo>
+                  <a:lnTo>
+                    <a:pt x="0" y="0"/>
+                  </a:lnTo>
+                  <a:lnTo>
+                    <a:pt x="0" y="0"/>
+                  </a:lnTo>
+                </a:path>
+              </a:pathLst>
+            </a:custGeom>
+            <a:ln w="13550" cap="flat">
+              <a:solidFill>
+                <a:srgbClr val="EBEBEB">
+                  <a:alpha val="100000"/>
+                </a:srgbClr>
+              </a:solidFill>
+              <a:prstDash val="solid"/>
+              <a:round/>
+            </a:ln>
+          </p:spPr>
+          <p:txBody>
+            <a:bodyPr/>
+            <a:lstStyle/>
+            <a:p/>
+          </p:txBody>
+        </p:sp>
+        <p:sp>
+          <p:nvSpPr>
+            <p:cNvPr id="112" name="pl112"/>
+            <p:cNvSpPr/>
+            <p:nvPr/>
+          </p:nvSpPr>
+          <p:spPr>
+            <a:xfrm>
+              <a:off x="8101118" y="1809173"/>
+              <a:ext cx="0" cy="3245468"/>
+            </a:xfrm>
+            <a:custGeom>
+              <a:avLst/>
+              <a:pathLst>
+                <a:path w="0" h="3245468">
+                  <a:moveTo>
+                    <a:pt x="0" y="3245468"/>
+                  </a:moveTo>
+                  <a:lnTo>
+                    <a:pt x="0" y="0"/>
+                  </a:lnTo>
+                  <a:lnTo>
+                    <a:pt x="0" y="0"/>
+                  </a:lnTo>
+                </a:path>
+              </a:pathLst>
+            </a:custGeom>
+            <a:ln w="13550" cap="flat">
+              <a:solidFill>
+                <a:srgbClr val="EBEBEB">
+                  <a:alpha val="100000"/>
+                </a:srgbClr>
+              </a:solidFill>
+              <a:prstDash val="solid"/>
+              <a:round/>
+            </a:ln>
+          </p:spPr>
+          <p:txBody>
+            <a:bodyPr/>
+            <a:lstStyle/>
+            <a:p/>
+          </p:txBody>
+        </p:sp>
+        <p:sp>
+          <p:nvSpPr>
+            <p:cNvPr id="113" name="pl113"/>
+            <p:cNvSpPr/>
+            <p:nvPr/>
+          </p:nvSpPr>
+          <p:spPr>
+            <a:xfrm>
+              <a:off x="8282851" y="1809173"/>
+              <a:ext cx="0" cy="3245468"/>
+            </a:xfrm>
+            <a:custGeom>
+              <a:avLst/>
+              <a:pathLst>
+                <a:path w="0" h="3245468">
+                  <a:moveTo>
+                    <a:pt x="0" y="3245468"/>
+                  </a:moveTo>
+                  <a:lnTo>
+                    <a:pt x="0" y="0"/>
+                  </a:lnTo>
+                  <a:lnTo>
+                    <a:pt x="0" y="0"/>
+                  </a:lnTo>
+                </a:path>
+              </a:pathLst>
+            </a:custGeom>
+            <a:ln w="13550" cap="flat">
+              <a:solidFill>
+                <a:srgbClr val="EBEBEB">
+                  <a:alpha val="100000"/>
+                </a:srgbClr>
+              </a:solidFill>
+              <a:prstDash val="solid"/>
+              <a:round/>
+            </a:ln>
+          </p:spPr>
+          <p:txBody>
+            <a:bodyPr/>
+            <a:lstStyle/>
+            <a:p/>
+          </p:txBody>
+        </p:sp>
+        <p:sp>
+          <p:nvSpPr>
+            <p:cNvPr id="114" name="pl114"/>
+            <p:cNvSpPr/>
+            <p:nvPr/>
+          </p:nvSpPr>
+          <p:spPr>
+            <a:xfrm>
+              <a:off x="8464585" y="1809173"/>
+              <a:ext cx="0" cy="3245468"/>
+            </a:xfrm>
+            <a:custGeom>
+              <a:avLst/>
+              <a:pathLst>
+                <a:path w="0" h="3245468">
+                  <a:moveTo>
+                    <a:pt x="0" y="3245468"/>
+                  </a:moveTo>
+                  <a:lnTo>
+                    <a:pt x="0" y="0"/>
+                  </a:lnTo>
+                  <a:lnTo>
+                    <a:pt x="0" y="0"/>
+                  </a:lnTo>
+                </a:path>
+              </a:pathLst>
+            </a:custGeom>
+            <a:ln w="13550" cap="flat">
+              <a:solidFill>
+                <a:srgbClr val="EBEBEB">
+                  <a:alpha val="100000"/>
+                </a:srgbClr>
+              </a:solidFill>
+              <a:prstDash val="solid"/>
+              <a:round/>
+            </a:ln>
+          </p:spPr>
+          <p:txBody>
+            <a:bodyPr/>
+            <a:lstStyle/>
+            <a:p/>
+          </p:txBody>
+        </p:sp>
+        <p:sp>
+          <p:nvSpPr>
+            <p:cNvPr id="115" name="pl115"/>
+            <p:cNvSpPr/>
+            <p:nvPr/>
+          </p:nvSpPr>
+          <p:spPr>
+            <a:xfrm>
+              <a:off x="8646318" y="1809173"/>
+              <a:ext cx="0" cy="3245468"/>
+            </a:xfrm>
+            <a:custGeom>
+              <a:avLst/>
+              <a:pathLst>
+                <a:path w="0" h="3245468">
+                  <a:moveTo>
+                    <a:pt x="0" y="3245468"/>
+                  </a:moveTo>
+                  <a:lnTo>
+                    <a:pt x="0" y="0"/>
+                  </a:lnTo>
+                  <a:lnTo>
+                    <a:pt x="0" y="0"/>
+                  </a:lnTo>
+                </a:path>
+              </a:pathLst>
+            </a:custGeom>
+            <a:ln w="13550" cap="flat">
+              <a:solidFill>
+                <a:srgbClr val="EBEBEB">
+                  <a:alpha val="100000"/>
+                </a:srgbClr>
+              </a:solidFill>
+              <a:prstDash val="solid"/>
+              <a:round/>
+            </a:ln>
+          </p:spPr>
+          <p:txBody>
+            <a:bodyPr/>
+            <a:lstStyle/>
+            <a:p/>
+          </p:txBody>
+        </p:sp>
+        <p:sp>
+          <p:nvSpPr>
+            <p:cNvPr id="116" name="pl116"/>
+            <p:cNvSpPr/>
+            <p:nvPr/>
+          </p:nvSpPr>
+          <p:spPr>
+            <a:xfrm>
+              <a:off x="8828052" y="1809173"/>
+              <a:ext cx="0" cy="3245468"/>
+            </a:xfrm>
+            <a:custGeom>
+              <a:avLst/>
+              <a:pathLst>
+                <a:path w="0" h="3245468">
+                  <a:moveTo>
+                    <a:pt x="0" y="3245468"/>
+                  </a:moveTo>
+                  <a:lnTo>
+                    <a:pt x="0" y="0"/>
+                  </a:lnTo>
+                  <a:lnTo>
+                    <a:pt x="0" y="0"/>
+                  </a:lnTo>
+                </a:path>
+              </a:pathLst>
+            </a:custGeom>
+            <a:ln w="13550" cap="flat">
+              <a:solidFill>
+                <a:srgbClr val="EBEBEB">
+                  <a:alpha val="100000"/>
+                </a:srgbClr>
+              </a:solidFill>
+              <a:prstDash val="solid"/>
+              <a:round/>
+            </a:ln>
+          </p:spPr>
+          <p:txBody>
+            <a:bodyPr/>
+            <a:lstStyle/>
+            <a:p/>
+          </p:txBody>
+        </p:sp>
+        <p:sp>
+          <p:nvSpPr>
+            <p:cNvPr id="117" name="rc117"/>
+            <p:cNvSpPr/>
+            <p:nvPr/>
+          </p:nvSpPr>
+          <p:spPr>
+            <a:xfrm>
+              <a:off x="7655871" y="4567690"/>
+              <a:ext cx="163560" cy="339429"/>
+            </a:xfrm>
+            <a:prstGeom prst="rect">
+              <a:avLst/>
+            </a:prstGeom>
+            <a:solidFill>
+              <a:srgbClr val="FEE5D9">
+                <a:alpha val="100000"/>
+              </a:srgbClr>
+            </a:solidFill>
+          </p:spPr>
+          <p:txBody>
+            <a:bodyPr/>
+            <a:lstStyle/>
+            <a:p/>
+          </p:txBody>
+        </p:sp>
+        <p:sp>
+          <p:nvSpPr>
+            <p:cNvPr id="118" name="rc118"/>
+            <p:cNvSpPr/>
+            <p:nvPr/>
+          </p:nvSpPr>
+          <p:spPr>
+            <a:xfrm>
+              <a:off x="7837604" y="4828790"/>
+              <a:ext cx="163560" cy="78329"/>
+            </a:xfrm>
+            <a:prstGeom prst="rect">
+              <a:avLst/>
+            </a:prstGeom>
+            <a:solidFill>
+              <a:srgbClr val="FCBBA1">
+                <a:alpha val="100000"/>
+              </a:srgbClr>
+            </a:solidFill>
+          </p:spPr>
+          <p:txBody>
+            <a:bodyPr/>
+            <a:lstStyle/>
+            <a:p/>
+          </p:txBody>
+        </p:sp>
+        <p:sp>
+          <p:nvSpPr>
+            <p:cNvPr id="119" name="rc119"/>
+            <p:cNvSpPr/>
+            <p:nvPr/>
+          </p:nvSpPr>
+          <p:spPr>
+            <a:xfrm>
+              <a:off x="8019338" y="4411030"/>
+              <a:ext cx="163560" cy="496089"/>
+            </a:xfrm>
+            <a:prstGeom prst="rect">
+              <a:avLst/>
+            </a:prstGeom>
+            <a:solidFill>
+              <a:srgbClr val="FC9272">
+                <a:alpha val="100000"/>
+              </a:srgbClr>
+            </a:solidFill>
+          </p:spPr>
+          <p:txBody>
+            <a:bodyPr/>
+            <a:lstStyle/>
+            <a:p/>
+          </p:txBody>
+        </p:sp>
+        <p:sp>
+          <p:nvSpPr>
+            <p:cNvPr id="120" name="rc120"/>
+            <p:cNvSpPr/>
+            <p:nvPr/>
+          </p:nvSpPr>
+          <p:spPr>
+            <a:xfrm>
+              <a:off x="8201071" y="4332700"/>
+              <a:ext cx="163560" cy="574419"/>
+            </a:xfrm>
+            <a:prstGeom prst="rect">
+              <a:avLst/>
+            </a:prstGeom>
+            <a:solidFill>
+              <a:srgbClr val="FB6A4A">
+                <a:alpha val="100000"/>
+              </a:srgbClr>
+            </a:solidFill>
+          </p:spPr>
+          <p:txBody>
+            <a:bodyPr/>
+            <a:lstStyle/>
+            <a:p/>
+          </p:txBody>
+        </p:sp>
+        <p:sp>
+          <p:nvSpPr>
+            <p:cNvPr id="121" name="rc121"/>
+            <p:cNvSpPr/>
+            <p:nvPr/>
+          </p:nvSpPr>
+          <p:spPr>
+            <a:xfrm>
+              <a:off x="8382805" y="4593800"/>
+              <a:ext cx="163560" cy="313319"/>
+            </a:xfrm>
+            <a:prstGeom prst="rect">
+              <a:avLst/>
+            </a:prstGeom>
+            <a:solidFill>
+              <a:srgbClr val="EF3B2C">
+                <a:alpha val="100000"/>
+              </a:srgbClr>
+            </a:solidFill>
+          </p:spPr>
+          <p:txBody>
+            <a:bodyPr/>
+            <a:lstStyle/>
+            <a:p/>
+          </p:txBody>
+        </p:sp>
+        <p:sp>
+          <p:nvSpPr>
+            <p:cNvPr id="122" name="rc122"/>
+            <p:cNvSpPr/>
+            <p:nvPr/>
+          </p:nvSpPr>
+          <p:spPr>
+            <a:xfrm>
+              <a:off x="8564538" y="4332700"/>
+              <a:ext cx="163560" cy="574419"/>
+            </a:xfrm>
+            <a:prstGeom prst="rect">
+              <a:avLst/>
+            </a:prstGeom>
+            <a:solidFill>
+              <a:srgbClr val="CB181D">
+                <a:alpha val="100000"/>
+              </a:srgbClr>
+            </a:solidFill>
+          </p:spPr>
+          <p:txBody>
+            <a:bodyPr/>
+            <a:lstStyle/>
+            <a:p/>
+          </p:txBody>
+        </p:sp>
+        <p:sp>
+          <p:nvSpPr>
+            <p:cNvPr id="123" name="rc123"/>
+            <p:cNvSpPr/>
+            <p:nvPr/>
+          </p:nvSpPr>
+          <p:spPr>
+            <a:xfrm>
+              <a:off x="8746272" y="4724350"/>
+              <a:ext cx="163560" cy="182769"/>
+            </a:xfrm>
+            <a:prstGeom prst="rect">
+              <a:avLst/>
+            </a:prstGeom>
+            <a:solidFill>
+              <a:srgbClr val="99000D">
+                <a:alpha val="100000"/>
+              </a:srgbClr>
+            </a:solidFill>
+          </p:spPr>
+          <p:txBody>
+            <a:bodyPr/>
+            <a:lstStyle/>
+            <a:p/>
+          </p:txBody>
+        </p:sp>
+        <p:sp>
+          <p:nvSpPr>
+            <p:cNvPr id="124" name="rc124"/>
+            <p:cNvSpPr/>
+            <p:nvPr/>
+          </p:nvSpPr>
+          <p:spPr>
+            <a:xfrm>
+              <a:off x="7628611" y="1809173"/>
+              <a:ext cx="1308481" cy="3245468"/>
+            </a:xfrm>
+            <a:prstGeom prst="rect">
+              <a:avLst/>
+            </a:prstGeom>
+            <a:ln w="13550" cap="rnd">
+              <a:solidFill>
+                <a:srgbClr val="333333">
+                  <a:alpha val="100000"/>
+                </a:srgbClr>
+              </a:solidFill>
+              <a:prstDash val="solid"/>
+              <a:round/>
+            </a:ln>
+          </p:spPr>
+          <p:txBody>
+            <a:bodyPr/>
+            <a:lstStyle/>
+            <a:p/>
+          </p:txBody>
+        </p:sp>
+        <p:sp>
+          <p:nvSpPr>
+            <p:cNvPr id="125" name="rc125"/>
+            <p:cNvSpPr/>
+            <p:nvPr/>
+          </p:nvSpPr>
+          <p:spPr>
+            <a:xfrm>
+              <a:off x="2116330" y="1590617"/>
+              <a:ext cx="1308481" cy="218555"/>
+            </a:xfrm>
+            <a:prstGeom prst="rect">
+              <a:avLst/>
+            </a:prstGeom>
+            <a:solidFill>
+              <a:srgbClr val="D9D9D9">
+                <a:alpha val="100000"/>
+              </a:srgbClr>
+            </a:solidFill>
+            <a:ln w="13550" cap="rnd">
+              <a:solidFill>
+                <a:srgbClr val="333333">
+                  <a:alpha val="100000"/>
+                </a:srgbClr>
+              </a:solidFill>
+              <a:prstDash val="solid"/>
+              <a:round/>
+            </a:ln>
+          </p:spPr>
+          <p:txBody>
+            <a:bodyPr/>
+            <a:lstStyle/>
+            <a:p/>
+          </p:txBody>
+        </p:sp>
+        <p:sp>
+          <p:nvSpPr>
+            <p:cNvPr id="126" name="tx126"/>
+            <p:cNvSpPr/>
+            <p:nvPr/>
+          </p:nvSpPr>
+          <p:spPr>
+            <a:xfrm>
+              <a:off x="2561021" y="1670045"/>
+              <a:ext cx="419100" cy="69850"/>
             </a:xfrm>
             <a:prstGeom prst="rect">
               <a:avLst/>
@@ -4306,30 +7666,65 @@
                 </a:spcAft>
               </a:pPr>
               <a:r>
-                <a:rPr sz="880" b="1">
+                <a:rPr sz="880">
                   <a:solidFill>
-                    <a:srgbClr val="4D4D4D">
+                    <a:srgbClr val="1A1A1A">
                       <a:alpha val="100000"/>
                     </a:srgbClr>
                   </a:solidFill>
                   <a:latin typeface="Arial"/>
                   <a:cs typeface="Arial"/>
                 </a:rPr>
-                <a:t>6</a:t>
+                <a:t>基础研究者</a:t>
               </a:r>
             </a:p>
           </p:txBody>
         </p:sp>
         <p:sp>
           <p:nvSpPr>
-            <p:cNvPr id="34" name="tx34"/>
-            <p:cNvSpPr/>
-            <p:nvPr/>
-          </p:nvSpPr>
-          <p:spPr>
-            <a:xfrm>
-              <a:off x="1926599" y="4553929"/>
-              <a:ext cx="62155" cy="80272"/>
+            <p:cNvPr id="127" name="rc127"/>
+            <p:cNvSpPr/>
+            <p:nvPr/>
+          </p:nvSpPr>
+          <p:spPr>
+            <a:xfrm>
+              <a:off x="3494401" y="1590617"/>
+              <a:ext cx="1308481" cy="218555"/>
+            </a:xfrm>
+            <a:prstGeom prst="rect">
+              <a:avLst/>
+            </a:prstGeom>
+            <a:solidFill>
+              <a:srgbClr val="D9D9D9">
+                <a:alpha val="100000"/>
+              </a:srgbClr>
+            </a:solidFill>
+            <a:ln w="13550" cap="rnd">
+              <a:solidFill>
+                <a:srgbClr val="333333">
+                  <a:alpha val="100000"/>
+                </a:srgbClr>
+              </a:solidFill>
+              <a:prstDash val="solid"/>
+              <a:round/>
+            </a:ln>
+          </p:spPr>
+          <p:txBody>
+            <a:bodyPr/>
+            <a:lstStyle/>
+            <a:p/>
+          </p:txBody>
+        </p:sp>
+        <p:sp>
+          <p:nvSpPr>
+            <p:cNvPr id="128" name="tx128"/>
+            <p:cNvSpPr/>
+            <p:nvPr/>
+          </p:nvSpPr>
+          <p:spPr>
+            <a:xfrm>
+              <a:off x="3981001" y="1670045"/>
+              <a:ext cx="335280" cy="69850"/>
             </a:xfrm>
             <a:prstGeom prst="rect">
               <a:avLst/>
@@ -4352,30 +7747,65 @@
                 </a:spcAft>
               </a:pPr>
               <a:r>
-                <a:rPr sz="880" b="1">
+                <a:rPr sz="880">
                   <a:solidFill>
-                    <a:srgbClr val="4D4D4D">
+                    <a:srgbClr val="1A1A1A">
                       <a:alpha val="100000"/>
                     </a:srgbClr>
                   </a:solidFill>
                   <a:latin typeface="Arial"/>
                   <a:cs typeface="Arial"/>
                 </a:rPr>
-                <a:t>5</a:t>
+                <a:t>临床医生</a:t>
               </a:r>
             </a:p>
           </p:txBody>
         </p:sp>
         <p:sp>
           <p:nvSpPr>
-            <p:cNvPr id="35" name="tx35"/>
-            <p:cNvSpPr/>
-            <p:nvPr/>
-          </p:nvSpPr>
-          <p:spPr>
-            <a:xfrm>
-              <a:off x="1926599" y="3900921"/>
-              <a:ext cx="62155" cy="80327"/>
+            <p:cNvPr id="129" name="rc129"/>
+            <p:cNvSpPr/>
+            <p:nvPr/>
+          </p:nvSpPr>
+          <p:spPr>
+            <a:xfrm>
+              <a:off x="4872471" y="1590617"/>
+              <a:ext cx="1308481" cy="218555"/>
+            </a:xfrm>
+            <a:prstGeom prst="rect">
+              <a:avLst/>
+            </a:prstGeom>
+            <a:solidFill>
+              <a:srgbClr val="D9D9D9">
+                <a:alpha val="100000"/>
+              </a:srgbClr>
+            </a:solidFill>
+            <a:ln w="13550" cap="rnd">
+              <a:solidFill>
+                <a:srgbClr val="333333">
+                  <a:alpha val="100000"/>
+                </a:srgbClr>
+              </a:solidFill>
+              <a:prstDash val="solid"/>
+              <a:round/>
+            </a:ln>
+          </p:spPr>
+          <p:txBody>
+            <a:bodyPr/>
+            <a:lstStyle/>
+            <a:p/>
+          </p:txBody>
+        </p:sp>
+        <p:sp>
+          <p:nvSpPr>
+            <p:cNvPr id="130" name="tx130"/>
+            <p:cNvSpPr/>
+            <p:nvPr/>
+          </p:nvSpPr>
+          <p:spPr>
+            <a:xfrm>
+              <a:off x="5317161" y="1670045"/>
+              <a:ext cx="419100" cy="69850"/>
             </a:xfrm>
             <a:prstGeom prst="rect">
               <a:avLst/>
@@ -4398,30 +7828,65 @@
                 </a:spcAft>
               </a:pPr>
               <a:r>
-                <a:rPr sz="880" b="1">
+                <a:rPr sz="880">
                   <a:solidFill>
-                    <a:srgbClr val="4D4D4D">
+                    <a:srgbClr val="1A1A1A">
                       <a:alpha val="100000"/>
                     </a:srgbClr>
                   </a:solidFill>
                   <a:latin typeface="Arial"/>
                   <a:cs typeface="Arial"/>
                 </a:rPr>
-                <a:t>4</a:t>
+                <a:t>企业管理者</a:t>
               </a:r>
             </a:p>
           </p:txBody>
         </p:sp>
         <p:sp>
           <p:nvSpPr>
-            <p:cNvPr id="36" name="tx36"/>
-            <p:cNvSpPr/>
-            <p:nvPr/>
-          </p:nvSpPr>
-          <p:spPr>
-            <a:xfrm>
-              <a:off x="1926599" y="3246604"/>
-              <a:ext cx="62155" cy="81691"/>
+            <p:cNvPr id="131" name="rc131"/>
+            <p:cNvSpPr/>
+            <p:nvPr/>
+          </p:nvSpPr>
+          <p:spPr>
+            <a:xfrm>
+              <a:off x="6250541" y="1590617"/>
+              <a:ext cx="1308481" cy="218555"/>
+            </a:xfrm>
+            <a:prstGeom prst="rect">
+              <a:avLst/>
+            </a:prstGeom>
+            <a:solidFill>
+              <a:srgbClr val="D9D9D9">
+                <a:alpha val="100000"/>
+              </a:srgbClr>
+            </a:solidFill>
+            <a:ln w="13550" cap="rnd">
+              <a:solidFill>
+                <a:srgbClr val="333333">
+                  <a:alpha val="100000"/>
+                </a:srgbClr>
+              </a:solidFill>
+              <a:prstDash val="solid"/>
+              <a:round/>
+            </a:ln>
+          </p:spPr>
+          <p:txBody>
+            <a:bodyPr/>
+            <a:lstStyle/>
+            <a:p/>
+          </p:txBody>
+        </p:sp>
+        <p:sp>
+          <p:nvSpPr>
+            <p:cNvPr id="132" name="tx132"/>
+            <p:cNvSpPr/>
+            <p:nvPr/>
+          </p:nvSpPr>
+          <p:spPr>
+            <a:xfrm>
+              <a:off x="6653321" y="1670045"/>
+              <a:ext cx="502920" cy="69850"/>
             </a:xfrm>
             <a:prstGeom prst="rect">
               <a:avLst/>
@@ -4444,30 +7909,65 @@
                 </a:spcAft>
               </a:pPr>
               <a:r>
-                <a:rPr sz="880" b="1">
+                <a:rPr sz="880">
                   <a:solidFill>
-                    <a:srgbClr val="4D4D4D">
+                    <a:srgbClr val="1A1A1A">
                       <a:alpha val="100000"/>
                     </a:srgbClr>
                   </a:solidFill>
                   <a:latin typeface="Arial"/>
                   <a:cs typeface="Arial"/>
                 </a:rPr>
-                <a:t>3</a:t>
+                <a:t>企业研发人员</a:t>
               </a:r>
             </a:p>
           </p:txBody>
         </p:sp>
         <p:sp>
           <p:nvSpPr>
-            <p:cNvPr id="37" name="tx37"/>
-            <p:cNvSpPr/>
-            <p:nvPr/>
-          </p:nvSpPr>
-          <p:spPr>
-            <a:xfrm>
-              <a:off x="1926599" y="2595015"/>
-              <a:ext cx="62155" cy="80327"/>
+            <p:cNvPr id="133" name="rc133"/>
+            <p:cNvSpPr/>
+            <p:nvPr/>
+          </p:nvSpPr>
+          <p:spPr>
+            <a:xfrm>
+              <a:off x="7628611" y="1590617"/>
+              <a:ext cx="1308481" cy="218555"/>
+            </a:xfrm>
+            <a:prstGeom prst="rect">
+              <a:avLst/>
+            </a:prstGeom>
+            <a:solidFill>
+              <a:srgbClr val="D9D9D9">
+                <a:alpha val="100000"/>
+              </a:srgbClr>
+            </a:solidFill>
+            <a:ln w="13550" cap="rnd">
+              <a:solidFill>
+                <a:srgbClr val="333333">
+                  <a:alpha val="100000"/>
+                </a:srgbClr>
+              </a:solidFill>
+              <a:prstDash val="solid"/>
+              <a:round/>
+            </a:ln>
+          </p:spPr>
+          <p:txBody>
+            <a:bodyPr/>
+            <a:lstStyle/>
+            <a:p/>
+          </p:txBody>
+        </p:sp>
+        <p:sp>
+          <p:nvSpPr>
+            <p:cNvPr id="134" name="tx134"/>
+            <p:cNvSpPr/>
+            <p:nvPr/>
+          </p:nvSpPr>
+          <p:spPr>
+            <a:xfrm>
+              <a:off x="8199031" y="1670045"/>
+              <a:ext cx="167640" cy="69850"/>
             </a:xfrm>
             <a:prstGeom prst="rect">
               <a:avLst/>
@@ -4490,315 +7990,29 @@
                 </a:spcAft>
               </a:pPr>
               <a:r>
-                <a:rPr sz="880" b="1">
+                <a:rPr sz="880">
                   <a:solidFill>
-                    <a:srgbClr val="4D4D4D">
+                    <a:srgbClr val="1A1A1A">
                       <a:alpha val="100000"/>
                     </a:srgbClr>
                   </a:solidFill>
                   <a:latin typeface="Arial"/>
                   <a:cs typeface="Arial"/>
                 </a:rPr>
-                <a:t>2</a:t>
+                <a:t>其他</a:t>
               </a:r>
             </a:p>
           </p:txBody>
         </p:sp>
         <p:sp>
           <p:nvSpPr>
-            <p:cNvPr id="38" name="tx38"/>
-            <p:cNvSpPr/>
-            <p:nvPr/>
-          </p:nvSpPr>
-          <p:spPr>
-            <a:xfrm>
-              <a:off x="1926599" y="1942061"/>
-              <a:ext cx="62155" cy="80327"/>
-            </a:xfrm>
-            <a:prstGeom prst="rect">
-              <a:avLst/>
-            </a:prstGeom>
-            <a:noFill/>
-          </p:spPr>
-          <p:txBody>
-            <a:bodyPr lIns="0" rIns="0" tIns="0" bIns="0" anchorCtr="1" anchor="ctr" wrap="none"/>
-            <a:lstStyle/>
-            <a:p>
-              <a:pPr algn="l" marL="0" marR="0" indent="0">
-                <a:lnSpc>
-                  <a:spcPts val="880"/>
-                </a:lnSpc>
-                <a:spcBef>
-                  <a:spcPts val="0"/>
-                </a:spcBef>
-                <a:spcAft>
-                  <a:spcPts val="0"/>
-                </a:spcAft>
-              </a:pPr>
-              <a:r>
-                <a:rPr sz="880" b="1">
-                  <a:solidFill>
-                    <a:srgbClr val="4D4D4D">
-                      <a:alpha val="100000"/>
-                    </a:srgbClr>
-                  </a:solidFill>
-                  <a:latin typeface="Arial"/>
-                  <a:cs typeface="Arial"/>
-                </a:rPr>
-                <a:t>1</a:t>
-              </a:r>
-            </a:p>
-          </p:txBody>
-        </p:sp>
-        <p:sp>
-          <p:nvSpPr>
-            <p:cNvPr id="39" name="pl39"/>
-            <p:cNvSpPr/>
-            <p:nvPr/>
-          </p:nvSpPr>
-          <p:spPr>
-            <a:xfrm>
-              <a:off x="1988754" y="5247155"/>
-              <a:ext cx="34794" cy="0"/>
-            </a:xfrm>
-            <a:custGeom>
-              <a:avLst/>
-              <a:pathLst>
-                <a:path w="34794" h="0">
-                  <a:moveTo>
-                    <a:pt x="0" y="0"/>
-                  </a:moveTo>
-                  <a:lnTo>
-                    <a:pt x="34794" y="0"/>
-                  </a:lnTo>
-                </a:path>
-              </a:pathLst>
-            </a:custGeom>
-            <a:ln w="6775" cap="flat">
-              <a:solidFill>
-                <a:srgbClr val="B3B3B3">
-                  <a:alpha val="100000"/>
-                </a:srgbClr>
-              </a:solidFill>
-              <a:prstDash val="solid"/>
-              <a:round/>
-            </a:ln>
-          </p:spPr>
-          <p:txBody>
-            <a:bodyPr/>
-            <a:lstStyle/>
-            <a:p/>
-          </p:txBody>
-        </p:sp>
-        <p:sp>
-          <p:nvSpPr>
-            <p:cNvPr id="40" name="pl40"/>
-            <p:cNvSpPr/>
-            <p:nvPr/>
-          </p:nvSpPr>
-          <p:spPr>
-            <a:xfrm>
-              <a:off x="1988754" y="4594202"/>
-              <a:ext cx="34794" cy="0"/>
-            </a:xfrm>
-            <a:custGeom>
-              <a:avLst/>
-              <a:pathLst>
-                <a:path w="34794" h="0">
-                  <a:moveTo>
-                    <a:pt x="0" y="0"/>
-                  </a:moveTo>
-                  <a:lnTo>
-                    <a:pt x="34794" y="0"/>
-                  </a:lnTo>
-                </a:path>
-              </a:pathLst>
-            </a:custGeom>
-            <a:ln w="6775" cap="flat">
-              <a:solidFill>
-                <a:srgbClr val="B3B3B3">
-                  <a:alpha val="100000"/>
-                </a:srgbClr>
-              </a:solidFill>
-              <a:prstDash val="solid"/>
-              <a:round/>
-            </a:ln>
-          </p:spPr>
-          <p:txBody>
-            <a:bodyPr/>
-            <a:lstStyle/>
-            <a:p/>
-          </p:txBody>
-        </p:sp>
-        <p:sp>
-          <p:nvSpPr>
-            <p:cNvPr id="41" name="pl41"/>
-            <p:cNvSpPr/>
-            <p:nvPr/>
-          </p:nvSpPr>
-          <p:spPr>
-            <a:xfrm>
-              <a:off x="1988754" y="3941249"/>
-              <a:ext cx="34794" cy="0"/>
-            </a:xfrm>
-            <a:custGeom>
-              <a:avLst/>
-              <a:pathLst>
-                <a:path w="34794" h="0">
-                  <a:moveTo>
-                    <a:pt x="0" y="0"/>
-                  </a:moveTo>
-                  <a:lnTo>
-                    <a:pt x="34794" y="0"/>
-                  </a:lnTo>
-                </a:path>
-              </a:pathLst>
-            </a:custGeom>
-            <a:ln w="6775" cap="flat">
-              <a:solidFill>
-                <a:srgbClr val="B3B3B3">
-                  <a:alpha val="100000"/>
-                </a:srgbClr>
-              </a:solidFill>
-              <a:prstDash val="solid"/>
-              <a:round/>
-            </a:ln>
-          </p:spPr>
-          <p:txBody>
-            <a:bodyPr/>
-            <a:lstStyle/>
-            <a:p/>
-          </p:txBody>
-        </p:sp>
-        <p:sp>
-          <p:nvSpPr>
-            <p:cNvPr id="42" name="pl42"/>
-            <p:cNvSpPr/>
-            <p:nvPr/>
-          </p:nvSpPr>
-          <p:spPr>
-            <a:xfrm>
-              <a:off x="1988754" y="3288295"/>
-              <a:ext cx="34794" cy="0"/>
-            </a:xfrm>
-            <a:custGeom>
-              <a:avLst/>
-              <a:pathLst>
-                <a:path w="34794" h="0">
-                  <a:moveTo>
-                    <a:pt x="0" y="0"/>
-                  </a:moveTo>
-                  <a:lnTo>
-                    <a:pt x="34794" y="0"/>
-                  </a:lnTo>
-                </a:path>
-              </a:pathLst>
-            </a:custGeom>
-            <a:ln w="6775" cap="flat">
-              <a:solidFill>
-                <a:srgbClr val="B3B3B3">
-                  <a:alpha val="100000"/>
-                </a:srgbClr>
-              </a:solidFill>
-              <a:prstDash val="solid"/>
-              <a:round/>
-            </a:ln>
-          </p:spPr>
-          <p:txBody>
-            <a:bodyPr/>
-            <a:lstStyle/>
-            <a:p/>
-          </p:txBody>
-        </p:sp>
-        <p:sp>
-          <p:nvSpPr>
-            <p:cNvPr id="43" name="pl43"/>
-            <p:cNvSpPr/>
-            <p:nvPr/>
-          </p:nvSpPr>
-          <p:spPr>
-            <a:xfrm>
-              <a:off x="1988754" y="2635342"/>
-              <a:ext cx="34794" cy="0"/>
-            </a:xfrm>
-            <a:custGeom>
-              <a:avLst/>
-              <a:pathLst>
-                <a:path w="34794" h="0">
-                  <a:moveTo>
-                    <a:pt x="0" y="0"/>
-                  </a:moveTo>
-                  <a:lnTo>
-                    <a:pt x="34794" y="0"/>
-                  </a:lnTo>
-                </a:path>
-              </a:pathLst>
-            </a:custGeom>
-            <a:ln w="6775" cap="flat">
-              <a:solidFill>
-                <a:srgbClr val="B3B3B3">
-                  <a:alpha val="100000"/>
-                </a:srgbClr>
-              </a:solidFill>
-              <a:prstDash val="solid"/>
-              <a:round/>
-            </a:ln>
-          </p:spPr>
-          <p:txBody>
-            <a:bodyPr/>
-            <a:lstStyle/>
-            <a:p/>
-          </p:txBody>
-        </p:sp>
-        <p:sp>
-          <p:nvSpPr>
-            <p:cNvPr id="44" name="pl44"/>
-            <p:cNvSpPr/>
-            <p:nvPr/>
-          </p:nvSpPr>
-          <p:spPr>
-            <a:xfrm>
-              <a:off x="1988754" y="1982389"/>
-              <a:ext cx="34794" cy="0"/>
-            </a:xfrm>
-            <a:custGeom>
-              <a:avLst/>
-              <a:pathLst>
-                <a:path w="34794" h="0">
-                  <a:moveTo>
-                    <a:pt x="0" y="0"/>
-                  </a:moveTo>
-                  <a:lnTo>
-                    <a:pt x="34794" y="0"/>
-                  </a:lnTo>
-                </a:path>
-              </a:pathLst>
-            </a:custGeom>
-            <a:ln w="6775" cap="flat">
-              <a:solidFill>
-                <a:srgbClr val="B3B3B3">
-                  <a:alpha val="100000"/>
-                </a:srgbClr>
-              </a:solidFill>
-              <a:prstDash val="solid"/>
-              <a:round/>
-            </a:ln>
-          </p:spPr>
-          <p:txBody>
-            <a:bodyPr/>
-            <a:lstStyle/>
-            <a:p/>
-          </p:txBody>
-        </p:sp>
-        <p:sp>
-          <p:nvSpPr>
-            <p:cNvPr id="45" name="pl45"/>
-            <p:cNvSpPr/>
-            <p:nvPr/>
-          </p:nvSpPr>
-          <p:spPr>
-            <a:xfrm>
-              <a:off x="2023549" y="5638927"/>
+            <p:cNvPr id="135" name="pl135"/>
+            <p:cNvSpPr/>
+            <p:nvPr/>
+          </p:nvSpPr>
+          <p:spPr>
+            <a:xfrm>
+              <a:off x="2225370" y="5054641"/>
               <a:ext cx="0" cy="34794"/>
             </a:xfrm>
             <a:custGeom>
@@ -4814,31 +8028,31 @@
                 </a:path>
               </a:pathLst>
             </a:custGeom>
-            <a:ln w="6775" cap="flat">
-              <a:solidFill>
-                <a:srgbClr val="B3B3B3">
-                  <a:alpha val="100000"/>
-                </a:srgbClr>
-              </a:solidFill>
-              <a:prstDash val="solid"/>
-              <a:round/>
-            </a:ln>
-          </p:spPr>
-          <p:txBody>
-            <a:bodyPr/>
-            <a:lstStyle/>
-            <a:p/>
-          </p:txBody>
-        </p:sp>
-        <p:sp>
-          <p:nvSpPr>
-            <p:cNvPr id="46" name="pl46"/>
-            <p:cNvSpPr/>
-            <p:nvPr/>
-          </p:nvSpPr>
-          <p:spPr>
-            <a:xfrm>
-              <a:off x="3931228" y="5638927"/>
+            <a:ln w="13550" cap="flat">
+              <a:solidFill>
+                <a:srgbClr val="333333">
+                  <a:alpha val="100000"/>
+                </a:srgbClr>
+              </a:solidFill>
+              <a:prstDash val="solid"/>
+              <a:round/>
+            </a:ln>
+          </p:spPr>
+          <p:txBody>
+            <a:bodyPr/>
+            <a:lstStyle/>
+            <a:p/>
+          </p:txBody>
+        </p:sp>
+        <p:sp>
+          <p:nvSpPr>
+            <p:cNvPr id="136" name="pl136"/>
+            <p:cNvSpPr/>
+            <p:nvPr/>
+          </p:nvSpPr>
+          <p:spPr>
+            <a:xfrm>
+              <a:off x="2407104" y="5054641"/>
               <a:ext cx="0" cy="34794"/>
             </a:xfrm>
             <a:custGeom>
@@ -4854,31 +8068,31 @@
                 </a:path>
               </a:pathLst>
             </a:custGeom>
-            <a:ln w="6775" cap="flat">
-              <a:solidFill>
-                <a:srgbClr val="B3B3B3">
-                  <a:alpha val="100000"/>
-                </a:srgbClr>
-              </a:solidFill>
-              <a:prstDash val="solid"/>
-              <a:round/>
-            </a:ln>
-          </p:spPr>
-          <p:txBody>
-            <a:bodyPr/>
-            <a:lstStyle/>
-            <a:p/>
-          </p:txBody>
-        </p:sp>
-        <p:sp>
-          <p:nvSpPr>
-            <p:cNvPr id="47" name="pl47"/>
-            <p:cNvSpPr/>
-            <p:nvPr/>
-          </p:nvSpPr>
-          <p:spPr>
-            <a:xfrm>
-              <a:off x="5838907" y="5638927"/>
+            <a:ln w="13550" cap="flat">
+              <a:solidFill>
+                <a:srgbClr val="333333">
+                  <a:alpha val="100000"/>
+                </a:srgbClr>
+              </a:solidFill>
+              <a:prstDash val="solid"/>
+              <a:round/>
+            </a:ln>
+          </p:spPr>
+          <p:txBody>
+            <a:bodyPr/>
+            <a:lstStyle/>
+            <a:p/>
+          </p:txBody>
+        </p:sp>
+        <p:sp>
+          <p:nvSpPr>
+            <p:cNvPr id="137" name="pl137"/>
+            <p:cNvSpPr/>
+            <p:nvPr/>
+          </p:nvSpPr>
+          <p:spPr>
+            <a:xfrm>
+              <a:off x="2588837" y="5054641"/>
               <a:ext cx="0" cy="34794"/>
             </a:xfrm>
             <a:custGeom>
@@ -4894,31 +8108,31 @@
                 </a:path>
               </a:pathLst>
             </a:custGeom>
-            <a:ln w="6775" cap="flat">
-              <a:solidFill>
-                <a:srgbClr val="B3B3B3">
-                  <a:alpha val="100000"/>
-                </a:srgbClr>
-              </a:solidFill>
-              <a:prstDash val="solid"/>
-              <a:round/>
-            </a:ln>
-          </p:spPr>
-          <p:txBody>
-            <a:bodyPr/>
-            <a:lstStyle/>
-            <a:p/>
-          </p:txBody>
-        </p:sp>
-        <p:sp>
-          <p:nvSpPr>
-            <p:cNvPr id="48" name="pl48"/>
-            <p:cNvSpPr/>
-            <p:nvPr/>
-          </p:nvSpPr>
-          <p:spPr>
-            <a:xfrm>
-              <a:off x="7746586" y="5638927"/>
+            <a:ln w="13550" cap="flat">
+              <a:solidFill>
+                <a:srgbClr val="333333">
+                  <a:alpha val="100000"/>
+                </a:srgbClr>
+              </a:solidFill>
+              <a:prstDash val="solid"/>
+              <a:round/>
+            </a:ln>
+          </p:spPr>
+          <p:txBody>
+            <a:bodyPr/>
+            <a:lstStyle/>
+            <a:p/>
+          </p:txBody>
+        </p:sp>
+        <p:sp>
+          <p:nvSpPr>
+            <p:cNvPr id="138" name="pl138"/>
+            <p:cNvSpPr/>
+            <p:nvPr/>
+          </p:nvSpPr>
+          <p:spPr>
+            <a:xfrm>
+              <a:off x="2770571" y="5054641"/>
               <a:ext cx="0" cy="34794"/>
             </a:xfrm>
             <a:custGeom>
@@ -4934,31 +8148,1271 @@
                 </a:path>
               </a:pathLst>
             </a:custGeom>
-            <a:ln w="6775" cap="flat">
-              <a:solidFill>
-                <a:srgbClr val="B3B3B3">
-                  <a:alpha val="100000"/>
-                </a:srgbClr>
-              </a:solidFill>
-              <a:prstDash val="solid"/>
-              <a:round/>
-            </a:ln>
-          </p:spPr>
-          <p:txBody>
-            <a:bodyPr/>
-            <a:lstStyle/>
-            <a:p/>
-          </p:txBody>
-        </p:sp>
-        <p:sp>
-          <p:nvSpPr>
-            <p:cNvPr id="49" name="tx49"/>
-            <p:cNvSpPr/>
-            <p:nvPr/>
-          </p:nvSpPr>
-          <p:spPr>
-            <a:xfrm>
-              <a:off x="1992471" y="5699866"/>
+            <a:ln w="13550" cap="flat">
+              <a:solidFill>
+                <a:srgbClr val="333333">
+                  <a:alpha val="100000"/>
+                </a:srgbClr>
+              </a:solidFill>
+              <a:prstDash val="solid"/>
+              <a:round/>
+            </a:ln>
+          </p:spPr>
+          <p:txBody>
+            <a:bodyPr/>
+            <a:lstStyle/>
+            <a:p/>
+          </p:txBody>
+        </p:sp>
+        <p:sp>
+          <p:nvSpPr>
+            <p:cNvPr id="139" name="pl139"/>
+            <p:cNvSpPr/>
+            <p:nvPr/>
+          </p:nvSpPr>
+          <p:spPr>
+            <a:xfrm>
+              <a:off x="2952304" y="5054641"/>
+              <a:ext cx="0" cy="34794"/>
+            </a:xfrm>
+            <a:custGeom>
+              <a:avLst/>
+              <a:pathLst>
+                <a:path w="0" h="34794">
+                  <a:moveTo>
+                    <a:pt x="0" y="34794"/>
+                  </a:moveTo>
+                  <a:lnTo>
+                    <a:pt x="0" y="0"/>
+                  </a:lnTo>
+                </a:path>
+              </a:pathLst>
+            </a:custGeom>
+            <a:ln w="13550" cap="flat">
+              <a:solidFill>
+                <a:srgbClr val="333333">
+                  <a:alpha val="100000"/>
+                </a:srgbClr>
+              </a:solidFill>
+              <a:prstDash val="solid"/>
+              <a:round/>
+            </a:ln>
+          </p:spPr>
+          <p:txBody>
+            <a:bodyPr/>
+            <a:lstStyle/>
+            <a:p/>
+          </p:txBody>
+        </p:sp>
+        <p:sp>
+          <p:nvSpPr>
+            <p:cNvPr id="140" name="pl140"/>
+            <p:cNvSpPr/>
+            <p:nvPr/>
+          </p:nvSpPr>
+          <p:spPr>
+            <a:xfrm>
+              <a:off x="3134038" y="5054641"/>
+              <a:ext cx="0" cy="34794"/>
+            </a:xfrm>
+            <a:custGeom>
+              <a:avLst/>
+              <a:pathLst>
+                <a:path w="0" h="34794">
+                  <a:moveTo>
+                    <a:pt x="0" y="34794"/>
+                  </a:moveTo>
+                  <a:lnTo>
+                    <a:pt x="0" y="0"/>
+                  </a:lnTo>
+                </a:path>
+              </a:pathLst>
+            </a:custGeom>
+            <a:ln w="13550" cap="flat">
+              <a:solidFill>
+                <a:srgbClr val="333333">
+                  <a:alpha val="100000"/>
+                </a:srgbClr>
+              </a:solidFill>
+              <a:prstDash val="solid"/>
+              <a:round/>
+            </a:ln>
+          </p:spPr>
+          <p:txBody>
+            <a:bodyPr/>
+            <a:lstStyle/>
+            <a:p/>
+          </p:txBody>
+        </p:sp>
+        <p:sp>
+          <p:nvSpPr>
+            <p:cNvPr id="141" name="pl141"/>
+            <p:cNvSpPr/>
+            <p:nvPr/>
+          </p:nvSpPr>
+          <p:spPr>
+            <a:xfrm>
+              <a:off x="3315771" y="5054641"/>
+              <a:ext cx="0" cy="34794"/>
+            </a:xfrm>
+            <a:custGeom>
+              <a:avLst/>
+              <a:pathLst>
+                <a:path w="0" h="34794">
+                  <a:moveTo>
+                    <a:pt x="0" y="34794"/>
+                  </a:moveTo>
+                  <a:lnTo>
+                    <a:pt x="0" y="0"/>
+                  </a:lnTo>
+                </a:path>
+              </a:pathLst>
+            </a:custGeom>
+            <a:ln w="13550" cap="flat">
+              <a:solidFill>
+                <a:srgbClr val="333333">
+                  <a:alpha val="100000"/>
+                </a:srgbClr>
+              </a:solidFill>
+              <a:prstDash val="solid"/>
+              <a:round/>
+            </a:ln>
+          </p:spPr>
+          <p:txBody>
+            <a:bodyPr/>
+            <a:lstStyle/>
+            <a:p/>
+          </p:txBody>
+        </p:sp>
+        <p:sp>
+          <p:nvSpPr>
+            <p:cNvPr id="142" name="pl142"/>
+            <p:cNvSpPr/>
+            <p:nvPr/>
+          </p:nvSpPr>
+          <p:spPr>
+            <a:xfrm>
+              <a:off x="3603441" y="5054641"/>
+              <a:ext cx="0" cy="34794"/>
+            </a:xfrm>
+            <a:custGeom>
+              <a:avLst/>
+              <a:pathLst>
+                <a:path w="0" h="34794">
+                  <a:moveTo>
+                    <a:pt x="0" y="34794"/>
+                  </a:moveTo>
+                  <a:lnTo>
+                    <a:pt x="0" y="0"/>
+                  </a:lnTo>
+                </a:path>
+              </a:pathLst>
+            </a:custGeom>
+            <a:ln w="13550" cap="flat">
+              <a:solidFill>
+                <a:srgbClr val="333333">
+                  <a:alpha val="100000"/>
+                </a:srgbClr>
+              </a:solidFill>
+              <a:prstDash val="solid"/>
+              <a:round/>
+            </a:ln>
+          </p:spPr>
+          <p:txBody>
+            <a:bodyPr/>
+            <a:lstStyle/>
+            <a:p/>
+          </p:txBody>
+        </p:sp>
+        <p:sp>
+          <p:nvSpPr>
+            <p:cNvPr id="143" name="pl143"/>
+            <p:cNvSpPr/>
+            <p:nvPr/>
+          </p:nvSpPr>
+          <p:spPr>
+            <a:xfrm>
+              <a:off x="3785174" y="5054641"/>
+              <a:ext cx="0" cy="34794"/>
+            </a:xfrm>
+            <a:custGeom>
+              <a:avLst/>
+              <a:pathLst>
+                <a:path w="0" h="34794">
+                  <a:moveTo>
+                    <a:pt x="0" y="34794"/>
+                  </a:moveTo>
+                  <a:lnTo>
+                    <a:pt x="0" y="0"/>
+                  </a:lnTo>
+                </a:path>
+              </a:pathLst>
+            </a:custGeom>
+            <a:ln w="13550" cap="flat">
+              <a:solidFill>
+                <a:srgbClr val="333333">
+                  <a:alpha val="100000"/>
+                </a:srgbClr>
+              </a:solidFill>
+              <a:prstDash val="solid"/>
+              <a:round/>
+            </a:ln>
+          </p:spPr>
+          <p:txBody>
+            <a:bodyPr/>
+            <a:lstStyle/>
+            <a:p/>
+          </p:txBody>
+        </p:sp>
+        <p:sp>
+          <p:nvSpPr>
+            <p:cNvPr id="144" name="pl144"/>
+            <p:cNvSpPr/>
+            <p:nvPr/>
+          </p:nvSpPr>
+          <p:spPr>
+            <a:xfrm>
+              <a:off x="3966908" y="5054641"/>
+              <a:ext cx="0" cy="34794"/>
+            </a:xfrm>
+            <a:custGeom>
+              <a:avLst/>
+              <a:pathLst>
+                <a:path w="0" h="34794">
+                  <a:moveTo>
+                    <a:pt x="0" y="34794"/>
+                  </a:moveTo>
+                  <a:lnTo>
+                    <a:pt x="0" y="0"/>
+                  </a:lnTo>
+                </a:path>
+              </a:pathLst>
+            </a:custGeom>
+            <a:ln w="13550" cap="flat">
+              <a:solidFill>
+                <a:srgbClr val="333333">
+                  <a:alpha val="100000"/>
+                </a:srgbClr>
+              </a:solidFill>
+              <a:prstDash val="solid"/>
+              <a:round/>
+            </a:ln>
+          </p:spPr>
+          <p:txBody>
+            <a:bodyPr/>
+            <a:lstStyle/>
+            <a:p/>
+          </p:txBody>
+        </p:sp>
+        <p:sp>
+          <p:nvSpPr>
+            <p:cNvPr id="145" name="pl145"/>
+            <p:cNvSpPr/>
+            <p:nvPr/>
+          </p:nvSpPr>
+          <p:spPr>
+            <a:xfrm>
+              <a:off x="4148641" y="5054641"/>
+              <a:ext cx="0" cy="34794"/>
+            </a:xfrm>
+            <a:custGeom>
+              <a:avLst/>
+              <a:pathLst>
+                <a:path w="0" h="34794">
+                  <a:moveTo>
+                    <a:pt x="0" y="34794"/>
+                  </a:moveTo>
+                  <a:lnTo>
+                    <a:pt x="0" y="0"/>
+                  </a:lnTo>
+                </a:path>
+              </a:pathLst>
+            </a:custGeom>
+            <a:ln w="13550" cap="flat">
+              <a:solidFill>
+                <a:srgbClr val="333333">
+                  <a:alpha val="100000"/>
+                </a:srgbClr>
+              </a:solidFill>
+              <a:prstDash val="solid"/>
+              <a:round/>
+            </a:ln>
+          </p:spPr>
+          <p:txBody>
+            <a:bodyPr/>
+            <a:lstStyle/>
+            <a:p/>
+          </p:txBody>
+        </p:sp>
+        <p:sp>
+          <p:nvSpPr>
+            <p:cNvPr id="146" name="pl146"/>
+            <p:cNvSpPr/>
+            <p:nvPr/>
+          </p:nvSpPr>
+          <p:spPr>
+            <a:xfrm>
+              <a:off x="4330375" y="5054641"/>
+              <a:ext cx="0" cy="34794"/>
+            </a:xfrm>
+            <a:custGeom>
+              <a:avLst/>
+              <a:pathLst>
+                <a:path w="0" h="34794">
+                  <a:moveTo>
+                    <a:pt x="0" y="34794"/>
+                  </a:moveTo>
+                  <a:lnTo>
+                    <a:pt x="0" y="0"/>
+                  </a:lnTo>
+                </a:path>
+              </a:pathLst>
+            </a:custGeom>
+            <a:ln w="13550" cap="flat">
+              <a:solidFill>
+                <a:srgbClr val="333333">
+                  <a:alpha val="100000"/>
+                </a:srgbClr>
+              </a:solidFill>
+              <a:prstDash val="solid"/>
+              <a:round/>
+            </a:ln>
+          </p:spPr>
+          <p:txBody>
+            <a:bodyPr/>
+            <a:lstStyle/>
+            <a:p/>
+          </p:txBody>
+        </p:sp>
+        <p:sp>
+          <p:nvSpPr>
+            <p:cNvPr id="147" name="pl147"/>
+            <p:cNvSpPr/>
+            <p:nvPr/>
+          </p:nvSpPr>
+          <p:spPr>
+            <a:xfrm>
+              <a:off x="4512108" y="5054641"/>
+              <a:ext cx="0" cy="34794"/>
+            </a:xfrm>
+            <a:custGeom>
+              <a:avLst/>
+              <a:pathLst>
+                <a:path w="0" h="34794">
+                  <a:moveTo>
+                    <a:pt x="0" y="34794"/>
+                  </a:moveTo>
+                  <a:lnTo>
+                    <a:pt x="0" y="0"/>
+                  </a:lnTo>
+                </a:path>
+              </a:pathLst>
+            </a:custGeom>
+            <a:ln w="13550" cap="flat">
+              <a:solidFill>
+                <a:srgbClr val="333333">
+                  <a:alpha val="100000"/>
+                </a:srgbClr>
+              </a:solidFill>
+              <a:prstDash val="solid"/>
+              <a:round/>
+            </a:ln>
+          </p:spPr>
+          <p:txBody>
+            <a:bodyPr/>
+            <a:lstStyle/>
+            <a:p/>
+          </p:txBody>
+        </p:sp>
+        <p:sp>
+          <p:nvSpPr>
+            <p:cNvPr id="148" name="pl148"/>
+            <p:cNvSpPr/>
+            <p:nvPr/>
+          </p:nvSpPr>
+          <p:spPr>
+            <a:xfrm>
+              <a:off x="4693842" y="5054641"/>
+              <a:ext cx="0" cy="34794"/>
+            </a:xfrm>
+            <a:custGeom>
+              <a:avLst/>
+              <a:pathLst>
+                <a:path w="0" h="34794">
+                  <a:moveTo>
+                    <a:pt x="0" y="34794"/>
+                  </a:moveTo>
+                  <a:lnTo>
+                    <a:pt x="0" y="0"/>
+                  </a:lnTo>
+                </a:path>
+              </a:pathLst>
+            </a:custGeom>
+            <a:ln w="13550" cap="flat">
+              <a:solidFill>
+                <a:srgbClr val="333333">
+                  <a:alpha val="100000"/>
+                </a:srgbClr>
+              </a:solidFill>
+              <a:prstDash val="solid"/>
+              <a:round/>
+            </a:ln>
+          </p:spPr>
+          <p:txBody>
+            <a:bodyPr/>
+            <a:lstStyle/>
+            <a:p/>
+          </p:txBody>
+        </p:sp>
+        <p:sp>
+          <p:nvSpPr>
+            <p:cNvPr id="149" name="pl149"/>
+            <p:cNvSpPr/>
+            <p:nvPr/>
+          </p:nvSpPr>
+          <p:spPr>
+            <a:xfrm>
+              <a:off x="4981511" y="5054641"/>
+              <a:ext cx="0" cy="34794"/>
+            </a:xfrm>
+            <a:custGeom>
+              <a:avLst/>
+              <a:pathLst>
+                <a:path w="0" h="34794">
+                  <a:moveTo>
+                    <a:pt x="0" y="34794"/>
+                  </a:moveTo>
+                  <a:lnTo>
+                    <a:pt x="0" y="0"/>
+                  </a:lnTo>
+                </a:path>
+              </a:pathLst>
+            </a:custGeom>
+            <a:ln w="13550" cap="flat">
+              <a:solidFill>
+                <a:srgbClr val="333333">
+                  <a:alpha val="100000"/>
+                </a:srgbClr>
+              </a:solidFill>
+              <a:prstDash val="solid"/>
+              <a:round/>
+            </a:ln>
+          </p:spPr>
+          <p:txBody>
+            <a:bodyPr/>
+            <a:lstStyle/>
+            <a:p/>
+          </p:txBody>
+        </p:sp>
+        <p:sp>
+          <p:nvSpPr>
+            <p:cNvPr id="150" name="pl150"/>
+            <p:cNvSpPr/>
+            <p:nvPr/>
+          </p:nvSpPr>
+          <p:spPr>
+            <a:xfrm>
+              <a:off x="5163244" y="5054641"/>
+              <a:ext cx="0" cy="34794"/>
+            </a:xfrm>
+            <a:custGeom>
+              <a:avLst/>
+              <a:pathLst>
+                <a:path w="0" h="34794">
+                  <a:moveTo>
+                    <a:pt x="0" y="34794"/>
+                  </a:moveTo>
+                  <a:lnTo>
+                    <a:pt x="0" y="0"/>
+                  </a:lnTo>
+                </a:path>
+              </a:pathLst>
+            </a:custGeom>
+            <a:ln w="13550" cap="flat">
+              <a:solidFill>
+                <a:srgbClr val="333333">
+                  <a:alpha val="100000"/>
+                </a:srgbClr>
+              </a:solidFill>
+              <a:prstDash val="solid"/>
+              <a:round/>
+            </a:ln>
+          </p:spPr>
+          <p:txBody>
+            <a:bodyPr/>
+            <a:lstStyle/>
+            <a:p/>
+          </p:txBody>
+        </p:sp>
+        <p:sp>
+          <p:nvSpPr>
+            <p:cNvPr id="151" name="pl151"/>
+            <p:cNvSpPr/>
+            <p:nvPr/>
+          </p:nvSpPr>
+          <p:spPr>
+            <a:xfrm>
+              <a:off x="5344978" y="5054641"/>
+              <a:ext cx="0" cy="34794"/>
+            </a:xfrm>
+            <a:custGeom>
+              <a:avLst/>
+              <a:pathLst>
+                <a:path w="0" h="34794">
+                  <a:moveTo>
+                    <a:pt x="0" y="34794"/>
+                  </a:moveTo>
+                  <a:lnTo>
+                    <a:pt x="0" y="0"/>
+                  </a:lnTo>
+                </a:path>
+              </a:pathLst>
+            </a:custGeom>
+            <a:ln w="13550" cap="flat">
+              <a:solidFill>
+                <a:srgbClr val="333333">
+                  <a:alpha val="100000"/>
+                </a:srgbClr>
+              </a:solidFill>
+              <a:prstDash val="solid"/>
+              <a:round/>
+            </a:ln>
+          </p:spPr>
+          <p:txBody>
+            <a:bodyPr/>
+            <a:lstStyle/>
+            <a:p/>
+          </p:txBody>
+        </p:sp>
+        <p:sp>
+          <p:nvSpPr>
+            <p:cNvPr id="152" name="pl152"/>
+            <p:cNvSpPr/>
+            <p:nvPr/>
+          </p:nvSpPr>
+          <p:spPr>
+            <a:xfrm>
+              <a:off x="5526711" y="5054641"/>
+              <a:ext cx="0" cy="34794"/>
+            </a:xfrm>
+            <a:custGeom>
+              <a:avLst/>
+              <a:pathLst>
+                <a:path w="0" h="34794">
+                  <a:moveTo>
+                    <a:pt x="0" y="34794"/>
+                  </a:moveTo>
+                  <a:lnTo>
+                    <a:pt x="0" y="0"/>
+                  </a:lnTo>
+                </a:path>
+              </a:pathLst>
+            </a:custGeom>
+            <a:ln w="13550" cap="flat">
+              <a:solidFill>
+                <a:srgbClr val="333333">
+                  <a:alpha val="100000"/>
+                </a:srgbClr>
+              </a:solidFill>
+              <a:prstDash val="solid"/>
+              <a:round/>
+            </a:ln>
+          </p:spPr>
+          <p:txBody>
+            <a:bodyPr/>
+            <a:lstStyle/>
+            <a:p/>
+          </p:txBody>
+        </p:sp>
+        <p:sp>
+          <p:nvSpPr>
+            <p:cNvPr id="153" name="pl153"/>
+            <p:cNvSpPr/>
+            <p:nvPr/>
+          </p:nvSpPr>
+          <p:spPr>
+            <a:xfrm>
+              <a:off x="5708445" y="5054641"/>
+              <a:ext cx="0" cy="34794"/>
+            </a:xfrm>
+            <a:custGeom>
+              <a:avLst/>
+              <a:pathLst>
+                <a:path w="0" h="34794">
+                  <a:moveTo>
+                    <a:pt x="0" y="34794"/>
+                  </a:moveTo>
+                  <a:lnTo>
+                    <a:pt x="0" y="0"/>
+                  </a:lnTo>
+                </a:path>
+              </a:pathLst>
+            </a:custGeom>
+            <a:ln w="13550" cap="flat">
+              <a:solidFill>
+                <a:srgbClr val="333333">
+                  <a:alpha val="100000"/>
+                </a:srgbClr>
+              </a:solidFill>
+              <a:prstDash val="solid"/>
+              <a:round/>
+            </a:ln>
+          </p:spPr>
+          <p:txBody>
+            <a:bodyPr/>
+            <a:lstStyle/>
+            <a:p/>
+          </p:txBody>
+        </p:sp>
+        <p:sp>
+          <p:nvSpPr>
+            <p:cNvPr id="154" name="pl154"/>
+            <p:cNvSpPr/>
+            <p:nvPr/>
+          </p:nvSpPr>
+          <p:spPr>
+            <a:xfrm>
+              <a:off x="5890178" y="5054641"/>
+              <a:ext cx="0" cy="34794"/>
+            </a:xfrm>
+            <a:custGeom>
+              <a:avLst/>
+              <a:pathLst>
+                <a:path w="0" h="34794">
+                  <a:moveTo>
+                    <a:pt x="0" y="34794"/>
+                  </a:moveTo>
+                  <a:lnTo>
+                    <a:pt x="0" y="0"/>
+                  </a:lnTo>
+                </a:path>
+              </a:pathLst>
+            </a:custGeom>
+            <a:ln w="13550" cap="flat">
+              <a:solidFill>
+                <a:srgbClr val="333333">
+                  <a:alpha val="100000"/>
+                </a:srgbClr>
+              </a:solidFill>
+              <a:prstDash val="solid"/>
+              <a:round/>
+            </a:ln>
+          </p:spPr>
+          <p:txBody>
+            <a:bodyPr/>
+            <a:lstStyle/>
+            <a:p/>
+          </p:txBody>
+        </p:sp>
+        <p:sp>
+          <p:nvSpPr>
+            <p:cNvPr id="155" name="pl155"/>
+            <p:cNvSpPr/>
+            <p:nvPr/>
+          </p:nvSpPr>
+          <p:spPr>
+            <a:xfrm>
+              <a:off x="6071912" y="5054641"/>
+              <a:ext cx="0" cy="34794"/>
+            </a:xfrm>
+            <a:custGeom>
+              <a:avLst/>
+              <a:pathLst>
+                <a:path w="0" h="34794">
+                  <a:moveTo>
+                    <a:pt x="0" y="34794"/>
+                  </a:moveTo>
+                  <a:lnTo>
+                    <a:pt x="0" y="0"/>
+                  </a:lnTo>
+                </a:path>
+              </a:pathLst>
+            </a:custGeom>
+            <a:ln w="13550" cap="flat">
+              <a:solidFill>
+                <a:srgbClr val="333333">
+                  <a:alpha val="100000"/>
+                </a:srgbClr>
+              </a:solidFill>
+              <a:prstDash val="solid"/>
+              <a:round/>
+            </a:ln>
+          </p:spPr>
+          <p:txBody>
+            <a:bodyPr/>
+            <a:lstStyle/>
+            <a:p/>
+          </p:txBody>
+        </p:sp>
+        <p:sp>
+          <p:nvSpPr>
+            <p:cNvPr id="156" name="pl156"/>
+            <p:cNvSpPr/>
+            <p:nvPr/>
+          </p:nvSpPr>
+          <p:spPr>
+            <a:xfrm>
+              <a:off x="6359581" y="5054641"/>
+              <a:ext cx="0" cy="34794"/>
+            </a:xfrm>
+            <a:custGeom>
+              <a:avLst/>
+              <a:pathLst>
+                <a:path w="0" h="34794">
+                  <a:moveTo>
+                    <a:pt x="0" y="34794"/>
+                  </a:moveTo>
+                  <a:lnTo>
+                    <a:pt x="0" y="0"/>
+                  </a:lnTo>
+                </a:path>
+              </a:pathLst>
+            </a:custGeom>
+            <a:ln w="13550" cap="flat">
+              <a:solidFill>
+                <a:srgbClr val="333333">
+                  <a:alpha val="100000"/>
+                </a:srgbClr>
+              </a:solidFill>
+              <a:prstDash val="solid"/>
+              <a:round/>
+            </a:ln>
+          </p:spPr>
+          <p:txBody>
+            <a:bodyPr/>
+            <a:lstStyle/>
+            <a:p/>
+          </p:txBody>
+        </p:sp>
+        <p:sp>
+          <p:nvSpPr>
+            <p:cNvPr id="157" name="pl157"/>
+            <p:cNvSpPr/>
+            <p:nvPr/>
+          </p:nvSpPr>
+          <p:spPr>
+            <a:xfrm>
+              <a:off x="6541314" y="5054641"/>
+              <a:ext cx="0" cy="34794"/>
+            </a:xfrm>
+            <a:custGeom>
+              <a:avLst/>
+              <a:pathLst>
+                <a:path w="0" h="34794">
+                  <a:moveTo>
+                    <a:pt x="0" y="34794"/>
+                  </a:moveTo>
+                  <a:lnTo>
+                    <a:pt x="0" y="0"/>
+                  </a:lnTo>
+                </a:path>
+              </a:pathLst>
+            </a:custGeom>
+            <a:ln w="13550" cap="flat">
+              <a:solidFill>
+                <a:srgbClr val="333333">
+                  <a:alpha val="100000"/>
+                </a:srgbClr>
+              </a:solidFill>
+              <a:prstDash val="solid"/>
+              <a:round/>
+            </a:ln>
+          </p:spPr>
+          <p:txBody>
+            <a:bodyPr/>
+            <a:lstStyle/>
+            <a:p/>
+          </p:txBody>
+        </p:sp>
+        <p:sp>
+          <p:nvSpPr>
+            <p:cNvPr id="158" name="pl158"/>
+            <p:cNvSpPr/>
+            <p:nvPr/>
+          </p:nvSpPr>
+          <p:spPr>
+            <a:xfrm>
+              <a:off x="6723048" y="5054641"/>
+              <a:ext cx="0" cy="34794"/>
+            </a:xfrm>
+            <a:custGeom>
+              <a:avLst/>
+              <a:pathLst>
+                <a:path w="0" h="34794">
+                  <a:moveTo>
+                    <a:pt x="0" y="34794"/>
+                  </a:moveTo>
+                  <a:lnTo>
+                    <a:pt x="0" y="0"/>
+                  </a:lnTo>
+                </a:path>
+              </a:pathLst>
+            </a:custGeom>
+            <a:ln w="13550" cap="flat">
+              <a:solidFill>
+                <a:srgbClr val="333333">
+                  <a:alpha val="100000"/>
+                </a:srgbClr>
+              </a:solidFill>
+              <a:prstDash val="solid"/>
+              <a:round/>
+            </a:ln>
+          </p:spPr>
+          <p:txBody>
+            <a:bodyPr/>
+            <a:lstStyle/>
+            <a:p/>
+          </p:txBody>
+        </p:sp>
+        <p:sp>
+          <p:nvSpPr>
+            <p:cNvPr id="159" name="pl159"/>
+            <p:cNvSpPr/>
+            <p:nvPr/>
+          </p:nvSpPr>
+          <p:spPr>
+            <a:xfrm>
+              <a:off x="6904781" y="5054641"/>
+              <a:ext cx="0" cy="34794"/>
+            </a:xfrm>
+            <a:custGeom>
+              <a:avLst/>
+              <a:pathLst>
+                <a:path w="0" h="34794">
+                  <a:moveTo>
+                    <a:pt x="0" y="34794"/>
+                  </a:moveTo>
+                  <a:lnTo>
+                    <a:pt x="0" y="0"/>
+                  </a:lnTo>
+                </a:path>
+              </a:pathLst>
+            </a:custGeom>
+            <a:ln w="13550" cap="flat">
+              <a:solidFill>
+                <a:srgbClr val="333333">
+                  <a:alpha val="100000"/>
+                </a:srgbClr>
+              </a:solidFill>
+              <a:prstDash val="solid"/>
+              <a:round/>
+            </a:ln>
+          </p:spPr>
+          <p:txBody>
+            <a:bodyPr/>
+            <a:lstStyle/>
+            <a:p/>
+          </p:txBody>
+        </p:sp>
+        <p:sp>
+          <p:nvSpPr>
+            <p:cNvPr id="160" name="pl160"/>
+            <p:cNvSpPr/>
+            <p:nvPr/>
+          </p:nvSpPr>
+          <p:spPr>
+            <a:xfrm>
+              <a:off x="7086515" y="5054641"/>
+              <a:ext cx="0" cy="34794"/>
+            </a:xfrm>
+            <a:custGeom>
+              <a:avLst/>
+              <a:pathLst>
+                <a:path w="0" h="34794">
+                  <a:moveTo>
+                    <a:pt x="0" y="34794"/>
+                  </a:moveTo>
+                  <a:lnTo>
+                    <a:pt x="0" y="0"/>
+                  </a:lnTo>
+                </a:path>
+              </a:pathLst>
+            </a:custGeom>
+            <a:ln w="13550" cap="flat">
+              <a:solidFill>
+                <a:srgbClr val="333333">
+                  <a:alpha val="100000"/>
+                </a:srgbClr>
+              </a:solidFill>
+              <a:prstDash val="solid"/>
+              <a:round/>
+            </a:ln>
+          </p:spPr>
+          <p:txBody>
+            <a:bodyPr/>
+            <a:lstStyle/>
+            <a:p/>
+          </p:txBody>
+        </p:sp>
+        <p:sp>
+          <p:nvSpPr>
+            <p:cNvPr id="161" name="pl161"/>
+            <p:cNvSpPr/>
+            <p:nvPr/>
+          </p:nvSpPr>
+          <p:spPr>
+            <a:xfrm>
+              <a:off x="7268248" y="5054641"/>
+              <a:ext cx="0" cy="34794"/>
+            </a:xfrm>
+            <a:custGeom>
+              <a:avLst/>
+              <a:pathLst>
+                <a:path w="0" h="34794">
+                  <a:moveTo>
+                    <a:pt x="0" y="34794"/>
+                  </a:moveTo>
+                  <a:lnTo>
+                    <a:pt x="0" y="0"/>
+                  </a:lnTo>
+                </a:path>
+              </a:pathLst>
+            </a:custGeom>
+            <a:ln w="13550" cap="flat">
+              <a:solidFill>
+                <a:srgbClr val="333333">
+                  <a:alpha val="100000"/>
+                </a:srgbClr>
+              </a:solidFill>
+              <a:prstDash val="solid"/>
+              <a:round/>
+            </a:ln>
+          </p:spPr>
+          <p:txBody>
+            <a:bodyPr/>
+            <a:lstStyle/>
+            <a:p/>
+          </p:txBody>
+        </p:sp>
+        <p:sp>
+          <p:nvSpPr>
+            <p:cNvPr id="162" name="pl162"/>
+            <p:cNvSpPr/>
+            <p:nvPr/>
+          </p:nvSpPr>
+          <p:spPr>
+            <a:xfrm>
+              <a:off x="7449982" y="5054641"/>
+              <a:ext cx="0" cy="34794"/>
+            </a:xfrm>
+            <a:custGeom>
+              <a:avLst/>
+              <a:pathLst>
+                <a:path w="0" h="34794">
+                  <a:moveTo>
+                    <a:pt x="0" y="34794"/>
+                  </a:moveTo>
+                  <a:lnTo>
+                    <a:pt x="0" y="0"/>
+                  </a:lnTo>
+                </a:path>
+              </a:pathLst>
+            </a:custGeom>
+            <a:ln w="13550" cap="flat">
+              <a:solidFill>
+                <a:srgbClr val="333333">
+                  <a:alpha val="100000"/>
+                </a:srgbClr>
+              </a:solidFill>
+              <a:prstDash val="solid"/>
+              <a:round/>
+            </a:ln>
+          </p:spPr>
+          <p:txBody>
+            <a:bodyPr/>
+            <a:lstStyle/>
+            <a:p/>
+          </p:txBody>
+        </p:sp>
+        <p:sp>
+          <p:nvSpPr>
+            <p:cNvPr id="163" name="pl163"/>
+            <p:cNvSpPr/>
+            <p:nvPr/>
+          </p:nvSpPr>
+          <p:spPr>
+            <a:xfrm>
+              <a:off x="7737651" y="5054641"/>
+              <a:ext cx="0" cy="34794"/>
+            </a:xfrm>
+            <a:custGeom>
+              <a:avLst/>
+              <a:pathLst>
+                <a:path w="0" h="34794">
+                  <a:moveTo>
+                    <a:pt x="0" y="34794"/>
+                  </a:moveTo>
+                  <a:lnTo>
+                    <a:pt x="0" y="0"/>
+                  </a:lnTo>
+                </a:path>
+              </a:pathLst>
+            </a:custGeom>
+            <a:ln w="13550" cap="flat">
+              <a:solidFill>
+                <a:srgbClr val="333333">
+                  <a:alpha val="100000"/>
+                </a:srgbClr>
+              </a:solidFill>
+              <a:prstDash val="solid"/>
+              <a:round/>
+            </a:ln>
+          </p:spPr>
+          <p:txBody>
+            <a:bodyPr/>
+            <a:lstStyle/>
+            <a:p/>
+          </p:txBody>
+        </p:sp>
+        <p:sp>
+          <p:nvSpPr>
+            <p:cNvPr id="164" name="pl164"/>
+            <p:cNvSpPr/>
+            <p:nvPr/>
+          </p:nvSpPr>
+          <p:spPr>
+            <a:xfrm>
+              <a:off x="7919384" y="5054641"/>
+              <a:ext cx="0" cy="34794"/>
+            </a:xfrm>
+            <a:custGeom>
+              <a:avLst/>
+              <a:pathLst>
+                <a:path w="0" h="34794">
+                  <a:moveTo>
+                    <a:pt x="0" y="34794"/>
+                  </a:moveTo>
+                  <a:lnTo>
+                    <a:pt x="0" y="0"/>
+                  </a:lnTo>
+                </a:path>
+              </a:pathLst>
+            </a:custGeom>
+            <a:ln w="13550" cap="flat">
+              <a:solidFill>
+                <a:srgbClr val="333333">
+                  <a:alpha val="100000"/>
+                </a:srgbClr>
+              </a:solidFill>
+              <a:prstDash val="solid"/>
+              <a:round/>
+            </a:ln>
+          </p:spPr>
+          <p:txBody>
+            <a:bodyPr/>
+            <a:lstStyle/>
+            <a:p/>
+          </p:txBody>
+        </p:sp>
+        <p:sp>
+          <p:nvSpPr>
+            <p:cNvPr id="165" name="pl165"/>
+            <p:cNvSpPr/>
+            <p:nvPr/>
+          </p:nvSpPr>
+          <p:spPr>
+            <a:xfrm>
+              <a:off x="8101118" y="5054641"/>
+              <a:ext cx="0" cy="34794"/>
+            </a:xfrm>
+            <a:custGeom>
+              <a:avLst/>
+              <a:pathLst>
+                <a:path w="0" h="34794">
+                  <a:moveTo>
+                    <a:pt x="0" y="34794"/>
+                  </a:moveTo>
+                  <a:lnTo>
+                    <a:pt x="0" y="0"/>
+                  </a:lnTo>
+                </a:path>
+              </a:pathLst>
+            </a:custGeom>
+            <a:ln w="13550" cap="flat">
+              <a:solidFill>
+                <a:srgbClr val="333333">
+                  <a:alpha val="100000"/>
+                </a:srgbClr>
+              </a:solidFill>
+              <a:prstDash val="solid"/>
+              <a:round/>
+            </a:ln>
+          </p:spPr>
+          <p:txBody>
+            <a:bodyPr/>
+            <a:lstStyle/>
+            <a:p/>
+          </p:txBody>
+        </p:sp>
+        <p:sp>
+          <p:nvSpPr>
+            <p:cNvPr id="166" name="pl166"/>
+            <p:cNvSpPr/>
+            <p:nvPr/>
+          </p:nvSpPr>
+          <p:spPr>
+            <a:xfrm>
+              <a:off x="8282851" y="5054641"/>
+              <a:ext cx="0" cy="34794"/>
+            </a:xfrm>
+            <a:custGeom>
+              <a:avLst/>
+              <a:pathLst>
+                <a:path w="0" h="34794">
+                  <a:moveTo>
+                    <a:pt x="0" y="34794"/>
+                  </a:moveTo>
+                  <a:lnTo>
+                    <a:pt x="0" y="0"/>
+                  </a:lnTo>
+                </a:path>
+              </a:pathLst>
+            </a:custGeom>
+            <a:ln w="13550" cap="flat">
+              <a:solidFill>
+                <a:srgbClr val="333333">
+                  <a:alpha val="100000"/>
+                </a:srgbClr>
+              </a:solidFill>
+              <a:prstDash val="solid"/>
+              <a:round/>
+            </a:ln>
+          </p:spPr>
+          <p:txBody>
+            <a:bodyPr/>
+            <a:lstStyle/>
+            <a:p/>
+          </p:txBody>
+        </p:sp>
+        <p:sp>
+          <p:nvSpPr>
+            <p:cNvPr id="167" name="pl167"/>
+            <p:cNvSpPr/>
+            <p:nvPr/>
+          </p:nvSpPr>
+          <p:spPr>
+            <a:xfrm>
+              <a:off x="8464585" y="5054641"/>
+              <a:ext cx="0" cy="34794"/>
+            </a:xfrm>
+            <a:custGeom>
+              <a:avLst/>
+              <a:pathLst>
+                <a:path w="0" h="34794">
+                  <a:moveTo>
+                    <a:pt x="0" y="34794"/>
+                  </a:moveTo>
+                  <a:lnTo>
+                    <a:pt x="0" y="0"/>
+                  </a:lnTo>
+                </a:path>
+              </a:pathLst>
+            </a:custGeom>
+            <a:ln w="13550" cap="flat">
+              <a:solidFill>
+                <a:srgbClr val="333333">
+                  <a:alpha val="100000"/>
+                </a:srgbClr>
+              </a:solidFill>
+              <a:prstDash val="solid"/>
+              <a:round/>
+            </a:ln>
+          </p:spPr>
+          <p:txBody>
+            <a:bodyPr/>
+            <a:lstStyle/>
+            <a:p/>
+          </p:txBody>
+        </p:sp>
+        <p:sp>
+          <p:nvSpPr>
+            <p:cNvPr id="168" name="pl168"/>
+            <p:cNvSpPr/>
+            <p:nvPr/>
+          </p:nvSpPr>
+          <p:spPr>
+            <a:xfrm>
+              <a:off x="8646318" y="5054641"/>
+              <a:ext cx="0" cy="34794"/>
+            </a:xfrm>
+            <a:custGeom>
+              <a:avLst/>
+              <a:pathLst>
+                <a:path w="0" h="34794">
+                  <a:moveTo>
+                    <a:pt x="0" y="34794"/>
+                  </a:moveTo>
+                  <a:lnTo>
+                    <a:pt x="0" y="0"/>
+                  </a:lnTo>
+                </a:path>
+              </a:pathLst>
+            </a:custGeom>
+            <a:ln w="13550" cap="flat">
+              <a:solidFill>
+                <a:srgbClr val="333333">
+                  <a:alpha val="100000"/>
+                </a:srgbClr>
+              </a:solidFill>
+              <a:prstDash val="solid"/>
+              <a:round/>
+            </a:ln>
+          </p:spPr>
+          <p:txBody>
+            <a:bodyPr/>
+            <a:lstStyle/>
+            <a:p/>
+          </p:txBody>
+        </p:sp>
+        <p:sp>
+          <p:nvSpPr>
+            <p:cNvPr id="169" name="pl169"/>
+            <p:cNvSpPr/>
+            <p:nvPr/>
+          </p:nvSpPr>
+          <p:spPr>
+            <a:xfrm>
+              <a:off x="8828052" y="5054641"/>
+              <a:ext cx="0" cy="34794"/>
+            </a:xfrm>
+            <a:custGeom>
+              <a:avLst/>
+              <a:pathLst>
+                <a:path w="0" h="34794">
+                  <a:moveTo>
+                    <a:pt x="0" y="34794"/>
+                  </a:moveTo>
+                  <a:lnTo>
+                    <a:pt x="0" y="0"/>
+                  </a:lnTo>
+                </a:path>
+              </a:pathLst>
+            </a:custGeom>
+            <a:ln w="13550" cap="flat">
+              <a:solidFill>
+                <a:srgbClr val="333333">
+                  <a:alpha val="100000"/>
+                </a:srgbClr>
+              </a:solidFill>
+              <a:prstDash val="solid"/>
+              <a:round/>
+            </a:ln>
+          </p:spPr>
+          <p:txBody>
+            <a:bodyPr/>
+            <a:lstStyle/>
+            <a:p/>
+          </p:txBody>
+        </p:sp>
+        <p:sp>
+          <p:nvSpPr>
+            <p:cNvPr id="170" name="tx170"/>
+            <p:cNvSpPr/>
+            <p:nvPr/>
+          </p:nvSpPr>
+          <p:spPr>
+            <a:xfrm>
+              <a:off x="1991545" y="4865428"/>
               <a:ext cx="62155" cy="81691"/>
             </a:xfrm>
             <a:prstGeom prst="rect">
@@ -4998,14 +9452,14 @@
         </p:sp>
         <p:sp>
           <p:nvSpPr>
-            <p:cNvPr id="50" name="tx50"/>
-            <p:cNvSpPr/>
-            <p:nvPr/>
-          </p:nvSpPr>
-          <p:spPr>
-            <a:xfrm>
-              <a:off x="3806917" y="5699866"/>
-              <a:ext cx="248622" cy="81691"/>
+            <p:cNvPr id="171" name="tx171"/>
+            <p:cNvSpPr/>
+            <p:nvPr/>
+          </p:nvSpPr>
+          <p:spPr>
+            <a:xfrm>
+              <a:off x="1929389" y="4082075"/>
+              <a:ext cx="124311" cy="81746"/>
             </a:xfrm>
             <a:prstGeom prst="rect">
               <a:avLst/>
@@ -5037,21 +9491,21 @@
                   <a:latin typeface="Arial"/>
                   <a:cs typeface="Arial"/>
                 </a:rPr>
-                <a:t>1000</a:t>
+                <a:t>30</a:t>
               </a:r>
             </a:p>
           </p:txBody>
         </p:sp>
         <p:sp>
           <p:nvSpPr>
-            <p:cNvPr id="51" name="tx51"/>
-            <p:cNvSpPr/>
-            <p:nvPr/>
-          </p:nvSpPr>
-          <p:spPr>
-            <a:xfrm>
-              <a:off x="5714596" y="5699866"/>
-              <a:ext cx="248622" cy="81691"/>
+            <p:cNvPr id="172" name="tx172"/>
+            <p:cNvSpPr/>
+            <p:nvPr/>
+          </p:nvSpPr>
+          <p:spPr>
+            <a:xfrm>
+              <a:off x="1929389" y="3298830"/>
+              <a:ext cx="124311" cy="81691"/>
             </a:xfrm>
             <a:prstGeom prst="rect">
               <a:avLst/>
@@ -5083,21 +9537,21 @@
                   <a:latin typeface="Arial"/>
                   <a:cs typeface="Arial"/>
                 </a:rPr>
-                <a:t>2000</a:t>
+                <a:t>60</a:t>
               </a:r>
             </a:p>
           </p:txBody>
         </p:sp>
         <p:sp>
           <p:nvSpPr>
-            <p:cNvPr id="52" name="tx52"/>
-            <p:cNvSpPr/>
-            <p:nvPr/>
-          </p:nvSpPr>
-          <p:spPr>
-            <a:xfrm>
-              <a:off x="7622275" y="5699811"/>
-              <a:ext cx="248622" cy="81746"/>
+            <p:cNvPr id="173" name="tx173"/>
+            <p:cNvSpPr/>
+            <p:nvPr/>
+          </p:nvSpPr>
+          <p:spPr>
+            <a:xfrm>
+              <a:off x="1929389" y="2515531"/>
+              <a:ext cx="124311" cy="81691"/>
             </a:xfrm>
             <a:prstGeom prst="rect">
               <a:avLst/>
@@ -5129,7 +9583,879 @@
                   <a:latin typeface="Arial"/>
                   <a:cs typeface="Arial"/>
                 </a:rPr>
-                <a:t>3000</a:t>
+                <a:t>90</a:t>
+              </a:r>
+            </a:p>
+          </p:txBody>
+        </p:sp>
+        <p:sp>
+          <p:nvSpPr>
+            <p:cNvPr id="174" name="pl174"/>
+            <p:cNvSpPr/>
+            <p:nvPr/>
+          </p:nvSpPr>
+          <p:spPr>
+            <a:xfrm>
+              <a:off x="2081536" y="4907120"/>
+              <a:ext cx="34794" cy="0"/>
+            </a:xfrm>
+            <a:custGeom>
+              <a:avLst/>
+              <a:pathLst>
+                <a:path w="34794" h="0">
+                  <a:moveTo>
+                    <a:pt x="0" y="0"/>
+                  </a:moveTo>
+                  <a:lnTo>
+                    <a:pt x="34794" y="0"/>
+                  </a:lnTo>
+                </a:path>
+              </a:pathLst>
+            </a:custGeom>
+            <a:ln w="13550" cap="flat">
+              <a:solidFill>
+                <a:srgbClr val="333333">
+                  <a:alpha val="100000"/>
+                </a:srgbClr>
+              </a:solidFill>
+              <a:prstDash val="solid"/>
+              <a:round/>
+            </a:ln>
+          </p:spPr>
+          <p:txBody>
+            <a:bodyPr/>
+            <a:lstStyle/>
+            <a:p/>
+          </p:txBody>
+        </p:sp>
+        <p:sp>
+          <p:nvSpPr>
+            <p:cNvPr id="175" name="pl175"/>
+            <p:cNvSpPr/>
+            <p:nvPr/>
+          </p:nvSpPr>
+          <p:spPr>
+            <a:xfrm>
+              <a:off x="2081536" y="4123821"/>
+              <a:ext cx="34794" cy="0"/>
+            </a:xfrm>
+            <a:custGeom>
+              <a:avLst/>
+              <a:pathLst>
+                <a:path w="34794" h="0">
+                  <a:moveTo>
+                    <a:pt x="0" y="0"/>
+                  </a:moveTo>
+                  <a:lnTo>
+                    <a:pt x="34794" y="0"/>
+                  </a:lnTo>
+                </a:path>
+              </a:pathLst>
+            </a:custGeom>
+            <a:ln w="13550" cap="flat">
+              <a:solidFill>
+                <a:srgbClr val="333333">
+                  <a:alpha val="100000"/>
+                </a:srgbClr>
+              </a:solidFill>
+              <a:prstDash val="solid"/>
+              <a:round/>
+            </a:ln>
+          </p:spPr>
+          <p:txBody>
+            <a:bodyPr/>
+            <a:lstStyle/>
+            <a:p/>
+          </p:txBody>
+        </p:sp>
+        <p:sp>
+          <p:nvSpPr>
+            <p:cNvPr id="176" name="pl176"/>
+            <p:cNvSpPr/>
+            <p:nvPr/>
+          </p:nvSpPr>
+          <p:spPr>
+            <a:xfrm>
+              <a:off x="2081536" y="3340522"/>
+              <a:ext cx="34794" cy="0"/>
+            </a:xfrm>
+            <a:custGeom>
+              <a:avLst/>
+              <a:pathLst>
+                <a:path w="34794" h="0">
+                  <a:moveTo>
+                    <a:pt x="0" y="0"/>
+                  </a:moveTo>
+                  <a:lnTo>
+                    <a:pt x="34794" y="0"/>
+                  </a:lnTo>
+                </a:path>
+              </a:pathLst>
+            </a:custGeom>
+            <a:ln w="13550" cap="flat">
+              <a:solidFill>
+                <a:srgbClr val="333333">
+                  <a:alpha val="100000"/>
+                </a:srgbClr>
+              </a:solidFill>
+              <a:prstDash val="solid"/>
+              <a:round/>
+            </a:ln>
+          </p:spPr>
+          <p:txBody>
+            <a:bodyPr/>
+            <a:lstStyle/>
+            <a:p/>
+          </p:txBody>
+        </p:sp>
+        <p:sp>
+          <p:nvSpPr>
+            <p:cNvPr id="177" name="pl177"/>
+            <p:cNvSpPr/>
+            <p:nvPr/>
+          </p:nvSpPr>
+          <p:spPr>
+            <a:xfrm>
+              <a:off x="2081536" y="2557223"/>
+              <a:ext cx="34794" cy="0"/>
+            </a:xfrm>
+            <a:custGeom>
+              <a:avLst/>
+              <a:pathLst>
+                <a:path w="34794" h="0">
+                  <a:moveTo>
+                    <a:pt x="0" y="0"/>
+                  </a:moveTo>
+                  <a:lnTo>
+                    <a:pt x="34794" y="0"/>
+                  </a:lnTo>
+                </a:path>
+              </a:pathLst>
+            </a:custGeom>
+            <a:ln w="13550" cap="flat">
+              <a:solidFill>
+                <a:srgbClr val="333333">
+                  <a:alpha val="100000"/>
+                </a:srgbClr>
+              </a:solidFill>
+              <a:prstDash val="solid"/>
+              <a:round/>
+            </a:ln>
+          </p:spPr>
+          <p:txBody>
+            <a:bodyPr/>
+            <a:lstStyle/>
+            <a:p/>
+          </p:txBody>
+        </p:sp>
+        <p:sp>
+          <p:nvSpPr>
+            <p:cNvPr id="178" name="rc178"/>
+            <p:cNvSpPr/>
+            <p:nvPr/>
+          </p:nvSpPr>
+          <p:spPr>
+            <a:xfrm>
+              <a:off x="3684865" y="5394142"/>
+              <a:ext cx="3683692" cy="578090"/>
+            </a:xfrm>
+            <a:prstGeom prst="rect">
+              <a:avLst/>
+            </a:prstGeom>
+            <a:solidFill>
+              <a:srgbClr val="FFFFFF">
+                <a:alpha val="100000"/>
+              </a:srgbClr>
+            </a:solidFill>
+          </p:spPr>
+          <p:txBody>
+            <a:bodyPr/>
+            <a:lstStyle/>
+            <a:p/>
+          </p:txBody>
+        </p:sp>
+        <p:sp>
+          <p:nvSpPr>
+            <p:cNvPr id="179" name="rc179"/>
+            <p:cNvSpPr/>
+            <p:nvPr/>
+          </p:nvSpPr>
+          <p:spPr>
+            <a:xfrm>
+              <a:off x="3824043" y="5463731"/>
+              <a:ext cx="219455" cy="219455"/>
+            </a:xfrm>
+            <a:prstGeom prst="rect">
+              <a:avLst/>
+            </a:prstGeom>
+            <a:solidFill>
+              <a:srgbClr val="FFFFFF">
+                <a:alpha val="100000"/>
+              </a:srgbClr>
+            </a:solidFill>
+          </p:spPr>
+          <p:txBody>
+            <a:bodyPr/>
+            <a:lstStyle/>
+            <a:p/>
+          </p:txBody>
+        </p:sp>
+        <p:sp>
+          <p:nvSpPr>
+            <p:cNvPr id="180" name="rc180"/>
+            <p:cNvSpPr/>
+            <p:nvPr/>
+          </p:nvSpPr>
+          <p:spPr>
+            <a:xfrm>
+              <a:off x="3833043" y="5472731"/>
+              <a:ext cx="201456" cy="201456"/>
+            </a:xfrm>
+            <a:prstGeom prst="rect">
+              <a:avLst/>
+            </a:prstGeom>
+            <a:solidFill>
+              <a:srgbClr val="FEE5D9">
+                <a:alpha val="100000"/>
+              </a:srgbClr>
+            </a:solidFill>
+          </p:spPr>
+          <p:txBody>
+            <a:bodyPr/>
+            <a:lstStyle/>
+            <a:p/>
+          </p:txBody>
+        </p:sp>
+        <p:sp>
+          <p:nvSpPr>
+            <p:cNvPr id="181" name="rc181"/>
+            <p:cNvSpPr/>
+            <p:nvPr/>
+          </p:nvSpPr>
+          <p:spPr>
+            <a:xfrm>
+              <a:off x="3824043" y="5683187"/>
+              <a:ext cx="219455" cy="219455"/>
+            </a:xfrm>
+            <a:prstGeom prst="rect">
+              <a:avLst/>
+            </a:prstGeom>
+            <a:solidFill>
+              <a:srgbClr val="FFFFFF">
+                <a:alpha val="100000"/>
+              </a:srgbClr>
+            </a:solidFill>
+          </p:spPr>
+          <p:txBody>
+            <a:bodyPr/>
+            <a:lstStyle/>
+            <a:p/>
+          </p:txBody>
+        </p:sp>
+        <p:sp>
+          <p:nvSpPr>
+            <p:cNvPr id="182" name="rc182"/>
+            <p:cNvSpPr/>
+            <p:nvPr/>
+          </p:nvSpPr>
+          <p:spPr>
+            <a:xfrm>
+              <a:off x="3833043" y="5692187"/>
+              <a:ext cx="201456" cy="201456"/>
+            </a:xfrm>
+            <a:prstGeom prst="rect">
+              <a:avLst/>
+            </a:prstGeom>
+            <a:solidFill>
+              <a:srgbClr val="FCBBA1">
+                <a:alpha val="100000"/>
+              </a:srgbClr>
+            </a:solidFill>
+          </p:spPr>
+          <p:txBody>
+            <a:bodyPr/>
+            <a:lstStyle/>
+            <a:p/>
+          </p:txBody>
+        </p:sp>
+        <p:sp>
+          <p:nvSpPr>
+            <p:cNvPr id="183" name="rc183"/>
+            <p:cNvSpPr/>
+            <p:nvPr/>
+          </p:nvSpPr>
+          <p:spPr>
+            <a:xfrm>
+              <a:off x="4598958" y="5463731"/>
+              <a:ext cx="219455" cy="219455"/>
+            </a:xfrm>
+            <a:prstGeom prst="rect">
+              <a:avLst/>
+            </a:prstGeom>
+            <a:solidFill>
+              <a:srgbClr val="FFFFFF">
+                <a:alpha val="100000"/>
+              </a:srgbClr>
+            </a:solidFill>
+          </p:spPr>
+          <p:txBody>
+            <a:bodyPr/>
+            <a:lstStyle/>
+            <a:p/>
+          </p:txBody>
+        </p:sp>
+        <p:sp>
+          <p:nvSpPr>
+            <p:cNvPr id="184" name="rc184"/>
+            <p:cNvSpPr/>
+            <p:nvPr/>
+          </p:nvSpPr>
+          <p:spPr>
+            <a:xfrm>
+              <a:off x="4607958" y="5472731"/>
+              <a:ext cx="201456" cy="201456"/>
+            </a:xfrm>
+            <a:prstGeom prst="rect">
+              <a:avLst/>
+            </a:prstGeom>
+            <a:solidFill>
+              <a:srgbClr val="FC9272">
+                <a:alpha val="100000"/>
+              </a:srgbClr>
+            </a:solidFill>
+          </p:spPr>
+          <p:txBody>
+            <a:bodyPr/>
+            <a:lstStyle/>
+            <a:p/>
+          </p:txBody>
+        </p:sp>
+        <p:sp>
+          <p:nvSpPr>
+            <p:cNvPr id="185" name="rc185"/>
+            <p:cNvSpPr/>
+            <p:nvPr/>
+          </p:nvSpPr>
+          <p:spPr>
+            <a:xfrm>
+              <a:off x="4598958" y="5683187"/>
+              <a:ext cx="219455" cy="219455"/>
+            </a:xfrm>
+            <a:prstGeom prst="rect">
+              <a:avLst/>
+            </a:prstGeom>
+            <a:solidFill>
+              <a:srgbClr val="FFFFFF">
+                <a:alpha val="100000"/>
+              </a:srgbClr>
+            </a:solidFill>
+          </p:spPr>
+          <p:txBody>
+            <a:bodyPr/>
+            <a:lstStyle/>
+            <a:p/>
+          </p:txBody>
+        </p:sp>
+        <p:sp>
+          <p:nvSpPr>
+            <p:cNvPr id="186" name="rc186"/>
+            <p:cNvSpPr/>
+            <p:nvPr/>
+          </p:nvSpPr>
+          <p:spPr>
+            <a:xfrm>
+              <a:off x="4607958" y="5692187"/>
+              <a:ext cx="201456" cy="201456"/>
+            </a:xfrm>
+            <a:prstGeom prst="rect">
+              <a:avLst/>
+            </a:prstGeom>
+            <a:solidFill>
+              <a:srgbClr val="FB6A4A">
+                <a:alpha val="100000"/>
+              </a:srgbClr>
+            </a:solidFill>
+          </p:spPr>
+          <p:txBody>
+            <a:bodyPr/>
+            <a:lstStyle/>
+            <a:p/>
+          </p:txBody>
+        </p:sp>
+        <p:sp>
+          <p:nvSpPr>
+            <p:cNvPr id="187" name="rc187"/>
+            <p:cNvSpPr/>
+            <p:nvPr/>
+          </p:nvSpPr>
+          <p:spPr>
+            <a:xfrm>
+              <a:off x="5500974" y="5463731"/>
+              <a:ext cx="219455" cy="219455"/>
+            </a:xfrm>
+            <a:prstGeom prst="rect">
+              <a:avLst/>
+            </a:prstGeom>
+            <a:solidFill>
+              <a:srgbClr val="FFFFFF">
+                <a:alpha val="100000"/>
+              </a:srgbClr>
+            </a:solidFill>
+          </p:spPr>
+          <p:txBody>
+            <a:bodyPr/>
+            <a:lstStyle/>
+            <a:p/>
+          </p:txBody>
+        </p:sp>
+        <p:sp>
+          <p:nvSpPr>
+            <p:cNvPr id="188" name="rc188"/>
+            <p:cNvSpPr/>
+            <p:nvPr/>
+          </p:nvSpPr>
+          <p:spPr>
+            <a:xfrm>
+              <a:off x="5509974" y="5472731"/>
+              <a:ext cx="201456" cy="201456"/>
+            </a:xfrm>
+            <a:prstGeom prst="rect">
+              <a:avLst/>
+            </a:prstGeom>
+            <a:solidFill>
+              <a:srgbClr val="EF3B2C">
+                <a:alpha val="100000"/>
+              </a:srgbClr>
+            </a:solidFill>
+          </p:spPr>
+          <p:txBody>
+            <a:bodyPr/>
+            <a:lstStyle/>
+            <a:p/>
+          </p:txBody>
+        </p:sp>
+        <p:sp>
+          <p:nvSpPr>
+            <p:cNvPr id="189" name="rc189"/>
+            <p:cNvSpPr/>
+            <p:nvPr/>
+          </p:nvSpPr>
+          <p:spPr>
+            <a:xfrm>
+              <a:off x="5500974" y="5683187"/>
+              <a:ext cx="219455" cy="219455"/>
+            </a:xfrm>
+            <a:prstGeom prst="rect">
+              <a:avLst/>
+            </a:prstGeom>
+            <a:solidFill>
+              <a:srgbClr val="FFFFFF">
+                <a:alpha val="100000"/>
+              </a:srgbClr>
+            </a:solidFill>
+          </p:spPr>
+          <p:txBody>
+            <a:bodyPr/>
+            <a:lstStyle/>
+            <a:p/>
+          </p:txBody>
+        </p:sp>
+        <p:sp>
+          <p:nvSpPr>
+            <p:cNvPr id="190" name="rc190"/>
+            <p:cNvSpPr/>
+            <p:nvPr/>
+          </p:nvSpPr>
+          <p:spPr>
+            <a:xfrm>
+              <a:off x="5509974" y="5692187"/>
+              <a:ext cx="201456" cy="201456"/>
+            </a:xfrm>
+            <a:prstGeom prst="rect">
+              <a:avLst/>
+            </a:prstGeom>
+            <a:solidFill>
+              <a:srgbClr val="CB181D">
+                <a:alpha val="100000"/>
+              </a:srgbClr>
+            </a:solidFill>
+          </p:spPr>
+          <p:txBody>
+            <a:bodyPr/>
+            <a:lstStyle/>
+            <a:p/>
+          </p:txBody>
+        </p:sp>
+        <p:sp>
+          <p:nvSpPr>
+            <p:cNvPr id="191" name="rc191"/>
+            <p:cNvSpPr/>
+            <p:nvPr/>
+          </p:nvSpPr>
+          <p:spPr>
+            <a:xfrm>
+              <a:off x="6402990" y="5463731"/>
+              <a:ext cx="219455" cy="219455"/>
+            </a:xfrm>
+            <a:prstGeom prst="rect">
+              <a:avLst/>
+            </a:prstGeom>
+            <a:solidFill>
+              <a:srgbClr val="FFFFFF">
+                <a:alpha val="100000"/>
+              </a:srgbClr>
+            </a:solidFill>
+          </p:spPr>
+          <p:txBody>
+            <a:bodyPr/>
+            <a:lstStyle/>
+            <a:p/>
+          </p:txBody>
+        </p:sp>
+        <p:sp>
+          <p:nvSpPr>
+            <p:cNvPr id="192" name="rc192"/>
+            <p:cNvSpPr/>
+            <p:nvPr/>
+          </p:nvSpPr>
+          <p:spPr>
+            <a:xfrm>
+              <a:off x="6411990" y="5472731"/>
+              <a:ext cx="201456" cy="201456"/>
+            </a:xfrm>
+            <a:prstGeom prst="rect">
+              <a:avLst/>
+            </a:prstGeom>
+            <a:solidFill>
+              <a:srgbClr val="99000D">
+                <a:alpha val="100000"/>
+              </a:srgbClr>
+            </a:solidFill>
+          </p:spPr>
+          <p:txBody>
+            <a:bodyPr/>
+            <a:lstStyle/>
+            <a:p/>
+          </p:txBody>
+        </p:sp>
+        <p:sp>
+          <p:nvSpPr>
+            <p:cNvPr id="193" name="tx193"/>
+            <p:cNvSpPr/>
+            <p:nvPr/>
+          </p:nvSpPr>
+          <p:spPr>
+            <a:xfrm>
+              <a:off x="4113088" y="5531767"/>
+              <a:ext cx="269468" cy="81691"/>
+            </a:xfrm>
+            <a:prstGeom prst="rect">
+              <a:avLst/>
+            </a:prstGeom>
+            <a:noFill/>
+          </p:spPr>
+          <p:txBody>
+            <a:bodyPr lIns="0" rIns="0" tIns="0" bIns="0" anchorCtr="1" anchor="ctr" wrap="none"/>
+            <a:lstStyle/>
+            <a:p>
+              <a:pPr algn="l" marL="0" marR="0" indent="0">
+                <a:lnSpc>
+                  <a:spcPts val="880"/>
+                </a:lnSpc>
+                <a:spcBef>
+                  <a:spcPts val="0"/>
+                </a:spcBef>
+                <a:spcAft>
+                  <a:spcPts val="0"/>
+                </a:spcAft>
+              </a:pPr>
+              <a:r>
+                <a:rPr sz="880">
+                  <a:solidFill>
+                    <a:srgbClr val="000000">
+                      <a:alpha val="100000"/>
+                    </a:srgbClr>
+                  </a:solidFill>
+                  <a:latin typeface="Arial"/>
+                  <a:cs typeface="Arial"/>
+                </a:rPr>
+                <a:t>≤10亿</a:t>
+              </a:r>
+            </a:p>
+          </p:txBody>
+        </p:sp>
+        <p:sp>
+          <p:nvSpPr>
+            <p:cNvPr id="194" name="tx194"/>
+            <p:cNvSpPr/>
+            <p:nvPr/>
+          </p:nvSpPr>
+          <p:spPr>
+            <a:xfrm>
+              <a:off x="4113088" y="5751223"/>
+              <a:ext cx="393779" cy="81691"/>
+            </a:xfrm>
+            <a:prstGeom prst="rect">
+              <a:avLst/>
+            </a:prstGeom>
+            <a:noFill/>
+          </p:spPr>
+          <p:txBody>
+            <a:bodyPr lIns="0" rIns="0" tIns="0" bIns="0" anchorCtr="1" anchor="ctr" wrap="none"/>
+            <a:lstStyle/>
+            <a:p>
+              <a:pPr algn="l" marL="0" marR="0" indent="0">
+                <a:lnSpc>
+                  <a:spcPts val="880"/>
+                </a:lnSpc>
+                <a:spcBef>
+                  <a:spcPts val="0"/>
+                </a:spcBef>
+                <a:spcAft>
+                  <a:spcPts val="0"/>
+                </a:spcAft>
+              </a:pPr>
+              <a:r>
+                <a:rPr sz="880">
+                  <a:solidFill>
+                    <a:srgbClr val="000000">
+                      <a:alpha val="100000"/>
+                    </a:srgbClr>
+                  </a:solidFill>
+                  <a:latin typeface="Arial"/>
+                  <a:cs typeface="Arial"/>
+                </a:rPr>
+                <a:t>≥1000亿</a:t>
+              </a:r>
+            </a:p>
+          </p:txBody>
+        </p:sp>
+        <p:sp>
+          <p:nvSpPr>
+            <p:cNvPr id="195" name="tx195"/>
+            <p:cNvSpPr/>
+            <p:nvPr/>
+          </p:nvSpPr>
+          <p:spPr>
+            <a:xfrm>
+              <a:off x="4888003" y="5531767"/>
+              <a:ext cx="369659" cy="81691"/>
+            </a:xfrm>
+            <a:prstGeom prst="rect">
+              <a:avLst/>
+            </a:prstGeom>
+            <a:noFill/>
+          </p:spPr>
+          <p:txBody>
+            <a:bodyPr lIns="0" rIns="0" tIns="0" bIns="0" anchorCtr="1" anchor="ctr" wrap="none"/>
+            <a:lstStyle/>
+            <a:p>
+              <a:pPr algn="l" marL="0" marR="0" indent="0">
+                <a:lnSpc>
+                  <a:spcPts val="880"/>
+                </a:lnSpc>
+                <a:spcBef>
+                  <a:spcPts val="0"/>
+                </a:spcBef>
+                <a:spcAft>
+                  <a:spcPts val="0"/>
+                </a:spcAft>
+              </a:pPr>
+              <a:r>
+                <a:rPr sz="880">
+                  <a:solidFill>
+                    <a:srgbClr val="000000">
+                      <a:alpha val="100000"/>
+                    </a:srgbClr>
+                  </a:solidFill>
+                  <a:latin typeface="Arial"/>
+                  <a:cs typeface="Arial"/>
+                </a:rPr>
+                <a:t>10-50亿</a:t>
+              </a:r>
+            </a:p>
+          </p:txBody>
+        </p:sp>
+        <p:sp>
+          <p:nvSpPr>
+            <p:cNvPr id="196" name="tx196"/>
+            <p:cNvSpPr/>
+            <p:nvPr/>
+          </p:nvSpPr>
+          <p:spPr>
+            <a:xfrm>
+              <a:off x="4888003" y="5751169"/>
+              <a:ext cx="493970" cy="81746"/>
+            </a:xfrm>
+            <a:prstGeom prst="rect">
+              <a:avLst/>
+            </a:prstGeom>
+            <a:noFill/>
+          </p:spPr>
+          <p:txBody>
+            <a:bodyPr lIns="0" rIns="0" tIns="0" bIns="0" anchorCtr="1" anchor="ctr" wrap="none"/>
+            <a:lstStyle/>
+            <a:p>
+              <a:pPr algn="l" marL="0" marR="0" indent="0">
+                <a:lnSpc>
+                  <a:spcPts val="880"/>
+                </a:lnSpc>
+                <a:spcBef>
+                  <a:spcPts val="0"/>
+                </a:spcBef>
+                <a:spcAft>
+                  <a:spcPts val="0"/>
+                </a:spcAft>
+              </a:pPr>
+              <a:r>
+                <a:rPr sz="880">
+                  <a:solidFill>
+                    <a:srgbClr val="000000">
+                      <a:alpha val="100000"/>
+                    </a:srgbClr>
+                  </a:solidFill>
+                  <a:latin typeface="Arial"/>
+                  <a:cs typeface="Arial"/>
+                </a:rPr>
+                <a:t>100-300亿</a:t>
+              </a:r>
+            </a:p>
+          </p:txBody>
+        </p:sp>
+        <p:sp>
+          <p:nvSpPr>
+            <p:cNvPr id="197" name="tx197"/>
+            <p:cNvSpPr/>
+            <p:nvPr/>
+          </p:nvSpPr>
+          <p:spPr>
+            <a:xfrm>
+              <a:off x="5790019" y="5531713"/>
+              <a:ext cx="493970" cy="81746"/>
+            </a:xfrm>
+            <a:prstGeom prst="rect">
+              <a:avLst/>
+            </a:prstGeom>
+            <a:noFill/>
+          </p:spPr>
+          <p:txBody>
+            <a:bodyPr lIns="0" rIns="0" tIns="0" bIns="0" anchorCtr="1" anchor="ctr" wrap="none"/>
+            <a:lstStyle/>
+            <a:p>
+              <a:pPr algn="l" marL="0" marR="0" indent="0">
+                <a:lnSpc>
+                  <a:spcPts val="880"/>
+                </a:lnSpc>
+                <a:spcBef>
+                  <a:spcPts val="0"/>
+                </a:spcBef>
+                <a:spcAft>
+                  <a:spcPts val="0"/>
+                </a:spcAft>
+              </a:pPr>
+              <a:r>
+                <a:rPr sz="880">
+                  <a:solidFill>
+                    <a:srgbClr val="000000">
+                      <a:alpha val="100000"/>
+                    </a:srgbClr>
+                  </a:solidFill>
+                  <a:latin typeface="Arial"/>
+                  <a:cs typeface="Arial"/>
+                </a:rPr>
+                <a:t>300-500亿</a:t>
+              </a:r>
+            </a:p>
+          </p:txBody>
+        </p:sp>
+        <p:sp>
+          <p:nvSpPr>
+            <p:cNvPr id="198" name="tx198"/>
+            <p:cNvSpPr/>
+            <p:nvPr/>
+          </p:nvSpPr>
+          <p:spPr>
+            <a:xfrm>
+              <a:off x="5790019" y="5751223"/>
+              <a:ext cx="431814" cy="81691"/>
+            </a:xfrm>
+            <a:prstGeom prst="rect">
+              <a:avLst/>
+            </a:prstGeom>
+            <a:noFill/>
+          </p:spPr>
+          <p:txBody>
+            <a:bodyPr lIns="0" rIns="0" tIns="0" bIns="0" anchorCtr="1" anchor="ctr" wrap="none"/>
+            <a:lstStyle/>
+            <a:p>
+              <a:pPr algn="l" marL="0" marR="0" indent="0">
+                <a:lnSpc>
+                  <a:spcPts val="880"/>
+                </a:lnSpc>
+                <a:spcBef>
+                  <a:spcPts val="0"/>
+                </a:spcBef>
+                <a:spcAft>
+                  <a:spcPts val="0"/>
+                </a:spcAft>
+              </a:pPr>
+              <a:r>
+                <a:rPr sz="880">
+                  <a:solidFill>
+                    <a:srgbClr val="000000">
+                      <a:alpha val="100000"/>
+                    </a:srgbClr>
+                  </a:solidFill>
+                  <a:latin typeface="Arial"/>
+                  <a:cs typeface="Arial"/>
+                </a:rPr>
+                <a:t>50-100亿</a:t>
+              </a:r>
+            </a:p>
+          </p:txBody>
+        </p:sp>
+        <p:sp>
+          <p:nvSpPr>
+            <p:cNvPr id="199" name="tx199"/>
+            <p:cNvSpPr/>
+            <p:nvPr/>
+          </p:nvSpPr>
+          <p:spPr>
+            <a:xfrm>
+              <a:off x="6692035" y="5531767"/>
+              <a:ext cx="556126" cy="81691"/>
+            </a:xfrm>
+            <a:prstGeom prst="rect">
+              <a:avLst/>
+            </a:prstGeom>
+            <a:noFill/>
+          </p:spPr>
+          <p:txBody>
+            <a:bodyPr lIns="0" rIns="0" tIns="0" bIns="0" anchorCtr="1" anchor="ctr" wrap="none"/>
+            <a:lstStyle/>
+            <a:p>
+              <a:pPr algn="l" marL="0" marR="0" indent="0">
+                <a:lnSpc>
+                  <a:spcPts val="880"/>
+                </a:lnSpc>
+                <a:spcBef>
+                  <a:spcPts val="0"/>
+                </a:spcBef>
+                <a:spcAft>
+                  <a:spcPts val="0"/>
+                </a:spcAft>
+              </a:pPr>
+              <a:r>
+                <a:rPr sz="880">
+                  <a:solidFill>
+                    <a:srgbClr val="000000">
+                      <a:alpha val="100000"/>
+                    </a:srgbClr>
+                  </a:solidFill>
+                  <a:latin typeface="Arial"/>
+                  <a:cs typeface="Arial"/>
+                </a:rPr>
+                <a:t>500-1000亿</a:t>
               </a:r>
             </a:p>
           </p:txBody>

--- a/_book/plot/unnamed-chunk-51-1.pptx
+++ b/_book/plot/unnamed-chunk-51-1.pptx
@@ -3192,8 +3192,8 @@
           </p:nvSpPr>
           <p:spPr>
             <a:xfrm>
-              <a:off x="2116330" y="1809173"/>
-              <a:ext cx="1308481" cy="3245468"/>
+              <a:off x="2179881" y="1809173"/>
+              <a:ext cx="1295770" cy="3464924"/>
             </a:xfrm>
             <a:prstGeom prst="rect">
               <a:avLst/>
@@ -3218,21 +3218,21 @@
           </p:nvSpPr>
           <p:spPr>
             <a:xfrm>
-              <a:off x="2116330" y="4515470"/>
-              <a:ext cx="1308481" cy="0"/>
+              <a:off x="2179881" y="4656084"/>
+              <a:ext cx="1295770" cy="0"/>
             </a:xfrm>
             <a:custGeom>
               <a:avLst/>
               <a:pathLst>
-                <a:path w="1308481" h="0">
+                <a:path w="1295770" h="0">
                   <a:moveTo>
                     <a:pt x="0" y="0"/>
                   </a:moveTo>
                   <a:lnTo>
-                    <a:pt x="1308481" y="0"/>
-                  </a:lnTo>
-                  <a:lnTo>
-                    <a:pt x="1308481" y="0"/>
+                    <a:pt x="1295770" y="0"/>
+                  </a:lnTo>
+                  <a:lnTo>
+                    <a:pt x="1295770" y="0"/>
                   </a:lnTo>
                 </a:path>
               </a:pathLst>
@@ -3261,21 +3261,21 @@
           </p:nvSpPr>
           <p:spPr>
             <a:xfrm>
-              <a:off x="2116330" y="3732171"/>
-              <a:ext cx="1308481" cy="0"/>
+              <a:off x="2179881" y="3735052"/>
+              <a:ext cx="1295770" cy="0"/>
             </a:xfrm>
             <a:custGeom>
               <a:avLst/>
               <a:pathLst>
-                <a:path w="1308481" h="0">
+                <a:path w="1295770" h="0">
                   <a:moveTo>
                     <a:pt x="0" y="0"/>
                   </a:moveTo>
                   <a:lnTo>
-                    <a:pt x="1308481" y="0"/>
-                  </a:lnTo>
-                  <a:lnTo>
-                    <a:pt x="1308481" y="0"/>
+                    <a:pt x="1295770" y="0"/>
+                  </a:lnTo>
+                  <a:lnTo>
+                    <a:pt x="1295770" y="0"/>
                   </a:lnTo>
                 </a:path>
               </a:pathLst>
@@ -3304,21 +3304,21 @@
           </p:nvSpPr>
           <p:spPr>
             <a:xfrm>
-              <a:off x="2116330" y="2948872"/>
-              <a:ext cx="1308481" cy="0"/>
+              <a:off x="2179881" y="2814019"/>
+              <a:ext cx="1295770" cy="0"/>
             </a:xfrm>
             <a:custGeom>
               <a:avLst/>
               <a:pathLst>
-                <a:path w="1308481" h="0">
+                <a:path w="1295770" h="0">
                   <a:moveTo>
                     <a:pt x="0" y="0"/>
                   </a:moveTo>
                   <a:lnTo>
-                    <a:pt x="1308481" y="0"/>
-                  </a:lnTo>
-                  <a:lnTo>
-                    <a:pt x="1308481" y="0"/>
+                    <a:pt x="1295770" y="0"/>
+                  </a:lnTo>
+                  <a:lnTo>
+                    <a:pt x="1295770" y="0"/>
                   </a:lnTo>
                 </a:path>
               </a:pathLst>
@@ -3347,21 +3347,21 @@
           </p:nvSpPr>
           <p:spPr>
             <a:xfrm>
-              <a:off x="2116330" y="2165574"/>
-              <a:ext cx="1308481" cy="0"/>
+              <a:off x="2179881" y="1892987"/>
+              <a:ext cx="1295770" cy="0"/>
             </a:xfrm>
             <a:custGeom>
               <a:avLst/>
               <a:pathLst>
-                <a:path w="1308481" h="0">
+                <a:path w="1295770" h="0">
                   <a:moveTo>
                     <a:pt x="0" y="0"/>
                   </a:moveTo>
                   <a:lnTo>
-                    <a:pt x="1308481" y="0"/>
-                  </a:lnTo>
-                  <a:lnTo>
-                    <a:pt x="1308481" y="0"/>
+                    <a:pt x="1295770" y="0"/>
+                  </a:lnTo>
+                  <a:lnTo>
+                    <a:pt x="1295770" y="0"/>
                   </a:lnTo>
                 </a:path>
               </a:pathLst>
@@ -3390,21 +3390,21 @@
           </p:nvSpPr>
           <p:spPr>
             <a:xfrm>
-              <a:off x="2116330" y="4907120"/>
-              <a:ext cx="1308481" cy="0"/>
+              <a:off x="2179881" y="5116600"/>
+              <a:ext cx="1295770" cy="0"/>
             </a:xfrm>
             <a:custGeom>
               <a:avLst/>
               <a:pathLst>
-                <a:path w="1308481" h="0">
+                <a:path w="1295770" h="0">
                   <a:moveTo>
                     <a:pt x="0" y="0"/>
                   </a:moveTo>
                   <a:lnTo>
-                    <a:pt x="1308481" y="0"/>
-                  </a:lnTo>
-                  <a:lnTo>
-                    <a:pt x="1308481" y="0"/>
+                    <a:pt x="1295770" y="0"/>
+                  </a:lnTo>
+                  <a:lnTo>
+                    <a:pt x="1295770" y="0"/>
                   </a:lnTo>
                 </a:path>
               </a:pathLst>
@@ -3433,21 +3433,21 @@
           </p:nvSpPr>
           <p:spPr>
             <a:xfrm>
-              <a:off x="2116330" y="4123821"/>
-              <a:ext cx="1308481" cy="0"/>
+              <a:off x="2179881" y="4195568"/>
+              <a:ext cx="1295770" cy="0"/>
             </a:xfrm>
             <a:custGeom>
               <a:avLst/>
               <a:pathLst>
-                <a:path w="1308481" h="0">
+                <a:path w="1295770" h="0">
                   <a:moveTo>
                     <a:pt x="0" y="0"/>
                   </a:moveTo>
                   <a:lnTo>
-                    <a:pt x="1308481" y="0"/>
-                  </a:lnTo>
-                  <a:lnTo>
-                    <a:pt x="1308481" y="0"/>
+                    <a:pt x="1295770" y="0"/>
+                  </a:lnTo>
+                  <a:lnTo>
+                    <a:pt x="1295770" y="0"/>
                   </a:lnTo>
                 </a:path>
               </a:pathLst>
@@ -3476,21 +3476,21 @@
           </p:nvSpPr>
           <p:spPr>
             <a:xfrm>
-              <a:off x="2116330" y="3340522"/>
-              <a:ext cx="1308481" cy="0"/>
+              <a:off x="2179881" y="3274535"/>
+              <a:ext cx="1295770" cy="0"/>
             </a:xfrm>
             <a:custGeom>
               <a:avLst/>
               <a:pathLst>
-                <a:path w="1308481" h="0">
+                <a:path w="1295770" h="0">
                   <a:moveTo>
                     <a:pt x="0" y="0"/>
                   </a:moveTo>
                   <a:lnTo>
-                    <a:pt x="1308481" y="0"/>
-                  </a:lnTo>
-                  <a:lnTo>
-                    <a:pt x="1308481" y="0"/>
+                    <a:pt x="1295770" y="0"/>
+                  </a:lnTo>
+                  <a:lnTo>
+                    <a:pt x="1295770" y="0"/>
                   </a:lnTo>
                 </a:path>
               </a:pathLst>
@@ -3519,21 +3519,21 @@
           </p:nvSpPr>
           <p:spPr>
             <a:xfrm>
-              <a:off x="2116330" y="2557223"/>
-              <a:ext cx="1308481" cy="0"/>
+              <a:off x="2179881" y="2353503"/>
+              <a:ext cx="1295770" cy="0"/>
             </a:xfrm>
             <a:custGeom>
               <a:avLst/>
               <a:pathLst>
-                <a:path w="1308481" h="0">
+                <a:path w="1295770" h="0">
                   <a:moveTo>
                     <a:pt x="0" y="0"/>
                   </a:moveTo>
                   <a:lnTo>
-                    <a:pt x="1308481" y="0"/>
-                  </a:lnTo>
-                  <a:lnTo>
-                    <a:pt x="1308481" y="0"/>
+                    <a:pt x="1295770" y="0"/>
+                  </a:lnTo>
+                  <a:lnTo>
+                    <a:pt x="1295770" y="0"/>
                   </a:lnTo>
                 </a:path>
               </a:pathLst>
@@ -3562,15 +3562,15 @@
           </p:nvSpPr>
           <p:spPr>
             <a:xfrm>
-              <a:off x="2225370" y="1809173"/>
-              <a:ext cx="0" cy="3245468"/>
+              <a:off x="2533273" y="1809173"/>
+              <a:ext cx="0" cy="3464924"/>
             </a:xfrm>
             <a:custGeom>
               <a:avLst/>
               <a:pathLst>
-                <a:path w="0" h="3245468">
+                <a:path w="0" h="3464924">
                   <a:moveTo>
-                    <a:pt x="0" y="3245468"/>
+                    <a:pt x="0" y="3464924"/>
                   </a:moveTo>
                   <a:lnTo>
                     <a:pt x="0" y="0"/>
@@ -3605,15 +3605,15 @@
           </p:nvSpPr>
           <p:spPr>
             <a:xfrm>
-              <a:off x="2407104" y="1809173"/>
-              <a:ext cx="0" cy="3245468"/>
+              <a:off x="3122260" y="1809173"/>
+              <a:ext cx="0" cy="3464924"/>
             </a:xfrm>
             <a:custGeom>
               <a:avLst/>
               <a:pathLst>
-                <a:path w="0" h="3245468">
+                <a:path w="0" h="3464924">
                   <a:moveTo>
-                    <a:pt x="0" y="3245468"/>
+                    <a:pt x="0" y="3464924"/>
                   </a:moveTo>
                   <a:lnTo>
                     <a:pt x="0" y="0"/>
@@ -3642,27 +3642,307 @@
         </p:sp>
         <p:sp>
           <p:nvSpPr>
-            <p:cNvPr id="16" name="pl16"/>
-            <p:cNvSpPr/>
-            <p:nvPr/>
-          </p:nvSpPr>
-          <p:spPr>
-            <a:xfrm>
-              <a:off x="2588837" y="1809173"/>
-              <a:ext cx="0" cy="3245468"/>
+            <p:cNvPr id="16" name="rc16"/>
+            <p:cNvSpPr/>
+            <p:nvPr/>
+          </p:nvSpPr>
+          <p:spPr>
+            <a:xfrm>
+              <a:off x="2268229" y="1966669"/>
+              <a:ext cx="530088" cy="3149931"/>
+            </a:xfrm>
+            <a:prstGeom prst="rect">
+              <a:avLst/>
+            </a:prstGeom>
+            <a:solidFill>
+              <a:srgbClr val="FEE0D2">
+                <a:alpha val="100000"/>
+              </a:srgbClr>
+            </a:solidFill>
+          </p:spPr>
+          <p:txBody>
+            <a:bodyPr/>
+            <a:lstStyle/>
+            <a:p/>
+          </p:txBody>
+        </p:sp>
+        <p:sp>
+          <p:nvSpPr>
+            <p:cNvPr id="17" name="rc17"/>
+            <p:cNvSpPr/>
+            <p:nvPr/>
+          </p:nvSpPr>
+          <p:spPr>
+            <a:xfrm>
+              <a:off x="2857216" y="4213989"/>
+              <a:ext cx="530088" cy="902611"/>
+            </a:xfrm>
+            <a:prstGeom prst="rect">
+              <a:avLst/>
+            </a:prstGeom>
+            <a:solidFill>
+              <a:srgbClr val="FC9272">
+                <a:alpha val="100000"/>
+              </a:srgbClr>
+            </a:solidFill>
+          </p:spPr>
+          <p:txBody>
+            <a:bodyPr/>
+            <a:lstStyle/>
+            <a:p/>
+          </p:txBody>
+        </p:sp>
+        <p:sp>
+          <p:nvSpPr>
+            <p:cNvPr id="18" name="rc18"/>
+            <p:cNvSpPr/>
+            <p:nvPr/>
+          </p:nvSpPr>
+          <p:spPr>
+            <a:xfrm>
+              <a:off x="2179881" y="1809173"/>
+              <a:ext cx="1295770" cy="3464924"/>
+            </a:xfrm>
+            <a:prstGeom prst="rect">
+              <a:avLst/>
+            </a:prstGeom>
+            <a:ln w="13550" cap="rnd">
+              <a:solidFill>
+                <a:srgbClr val="333333">
+                  <a:alpha val="100000"/>
+                </a:srgbClr>
+              </a:solidFill>
+              <a:prstDash val="solid"/>
+              <a:round/>
+            </a:ln>
+          </p:spPr>
+          <p:txBody>
+            <a:bodyPr/>
+            <a:lstStyle/>
+            <a:p/>
+          </p:txBody>
+        </p:sp>
+        <p:sp>
+          <p:nvSpPr>
+            <p:cNvPr id="19" name="rc19"/>
+            <p:cNvSpPr/>
+            <p:nvPr/>
+          </p:nvSpPr>
+          <p:spPr>
+            <a:xfrm>
+              <a:off x="3545241" y="1809173"/>
+              <a:ext cx="1295770" cy="3464924"/>
+            </a:xfrm>
+            <a:prstGeom prst="rect">
+              <a:avLst/>
+            </a:prstGeom>
+            <a:solidFill>
+              <a:srgbClr val="FFFFFF">
+                <a:alpha val="100000"/>
+              </a:srgbClr>
+            </a:solidFill>
+          </p:spPr>
+          <p:txBody>
+            <a:bodyPr/>
+            <a:lstStyle/>
+            <a:p/>
+          </p:txBody>
+        </p:sp>
+        <p:sp>
+          <p:nvSpPr>
+            <p:cNvPr id="20" name="pl20"/>
+            <p:cNvSpPr/>
+            <p:nvPr/>
+          </p:nvSpPr>
+          <p:spPr>
+            <a:xfrm>
+              <a:off x="3545241" y="4656084"/>
+              <a:ext cx="1295770" cy="0"/>
             </a:xfrm>
             <a:custGeom>
               <a:avLst/>
               <a:pathLst>
-                <a:path w="0" h="3245468">
+                <a:path w="1295770" h="0">
                   <a:moveTo>
-                    <a:pt x="0" y="3245468"/>
+                    <a:pt x="0" y="0"/>
                   </a:moveTo>
                   <a:lnTo>
+                    <a:pt x="1295770" y="0"/>
+                  </a:lnTo>
+                  <a:lnTo>
+                    <a:pt x="1295770" y="0"/>
+                  </a:lnTo>
+                </a:path>
+              </a:pathLst>
+            </a:custGeom>
+            <a:ln w="6775" cap="flat">
+              <a:solidFill>
+                <a:srgbClr val="EBEBEB">
+                  <a:alpha val="100000"/>
+                </a:srgbClr>
+              </a:solidFill>
+              <a:prstDash val="solid"/>
+              <a:round/>
+            </a:ln>
+          </p:spPr>
+          <p:txBody>
+            <a:bodyPr/>
+            <a:lstStyle/>
+            <a:p/>
+          </p:txBody>
+        </p:sp>
+        <p:sp>
+          <p:nvSpPr>
+            <p:cNvPr id="21" name="pl21"/>
+            <p:cNvSpPr/>
+            <p:nvPr/>
+          </p:nvSpPr>
+          <p:spPr>
+            <a:xfrm>
+              <a:off x="3545241" y="3735052"/>
+              <a:ext cx="1295770" cy="0"/>
+            </a:xfrm>
+            <a:custGeom>
+              <a:avLst/>
+              <a:pathLst>
+                <a:path w="1295770" h="0">
+                  <a:moveTo>
                     <a:pt x="0" y="0"/>
-                  </a:lnTo>
-                  <a:lnTo>
+                  </a:moveTo>
+                  <a:lnTo>
+                    <a:pt x="1295770" y="0"/>
+                  </a:lnTo>
+                  <a:lnTo>
+                    <a:pt x="1295770" y="0"/>
+                  </a:lnTo>
+                </a:path>
+              </a:pathLst>
+            </a:custGeom>
+            <a:ln w="6775" cap="flat">
+              <a:solidFill>
+                <a:srgbClr val="EBEBEB">
+                  <a:alpha val="100000"/>
+                </a:srgbClr>
+              </a:solidFill>
+              <a:prstDash val="solid"/>
+              <a:round/>
+            </a:ln>
+          </p:spPr>
+          <p:txBody>
+            <a:bodyPr/>
+            <a:lstStyle/>
+            <a:p/>
+          </p:txBody>
+        </p:sp>
+        <p:sp>
+          <p:nvSpPr>
+            <p:cNvPr id="22" name="pl22"/>
+            <p:cNvSpPr/>
+            <p:nvPr/>
+          </p:nvSpPr>
+          <p:spPr>
+            <a:xfrm>
+              <a:off x="3545241" y="2814019"/>
+              <a:ext cx="1295770" cy="0"/>
+            </a:xfrm>
+            <a:custGeom>
+              <a:avLst/>
+              <a:pathLst>
+                <a:path w="1295770" h="0">
+                  <a:moveTo>
                     <a:pt x="0" y="0"/>
+                  </a:moveTo>
+                  <a:lnTo>
+                    <a:pt x="1295770" y="0"/>
+                  </a:lnTo>
+                  <a:lnTo>
+                    <a:pt x="1295770" y="0"/>
+                  </a:lnTo>
+                </a:path>
+              </a:pathLst>
+            </a:custGeom>
+            <a:ln w="6775" cap="flat">
+              <a:solidFill>
+                <a:srgbClr val="EBEBEB">
+                  <a:alpha val="100000"/>
+                </a:srgbClr>
+              </a:solidFill>
+              <a:prstDash val="solid"/>
+              <a:round/>
+            </a:ln>
+          </p:spPr>
+          <p:txBody>
+            <a:bodyPr/>
+            <a:lstStyle/>
+            <a:p/>
+          </p:txBody>
+        </p:sp>
+        <p:sp>
+          <p:nvSpPr>
+            <p:cNvPr id="23" name="pl23"/>
+            <p:cNvSpPr/>
+            <p:nvPr/>
+          </p:nvSpPr>
+          <p:spPr>
+            <a:xfrm>
+              <a:off x="3545241" y="1892987"/>
+              <a:ext cx="1295770" cy="0"/>
+            </a:xfrm>
+            <a:custGeom>
+              <a:avLst/>
+              <a:pathLst>
+                <a:path w="1295770" h="0">
+                  <a:moveTo>
+                    <a:pt x="0" y="0"/>
+                  </a:moveTo>
+                  <a:lnTo>
+                    <a:pt x="1295770" y="0"/>
+                  </a:lnTo>
+                  <a:lnTo>
+                    <a:pt x="1295770" y="0"/>
+                  </a:lnTo>
+                </a:path>
+              </a:pathLst>
+            </a:custGeom>
+            <a:ln w="6775" cap="flat">
+              <a:solidFill>
+                <a:srgbClr val="EBEBEB">
+                  <a:alpha val="100000"/>
+                </a:srgbClr>
+              </a:solidFill>
+              <a:prstDash val="solid"/>
+              <a:round/>
+            </a:ln>
+          </p:spPr>
+          <p:txBody>
+            <a:bodyPr/>
+            <a:lstStyle/>
+            <a:p/>
+          </p:txBody>
+        </p:sp>
+        <p:sp>
+          <p:nvSpPr>
+            <p:cNvPr id="24" name="pl24"/>
+            <p:cNvSpPr/>
+            <p:nvPr/>
+          </p:nvSpPr>
+          <p:spPr>
+            <a:xfrm>
+              <a:off x="3545241" y="5116600"/>
+              <a:ext cx="1295770" cy="0"/>
+            </a:xfrm>
+            <a:custGeom>
+              <a:avLst/>
+              <a:pathLst>
+                <a:path w="1295770" h="0">
+                  <a:moveTo>
+                    <a:pt x="0" y="0"/>
+                  </a:moveTo>
+                  <a:lnTo>
+                    <a:pt x="1295770" y="0"/>
+                  </a:lnTo>
+                  <a:lnTo>
+                    <a:pt x="1295770" y="0"/>
                   </a:lnTo>
                 </a:path>
               </a:pathLst>
@@ -3685,27 +3965,27 @@
         </p:sp>
         <p:sp>
           <p:nvSpPr>
-            <p:cNvPr id="17" name="pl17"/>
-            <p:cNvSpPr/>
-            <p:nvPr/>
-          </p:nvSpPr>
-          <p:spPr>
-            <a:xfrm>
-              <a:off x="2770571" y="1809173"/>
-              <a:ext cx="0" cy="3245468"/>
+            <p:cNvPr id="25" name="pl25"/>
+            <p:cNvSpPr/>
+            <p:nvPr/>
+          </p:nvSpPr>
+          <p:spPr>
+            <a:xfrm>
+              <a:off x="3545241" y="4195568"/>
+              <a:ext cx="1295770" cy="0"/>
             </a:xfrm>
             <a:custGeom>
               <a:avLst/>
               <a:pathLst>
-                <a:path w="0" h="3245468">
+                <a:path w="1295770" h="0">
                   <a:moveTo>
-                    <a:pt x="0" y="3245468"/>
+                    <a:pt x="0" y="0"/>
                   </a:moveTo>
                   <a:lnTo>
-                    <a:pt x="0" y="0"/>
-                  </a:lnTo>
-                  <a:lnTo>
-                    <a:pt x="0" y="0"/>
+                    <a:pt x="1295770" y="0"/>
+                  </a:lnTo>
+                  <a:lnTo>
+                    <a:pt x="1295770" y="0"/>
                   </a:lnTo>
                 </a:path>
               </a:pathLst>
@@ -3728,27 +4008,27 @@
         </p:sp>
         <p:sp>
           <p:nvSpPr>
-            <p:cNvPr id="18" name="pl18"/>
-            <p:cNvSpPr/>
-            <p:nvPr/>
-          </p:nvSpPr>
-          <p:spPr>
-            <a:xfrm>
-              <a:off x="2952304" y="1809173"/>
-              <a:ext cx="0" cy="3245468"/>
+            <p:cNvPr id="26" name="pl26"/>
+            <p:cNvSpPr/>
+            <p:nvPr/>
+          </p:nvSpPr>
+          <p:spPr>
+            <a:xfrm>
+              <a:off x="3545241" y="3274535"/>
+              <a:ext cx="1295770" cy="0"/>
             </a:xfrm>
             <a:custGeom>
               <a:avLst/>
               <a:pathLst>
-                <a:path w="0" h="3245468">
+                <a:path w="1295770" h="0">
                   <a:moveTo>
-                    <a:pt x="0" y="3245468"/>
+                    <a:pt x="0" y="0"/>
                   </a:moveTo>
                   <a:lnTo>
-                    <a:pt x="0" y="0"/>
-                  </a:lnTo>
-                  <a:lnTo>
-                    <a:pt x="0" y="0"/>
+                    <a:pt x="1295770" y="0"/>
+                  </a:lnTo>
+                  <a:lnTo>
+                    <a:pt x="1295770" y="0"/>
                   </a:lnTo>
                 </a:path>
               </a:pathLst>
@@ -3771,27 +4051,27 @@
         </p:sp>
         <p:sp>
           <p:nvSpPr>
-            <p:cNvPr id="19" name="pl19"/>
-            <p:cNvSpPr/>
-            <p:nvPr/>
-          </p:nvSpPr>
-          <p:spPr>
-            <a:xfrm>
-              <a:off x="3134038" y="1809173"/>
-              <a:ext cx="0" cy="3245468"/>
+            <p:cNvPr id="27" name="pl27"/>
+            <p:cNvSpPr/>
+            <p:nvPr/>
+          </p:nvSpPr>
+          <p:spPr>
+            <a:xfrm>
+              <a:off x="3545241" y="2353503"/>
+              <a:ext cx="1295770" cy="0"/>
             </a:xfrm>
             <a:custGeom>
               <a:avLst/>
               <a:pathLst>
-                <a:path w="0" h="3245468">
+                <a:path w="1295770" h="0">
                   <a:moveTo>
-                    <a:pt x="0" y="3245468"/>
+                    <a:pt x="0" y="0"/>
                   </a:moveTo>
                   <a:lnTo>
-                    <a:pt x="0" y="0"/>
-                  </a:lnTo>
-                  <a:lnTo>
-                    <a:pt x="0" y="0"/>
+                    <a:pt x="1295770" y="0"/>
+                  </a:lnTo>
+                  <a:lnTo>
+                    <a:pt x="1295770" y="0"/>
                   </a:lnTo>
                 </a:path>
               </a:pathLst>
@@ -3814,21 +4094,21 @@
         </p:sp>
         <p:sp>
           <p:nvSpPr>
-            <p:cNvPr id="20" name="pl20"/>
-            <p:cNvSpPr/>
-            <p:nvPr/>
-          </p:nvSpPr>
-          <p:spPr>
-            <a:xfrm>
-              <a:off x="3315771" y="1809173"/>
-              <a:ext cx="0" cy="3245468"/>
+            <p:cNvPr id="28" name="pl28"/>
+            <p:cNvSpPr/>
+            <p:nvPr/>
+          </p:nvSpPr>
+          <p:spPr>
+            <a:xfrm>
+              <a:off x="3898633" y="1809173"/>
+              <a:ext cx="0" cy="3464924"/>
             </a:xfrm>
             <a:custGeom>
               <a:avLst/>
               <a:pathLst>
-                <a:path w="0" h="3245468">
+                <a:path w="0" h="3464924">
                   <a:moveTo>
-                    <a:pt x="0" y="3245468"/>
+                    <a:pt x="0" y="3464924"/>
                   </a:moveTo>
                   <a:lnTo>
                     <a:pt x="0" y="0"/>
@@ -3857,20 +4137,63 @@
         </p:sp>
         <p:sp>
           <p:nvSpPr>
-            <p:cNvPr id="21" name="rc21"/>
-            <p:cNvSpPr/>
-            <p:nvPr/>
-          </p:nvSpPr>
-          <p:spPr>
-            <a:xfrm>
-              <a:off x="2143590" y="3001092"/>
-              <a:ext cx="163560" cy="1906027"/>
+            <p:cNvPr id="29" name="pl29"/>
+            <p:cNvSpPr/>
+            <p:nvPr/>
+          </p:nvSpPr>
+          <p:spPr>
+            <a:xfrm>
+              <a:off x="4487620" y="1809173"/>
+              <a:ext cx="0" cy="3464924"/>
+            </a:xfrm>
+            <a:custGeom>
+              <a:avLst/>
+              <a:pathLst>
+                <a:path w="0" h="3464924">
+                  <a:moveTo>
+                    <a:pt x="0" y="3464924"/>
+                  </a:moveTo>
+                  <a:lnTo>
+                    <a:pt x="0" y="0"/>
+                  </a:lnTo>
+                  <a:lnTo>
+                    <a:pt x="0" y="0"/>
+                  </a:lnTo>
+                </a:path>
+              </a:pathLst>
+            </a:custGeom>
+            <a:ln w="13550" cap="flat">
+              <a:solidFill>
+                <a:srgbClr val="EBEBEB">
+                  <a:alpha val="100000"/>
+                </a:srgbClr>
+              </a:solidFill>
+              <a:prstDash val="solid"/>
+              <a:round/>
+            </a:ln>
+          </p:spPr>
+          <p:txBody>
+            <a:bodyPr/>
+            <a:lstStyle/>
+            <a:p/>
+          </p:txBody>
+        </p:sp>
+        <p:sp>
+          <p:nvSpPr>
+            <p:cNvPr id="30" name="rc30"/>
+            <p:cNvSpPr/>
+            <p:nvPr/>
+          </p:nvSpPr>
+          <p:spPr>
+            <a:xfrm>
+              <a:off x="3633589" y="3200853"/>
+              <a:ext cx="530088" cy="1915747"/>
             </a:xfrm>
             <a:prstGeom prst="rect">
               <a:avLst/>
             </a:prstGeom>
             <a:solidFill>
-              <a:srgbClr val="FEE5D9">
+              <a:srgbClr val="FEE0D2">
                 <a:alpha val="100000"/>
               </a:srgbClr>
             </a:solidFill>
@@ -3883,40 +4206,14 @@
         </p:sp>
         <p:sp>
           <p:nvSpPr>
-            <p:cNvPr id="22" name="rc22"/>
-            <p:cNvSpPr/>
-            <p:nvPr/>
-          </p:nvSpPr>
-          <p:spPr>
-            <a:xfrm>
-              <a:off x="2325324" y="4358810"/>
-              <a:ext cx="163560" cy="548309"/>
-            </a:xfrm>
-            <a:prstGeom prst="rect">
-              <a:avLst/>
-            </a:prstGeom>
-            <a:solidFill>
-              <a:srgbClr val="FCBBA1">
-                <a:alpha val="100000"/>
-              </a:srgbClr>
-            </a:solidFill>
-          </p:spPr>
-          <p:txBody>
-            <a:bodyPr/>
-            <a:lstStyle/>
-            <a:p/>
-          </p:txBody>
-        </p:sp>
-        <p:sp>
-          <p:nvSpPr>
-            <p:cNvPr id="23" name="rc23"/>
-            <p:cNvSpPr/>
-            <p:nvPr/>
-          </p:nvSpPr>
-          <p:spPr>
-            <a:xfrm>
-              <a:off x="2507057" y="2400563"/>
-              <a:ext cx="163560" cy="2506556"/>
+            <p:cNvPr id="31" name="rc31"/>
+            <p:cNvSpPr/>
+            <p:nvPr/>
+          </p:nvSpPr>
+          <p:spPr>
+            <a:xfrm>
+              <a:off x="4222576" y="4646874"/>
+              <a:ext cx="530088" cy="469726"/>
             </a:xfrm>
             <a:prstGeom prst="rect">
               <a:avLst/>
@@ -3935,118 +4232,14 @@
         </p:sp>
         <p:sp>
           <p:nvSpPr>
-            <p:cNvPr id="24" name="rc24"/>
-            <p:cNvSpPr/>
-            <p:nvPr/>
-          </p:nvSpPr>
-          <p:spPr>
-            <a:xfrm>
-              <a:off x="2688791" y="2870543"/>
-              <a:ext cx="163560" cy="2036577"/>
-            </a:xfrm>
-            <a:prstGeom prst="rect">
-              <a:avLst/>
-            </a:prstGeom>
-            <a:solidFill>
-              <a:srgbClr val="FB6A4A">
-                <a:alpha val="100000"/>
-              </a:srgbClr>
-            </a:solidFill>
-          </p:spPr>
-          <p:txBody>
-            <a:bodyPr/>
-            <a:lstStyle/>
-            <a:p/>
-          </p:txBody>
-        </p:sp>
-        <p:sp>
-          <p:nvSpPr>
-            <p:cNvPr id="25" name="rc25"/>
-            <p:cNvSpPr/>
-            <p:nvPr/>
-          </p:nvSpPr>
-          <p:spPr>
-            <a:xfrm>
-              <a:off x="2870524" y="4045491"/>
-              <a:ext cx="163560" cy="861628"/>
-            </a:xfrm>
-            <a:prstGeom prst="rect">
-              <a:avLst/>
-            </a:prstGeom>
-            <a:solidFill>
-              <a:srgbClr val="EF3B2C">
-                <a:alpha val="100000"/>
-              </a:srgbClr>
-            </a:solidFill>
-          </p:spPr>
-          <p:txBody>
-            <a:bodyPr/>
-            <a:lstStyle/>
-            <a:p/>
-          </p:txBody>
-        </p:sp>
-        <p:sp>
-          <p:nvSpPr>
-            <p:cNvPr id="26" name="rc26"/>
-            <p:cNvSpPr/>
-            <p:nvPr/>
-          </p:nvSpPr>
-          <p:spPr>
-            <a:xfrm>
-              <a:off x="3052258" y="1956694"/>
-              <a:ext cx="163560" cy="2950425"/>
-            </a:xfrm>
-            <a:prstGeom prst="rect">
-              <a:avLst/>
-            </a:prstGeom>
-            <a:solidFill>
-              <a:srgbClr val="CB181D">
-                <a:alpha val="100000"/>
-              </a:srgbClr>
-            </a:solidFill>
-          </p:spPr>
-          <p:txBody>
-            <a:bodyPr/>
-            <a:lstStyle/>
-            <a:p/>
-          </p:txBody>
-        </p:sp>
-        <p:sp>
-          <p:nvSpPr>
-            <p:cNvPr id="27" name="rc27"/>
-            <p:cNvSpPr/>
-            <p:nvPr/>
-          </p:nvSpPr>
-          <p:spPr>
-            <a:xfrm>
-              <a:off x="3233991" y="4228261"/>
-              <a:ext cx="163560" cy="678859"/>
-            </a:xfrm>
-            <a:prstGeom prst="rect">
-              <a:avLst/>
-            </a:prstGeom>
-            <a:solidFill>
-              <a:srgbClr val="99000D">
-                <a:alpha val="100000"/>
-              </a:srgbClr>
-            </a:solidFill>
-          </p:spPr>
-          <p:txBody>
-            <a:bodyPr/>
-            <a:lstStyle/>
-            <a:p/>
-          </p:txBody>
-        </p:sp>
-        <p:sp>
-          <p:nvSpPr>
-            <p:cNvPr id="28" name="rc28"/>
-            <p:cNvSpPr/>
-            <p:nvPr/>
-          </p:nvSpPr>
-          <p:spPr>
-            <a:xfrm>
-              <a:off x="2116330" y="1809173"/>
-              <a:ext cx="1308481" cy="3245468"/>
+            <p:cNvPr id="32" name="rc32"/>
+            <p:cNvSpPr/>
+            <p:nvPr/>
+          </p:nvSpPr>
+          <p:spPr>
+            <a:xfrm>
+              <a:off x="3545241" y="1809173"/>
+              <a:ext cx="1295770" cy="3464924"/>
             </a:xfrm>
             <a:prstGeom prst="rect">
               <a:avLst/>
@@ -4069,14 +4262,14 @@
         </p:sp>
         <p:sp>
           <p:nvSpPr>
-            <p:cNvPr id="29" name="rc29"/>
-            <p:cNvSpPr/>
-            <p:nvPr/>
-          </p:nvSpPr>
-          <p:spPr>
-            <a:xfrm>
-              <a:off x="3494401" y="1809173"/>
-              <a:ext cx="1308481" cy="3245468"/>
+            <p:cNvPr id="33" name="rc33"/>
+            <p:cNvSpPr/>
+            <p:nvPr/>
+          </p:nvSpPr>
+          <p:spPr>
+            <a:xfrm>
+              <a:off x="4910601" y="1809173"/>
+              <a:ext cx="1295770" cy="3464924"/>
             </a:xfrm>
             <a:prstGeom prst="rect">
               <a:avLst/>
@@ -4095,27 +4288,27 @@
         </p:sp>
         <p:sp>
           <p:nvSpPr>
-            <p:cNvPr id="30" name="pl30"/>
-            <p:cNvSpPr/>
-            <p:nvPr/>
-          </p:nvSpPr>
-          <p:spPr>
-            <a:xfrm>
-              <a:off x="3494401" y="4515470"/>
-              <a:ext cx="1308481" cy="0"/>
+            <p:cNvPr id="34" name="pl34"/>
+            <p:cNvSpPr/>
+            <p:nvPr/>
+          </p:nvSpPr>
+          <p:spPr>
+            <a:xfrm>
+              <a:off x="4910601" y="4656084"/>
+              <a:ext cx="1295770" cy="0"/>
             </a:xfrm>
             <a:custGeom>
               <a:avLst/>
               <a:pathLst>
-                <a:path w="1308481" h="0">
+                <a:path w="1295770" h="0">
                   <a:moveTo>
                     <a:pt x="0" y="0"/>
                   </a:moveTo>
                   <a:lnTo>
-                    <a:pt x="1308481" y="0"/>
-                  </a:lnTo>
-                  <a:lnTo>
-                    <a:pt x="1308481" y="0"/>
+                    <a:pt x="1295770" y="0"/>
+                  </a:lnTo>
+                  <a:lnTo>
+                    <a:pt x="1295770" y="0"/>
                   </a:lnTo>
                 </a:path>
               </a:pathLst>
@@ -4138,27 +4331,27 @@
         </p:sp>
         <p:sp>
           <p:nvSpPr>
-            <p:cNvPr id="31" name="pl31"/>
-            <p:cNvSpPr/>
-            <p:nvPr/>
-          </p:nvSpPr>
-          <p:spPr>
-            <a:xfrm>
-              <a:off x="3494401" y="3732171"/>
-              <a:ext cx="1308481" cy="0"/>
+            <p:cNvPr id="35" name="pl35"/>
+            <p:cNvSpPr/>
+            <p:nvPr/>
+          </p:nvSpPr>
+          <p:spPr>
+            <a:xfrm>
+              <a:off x="4910601" y="3735052"/>
+              <a:ext cx="1295770" cy="0"/>
             </a:xfrm>
             <a:custGeom>
               <a:avLst/>
               <a:pathLst>
-                <a:path w="1308481" h="0">
+                <a:path w="1295770" h="0">
                   <a:moveTo>
                     <a:pt x="0" y="0"/>
                   </a:moveTo>
                   <a:lnTo>
-                    <a:pt x="1308481" y="0"/>
-                  </a:lnTo>
-                  <a:lnTo>
-                    <a:pt x="1308481" y="0"/>
+                    <a:pt x="1295770" y="0"/>
+                  </a:lnTo>
+                  <a:lnTo>
+                    <a:pt x="1295770" y="0"/>
                   </a:lnTo>
                 </a:path>
               </a:pathLst>
@@ -4181,27 +4374,27 @@
         </p:sp>
         <p:sp>
           <p:nvSpPr>
-            <p:cNvPr id="32" name="pl32"/>
-            <p:cNvSpPr/>
-            <p:nvPr/>
-          </p:nvSpPr>
-          <p:spPr>
-            <a:xfrm>
-              <a:off x="3494401" y="2948872"/>
-              <a:ext cx="1308481" cy="0"/>
+            <p:cNvPr id="36" name="pl36"/>
+            <p:cNvSpPr/>
+            <p:nvPr/>
+          </p:nvSpPr>
+          <p:spPr>
+            <a:xfrm>
+              <a:off x="4910601" y="2814019"/>
+              <a:ext cx="1295770" cy="0"/>
             </a:xfrm>
             <a:custGeom>
               <a:avLst/>
               <a:pathLst>
-                <a:path w="1308481" h="0">
+                <a:path w="1295770" h="0">
                   <a:moveTo>
                     <a:pt x="0" y="0"/>
                   </a:moveTo>
                   <a:lnTo>
-                    <a:pt x="1308481" y="0"/>
-                  </a:lnTo>
-                  <a:lnTo>
-                    <a:pt x="1308481" y="0"/>
+                    <a:pt x="1295770" y="0"/>
+                  </a:lnTo>
+                  <a:lnTo>
+                    <a:pt x="1295770" y="0"/>
                   </a:lnTo>
                 </a:path>
               </a:pathLst>
@@ -4224,27 +4417,27 @@
         </p:sp>
         <p:sp>
           <p:nvSpPr>
-            <p:cNvPr id="33" name="pl33"/>
-            <p:cNvSpPr/>
-            <p:nvPr/>
-          </p:nvSpPr>
-          <p:spPr>
-            <a:xfrm>
-              <a:off x="3494401" y="2165574"/>
-              <a:ext cx="1308481" cy="0"/>
+            <p:cNvPr id="37" name="pl37"/>
+            <p:cNvSpPr/>
+            <p:nvPr/>
+          </p:nvSpPr>
+          <p:spPr>
+            <a:xfrm>
+              <a:off x="4910601" y="1892987"/>
+              <a:ext cx="1295770" cy="0"/>
             </a:xfrm>
             <a:custGeom>
               <a:avLst/>
               <a:pathLst>
-                <a:path w="1308481" h="0">
+                <a:path w="1295770" h="0">
                   <a:moveTo>
                     <a:pt x="0" y="0"/>
                   </a:moveTo>
                   <a:lnTo>
-                    <a:pt x="1308481" y="0"/>
-                  </a:lnTo>
-                  <a:lnTo>
-                    <a:pt x="1308481" y="0"/>
+                    <a:pt x="1295770" y="0"/>
+                  </a:lnTo>
+                  <a:lnTo>
+                    <a:pt x="1295770" y="0"/>
                   </a:lnTo>
                 </a:path>
               </a:pathLst>
@@ -4267,27 +4460,27 @@
         </p:sp>
         <p:sp>
           <p:nvSpPr>
-            <p:cNvPr id="34" name="pl34"/>
-            <p:cNvSpPr/>
-            <p:nvPr/>
-          </p:nvSpPr>
-          <p:spPr>
-            <a:xfrm>
-              <a:off x="3494401" y="4907120"/>
-              <a:ext cx="1308481" cy="0"/>
+            <p:cNvPr id="38" name="pl38"/>
+            <p:cNvSpPr/>
+            <p:nvPr/>
+          </p:nvSpPr>
+          <p:spPr>
+            <a:xfrm>
+              <a:off x="4910601" y="5116600"/>
+              <a:ext cx="1295770" cy="0"/>
             </a:xfrm>
             <a:custGeom>
               <a:avLst/>
               <a:pathLst>
-                <a:path w="1308481" h="0">
+                <a:path w="1295770" h="0">
                   <a:moveTo>
                     <a:pt x="0" y="0"/>
                   </a:moveTo>
                   <a:lnTo>
-                    <a:pt x="1308481" y="0"/>
-                  </a:lnTo>
-                  <a:lnTo>
-                    <a:pt x="1308481" y="0"/>
+                    <a:pt x="1295770" y="0"/>
+                  </a:lnTo>
+                  <a:lnTo>
+                    <a:pt x="1295770" y="0"/>
                   </a:lnTo>
                 </a:path>
               </a:pathLst>
@@ -4310,27 +4503,27 @@
         </p:sp>
         <p:sp>
           <p:nvSpPr>
-            <p:cNvPr id="35" name="pl35"/>
-            <p:cNvSpPr/>
-            <p:nvPr/>
-          </p:nvSpPr>
-          <p:spPr>
-            <a:xfrm>
-              <a:off x="3494401" y="4123821"/>
-              <a:ext cx="1308481" cy="0"/>
+            <p:cNvPr id="39" name="pl39"/>
+            <p:cNvSpPr/>
+            <p:nvPr/>
+          </p:nvSpPr>
+          <p:spPr>
+            <a:xfrm>
+              <a:off x="4910601" y="4195568"/>
+              <a:ext cx="1295770" cy="0"/>
             </a:xfrm>
             <a:custGeom>
               <a:avLst/>
               <a:pathLst>
-                <a:path w="1308481" h="0">
+                <a:path w="1295770" h="0">
                   <a:moveTo>
                     <a:pt x="0" y="0"/>
                   </a:moveTo>
                   <a:lnTo>
-                    <a:pt x="1308481" y="0"/>
-                  </a:lnTo>
-                  <a:lnTo>
-                    <a:pt x="1308481" y="0"/>
+                    <a:pt x="1295770" y="0"/>
+                  </a:lnTo>
+                  <a:lnTo>
+                    <a:pt x="1295770" y="0"/>
                   </a:lnTo>
                 </a:path>
               </a:pathLst>
@@ -4353,27 +4546,27 @@
         </p:sp>
         <p:sp>
           <p:nvSpPr>
-            <p:cNvPr id="36" name="pl36"/>
-            <p:cNvSpPr/>
-            <p:nvPr/>
-          </p:nvSpPr>
-          <p:spPr>
-            <a:xfrm>
-              <a:off x="3494401" y="3340522"/>
-              <a:ext cx="1308481" cy="0"/>
+            <p:cNvPr id="40" name="pl40"/>
+            <p:cNvSpPr/>
+            <p:nvPr/>
+          </p:nvSpPr>
+          <p:spPr>
+            <a:xfrm>
+              <a:off x="4910601" y="3274535"/>
+              <a:ext cx="1295770" cy="0"/>
             </a:xfrm>
             <a:custGeom>
               <a:avLst/>
               <a:pathLst>
-                <a:path w="1308481" h="0">
+                <a:path w="1295770" h="0">
                   <a:moveTo>
                     <a:pt x="0" y="0"/>
                   </a:moveTo>
                   <a:lnTo>
-                    <a:pt x="1308481" y="0"/>
-                  </a:lnTo>
-                  <a:lnTo>
-                    <a:pt x="1308481" y="0"/>
+                    <a:pt x="1295770" y="0"/>
+                  </a:lnTo>
+                  <a:lnTo>
+                    <a:pt x="1295770" y="0"/>
                   </a:lnTo>
                 </a:path>
               </a:pathLst>
@@ -4396,27 +4589,27 @@
         </p:sp>
         <p:sp>
           <p:nvSpPr>
-            <p:cNvPr id="37" name="pl37"/>
-            <p:cNvSpPr/>
-            <p:nvPr/>
-          </p:nvSpPr>
-          <p:spPr>
-            <a:xfrm>
-              <a:off x="3494401" y="2557223"/>
-              <a:ext cx="1308481" cy="0"/>
+            <p:cNvPr id="41" name="pl41"/>
+            <p:cNvSpPr/>
+            <p:nvPr/>
+          </p:nvSpPr>
+          <p:spPr>
+            <a:xfrm>
+              <a:off x="4910601" y="2353503"/>
+              <a:ext cx="1295770" cy="0"/>
             </a:xfrm>
             <a:custGeom>
               <a:avLst/>
               <a:pathLst>
-                <a:path w="1308481" h="0">
+                <a:path w="1295770" h="0">
                   <a:moveTo>
                     <a:pt x="0" y="0"/>
                   </a:moveTo>
                   <a:lnTo>
-                    <a:pt x="1308481" y="0"/>
-                  </a:lnTo>
-                  <a:lnTo>
-                    <a:pt x="1308481" y="0"/>
+                    <a:pt x="1295770" y="0"/>
+                  </a:lnTo>
+                  <a:lnTo>
+                    <a:pt x="1295770" y="0"/>
                   </a:lnTo>
                 </a:path>
               </a:pathLst>
@@ -4439,21 +4632,21 @@
         </p:sp>
         <p:sp>
           <p:nvSpPr>
-            <p:cNvPr id="38" name="pl38"/>
-            <p:cNvSpPr/>
-            <p:nvPr/>
-          </p:nvSpPr>
-          <p:spPr>
-            <a:xfrm>
-              <a:off x="3603441" y="1809173"/>
-              <a:ext cx="0" cy="3245468"/>
+            <p:cNvPr id="42" name="pl42"/>
+            <p:cNvSpPr/>
+            <p:nvPr/>
+          </p:nvSpPr>
+          <p:spPr>
+            <a:xfrm>
+              <a:off x="5263993" y="1809173"/>
+              <a:ext cx="0" cy="3464924"/>
             </a:xfrm>
             <a:custGeom>
               <a:avLst/>
               <a:pathLst>
-                <a:path w="0" h="3245468">
+                <a:path w="0" h="3464924">
                   <a:moveTo>
-                    <a:pt x="0" y="3245468"/>
+                    <a:pt x="0" y="3464924"/>
                   </a:moveTo>
                   <a:lnTo>
                     <a:pt x="0" y="0"/>
@@ -4482,21 +4675,21 @@
         </p:sp>
         <p:sp>
           <p:nvSpPr>
-            <p:cNvPr id="39" name="pl39"/>
-            <p:cNvSpPr/>
-            <p:nvPr/>
-          </p:nvSpPr>
-          <p:spPr>
-            <a:xfrm>
-              <a:off x="3785174" y="1809173"/>
-              <a:ext cx="0" cy="3245468"/>
+            <p:cNvPr id="43" name="pl43"/>
+            <p:cNvSpPr/>
+            <p:nvPr/>
+          </p:nvSpPr>
+          <p:spPr>
+            <a:xfrm>
+              <a:off x="5852980" y="1809173"/>
+              <a:ext cx="0" cy="3464924"/>
             </a:xfrm>
             <a:custGeom>
               <a:avLst/>
               <a:pathLst>
-                <a:path w="0" h="3245468">
+                <a:path w="0" h="3464924">
                   <a:moveTo>
-                    <a:pt x="0" y="3245468"/>
+                    <a:pt x="0" y="3464924"/>
                   </a:moveTo>
                   <a:lnTo>
                     <a:pt x="0" y="0"/>
@@ -4525,27 +4718,307 @@
         </p:sp>
         <p:sp>
           <p:nvSpPr>
-            <p:cNvPr id="40" name="pl40"/>
-            <p:cNvSpPr/>
-            <p:nvPr/>
-          </p:nvSpPr>
-          <p:spPr>
-            <a:xfrm>
-              <a:off x="3966908" y="1809173"/>
-              <a:ext cx="0" cy="3245468"/>
+            <p:cNvPr id="44" name="rc44"/>
+            <p:cNvSpPr/>
+            <p:nvPr/>
+          </p:nvSpPr>
+          <p:spPr>
+            <a:xfrm>
+              <a:off x="4998949" y="4702136"/>
+              <a:ext cx="530088" cy="414464"/>
+            </a:xfrm>
+            <a:prstGeom prst="rect">
+              <a:avLst/>
+            </a:prstGeom>
+            <a:solidFill>
+              <a:srgbClr val="FEE0D2">
+                <a:alpha val="100000"/>
+              </a:srgbClr>
+            </a:solidFill>
+          </p:spPr>
+          <p:txBody>
+            <a:bodyPr/>
+            <a:lstStyle/>
+            <a:p/>
+          </p:txBody>
+        </p:sp>
+        <p:sp>
+          <p:nvSpPr>
+            <p:cNvPr id="45" name="rc45"/>
+            <p:cNvSpPr/>
+            <p:nvPr/>
+          </p:nvSpPr>
+          <p:spPr>
+            <a:xfrm>
+              <a:off x="5587936" y="4738977"/>
+              <a:ext cx="530088" cy="377623"/>
+            </a:xfrm>
+            <a:prstGeom prst="rect">
+              <a:avLst/>
+            </a:prstGeom>
+            <a:solidFill>
+              <a:srgbClr val="FC9272">
+                <a:alpha val="100000"/>
+              </a:srgbClr>
+            </a:solidFill>
+          </p:spPr>
+          <p:txBody>
+            <a:bodyPr/>
+            <a:lstStyle/>
+            <a:p/>
+          </p:txBody>
+        </p:sp>
+        <p:sp>
+          <p:nvSpPr>
+            <p:cNvPr id="46" name="rc46"/>
+            <p:cNvSpPr/>
+            <p:nvPr/>
+          </p:nvSpPr>
+          <p:spPr>
+            <a:xfrm>
+              <a:off x="4910601" y="1809173"/>
+              <a:ext cx="1295770" cy="3464924"/>
+            </a:xfrm>
+            <a:prstGeom prst="rect">
+              <a:avLst/>
+            </a:prstGeom>
+            <a:ln w="13550" cap="rnd">
+              <a:solidFill>
+                <a:srgbClr val="333333">
+                  <a:alpha val="100000"/>
+                </a:srgbClr>
+              </a:solidFill>
+              <a:prstDash val="solid"/>
+              <a:round/>
+            </a:ln>
+          </p:spPr>
+          <p:txBody>
+            <a:bodyPr/>
+            <a:lstStyle/>
+            <a:p/>
+          </p:txBody>
+        </p:sp>
+        <p:sp>
+          <p:nvSpPr>
+            <p:cNvPr id="47" name="rc47"/>
+            <p:cNvSpPr/>
+            <p:nvPr/>
+          </p:nvSpPr>
+          <p:spPr>
+            <a:xfrm>
+              <a:off x="6275961" y="1809173"/>
+              <a:ext cx="1295770" cy="3464924"/>
+            </a:xfrm>
+            <a:prstGeom prst="rect">
+              <a:avLst/>
+            </a:prstGeom>
+            <a:solidFill>
+              <a:srgbClr val="FFFFFF">
+                <a:alpha val="100000"/>
+              </a:srgbClr>
+            </a:solidFill>
+          </p:spPr>
+          <p:txBody>
+            <a:bodyPr/>
+            <a:lstStyle/>
+            <a:p/>
+          </p:txBody>
+        </p:sp>
+        <p:sp>
+          <p:nvSpPr>
+            <p:cNvPr id="48" name="pl48"/>
+            <p:cNvSpPr/>
+            <p:nvPr/>
+          </p:nvSpPr>
+          <p:spPr>
+            <a:xfrm>
+              <a:off x="6275961" y="4656084"/>
+              <a:ext cx="1295770" cy="0"/>
             </a:xfrm>
             <a:custGeom>
               <a:avLst/>
               <a:pathLst>
-                <a:path w="0" h="3245468">
+                <a:path w="1295770" h="0">
                   <a:moveTo>
-                    <a:pt x="0" y="3245468"/>
+                    <a:pt x="0" y="0"/>
                   </a:moveTo>
                   <a:lnTo>
+                    <a:pt x="1295770" y="0"/>
+                  </a:lnTo>
+                  <a:lnTo>
+                    <a:pt x="1295770" y="0"/>
+                  </a:lnTo>
+                </a:path>
+              </a:pathLst>
+            </a:custGeom>
+            <a:ln w="6775" cap="flat">
+              <a:solidFill>
+                <a:srgbClr val="EBEBEB">
+                  <a:alpha val="100000"/>
+                </a:srgbClr>
+              </a:solidFill>
+              <a:prstDash val="solid"/>
+              <a:round/>
+            </a:ln>
+          </p:spPr>
+          <p:txBody>
+            <a:bodyPr/>
+            <a:lstStyle/>
+            <a:p/>
+          </p:txBody>
+        </p:sp>
+        <p:sp>
+          <p:nvSpPr>
+            <p:cNvPr id="49" name="pl49"/>
+            <p:cNvSpPr/>
+            <p:nvPr/>
+          </p:nvSpPr>
+          <p:spPr>
+            <a:xfrm>
+              <a:off x="6275961" y="3735052"/>
+              <a:ext cx="1295770" cy="0"/>
+            </a:xfrm>
+            <a:custGeom>
+              <a:avLst/>
+              <a:pathLst>
+                <a:path w="1295770" h="0">
+                  <a:moveTo>
                     <a:pt x="0" y="0"/>
-                  </a:lnTo>
-                  <a:lnTo>
+                  </a:moveTo>
+                  <a:lnTo>
+                    <a:pt x="1295770" y="0"/>
+                  </a:lnTo>
+                  <a:lnTo>
+                    <a:pt x="1295770" y="0"/>
+                  </a:lnTo>
+                </a:path>
+              </a:pathLst>
+            </a:custGeom>
+            <a:ln w="6775" cap="flat">
+              <a:solidFill>
+                <a:srgbClr val="EBEBEB">
+                  <a:alpha val="100000"/>
+                </a:srgbClr>
+              </a:solidFill>
+              <a:prstDash val="solid"/>
+              <a:round/>
+            </a:ln>
+          </p:spPr>
+          <p:txBody>
+            <a:bodyPr/>
+            <a:lstStyle/>
+            <a:p/>
+          </p:txBody>
+        </p:sp>
+        <p:sp>
+          <p:nvSpPr>
+            <p:cNvPr id="50" name="pl50"/>
+            <p:cNvSpPr/>
+            <p:nvPr/>
+          </p:nvSpPr>
+          <p:spPr>
+            <a:xfrm>
+              <a:off x="6275961" y="2814019"/>
+              <a:ext cx="1295770" cy="0"/>
+            </a:xfrm>
+            <a:custGeom>
+              <a:avLst/>
+              <a:pathLst>
+                <a:path w="1295770" h="0">
+                  <a:moveTo>
                     <a:pt x="0" y="0"/>
+                  </a:moveTo>
+                  <a:lnTo>
+                    <a:pt x="1295770" y="0"/>
+                  </a:lnTo>
+                  <a:lnTo>
+                    <a:pt x="1295770" y="0"/>
+                  </a:lnTo>
+                </a:path>
+              </a:pathLst>
+            </a:custGeom>
+            <a:ln w="6775" cap="flat">
+              <a:solidFill>
+                <a:srgbClr val="EBEBEB">
+                  <a:alpha val="100000"/>
+                </a:srgbClr>
+              </a:solidFill>
+              <a:prstDash val="solid"/>
+              <a:round/>
+            </a:ln>
+          </p:spPr>
+          <p:txBody>
+            <a:bodyPr/>
+            <a:lstStyle/>
+            <a:p/>
+          </p:txBody>
+        </p:sp>
+        <p:sp>
+          <p:nvSpPr>
+            <p:cNvPr id="51" name="pl51"/>
+            <p:cNvSpPr/>
+            <p:nvPr/>
+          </p:nvSpPr>
+          <p:spPr>
+            <a:xfrm>
+              <a:off x="6275961" y="1892987"/>
+              <a:ext cx="1295770" cy="0"/>
+            </a:xfrm>
+            <a:custGeom>
+              <a:avLst/>
+              <a:pathLst>
+                <a:path w="1295770" h="0">
+                  <a:moveTo>
+                    <a:pt x="0" y="0"/>
+                  </a:moveTo>
+                  <a:lnTo>
+                    <a:pt x="1295770" y="0"/>
+                  </a:lnTo>
+                  <a:lnTo>
+                    <a:pt x="1295770" y="0"/>
+                  </a:lnTo>
+                </a:path>
+              </a:pathLst>
+            </a:custGeom>
+            <a:ln w="6775" cap="flat">
+              <a:solidFill>
+                <a:srgbClr val="EBEBEB">
+                  <a:alpha val="100000"/>
+                </a:srgbClr>
+              </a:solidFill>
+              <a:prstDash val="solid"/>
+              <a:round/>
+            </a:ln>
+          </p:spPr>
+          <p:txBody>
+            <a:bodyPr/>
+            <a:lstStyle/>
+            <a:p/>
+          </p:txBody>
+        </p:sp>
+        <p:sp>
+          <p:nvSpPr>
+            <p:cNvPr id="52" name="pl52"/>
+            <p:cNvSpPr/>
+            <p:nvPr/>
+          </p:nvSpPr>
+          <p:spPr>
+            <a:xfrm>
+              <a:off x="6275961" y="5116600"/>
+              <a:ext cx="1295770" cy="0"/>
+            </a:xfrm>
+            <a:custGeom>
+              <a:avLst/>
+              <a:pathLst>
+                <a:path w="1295770" h="0">
+                  <a:moveTo>
+                    <a:pt x="0" y="0"/>
+                  </a:moveTo>
+                  <a:lnTo>
+                    <a:pt x="1295770" y="0"/>
+                  </a:lnTo>
+                  <a:lnTo>
+                    <a:pt x="1295770" y="0"/>
                   </a:lnTo>
                 </a:path>
               </a:pathLst>
@@ -4568,27 +5041,27 @@
         </p:sp>
         <p:sp>
           <p:nvSpPr>
-            <p:cNvPr id="41" name="pl41"/>
-            <p:cNvSpPr/>
-            <p:nvPr/>
-          </p:nvSpPr>
-          <p:spPr>
-            <a:xfrm>
-              <a:off x="4148641" y="1809173"/>
-              <a:ext cx="0" cy="3245468"/>
+            <p:cNvPr id="53" name="pl53"/>
+            <p:cNvSpPr/>
+            <p:nvPr/>
+          </p:nvSpPr>
+          <p:spPr>
+            <a:xfrm>
+              <a:off x="6275961" y="4195568"/>
+              <a:ext cx="1295770" cy="0"/>
             </a:xfrm>
             <a:custGeom>
               <a:avLst/>
               <a:pathLst>
-                <a:path w="0" h="3245468">
+                <a:path w="1295770" h="0">
                   <a:moveTo>
-                    <a:pt x="0" y="3245468"/>
+                    <a:pt x="0" y="0"/>
                   </a:moveTo>
                   <a:lnTo>
-                    <a:pt x="0" y="0"/>
-                  </a:lnTo>
-                  <a:lnTo>
-                    <a:pt x="0" y="0"/>
+                    <a:pt x="1295770" y="0"/>
+                  </a:lnTo>
+                  <a:lnTo>
+                    <a:pt x="1295770" y="0"/>
                   </a:lnTo>
                 </a:path>
               </a:pathLst>
@@ -4611,27 +5084,27 @@
         </p:sp>
         <p:sp>
           <p:nvSpPr>
-            <p:cNvPr id="42" name="pl42"/>
-            <p:cNvSpPr/>
-            <p:nvPr/>
-          </p:nvSpPr>
-          <p:spPr>
-            <a:xfrm>
-              <a:off x="4330375" y="1809173"/>
-              <a:ext cx="0" cy="3245468"/>
+            <p:cNvPr id="54" name="pl54"/>
+            <p:cNvSpPr/>
+            <p:nvPr/>
+          </p:nvSpPr>
+          <p:spPr>
+            <a:xfrm>
+              <a:off x="6275961" y="3274535"/>
+              <a:ext cx="1295770" cy="0"/>
             </a:xfrm>
             <a:custGeom>
               <a:avLst/>
               <a:pathLst>
-                <a:path w="0" h="3245468">
+                <a:path w="1295770" h="0">
                   <a:moveTo>
-                    <a:pt x="0" y="3245468"/>
+                    <a:pt x="0" y="0"/>
                   </a:moveTo>
                   <a:lnTo>
-                    <a:pt x="0" y="0"/>
-                  </a:lnTo>
-                  <a:lnTo>
-                    <a:pt x="0" y="0"/>
+                    <a:pt x="1295770" y="0"/>
+                  </a:lnTo>
+                  <a:lnTo>
+                    <a:pt x="1295770" y="0"/>
                   </a:lnTo>
                 </a:path>
               </a:pathLst>
@@ -4654,27 +5127,27 @@
         </p:sp>
         <p:sp>
           <p:nvSpPr>
-            <p:cNvPr id="43" name="pl43"/>
-            <p:cNvSpPr/>
-            <p:nvPr/>
-          </p:nvSpPr>
-          <p:spPr>
-            <a:xfrm>
-              <a:off x="4512108" y="1809173"/>
-              <a:ext cx="0" cy="3245468"/>
+            <p:cNvPr id="55" name="pl55"/>
+            <p:cNvSpPr/>
+            <p:nvPr/>
+          </p:nvSpPr>
+          <p:spPr>
+            <a:xfrm>
+              <a:off x="6275961" y="2353503"/>
+              <a:ext cx="1295770" cy="0"/>
             </a:xfrm>
             <a:custGeom>
               <a:avLst/>
               <a:pathLst>
-                <a:path w="0" h="3245468">
+                <a:path w="1295770" h="0">
                   <a:moveTo>
-                    <a:pt x="0" y="3245468"/>
+                    <a:pt x="0" y="0"/>
                   </a:moveTo>
                   <a:lnTo>
-                    <a:pt x="0" y="0"/>
-                  </a:lnTo>
-                  <a:lnTo>
-                    <a:pt x="0" y="0"/>
+                    <a:pt x="1295770" y="0"/>
+                  </a:lnTo>
+                  <a:lnTo>
+                    <a:pt x="1295770" y="0"/>
                   </a:lnTo>
                 </a:path>
               </a:pathLst>
@@ -4697,21 +5170,21 @@
         </p:sp>
         <p:sp>
           <p:nvSpPr>
-            <p:cNvPr id="44" name="pl44"/>
-            <p:cNvSpPr/>
-            <p:nvPr/>
-          </p:nvSpPr>
-          <p:spPr>
-            <a:xfrm>
-              <a:off x="4693842" y="1809173"/>
-              <a:ext cx="0" cy="3245468"/>
+            <p:cNvPr id="56" name="pl56"/>
+            <p:cNvSpPr/>
+            <p:nvPr/>
+          </p:nvSpPr>
+          <p:spPr>
+            <a:xfrm>
+              <a:off x="6629353" y="1809173"/>
+              <a:ext cx="0" cy="3464924"/>
             </a:xfrm>
             <a:custGeom>
               <a:avLst/>
               <a:pathLst>
-                <a:path w="0" h="3245468">
+                <a:path w="0" h="3464924">
                   <a:moveTo>
-                    <a:pt x="0" y="3245468"/>
+                    <a:pt x="0" y="3464924"/>
                   </a:moveTo>
                   <a:lnTo>
                     <a:pt x="0" y="0"/>
@@ -4740,20 +5213,63 @@
         </p:sp>
         <p:sp>
           <p:nvSpPr>
-            <p:cNvPr id="45" name="rc45"/>
-            <p:cNvSpPr/>
-            <p:nvPr/>
-          </p:nvSpPr>
-          <p:spPr>
-            <a:xfrm>
-              <a:off x="3521661" y="4071601"/>
-              <a:ext cx="163560" cy="835518"/>
+            <p:cNvPr id="57" name="pl57"/>
+            <p:cNvSpPr/>
+            <p:nvPr/>
+          </p:nvSpPr>
+          <p:spPr>
+            <a:xfrm>
+              <a:off x="7218340" y="1809173"/>
+              <a:ext cx="0" cy="3464924"/>
+            </a:xfrm>
+            <a:custGeom>
+              <a:avLst/>
+              <a:pathLst>
+                <a:path w="0" h="3464924">
+                  <a:moveTo>
+                    <a:pt x="0" y="3464924"/>
+                  </a:moveTo>
+                  <a:lnTo>
+                    <a:pt x="0" y="0"/>
+                  </a:lnTo>
+                  <a:lnTo>
+                    <a:pt x="0" y="0"/>
+                  </a:lnTo>
+                </a:path>
+              </a:pathLst>
+            </a:custGeom>
+            <a:ln w="13550" cap="flat">
+              <a:solidFill>
+                <a:srgbClr val="EBEBEB">
+                  <a:alpha val="100000"/>
+                </a:srgbClr>
+              </a:solidFill>
+              <a:prstDash val="solid"/>
+              <a:round/>
+            </a:ln>
+          </p:spPr>
+          <p:txBody>
+            <a:bodyPr/>
+            <a:lstStyle/>
+            <a:p/>
+          </p:txBody>
+        </p:sp>
+        <p:sp>
+          <p:nvSpPr>
+            <p:cNvPr id="58" name="rc58"/>
+            <p:cNvSpPr/>
+            <p:nvPr/>
+          </p:nvSpPr>
+          <p:spPr>
+            <a:xfrm>
+              <a:off x="6364309" y="4812660"/>
+              <a:ext cx="530088" cy="303940"/>
             </a:xfrm>
             <a:prstGeom prst="rect">
               <a:avLst/>
             </a:prstGeom>
             <a:solidFill>
-              <a:srgbClr val="FEE5D9">
+              <a:srgbClr val="FEE0D2">
                 <a:alpha val="100000"/>
               </a:srgbClr>
             </a:solidFill>
@@ -4766,40 +5282,14 @@
         </p:sp>
         <p:sp>
           <p:nvSpPr>
-            <p:cNvPr id="46" name="rc46"/>
-            <p:cNvSpPr/>
-            <p:nvPr/>
-          </p:nvSpPr>
-          <p:spPr>
-            <a:xfrm>
-              <a:off x="3703394" y="4463250"/>
-              <a:ext cx="163560" cy="443869"/>
-            </a:xfrm>
-            <a:prstGeom prst="rect">
-              <a:avLst/>
-            </a:prstGeom>
-            <a:solidFill>
-              <a:srgbClr val="FCBBA1">
-                <a:alpha val="100000"/>
-              </a:srgbClr>
-            </a:solidFill>
-          </p:spPr>
-          <p:txBody>
-            <a:bodyPr/>
-            <a:lstStyle/>
-            <a:p/>
-          </p:txBody>
-        </p:sp>
-        <p:sp>
-          <p:nvSpPr>
-            <p:cNvPr id="47" name="rc47"/>
-            <p:cNvSpPr/>
-            <p:nvPr/>
-          </p:nvSpPr>
-          <p:spPr>
-            <a:xfrm>
-              <a:off x="3885128" y="3627732"/>
-              <a:ext cx="163560" cy="1279388"/>
+            <p:cNvPr id="59" name="rc59"/>
+            <p:cNvSpPr/>
+            <p:nvPr/>
+          </p:nvSpPr>
+          <p:spPr>
+            <a:xfrm>
+              <a:off x="6953296" y="4775818"/>
+              <a:ext cx="530088" cy="340782"/>
             </a:xfrm>
             <a:prstGeom prst="rect">
               <a:avLst/>
@@ -4818,118 +5308,14 @@
         </p:sp>
         <p:sp>
           <p:nvSpPr>
-            <p:cNvPr id="48" name="rc48"/>
-            <p:cNvSpPr/>
-            <p:nvPr/>
-          </p:nvSpPr>
-          <p:spPr>
-            <a:xfrm>
-              <a:off x="4066861" y="3366632"/>
-              <a:ext cx="163560" cy="1540487"/>
-            </a:xfrm>
-            <a:prstGeom prst="rect">
-              <a:avLst/>
-            </a:prstGeom>
-            <a:solidFill>
-              <a:srgbClr val="FB6A4A">
-                <a:alpha val="100000"/>
-              </a:srgbClr>
-            </a:solidFill>
-          </p:spPr>
-          <p:txBody>
-            <a:bodyPr/>
-            <a:lstStyle/>
-            <a:p/>
-          </p:txBody>
-        </p:sp>
-        <p:sp>
-          <p:nvSpPr>
-            <p:cNvPr id="49" name="rc49"/>
-            <p:cNvSpPr/>
-            <p:nvPr/>
-          </p:nvSpPr>
-          <p:spPr>
-            <a:xfrm>
-              <a:off x="4248594" y="4332700"/>
-              <a:ext cx="163560" cy="574419"/>
-            </a:xfrm>
-            <a:prstGeom prst="rect">
-              <a:avLst/>
-            </a:prstGeom>
-            <a:solidFill>
-              <a:srgbClr val="EF3B2C">
-                <a:alpha val="100000"/>
-              </a:srgbClr>
-            </a:solidFill>
-          </p:spPr>
-          <p:txBody>
-            <a:bodyPr/>
-            <a:lstStyle/>
-            <a:p/>
-          </p:txBody>
-        </p:sp>
-        <p:sp>
-          <p:nvSpPr>
-            <p:cNvPr id="50" name="rc50"/>
-            <p:cNvSpPr/>
-            <p:nvPr/>
-          </p:nvSpPr>
-          <p:spPr>
-            <a:xfrm>
-              <a:off x="4430328" y="3236082"/>
-              <a:ext cx="163560" cy="1671037"/>
-            </a:xfrm>
-            <a:prstGeom prst="rect">
-              <a:avLst/>
-            </a:prstGeom>
-            <a:solidFill>
-              <a:srgbClr val="CB181D">
-                <a:alpha val="100000"/>
-              </a:srgbClr>
-            </a:solidFill>
-          </p:spPr>
-          <p:txBody>
-            <a:bodyPr/>
-            <a:lstStyle/>
-            <a:p/>
-          </p:txBody>
-        </p:sp>
-        <p:sp>
-          <p:nvSpPr>
-            <p:cNvPr id="51" name="rc51"/>
-            <p:cNvSpPr/>
-            <p:nvPr/>
-          </p:nvSpPr>
-          <p:spPr>
-            <a:xfrm>
-              <a:off x="4612061" y="4489360"/>
-              <a:ext cx="163560" cy="417759"/>
-            </a:xfrm>
-            <a:prstGeom prst="rect">
-              <a:avLst/>
-            </a:prstGeom>
-            <a:solidFill>
-              <a:srgbClr val="99000D">
-                <a:alpha val="100000"/>
-              </a:srgbClr>
-            </a:solidFill>
-          </p:spPr>
-          <p:txBody>
-            <a:bodyPr/>
-            <a:lstStyle/>
-            <a:p/>
-          </p:txBody>
-        </p:sp>
-        <p:sp>
-          <p:nvSpPr>
-            <p:cNvPr id="52" name="rc52"/>
-            <p:cNvSpPr/>
-            <p:nvPr/>
-          </p:nvSpPr>
-          <p:spPr>
-            <a:xfrm>
-              <a:off x="3494401" y="1809173"/>
-              <a:ext cx="1308481" cy="3245468"/>
+            <p:cNvPr id="60" name="rc60"/>
+            <p:cNvSpPr/>
+            <p:nvPr/>
+          </p:nvSpPr>
+          <p:spPr>
+            <a:xfrm>
+              <a:off x="6275961" y="1809173"/>
+              <a:ext cx="1295770" cy="3464924"/>
             </a:xfrm>
             <a:prstGeom prst="rect">
               <a:avLst/>
@@ -4952,14 +5338,14 @@
         </p:sp>
         <p:sp>
           <p:nvSpPr>
-            <p:cNvPr id="53" name="rc53"/>
-            <p:cNvSpPr/>
-            <p:nvPr/>
-          </p:nvSpPr>
-          <p:spPr>
-            <a:xfrm>
-              <a:off x="4872471" y="1809173"/>
-              <a:ext cx="1308481" cy="3245468"/>
+            <p:cNvPr id="61" name="rc61"/>
+            <p:cNvSpPr/>
+            <p:nvPr/>
+          </p:nvSpPr>
+          <p:spPr>
+            <a:xfrm>
+              <a:off x="7641321" y="1809173"/>
+              <a:ext cx="1295770" cy="3464924"/>
             </a:xfrm>
             <a:prstGeom prst="rect">
               <a:avLst/>
@@ -4978,27 +5364,27 @@
         </p:sp>
         <p:sp>
           <p:nvSpPr>
-            <p:cNvPr id="54" name="pl54"/>
-            <p:cNvSpPr/>
-            <p:nvPr/>
-          </p:nvSpPr>
-          <p:spPr>
-            <a:xfrm>
-              <a:off x="4872471" y="4515470"/>
-              <a:ext cx="1308481" cy="0"/>
+            <p:cNvPr id="62" name="pl62"/>
+            <p:cNvSpPr/>
+            <p:nvPr/>
+          </p:nvSpPr>
+          <p:spPr>
+            <a:xfrm>
+              <a:off x="7641321" y="4656084"/>
+              <a:ext cx="1295770" cy="0"/>
             </a:xfrm>
             <a:custGeom>
               <a:avLst/>
               <a:pathLst>
-                <a:path w="1308481" h="0">
+                <a:path w="1295770" h="0">
                   <a:moveTo>
                     <a:pt x="0" y="0"/>
                   </a:moveTo>
                   <a:lnTo>
-                    <a:pt x="1308481" y="0"/>
-                  </a:lnTo>
-                  <a:lnTo>
-                    <a:pt x="1308481" y="0"/>
+                    <a:pt x="1295770" y="0"/>
+                  </a:lnTo>
+                  <a:lnTo>
+                    <a:pt x="1295770" y="0"/>
                   </a:lnTo>
                 </a:path>
               </a:pathLst>
@@ -5021,27 +5407,27 @@
         </p:sp>
         <p:sp>
           <p:nvSpPr>
-            <p:cNvPr id="55" name="pl55"/>
-            <p:cNvSpPr/>
-            <p:nvPr/>
-          </p:nvSpPr>
-          <p:spPr>
-            <a:xfrm>
-              <a:off x="4872471" y="3732171"/>
-              <a:ext cx="1308481" cy="0"/>
+            <p:cNvPr id="63" name="pl63"/>
+            <p:cNvSpPr/>
+            <p:nvPr/>
+          </p:nvSpPr>
+          <p:spPr>
+            <a:xfrm>
+              <a:off x="7641321" y="3735052"/>
+              <a:ext cx="1295770" cy="0"/>
             </a:xfrm>
             <a:custGeom>
               <a:avLst/>
               <a:pathLst>
-                <a:path w="1308481" h="0">
+                <a:path w="1295770" h="0">
                   <a:moveTo>
                     <a:pt x="0" y="0"/>
                   </a:moveTo>
                   <a:lnTo>
-                    <a:pt x="1308481" y="0"/>
-                  </a:lnTo>
-                  <a:lnTo>
-                    <a:pt x="1308481" y="0"/>
+                    <a:pt x="1295770" y="0"/>
+                  </a:lnTo>
+                  <a:lnTo>
+                    <a:pt x="1295770" y="0"/>
                   </a:lnTo>
                 </a:path>
               </a:pathLst>
@@ -5064,27 +5450,27 @@
         </p:sp>
         <p:sp>
           <p:nvSpPr>
-            <p:cNvPr id="56" name="pl56"/>
-            <p:cNvSpPr/>
-            <p:nvPr/>
-          </p:nvSpPr>
-          <p:spPr>
-            <a:xfrm>
-              <a:off x="4872471" y="2948872"/>
-              <a:ext cx="1308481" cy="0"/>
+            <p:cNvPr id="64" name="pl64"/>
+            <p:cNvSpPr/>
+            <p:nvPr/>
+          </p:nvSpPr>
+          <p:spPr>
+            <a:xfrm>
+              <a:off x="7641321" y="2814019"/>
+              <a:ext cx="1295770" cy="0"/>
             </a:xfrm>
             <a:custGeom>
               <a:avLst/>
               <a:pathLst>
-                <a:path w="1308481" h="0">
+                <a:path w="1295770" h="0">
                   <a:moveTo>
                     <a:pt x="0" y="0"/>
                   </a:moveTo>
                   <a:lnTo>
-                    <a:pt x="1308481" y="0"/>
-                  </a:lnTo>
-                  <a:lnTo>
-                    <a:pt x="1308481" y="0"/>
+                    <a:pt x="1295770" y="0"/>
+                  </a:lnTo>
+                  <a:lnTo>
+                    <a:pt x="1295770" y="0"/>
                   </a:lnTo>
                 </a:path>
               </a:pathLst>
@@ -5107,27 +5493,27 @@
         </p:sp>
         <p:sp>
           <p:nvSpPr>
-            <p:cNvPr id="57" name="pl57"/>
-            <p:cNvSpPr/>
-            <p:nvPr/>
-          </p:nvSpPr>
-          <p:spPr>
-            <a:xfrm>
-              <a:off x="4872471" y="2165574"/>
-              <a:ext cx="1308481" cy="0"/>
+            <p:cNvPr id="65" name="pl65"/>
+            <p:cNvSpPr/>
+            <p:nvPr/>
+          </p:nvSpPr>
+          <p:spPr>
+            <a:xfrm>
+              <a:off x="7641321" y="1892987"/>
+              <a:ext cx="1295770" cy="0"/>
             </a:xfrm>
             <a:custGeom>
               <a:avLst/>
               <a:pathLst>
-                <a:path w="1308481" h="0">
+                <a:path w="1295770" h="0">
                   <a:moveTo>
                     <a:pt x="0" y="0"/>
                   </a:moveTo>
                   <a:lnTo>
-                    <a:pt x="1308481" y="0"/>
-                  </a:lnTo>
-                  <a:lnTo>
-                    <a:pt x="1308481" y="0"/>
+                    <a:pt x="1295770" y="0"/>
+                  </a:lnTo>
+                  <a:lnTo>
+                    <a:pt x="1295770" y="0"/>
                   </a:lnTo>
                 </a:path>
               </a:pathLst>
@@ -5150,27 +5536,27 @@
         </p:sp>
         <p:sp>
           <p:nvSpPr>
-            <p:cNvPr id="58" name="pl58"/>
-            <p:cNvSpPr/>
-            <p:nvPr/>
-          </p:nvSpPr>
-          <p:spPr>
-            <a:xfrm>
-              <a:off x="4872471" y="4907120"/>
-              <a:ext cx="1308481" cy="0"/>
+            <p:cNvPr id="66" name="pl66"/>
+            <p:cNvSpPr/>
+            <p:nvPr/>
+          </p:nvSpPr>
+          <p:spPr>
+            <a:xfrm>
+              <a:off x="7641321" y="5116600"/>
+              <a:ext cx="1295770" cy="0"/>
             </a:xfrm>
             <a:custGeom>
               <a:avLst/>
               <a:pathLst>
-                <a:path w="1308481" h="0">
+                <a:path w="1295770" h="0">
                   <a:moveTo>
                     <a:pt x="0" y="0"/>
                   </a:moveTo>
                   <a:lnTo>
-                    <a:pt x="1308481" y="0"/>
-                  </a:lnTo>
-                  <a:lnTo>
-                    <a:pt x="1308481" y="0"/>
+                    <a:pt x="1295770" y="0"/>
+                  </a:lnTo>
+                  <a:lnTo>
+                    <a:pt x="1295770" y="0"/>
                   </a:lnTo>
                 </a:path>
               </a:pathLst>
@@ -5193,27 +5579,27 @@
         </p:sp>
         <p:sp>
           <p:nvSpPr>
-            <p:cNvPr id="59" name="pl59"/>
-            <p:cNvSpPr/>
-            <p:nvPr/>
-          </p:nvSpPr>
-          <p:spPr>
-            <a:xfrm>
-              <a:off x="4872471" y="4123821"/>
-              <a:ext cx="1308481" cy="0"/>
+            <p:cNvPr id="67" name="pl67"/>
+            <p:cNvSpPr/>
+            <p:nvPr/>
+          </p:nvSpPr>
+          <p:spPr>
+            <a:xfrm>
+              <a:off x="7641321" y="4195568"/>
+              <a:ext cx="1295770" cy="0"/>
             </a:xfrm>
             <a:custGeom>
               <a:avLst/>
               <a:pathLst>
-                <a:path w="1308481" h="0">
+                <a:path w="1295770" h="0">
                   <a:moveTo>
                     <a:pt x="0" y="0"/>
                   </a:moveTo>
                   <a:lnTo>
-                    <a:pt x="1308481" y="0"/>
-                  </a:lnTo>
-                  <a:lnTo>
-                    <a:pt x="1308481" y="0"/>
+                    <a:pt x="1295770" y="0"/>
+                  </a:lnTo>
+                  <a:lnTo>
+                    <a:pt x="1295770" y="0"/>
                   </a:lnTo>
                 </a:path>
               </a:pathLst>
@@ -5236,27 +5622,27 @@
         </p:sp>
         <p:sp>
           <p:nvSpPr>
-            <p:cNvPr id="60" name="pl60"/>
-            <p:cNvSpPr/>
-            <p:nvPr/>
-          </p:nvSpPr>
-          <p:spPr>
-            <a:xfrm>
-              <a:off x="4872471" y="3340522"/>
-              <a:ext cx="1308481" cy="0"/>
+            <p:cNvPr id="68" name="pl68"/>
+            <p:cNvSpPr/>
+            <p:nvPr/>
+          </p:nvSpPr>
+          <p:spPr>
+            <a:xfrm>
+              <a:off x="7641321" y="3274535"/>
+              <a:ext cx="1295770" cy="0"/>
             </a:xfrm>
             <a:custGeom>
               <a:avLst/>
               <a:pathLst>
-                <a:path w="1308481" h="0">
+                <a:path w="1295770" h="0">
                   <a:moveTo>
                     <a:pt x="0" y="0"/>
                   </a:moveTo>
                   <a:lnTo>
-                    <a:pt x="1308481" y="0"/>
-                  </a:lnTo>
-                  <a:lnTo>
-                    <a:pt x="1308481" y="0"/>
+                    <a:pt x="1295770" y="0"/>
+                  </a:lnTo>
+                  <a:lnTo>
+                    <a:pt x="1295770" y="0"/>
                   </a:lnTo>
                 </a:path>
               </a:pathLst>
@@ -5279,27 +5665,27 @@
         </p:sp>
         <p:sp>
           <p:nvSpPr>
-            <p:cNvPr id="61" name="pl61"/>
-            <p:cNvSpPr/>
-            <p:nvPr/>
-          </p:nvSpPr>
-          <p:spPr>
-            <a:xfrm>
-              <a:off x="4872471" y="2557223"/>
-              <a:ext cx="1308481" cy="0"/>
+            <p:cNvPr id="69" name="pl69"/>
+            <p:cNvSpPr/>
+            <p:nvPr/>
+          </p:nvSpPr>
+          <p:spPr>
+            <a:xfrm>
+              <a:off x="7641321" y="2353503"/>
+              <a:ext cx="1295770" cy="0"/>
             </a:xfrm>
             <a:custGeom>
               <a:avLst/>
               <a:pathLst>
-                <a:path w="1308481" h="0">
+                <a:path w="1295770" h="0">
                   <a:moveTo>
                     <a:pt x="0" y="0"/>
                   </a:moveTo>
                   <a:lnTo>
-                    <a:pt x="1308481" y="0"/>
-                  </a:lnTo>
-                  <a:lnTo>
-                    <a:pt x="1308481" y="0"/>
+                    <a:pt x="1295770" y="0"/>
+                  </a:lnTo>
+                  <a:lnTo>
+                    <a:pt x="1295770" y="0"/>
                   </a:lnTo>
                 </a:path>
               </a:pathLst>
@@ -5322,21 +5708,21 @@
         </p:sp>
         <p:sp>
           <p:nvSpPr>
-            <p:cNvPr id="62" name="pl62"/>
-            <p:cNvSpPr/>
-            <p:nvPr/>
-          </p:nvSpPr>
-          <p:spPr>
-            <a:xfrm>
-              <a:off x="4981511" y="1809173"/>
-              <a:ext cx="0" cy="3245468"/>
+            <p:cNvPr id="70" name="pl70"/>
+            <p:cNvSpPr/>
+            <p:nvPr/>
+          </p:nvSpPr>
+          <p:spPr>
+            <a:xfrm>
+              <a:off x="7994713" y="1809173"/>
+              <a:ext cx="0" cy="3464924"/>
             </a:xfrm>
             <a:custGeom>
               <a:avLst/>
               <a:pathLst>
-                <a:path w="0" h="3245468">
+                <a:path w="0" h="3464924">
                   <a:moveTo>
-                    <a:pt x="0" y="3245468"/>
+                    <a:pt x="0" y="3464924"/>
                   </a:moveTo>
                   <a:lnTo>
                     <a:pt x="0" y="0"/>
@@ -5365,21 +5751,21 @@
         </p:sp>
         <p:sp>
           <p:nvSpPr>
-            <p:cNvPr id="63" name="pl63"/>
-            <p:cNvSpPr/>
-            <p:nvPr/>
-          </p:nvSpPr>
-          <p:spPr>
-            <a:xfrm>
-              <a:off x="5163244" y="1809173"/>
-              <a:ext cx="0" cy="3245468"/>
+            <p:cNvPr id="71" name="pl71"/>
+            <p:cNvSpPr/>
+            <p:nvPr/>
+          </p:nvSpPr>
+          <p:spPr>
+            <a:xfrm>
+              <a:off x="8583700" y="1809173"/>
+              <a:ext cx="0" cy="3464924"/>
             </a:xfrm>
             <a:custGeom>
               <a:avLst/>
               <a:pathLst>
-                <a:path w="0" h="3245468">
+                <a:path w="0" h="3464924">
                   <a:moveTo>
-                    <a:pt x="0" y="3245468"/>
+                    <a:pt x="0" y="3464924"/>
                   </a:moveTo>
                   <a:lnTo>
                     <a:pt x="0" y="0"/>
@@ -5408,235 +5794,20 @@
         </p:sp>
         <p:sp>
           <p:nvSpPr>
-            <p:cNvPr id="64" name="pl64"/>
-            <p:cNvSpPr/>
-            <p:nvPr/>
-          </p:nvSpPr>
-          <p:spPr>
-            <a:xfrm>
-              <a:off x="5344978" y="1809173"/>
-              <a:ext cx="0" cy="3245468"/>
-            </a:xfrm>
-            <a:custGeom>
-              <a:avLst/>
-              <a:pathLst>
-                <a:path w="0" h="3245468">
-                  <a:moveTo>
-                    <a:pt x="0" y="3245468"/>
-                  </a:moveTo>
-                  <a:lnTo>
-                    <a:pt x="0" y="0"/>
-                  </a:lnTo>
-                  <a:lnTo>
-                    <a:pt x="0" y="0"/>
-                  </a:lnTo>
-                </a:path>
-              </a:pathLst>
-            </a:custGeom>
-            <a:ln w="13550" cap="flat">
-              <a:solidFill>
-                <a:srgbClr val="EBEBEB">
-                  <a:alpha val="100000"/>
-                </a:srgbClr>
-              </a:solidFill>
-              <a:prstDash val="solid"/>
-              <a:round/>
-            </a:ln>
-          </p:spPr>
-          <p:txBody>
-            <a:bodyPr/>
-            <a:lstStyle/>
-            <a:p/>
-          </p:txBody>
-        </p:sp>
-        <p:sp>
-          <p:nvSpPr>
-            <p:cNvPr id="65" name="pl65"/>
-            <p:cNvSpPr/>
-            <p:nvPr/>
-          </p:nvSpPr>
-          <p:spPr>
-            <a:xfrm>
-              <a:off x="5526711" y="1809173"/>
-              <a:ext cx="0" cy="3245468"/>
-            </a:xfrm>
-            <a:custGeom>
-              <a:avLst/>
-              <a:pathLst>
-                <a:path w="0" h="3245468">
-                  <a:moveTo>
-                    <a:pt x="0" y="3245468"/>
-                  </a:moveTo>
-                  <a:lnTo>
-                    <a:pt x="0" y="0"/>
-                  </a:lnTo>
-                  <a:lnTo>
-                    <a:pt x="0" y="0"/>
-                  </a:lnTo>
-                </a:path>
-              </a:pathLst>
-            </a:custGeom>
-            <a:ln w="13550" cap="flat">
-              <a:solidFill>
-                <a:srgbClr val="EBEBEB">
-                  <a:alpha val="100000"/>
-                </a:srgbClr>
-              </a:solidFill>
-              <a:prstDash val="solid"/>
-              <a:round/>
-            </a:ln>
-          </p:spPr>
-          <p:txBody>
-            <a:bodyPr/>
-            <a:lstStyle/>
-            <a:p/>
-          </p:txBody>
-        </p:sp>
-        <p:sp>
-          <p:nvSpPr>
-            <p:cNvPr id="66" name="pl66"/>
-            <p:cNvSpPr/>
-            <p:nvPr/>
-          </p:nvSpPr>
-          <p:spPr>
-            <a:xfrm>
-              <a:off x="5708445" y="1809173"/>
-              <a:ext cx="0" cy="3245468"/>
-            </a:xfrm>
-            <a:custGeom>
-              <a:avLst/>
-              <a:pathLst>
-                <a:path w="0" h="3245468">
-                  <a:moveTo>
-                    <a:pt x="0" y="3245468"/>
-                  </a:moveTo>
-                  <a:lnTo>
-                    <a:pt x="0" y="0"/>
-                  </a:lnTo>
-                  <a:lnTo>
-                    <a:pt x="0" y="0"/>
-                  </a:lnTo>
-                </a:path>
-              </a:pathLst>
-            </a:custGeom>
-            <a:ln w="13550" cap="flat">
-              <a:solidFill>
-                <a:srgbClr val="EBEBEB">
-                  <a:alpha val="100000"/>
-                </a:srgbClr>
-              </a:solidFill>
-              <a:prstDash val="solid"/>
-              <a:round/>
-            </a:ln>
-          </p:spPr>
-          <p:txBody>
-            <a:bodyPr/>
-            <a:lstStyle/>
-            <a:p/>
-          </p:txBody>
-        </p:sp>
-        <p:sp>
-          <p:nvSpPr>
-            <p:cNvPr id="67" name="pl67"/>
-            <p:cNvSpPr/>
-            <p:nvPr/>
-          </p:nvSpPr>
-          <p:spPr>
-            <a:xfrm>
-              <a:off x="5890178" y="1809173"/>
-              <a:ext cx="0" cy="3245468"/>
-            </a:xfrm>
-            <a:custGeom>
-              <a:avLst/>
-              <a:pathLst>
-                <a:path w="0" h="3245468">
-                  <a:moveTo>
-                    <a:pt x="0" y="3245468"/>
-                  </a:moveTo>
-                  <a:lnTo>
-                    <a:pt x="0" y="0"/>
-                  </a:lnTo>
-                  <a:lnTo>
-                    <a:pt x="0" y="0"/>
-                  </a:lnTo>
-                </a:path>
-              </a:pathLst>
-            </a:custGeom>
-            <a:ln w="13550" cap="flat">
-              <a:solidFill>
-                <a:srgbClr val="EBEBEB">
-                  <a:alpha val="100000"/>
-                </a:srgbClr>
-              </a:solidFill>
-              <a:prstDash val="solid"/>
-              <a:round/>
-            </a:ln>
-          </p:spPr>
-          <p:txBody>
-            <a:bodyPr/>
-            <a:lstStyle/>
-            <a:p/>
-          </p:txBody>
-        </p:sp>
-        <p:sp>
-          <p:nvSpPr>
-            <p:cNvPr id="68" name="pl68"/>
-            <p:cNvSpPr/>
-            <p:nvPr/>
-          </p:nvSpPr>
-          <p:spPr>
-            <a:xfrm>
-              <a:off x="6071912" y="1809173"/>
-              <a:ext cx="0" cy="3245468"/>
-            </a:xfrm>
-            <a:custGeom>
-              <a:avLst/>
-              <a:pathLst>
-                <a:path w="0" h="3245468">
-                  <a:moveTo>
-                    <a:pt x="0" y="3245468"/>
-                  </a:moveTo>
-                  <a:lnTo>
-                    <a:pt x="0" y="0"/>
-                  </a:lnTo>
-                  <a:lnTo>
-                    <a:pt x="0" y="0"/>
-                  </a:lnTo>
-                </a:path>
-              </a:pathLst>
-            </a:custGeom>
-            <a:ln w="13550" cap="flat">
-              <a:solidFill>
-                <a:srgbClr val="EBEBEB">
-                  <a:alpha val="100000"/>
-                </a:srgbClr>
-              </a:solidFill>
-              <a:prstDash val="solid"/>
-              <a:round/>
-            </a:ln>
-          </p:spPr>
-          <p:txBody>
-            <a:bodyPr/>
-            <a:lstStyle/>
-            <a:p/>
-          </p:txBody>
-        </p:sp>
-        <p:sp>
-          <p:nvSpPr>
-            <p:cNvPr id="69" name="rc69"/>
-            <p:cNvSpPr/>
-            <p:nvPr/>
-          </p:nvSpPr>
-          <p:spPr>
-            <a:xfrm>
-              <a:off x="4899731" y="4802680"/>
-              <a:ext cx="163560" cy="104439"/>
+            <p:cNvPr id="72" name="rc72"/>
+            <p:cNvSpPr/>
+            <p:nvPr/>
+          </p:nvSpPr>
+          <p:spPr>
+            <a:xfrm>
+              <a:off x="7729669" y="4379774"/>
+              <a:ext cx="530088" cy="736826"/>
             </a:xfrm>
             <a:prstGeom prst="rect">
               <a:avLst/>
             </a:prstGeom>
             <a:solidFill>
-              <a:srgbClr val="FEE5D9">
+              <a:srgbClr val="FEE0D2">
                 <a:alpha val="100000"/>
               </a:srgbClr>
             </a:solidFill>
@@ -5649,40 +5820,14 @@
         </p:sp>
         <p:sp>
           <p:nvSpPr>
-            <p:cNvPr id="70" name="rc70"/>
-            <p:cNvSpPr/>
-            <p:nvPr/>
-          </p:nvSpPr>
-          <p:spPr>
-            <a:xfrm>
-              <a:off x="5081464" y="4724350"/>
-              <a:ext cx="163560" cy="182769"/>
-            </a:xfrm>
-            <a:prstGeom prst="rect">
-              <a:avLst/>
-            </a:prstGeom>
-            <a:solidFill>
-              <a:srgbClr val="FCBBA1">
-                <a:alpha val="100000"/>
-              </a:srgbClr>
-            </a:solidFill>
-          </p:spPr>
-          <p:txBody>
-            <a:bodyPr/>
-            <a:lstStyle/>
-            <a:p/>
-          </p:txBody>
-        </p:sp>
-        <p:sp>
-          <p:nvSpPr>
-            <p:cNvPr id="71" name="rc71"/>
-            <p:cNvSpPr/>
-            <p:nvPr/>
-          </p:nvSpPr>
-          <p:spPr>
-            <a:xfrm>
-              <a:off x="5263198" y="4593800"/>
-              <a:ext cx="163560" cy="313319"/>
+            <p:cNvPr id="73" name="rc73"/>
+            <p:cNvSpPr/>
+            <p:nvPr/>
+          </p:nvSpPr>
+          <p:spPr>
+            <a:xfrm>
+              <a:off x="8318656" y="4950815"/>
+              <a:ext cx="530088" cy="165785"/>
             </a:xfrm>
             <a:prstGeom prst="rect">
               <a:avLst/>
@@ -5701,118 +5846,14 @@
         </p:sp>
         <p:sp>
           <p:nvSpPr>
-            <p:cNvPr id="72" name="rc72"/>
-            <p:cNvSpPr/>
-            <p:nvPr/>
-          </p:nvSpPr>
-          <p:spPr>
-            <a:xfrm>
-              <a:off x="5444931" y="4149931"/>
-              <a:ext cx="163560" cy="757188"/>
-            </a:xfrm>
-            <a:prstGeom prst="rect">
-              <a:avLst/>
-            </a:prstGeom>
-            <a:solidFill>
-              <a:srgbClr val="FB6A4A">
-                <a:alpha val="100000"/>
-              </a:srgbClr>
-            </a:solidFill>
-          </p:spPr>
-          <p:txBody>
-            <a:bodyPr/>
-            <a:lstStyle/>
-            <a:p/>
-          </p:txBody>
-        </p:sp>
-        <p:sp>
-          <p:nvSpPr>
-            <p:cNvPr id="73" name="rc73"/>
-            <p:cNvSpPr/>
-            <p:nvPr/>
-          </p:nvSpPr>
-          <p:spPr>
-            <a:xfrm>
-              <a:off x="5626665" y="4646020"/>
-              <a:ext cx="163560" cy="261099"/>
-            </a:xfrm>
-            <a:prstGeom prst="rect">
-              <a:avLst/>
-            </a:prstGeom>
-            <a:solidFill>
-              <a:srgbClr val="EF3B2C">
-                <a:alpha val="100000"/>
-              </a:srgbClr>
-            </a:solidFill>
-          </p:spPr>
-          <p:txBody>
-            <a:bodyPr/>
-            <a:lstStyle/>
-            <a:p/>
-          </p:txBody>
-        </p:sp>
-        <p:sp>
-          <p:nvSpPr>
             <p:cNvPr id="74" name="rc74"/>
             <p:cNvSpPr/>
             <p:nvPr/>
           </p:nvSpPr>
           <p:spPr>
             <a:xfrm>
-              <a:off x="5808398" y="4437140"/>
-              <a:ext cx="163560" cy="469979"/>
-            </a:xfrm>
-            <a:prstGeom prst="rect">
-              <a:avLst/>
-            </a:prstGeom>
-            <a:solidFill>
-              <a:srgbClr val="CB181D">
-                <a:alpha val="100000"/>
-              </a:srgbClr>
-            </a:solidFill>
-          </p:spPr>
-          <p:txBody>
-            <a:bodyPr/>
-            <a:lstStyle/>
-            <a:p/>
-          </p:txBody>
-        </p:sp>
-        <p:sp>
-          <p:nvSpPr>
-            <p:cNvPr id="75" name="rc75"/>
-            <p:cNvSpPr/>
-            <p:nvPr/>
-          </p:nvSpPr>
-          <p:spPr>
-            <a:xfrm>
-              <a:off x="5990132" y="4750460"/>
-              <a:ext cx="163560" cy="156659"/>
-            </a:xfrm>
-            <a:prstGeom prst="rect">
-              <a:avLst/>
-            </a:prstGeom>
-            <a:solidFill>
-              <a:srgbClr val="99000D">
-                <a:alpha val="100000"/>
-              </a:srgbClr>
-            </a:solidFill>
-          </p:spPr>
-          <p:txBody>
-            <a:bodyPr/>
-            <a:lstStyle/>
-            <a:p/>
-          </p:txBody>
-        </p:sp>
-        <p:sp>
-          <p:nvSpPr>
-            <p:cNvPr id="76" name="rc76"/>
-            <p:cNvSpPr/>
-            <p:nvPr/>
-          </p:nvSpPr>
-          <p:spPr>
-            <a:xfrm>
-              <a:off x="4872471" y="1809173"/>
-              <a:ext cx="1308481" cy="3245468"/>
+              <a:off x="7641321" y="1809173"/>
+              <a:ext cx="1295770" cy="3464924"/>
             </a:xfrm>
             <a:prstGeom prst="rect">
               <a:avLst/>
@@ -5835,1780 +5876,14 @@
         </p:sp>
         <p:sp>
           <p:nvSpPr>
-            <p:cNvPr id="77" name="rc77"/>
-            <p:cNvSpPr/>
-            <p:nvPr/>
-          </p:nvSpPr>
-          <p:spPr>
-            <a:xfrm>
-              <a:off x="6250541" y="1809173"/>
-              <a:ext cx="1308481" cy="3245468"/>
-            </a:xfrm>
-            <a:prstGeom prst="rect">
-              <a:avLst/>
-            </a:prstGeom>
-            <a:solidFill>
-              <a:srgbClr val="FFFFFF">
-                <a:alpha val="100000"/>
-              </a:srgbClr>
-            </a:solidFill>
-          </p:spPr>
-          <p:txBody>
-            <a:bodyPr/>
-            <a:lstStyle/>
-            <a:p/>
-          </p:txBody>
-        </p:sp>
-        <p:sp>
-          <p:nvSpPr>
-            <p:cNvPr id="78" name="pl78"/>
-            <p:cNvSpPr/>
-            <p:nvPr/>
-          </p:nvSpPr>
-          <p:spPr>
-            <a:xfrm>
-              <a:off x="6250541" y="4515470"/>
-              <a:ext cx="1308481" cy="0"/>
-            </a:xfrm>
-            <a:custGeom>
-              <a:avLst/>
-              <a:pathLst>
-                <a:path w="1308481" h="0">
-                  <a:moveTo>
-                    <a:pt x="0" y="0"/>
-                  </a:moveTo>
-                  <a:lnTo>
-                    <a:pt x="1308481" y="0"/>
-                  </a:lnTo>
-                  <a:lnTo>
-                    <a:pt x="1308481" y="0"/>
-                  </a:lnTo>
-                </a:path>
-              </a:pathLst>
-            </a:custGeom>
-            <a:ln w="6775" cap="flat">
-              <a:solidFill>
-                <a:srgbClr val="EBEBEB">
-                  <a:alpha val="100000"/>
-                </a:srgbClr>
-              </a:solidFill>
-              <a:prstDash val="solid"/>
-              <a:round/>
-            </a:ln>
-          </p:spPr>
-          <p:txBody>
-            <a:bodyPr/>
-            <a:lstStyle/>
-            <a:p/>
-          </p:txBody>
-        </p:sp>
-        <p:sp>
-          <p:nvSpPr>
-            <p:cNvPr id="79" name="pl79"/>
-            <p:cNvSpPr/>
-            <p:nvPr/>
-          </p:nvSpPr>
-          <p:spPr>
-            <a:xfrm>
-              <a:off x="6250541" y="3732171"/>
-              <a:ext cx="1308481" cy="0"/>
-            </a:xfrm>
-            <a:custGeom>
-              <a:avLst/>
-              <a:pathLst>
-                <a:path w="1308481" h="0">
-                  <a:moveTo>
-                    <a:pt x="0" y="0"/>
-                  </a:moveTo>
-                  <a:lnTo>
-                    <a:pt x="1308481" y="0"/>
-                  </a:lnTo>
-                  <a:lnTo>
-                    <a:pt x="1308481" y="0"/>
-                  </a:lnTo>
-                </a:path>
-              </a:pathLst>
-            </a:custGeom>
-            <a:ln w="6775" cap="flat">
-              <a:solidFill>
-                <a:srgbClr val="EBEBEB">
-                  <a:alpha val="100000"/>
-                </a:srgbClr>
-              </a:solidFill>
-              <a:prstDash val="solid"/>
-              <a:round/>
-            </a:ln>
-          </p:spPr>
-          <p:txBody>
-            <a:bodyPr/>
-            <a:lstStyle/>
-            <a:p/>
-          </p:txBody>
-        </p:sp>
-        <p:sp>
-          <p:nvSpPr>
-            <p:cNvPr id="80" name="pl80"/>
-            <p:cNvSpPr/>
-            <p:nvPr/>
-          </p:nvSpPr>
-          <p:spPr>
-            <a:xfrm>
-              <a:off x="6250541" y="2948872"/>
-              <a:ext cx="1308481" cy="0"/>
-            </a:xfrm>
-            <a:custGeom>
-              <a:avLst/>
-              <a:pathLst>
-                <a:path w="1308481" h="0">
-                  <a:moveTo>
-                    <a:pt x="0" y="0"/>
-                  </a:moveTo>
-                  <a:lnTo>
-                    <a:pt x="1308481" y="0"/>
-                  </a:lnTo>
-                  <a:lnTo>
-                    <a:pt x="1308481" y="0"/>
-                  </a:lnTo>
-                </a:path>
-              </a:pathLst>
-            </a:custGeom>
-            <a:ln w="6775" cap="flat">
-              <a:solidFill>
-                <a:srgbClr val="EBEBEB">
-                  <a:alpha val="100000"/>
-                </a:srgbClr>
-              </a:solidFill>
-              <a:prstDash val="solid"/>
-              <a:round/>
-            </a:ln>
-          </p:spPr>
-          <p:txBody>
-            <a:bodyPr/>
-            <a:lstStyle/>
-            <a:p/>
-          </p:txBody>
-        </p:sp>
-        <p:sp>
-          <p:nvSpPr>
-            <p:cNvPr id="81" name="pl81"/>
-            <p:cNvSpPr/>
-            <p:nvPr/>
-          </p:nvSpPr>
-          <p:spPr>
-            <a:xfrm>
-              <a:off x="6250541" y="2165574"/>
-              <a:ext cx="1308481" cy="0"/>
-            </a:xfrm>
-            <a:custGeom>
-              <a:avLst/>
-              <a:pathLst>
-                <a:path w="1308481" h="0">
-                  <a:moveTo>
-                    <a:pt x="0" y="0"/>
-                  </a:moveTo>
-                  <a:lnTo>
-                    <a:pt x="1308481" y="0"/>
-                  </a:lnTo>
-                  <a:lnTo>
-                    <a:pt x="1308481" y="0"/>
-                  </a:lnTo>
-                </a:path>
-              </a:pathLst>
-            </a:custGeom>
-            <a:ln w="6775" cap="flat">
-              <a:solidFill>
-                <a:srgbClr val="EBEBEB">
-                  <a:alpha val="100000"/>
-                </a:srgbClr>
-              </a:solidFill>
-              <a:prstDash val="solid"/>
-              <a:round/>
-            </a:ln>
-          </p:spPr>
-          <p:txBody>
-            <a:bodyPr/>
-            <a:lstStyle/>
-            <a:p/>
-          </p:txBody>
-        </p:sp>
-        <p:sp>
-          <p:nvSpPr>
-            <p:cNvPr id="82" name="pl82"/>
-            <p:cNvSpPr/>
-            <p:nvPr/>
-          </p:nvSpPr>
-          <p:spPr>
-            <a:xfrm>
-              <a:off x="6250541" y="4907120"/>
-              <a:ext cx="1308481" cy="0"/>
-            </a:xfrm>
-            <a:custGeom>
-              <a:avLst/>
-              <a:pathLst>
-                <a:path w="1308481" h="0">
-                  <a:moveTo>
-                    <a:pt x="0" y="0"/>
-                  </a:moveTo>
-                  <a:lnTo>
-                    <a:pt x="1308481" y="0"/>
-                  </a:lnTo>
-                  <a:lnTo>
-                    <a:pt x="1308481" y="0"/>
-                  </a:lnTo>
-                </a:path>
-              </a:pathLst>
-            </a:custGeom>
-            <a:ln w="13550" cap="flat">
-              <a:solidFill>
-                <a:srgbClr val="EBEBEB">
-                  <a:alpha val="100000"/>
-                </a:srgbClr>
-              </a:solidFill>
-              <a:prstDash val="solid"/>
-              <a:round/>
-            </a:ln>
-          </p:spPr>
-          <p:txBody>
-            <a:bodyPr/>
-            <a:lstStyle/>
-            <a:p/>
-          </p:txBody>
-        </p:sp>
-        <p:sp>
-          <p:nvSpPr>
-            <p:cNvPr id="83" name="pl83"/>
-            <p:cNvSpPr/>
-            <p:nvPr/>
-          </p:nvSpPr>
-          <p:spPr>
-            <a:xfrm>
-              <a:off x="6250541" y="4123821"/>
-              <a:ext cx="1308481" cy="0"/>
-            </a:xfrm>
-            <a:custGeom>
-              <a:avLst/>
-              <a:pathLst>
-                <a:path w="1308481" h="0">
-                  <a:moveTo>
-                    <a:pt x="0" y="0"/>
-                  </a:moveTo>
-                  <a:lnTo>
-                    <a:pt x="1308481" y="0"/>
-                  </a:lnTo>
-                  <a:lnTo>
-                    <a:pt x="1308481" y="0"/>
-                  </a:lnTo>
-                </a:path>
-              </a:pathLst>
-            </a:custGeom>
-            <a:ln w="13550" cap="flat">
-              <a:solidFill>
-                <a:srgbClr val="EBEBEB">
-                  <a:alpha val="100000"/>
-                </a:srgbClr>
-              </a:solidFill>
-              <a:prstDash val="solid"/>
-              <a:round/>
-            </a:ln>
-          </p:spPr>
-          <p:txBody>
-            <a:bodyPr/>
-            <a:lstStyle/>
-            <a:p/>
-          </p:txBody>
-        </p:sp>
-        <p:sp>
-          <p:nvSpPr>
-            <p:cNvPr id="84" name="pl84"/>
-            <p:cNvSpPr/>
-            <p:nvPr/>
-          </p:nvSpPr>
-          <p:spPr>
-            <a:xfrm>
-              <a:off x="6250541" y="3340522"/>
-              <a:ext cx="1308481" cy="0"/>
-            </a:xfrm>
-            <a:custGeom>
-              <a:avLst/>
-              <a:pathLst>
-                <a:path w="1308481" h="0">
-                  <a:moveTo>
-                    <a:pt x="0" y="0"/>
-                  </a:moveTo>
-                  <a:lnTo>
-                    <a:pt x="1308481" y="0"/>
-                  </a:lnTo>
-                  <a:lnTo>
-                    <a:pt x="1308481" y="0"/>
-                  </a:lnTo>
-                </a:path>
-              </a:pathLst>
-            </a:custGeom>
-            <a:ln w="13550" cap="flat">
-              <a:solidFill>
-                <a:srgbClr val="EBEBEB">
-                  <a:alpha val="100000"/>
-                </a:srgbClr>
-              </a:solidFill>
-              <a:prstDash val="solid"/>
-              <a:round/>
-            </a:ln>
-          </p:spPr>
-          <p:txBody>
-            <a:bodyPr/>
-            <a:lstStyle/>
-            <a:p/>
-          </p:txBody>
-        </p:sp>
-        <p:sp>
-          <p:nvSpPr>
-            <p:cNvPr id="85" name="pl85"/>
-            <p:cNvSpPr/>
-            <p:nvPr/>
-          </p:nvSpPr>
-          <p:spPr>
-            <a:xfrm>
-              <a:off x="6250541" y="2557223"/>
-              <a:ext cx="1308481" cy="0"/>
-            </a:xfrm>
-            <a:custGeom>
-              <a:avLst/>
-              <a:pathLst>
-                <a:path w="1308481" h="0">
-                  <a:moveTo>
-                    <a:pt x="0" y="0"/>
-                  </a:moveTo>
-                  <a:lnTo>
-                    <a:pt x="1308481" y="0"/>
-                  </a:lnTo>
-                  <a:lnTo>
-                    <a:pt x="1308481" y="0"/>
-                  </a:lnTo>
-                </a:path>
-              </a:pathLst>
-            </a:custGeom>
-            <a:ln w="13550" cap="flat">
-              <a:solidFill>
-                <a:srgbClr val="EBEBEB">
-                  <a:alpha val="100000"/>
-                </a:srgbClr>
-              </a:solidFill>
-              <a:prstDash val="solid"/>
-              <a:round/>
-            </a:ln>
-          </p:spPr>
-          <p:txBody>
-            <a:bodyPr/>
-            <a:lstStyle/>
-            <a:p/>
-          </p:txBody>
-        </p:sp>
-        <p:sp>
-          <p:nvSpPr>
-            <p:cNvPr id="86" name="pl86"/>
-            <p:cNvSpPr/>
-            <p:nvPr/>
-          </p:nvSpPr>
-          <p:spPr>
-            <a:xfrm>
-              <a:off x="6359581" y="1809173"/>
-              <a:ext cx="0" cy="3245468"/>
-            </a:xfrm>
-            <a:custGeom>
-              <a:avLst/>
-              <a:pathLst>
-                <a:path w="0" h="3245468">
-                  <a:moveTo>
-                    <a:pt x="0" y="3245468"/>
-                  </a:moveTo>
-                  <a:lnTo>
-                    <a:pt x="0" y="0"/>
-                  </a:lnTo>
-                  <a:lnTo>
-                    <a:pt x="0" y="0"/>
-                  </a:lnTo>
-                </a:path>
-              </a:pathLst>
-            </a:custGeom>
-            <a:ln w="13550" cap="flat">
-              <a:solidFill>
-                <a:srgbClr val="EBEBEB">
-                  <a:alpha val="100000"/>
-                </a:srgbClr>
-              </a:solidFill>
-              <a:prstDash val="solid"/>
-              <a:round/>
-            </a:ln>
-          </p:spPr>
-          <p:txBody>
-            <a:bodyPr/>
-            <a:lstStyle/>
-            <a:p/>
-          </p:txBody>
-        </p:sp>
-        <p:sp>
-          <p:nvSpPr>
-            <p:cNvPr id="87" name="pl87"/>
-            <p:cNvSpPr/>
-            <p:nvPr/>
-          </p:nvSpPr>
-          <p:spPr>
-            <a:xfrm>
-              <a:off x="6541314" y="1809173"/>
-              <a:ext cx="0" cy="3245468"/>
-            </a:xfrm>
-            <a:custGeom>
-              <a:avLst/>
-              <a:pathLst>
-                <a:path w="0" h="3245468">
-                  <a:moveTo>
-                    <a:pt x="0" y="3245468"/>
-                  </a:moveTo>
-                  <a:lnTo>
-                    <a:pt x="0" y="0"/>
-                  </a:lnTo>
-                  <a:lnTo>
-                    <a:pt x="0" y="0"/>
-                  </a:lnTo>
-                </a:path>
-              </a:pathLst>
-            </a:custGeom>
-            <a:ln w="13550" cap="flat">
-              <a:solidFill>
-                <a:srgbClr val="EBEBEB">
-                  <a:alpha val="100000"/>
-                </a:srgbClr>
-              </a:solidFill>
-              <a:prstDash val="solid"/>
-              <a:round/>
-            </a:ln>
-          </p:spPr>
-          <p:txBody>
-            <a:bodyPr/>
-            <a:lstStyle/>
-            <a:p/>
-          </p:txBody>
-        </p:sp>
-        <p:sp>
-          <p:nvSpPr>
-            <p:cNvPr id="88" name="pl88"/>
-            <p:cNvSpPr/>
-            <p:nvPr/>
-          </p:nvSpPr>
-          <p:spPr>
-            <a:xfrm>
-              <a:off x="6723048" y="1809173"/>
-              <a:ext cx="0" cy="3245468"/>
-            </a:xfrm>
-            <a:custGeom>
-              <a:avLst/>
-              <a:pathLst>
-                <a:path w="0" h="3245468">
-                  <a:moveTo>
-                    <a:pt x="0" y="3245468"/>
-                  </a:moveTo>
-                  <a:lnTo>
-                    <a:pt x="0" y="0"/>
-                  </a:lnTo>
-                  <a:lnTo>
-                    <a:pt x="0" y="0"/>
-                  </a:lnTo>
-                </a:path>
-              </a:pathLst>
-            </a:custGeom>
-            <a:ln w="13550" cap="flat">
-              <a:solidFill>
-                <a:srgbClr val="EBEBEB">
-                  <a:alpha val="100000"/>
-                </a:srgbClr>
-              </a:solidFill>
-              <a:prstDash val="solid"/>
-              <a:round/>
-            </a:ln>
-          </p:spPr>
-          <p:txBody>
-            <a:bodyPr/>
-            <a:lstStyle/>
-            <a:p/>
-          </p:txBody>
-        </p:sp>
-        <p:sp>
-          <p:nvSpPr>
-            <p:cNvPr id="89" name="pl89"/>
-            <p:cNvSpPr/>
-            <p:nvPr/>
-          </p:nvSpPr>
-          <p:spPr>
-            <a:xfrm>
-              <a:off x="6904781" y="1809173"/>
-              <a:ext cx="0" cy="3245468"/>
-            </a:xfrm>
-            <a:custGeom>
-              <a:avLst/>
-              <a:pathLst>
-                <a:path w="0" h="3245468">
-                  <a:moveTo>
-                    <a:pt x="0" y="3245468"/>
-                  </a:moveTo>
-                  <a:lnTo>
-                    <a:pt x="0" y="0"/>
-                  </a:lnTo>
-                  <a:lnTo>
-                    <a:pt x="0" y="0"/>
-                  </a:lnTo>
-                </a:path>
-              </a:pathLst>
-            </a:custGeom>
-            <a:ln w="13550" cap="flat">
-              <a:solidFill>
-                <a:srgbClr val="EBEBEB">
-                  <a:alpha val="100000"/>
-                </a:srgbClr>
-              </a:solidFill>
-              <a:prstDash val="solid"/>
-              <a:round/>
-            </a:ln>
-          </p:spPr>
-          <p:txBody>
-            <a:bodyPr/>
-            <a:lstStyle/>
-            <a:p/>
-          </p:txBody>
-        </p:sp>
-        <p:sp>
-          <p:nvSpPr>
-            <p:cNvPr id="90" name="pl90"/>
-            <p:cNvSpPr/>
-            <p:nvPr/>
-          </p:nvSpPr>
-          <p:spPr>
-            <a:xfrm>
-              <a:off x="7086515" y="1809173"/>
-              <a:ext cx="0" cy="3245468"/>
-            </a:xfrm>
-            <a:custGeom>
-              <a:avLst/>
-              <a:pathLst>
-                <a:path w="0" h="3245468">
-                  <a:moveTo>
-                    <a:pt x="0" y="3245468"/>
-                  </a:moveTo>
-                  <a:lnTo>
-                    <a:pt x="0" y="0"/>
-                  </a:lnTo>
-                  <a:lnTo>
-                    <a:pt x="0" y="0"/>
-                  </a:lnTo>
-                </a:path>
-              </a:pathLst>
-            </a:custGeom>
-            <a:ln w="13550" cap="flat">
-              <a:solidFill>
-                <a:srgbClr val="EBEBEB">
-                  <a:alpha val="100000"/>
-                </a:srgbClr>
-              </a:solidFill>
-              <a:prstDash val="solid"/>
-              <a:round/>
-            </a:ln>
-          </p:spPr>
-          <p:txBody>
-            <a:bodyPr/>
-            <a:lstStyle/>
-            <a:p/>
-          </p:txBody>
-        </p:sp>
-        <p:sp>
-          <p:nvSpPr>
-            <p:cNvPr id="91" name="pl91"/>
-            <p:cNvSpPr/>
-            <p:nvPr/>
-          </p:nvSpPr>
-          <p:spPr>
-            <a:xfrm>
-              <a:off x="7268248" y="1809173"/>
-              <a:ext cx="0" cy="3245468"/>
-            </a:xfrm>
-            <a:custGeom>
-              <a:avLst/>
-              <a:pathLst>
-                <a:path w="0" h="3245468">
-                  <a:moveTo>
-                    <a:pt x="0" y="3245468"/>
-                  </a:moveTo>
-                  <a:lnTo>
-                    <a:pt x="0" y="0"/>
-                  </a:lnTo>
-                  <a:lnTo>
-                    <a:pt x="0" y="0"/>
-                  </a:lnTo>
-                </a:path>
-              </a:pathLst>
-            </a:custGeom>
-            <a:ln w="13550" cap="flat">
-              <a:solidFill>
-                <a:srgbClr val="EBEBEB">
-                  <a:alpha val="100000"/>
-                </a:srgbClr>
-              </a:solidFill>
-              <a:prstDash val="solid"/>
-              <a:round/>
-            </a:ln>
-          </p:spPr>
-          <p:txBody>
-            <a:bodyPr/>
-            <a:lstStyle/>
-            <a:p/>
-          </p:txBody>
-        </p:sp>
-        <p:sp>
-          <p:nvSpPr>
-            <p:cNvPr id="92" name="pl92"/>
-            <p:cNvSpPr/>
-            <p:nvPr/>
-          </p:nvSpPr>
-          <p:spPr>
-            <a:xfrm>
-              <a:off x="7449982" y="1809173"/>
-              <a:ext cx="0" cy="3245468"/>
-            </a:xfrm>
-            <a:custGeom>
-              <a:avLst/>
-              <a:pathLst>
-                <a:path w="0" h="3245468">
-                  <a:moveTo>
-                    <a:pt x="0" y="3245468"/>
-                  </a:moveTo>
-                  <a:lnTo>
-                    <a:pt x="0" y="0"/>
-                  </a:lnTo>
-                  <a:lnTo>
-                    <a:pt x="0" y="0"/>
-                  </a:lnTo>
-                </a:path>
-              </a:pathLst>
-            </a:custGeom>
-            <a:ln w="13550" cap="flat">
-              <a:solidFill>
-                <a:srgbClr val="EBEBEB">
-                  <a:alpha val="100000"/>
-                </a:srgbClr>
-              </a:solidFill>
-              <a:prstDash val="solid"/>
-              <a:round/>
-            </a:ln>
-          </p:spPr>
-          <p:txBody>
-            <a:bodyPr/>
-            <a:lstStyle/>
-            <a:p/>
-          </p:txBody>
-        </p:sp>
-        <p:sp>
-          <p:nvSpPr>
-            <p:cNvPr id="93" name="rc93"/>
-            <p:cNvSpPr/>
-            <p:nvPr/>
-          </p:nvSpPr>
-          <p:spPr>
-            <a:xfrm>
-              <a:off x="6277801" y="4698240"/>
-              <a:ext cx="163560" cy="208879"/>
-            </a:xfrm>
-            <a:prstGeom prst="rect">
-              <a:avLst/>
-            </a:prstGeom>
-            <a:solidFill>
-              <a:srgbClr val="FEE5D9">
-                <a:alpha val="100000"/>
-              </a:srgbClr>
-            </a:solidFill>
-          </p:spPr>
-          <p:txBody>
-            <a:bodyPr/>
-            <a:lstStyle/>
-            <a:p/>
-          </p:txBody>
-        </p:sp>
-        <p:sp>
-          <p:nvSpPr>
-            <p:cNvPr id="94" name="rc94"/>
-            <p:cNvSpPr/>
-            <p:nvPr/>
-          </p:nvSpPr>
-          <p:spPr>
-            <a:xfrm>
-              <a:off x="6459534" y="4802680"/>
-              <a:ext cx="163560" cy="104439"/>
-            </a:xfrm>
-            <a:prstGeom prst="rect">
-              <a:avLst/>
-            </a:prstGeom>
-            <a:solidFill>
-              <a:srgbClr val="FCBBA1">
-                <a:alpha val="100000"/>
-              </a:srgbClr>
-            </a:solidFill>
-          </p:spPr>
-          <p:txBody>
-            <a:bodyPr/>
-            <a:lstStyle/>
-            <a:p/>
-          </p:txBody>
-        </p:sp>
-        <p:sp>
-          <p:nvSpPr>
-            <p:cNvPr id="95" name="rc95"/>
-            <p:cNvSpPr/>
-            <p:nvPr/>
-          </p:nvSpPr>
-          <p:spPr>
-            <a:xfrm>
-              <a:off x="6641268" y="4619910"/>
-              <a:ext cx="163560" cy="287209"/>
-            </a:xfrm>
-            <a:prstGeom prst="rect">
-              <a:avLst/>
-            </a:prstGeom>
-            <a:solidFill>
-              <a:srgbClr val="FC9272">
-                <a:alpha val="100000"/>
-              </a:srgbClr>
-            </a:solidFill>
-          </p:spPr>
-          <p:txBody>
-            <a:bodyPr/>
-            <a:lstStyle/>
-            <a:p/>
-          </p:txBody>
-        </p:sp>
-        <p:sp>
-          <p:nvSpPr>
-            <p:cNvPr id="96" name="rc96"/>
-            <p:cNvSpPr/>
-            <p:nvPr/>
-          </p:nvSpPr>
-          <p:spPr>
-            <a:xfrm>
-              <a:off x="6823001" y="4384920"/>
-              <a:ext cx="163560" cy="522199"/>
-            </a:xfrm>
-            <a:prstGeom prst="rect">
-              <a:avLst/>
-            </a:prstGeom>
-            <a:solidFill>
-              <a:srgbClr val="FB6A4A">
-                <a:alpha val="100000"/>
-              </a:srgbClr>
-            </a:solidFill>
-          </p:spPr>
-          <p:txBody>
-            <a:bodyPr/>
-            <a:lstStyle/>
-            <a:p/>
-          </p:txBody>
-        </p:sp>
-        <p:sp>
-          <p:nvSpPr>
-            <p:cNvPr id="97" name="rc97"/>
-            <p:cNvSpPr/>
-            <p:nvPr/>
-          </p:nvSpPr>
-          <p:spPr>
-            <a:xfrm>
-              <a:off x="7004735" y="4646020"/>
-              <a:ext cx="163560" cy="261099"/>
-            </a:xfrm>
-            <a:prstGeom prst="rect">
-              <a:avLst/>
-            </a:prstGeom>
-            <a:solidFill>
-              <a:srgbClr val="EF3B2C">
-                <a:alpha val="100000"/>
-              </a:srgbClr>
-            </a:solidFill>
-          </p:spPr>
-          <p:txBody>
-            <a:bodyPr/>
-            <a:lstStyle/>
-            <a:p/>
-          </p:txBody>
-        </p:sp>
-        <p:sp>
-          <p:nvSpPr>
-            <p:cNvPr id="98" name="rc98"/>
-            <p:cNvSpPr/>
-            <p:nvPr/>
-          </p:nvSpPr>
-          <p:spPr>
-            <a:xfrm>
-              <a:off x="7186468" y="4567690"/>
-              <a:ext cx="163560" cy="339429"/>
-            </a:xfrm>
-            <a:prstGeom prst="rect">
-              <a:avLst/>
-            </a:prstGeom>
-            <a:solidFill>
-              <a:srgbClr val="CB181D">
-                <a:alpha val="100000"/>
-              </a:srgbClr>
-            </a:solidFill>
-          </p:spPr>
-          <p:txBody>
-            <a:bodyPr/>
-            <a:lstStyle/>
-            <a:p/>
-          </p:txBody>
-        </p:sp>
-        <p:sp>
-          <p:nvSpPr>
-            <p:cNvPr id="99" name="rc99"/>
-            <p:cNvSpPr/>
-            <p:nvPr/>
-          </p:nvSpPr>
-          <p:spPr>
-            <a:xfrm>
-              <a:off x="7368202" y="4802680"/>
-              <a:ext cx="163560" cy="104439"/>
-            </a:xfrm>
-            <a:prstGeom prst="rect">
-              <a:avLst/>
-            </a:prstGeom>
-            <a:solidFill>
-              <a:srgbClr val="99000D">
-                <a:alpha val="100000"/>
-              </a:srgbClr>
-            </a:solidFill>
-          </p:spPr>
-          <p:txBody>
-            <a:bodyPr/>
-            <a:lstStyle/>
-            <a:p/>
-          </p:txBody>
-        </p:sp>
-        <p:sp>
-          <p:nvSpPr>
-            <p:cNvPr id="100" name="rc100"/>
-            <p:cNvSpPr/>
-            <p:nvPr/>
-          </p:nvSpPr>
-          <p:spPr>
-            <a:xfrm>
-              <a:off x="6250541" y="1809173"/>
-              <a:ext cx="1308481" cy="3245468"/>
-            </a:xfrm>
-            <a:prstGeom prst="rect">
-              <a:avLst/>
-            </a:prstGeom>
-            <a:ln w="13550" cap="rnd">
-              <a:solidFill>
-                <a:srgbClr val="333333">
-                  <a:alpha val="100000"/>
-                </a:srgbClr>
-              </a:solidFill>
-              <a:prstDash val="solid"/>
-              <a:round/>
-            </a:ln>
-          </p:spPr>
-          <p:txBody>
-            <a:bodyPr/>
-            <a:lstStyle/>
-            <a:p/>
-          </p:txBody>
-        </p:sp>
-        <p:sp>
-          <p:nvSpPr>
-            <p:cNvPr id="101" name="rc101"/>
-            <p:cNvSpPr/>
-            <p:nvPr/>
-          </p:nvSpPr>
-          <p:spPr>
-            <a:xfrm>
-              <a:off x="7628611" y="1809173"/>
-              <a:ext cx="1308481" cy="3245468"/>
-            </a:xfrm>
-            <a:prstGeom prst="rect">
-              <a:avLst/>
-            </a:prstGeom>
-            <a:solidFill>
-              <a:srgbClr val="FFFFFF">
-                <a:alpha val="100000"/>
-              </a:srgbClr>
-            </a:solidFill>
-          </p:spPr>
-          <p:txBody>
-            <a:bodyPr/>
-            <a:lstStyle/>
-            <a:p/>
-          </p:txBody>
-        </p:sp>
-        <p:sp>
-          <p:nvSpPr>
-            <p:cNvPr id="102" name="pl102"/>
-            <p:cNvSpPr/>
-            <p:nvPr/>
-          </p:nvSpPr>
-          <p:spPr>
-            <a:xfrm>
-              <a:off x="7628611" y="4515470"/>
-              <a:ext cx="1308481" cy="0"/>
-            </a:xfrm>
-            <a:custGeom>
-              <a:avLst/>
-              <a:pathLst>
-                <a:path w="1308481" h="0">
-                  <a:moveTo>
-                    <a:pt x="0" y="0"/>
-                  </a:moveTo>
-                  <a:lnTo>
-                    <a:pt x="1308481" y="0"/>
-                  </a:lnTo>
-                  <a:lnTo>
-                    <a:pt x="1308481" y="0"/>
-                  </a:lnTo>
-                </a:path>
-              </a:pathLst>
-            </a:custGeom>
-            <a:ln w="6775" cap="flat">
-              <a:solidFill>
-                <a:srgbClr val="EBEBEB">
-                  <a:alpha val="100000"/>
-                </a:srgbClr>
-              </a:solidFill>
-              <a:prstDash val="solid"/>
-              <a:round/>
-            </a:ln>
-          </p:spPr>
-          <p:txBody>
-            <a:bodyPr/>
-            <a:lstStyle/>
-            <a:p/>
-          </p:txBody>
-        </p:sp>
-        <p:sp>
-          <p:nvSpPr>
-            <p:cNvPr id="103" name="pl103"/>
-            <p:cNvSpPr/>
-            <p:nvPr/>
-          </p:nvSpPr>
-          <p:spPr>
-            <a:xfrm>
-              <a:off x="7628611" y="3732171"/>
-              <a:ext cx="1308481" cy="0"/>
-            </a:xfrm>
-            <a:custGeom>
-              <a:avLst/>
-              <a:pathLst>
-                <a:path w="1308481" h="0">
-                  <a:moveTo>
-                    <a:pt x="0" y="0"/>
-                  </a:moveTo>
-                  <a:lnTo>
-                    <a:pt x="1308481" y="0"/>
-                  </a:lnTo>
-                  <a:lnTo>
-                    <a:pt x="1308481" y="0"/>
-                  </a:lnTo>
-                </a:path>
-              </a:pathLst>
-            </a:custGeom>
-            <a:ln w="6775" cap="flat">
-              <a:solidFill>
-                <a:srgbClr val="EBEBEB">
-                  <a:alpha val="100000"/>
-                </a:srgbClr>
-              </a:solidFill>
-              <a:prstDash val="solid"/>
-              <a:round/>
-            </a:ln>
-          </p:spPr>
-          <p:txBody>
-            <a:bodyPr/>
-            <a:lstStyle/>
-            <a:p/>
-          </p:txBody>
-        </p:sp>
-        <p:sp>
-          <p:nvSpPr>
-            <p:cNvPr id="104" name="pl104"/>
-            <p:cNvSpPr/>
-            <p:nvPr/>
-          </p:nvSpPr>
-          <p:spPr>
-            <a:xfrm>
-              <a:off x="7628611" y="2948872"/>
-              <a:ext cx="1308481" cy="0"/>
-            </a:xfrm>
-            <a:custGeom>
-              <a:avLst/>
-              <a:pathLst>
-                <a:path w="1308481" h="0">
-                  <a:moveTo>
-                    <a:pt x="0" y="0"/>
-                  </a:moveTo>
-                  <a:lnTo>
-                    <a:pt x="1308481" y="0"/>
-                  </a:lnTo>
-                  <a:lnTo>
-                    <a:pt x="1308481" y="0"/>
-                  </a:lnTo>
-                </a:path>
-              </a:pathLst>
-            </a:custGeom>
-            <a:ln w="6775" cap="flat">
-              <a:solidFill>
-                <a:srgbClr val="EBEBEB">
-                  <a:alpha val="100000"/>
-                </a:srgbClr>
-              </a:solidFill>
-              <a:prstDash val="solid"/>
-              <a:round/>
-            </a:ln>
-          </p:spPr>
-          <p:txBody>
-            <a:bodyPr/>
-            <a:lstStyle/>
-            <a:p/>
-          </p:txBody>
-        </p:sp>
-        <p:sp>
-          <p:nvSpPr>
-            <p:cNvPr id="105" name="pl105"/>
-            <p:cNvSpPr/>
-            <p:nvPr/>
-          </p:nvSpPr>
-          <p:spPr>
-            <a:xfrm>
-              <a:off x="7628611" y="2165574"/>
-              <a:ext cx="1308481" cy="0"/>
-            </a:xfrm>
-            <a:custGeom>
-              <a:avLst/>
-              <a:pathLst>
-                <a:path w="1308481" h="0">
-                  <a:moveTo>
-                    <a:pt x="0" y="0"/>
-                  </a:moveTo>
-                  <a:lnTo>
-                    <a:pt x="1308481" y="0"/>
-                  </a:lnTo>
-                  <a:lnTo>
-                    <a:pt x="1308481" y="0"/>
-                  </a:lnTo>
-                </a:path>
-              </a:pathLst>
-            </a:custGeom>
-            <a:ln w="6775" cap="flat">
-              <a:solidFill>
-                <a:srgbClr val="EBEBEB">
-                  <a:alpha val="100000"/>
-                </a:srgbClr>
-              </a:solidFill>
-              <a:prstDash val="solid"/>
-              <a:round/>
-            </a:ln>
-          </p:spPr>
-          <p:txBody>
-            <a:bodyPr/>
-            <a:lstStyle/>
-            <a:p/>
-          </p:txBody>
-        </p:sp>
-        <p:sp>
-          <p:nvSpPr>
-            <p:cNvPr id="106" name="pl106"/>
-            <p:cNvSpPr/>
-            <p:nvPr/>
-          </p:nvSpPr>
-          <p:spPr>
-            <a:xfrm>
-              <a:off x="7628611" y="4907120"/>
-              <a:ext cx="1308481" cy="0"/>
-            </a:xfrm>
-            <a:custGeom>
-              <a:avLst/>
-              <a:pathLst>
-                <a:path w="1308481" h="0">
-                  <a:moveTo>
-                    <a:pt x="0" y="0"/>
-                  </a:moveTo>
-                  <a:lnTo>
-                    <a:pt x="1308481" y="0"/>
-                  </a:lnTo>
-                  <a:lnTo>
-                    <a:pt x="1308481" y="0"/>
-                  </a:lnTo>
-                </a:path>
-              </a:pathLst>
-            </a:custGeom>
-            <a:ln w="13550" cap="flat">
-              <a:solidFill>
-                <a:srgbClr val="EBEBEB">
-                  <a:alpha val="100000"/>
-                </a:srgbClr>
-              </a:solidFill>
-              <a:prstDash val="solid"/>
-              <a:round/>
-            </a:ln>
-          </p:spPr>
-          <p:txBody>
-            <a:bodyPr/>
-            <a:lstStyle/>
-            <a:p/>
-          </p:txBody>
-        </p:sp>
-        <p:sp>
-          <p:nvSpPr>
-            <p:cNvPr id="107" name="pl107"/>
-            <p:cNvSpPr/>
-            <p:nvPr/>
-          </p:nvSpPr>
-          <p:spPr>
-            <a:xfrm>
-              <a:off x="7628611" y="4123821"/>
-              <a:ext cx="1308481" cy="0"/>
-            </a:xfrm>
-            <a:custGeom>
-              <a:avLst/>
-              <a:pathLst>
-                <a:path w="1308481" h="0">
-                  <a:moveTo>
-                    <a:pt x="0" y="0"/>
-                  </a:moveTo>
-                  <a:lnTo>
-                    <a:pt x="1308481" y="0"/>
-                  </a:lnTo>
-                  <a:lnTo>
-                    <a:pt x="1308481" y="0"/>
-                  </a:lnTo>
-                </a:path>
-              </a:pathLst>
-            </a:custGeom>
-            <a:ln w="13550" cap="flat">
-              <a:solidFill>
-                <a:srgbClr val="EBEBEB">
-                  <a:alpha val="100000"/>
-                </a:srgbClr>
-              </a:solidFill>
-              <a:prstDash val="solid"/>
-              <a:round/>
-            </a:ln>
-          </p:spPr>
-          <p:txBody>
-            <a:bodyPr/>
-            <a:lstStyle/>
-            <a:p/>
-          </p:txBody>
-        </p:sp>
-        <p:sp>
-          <p:nvSpPr>
-            <p:cNvPr id="108" name="pl108"/>
-            <p:cNvSpPr/>
-            <p:nvPr/>
-          </p:nvSpPr>
-          <p:spPr>
-            <a:xfrm>
-              <a:off x="7628611" y="3340522"/>
-              <a:ext cx="1308481" cy="0"/>
-            </a:xfrm>
-            <a:custGeom>
-              <a:avLst/>
-              <a:pathLst>
-                <a:path w="1308481" h="0">
-                  <a:moveTo>
-                    <a:pt x="0" y="0"/>
-                  </a:moveTo>
-                  <a:lnTo>
-                    <a:pt x="1308481" y="0"/>
-                  </a:lnTo>
-                  <a:lnTo>
-                    <a:pt x="1308481" y="0"/>
-                  </a:lnTo>
-                </a:path>
-              </a:pathLst>
-            </a:custGeom>
-            <a:ln w="13550" cap="flat">
-              <a:solidFill>
-                <a:srgbClr val="EBEBEB">
-                  <a:alpha val="100000"/>
-                </a:srgbClr>
-              </a:solidFill>
-              <a:prstDash val="solid"/>
-              <a:round/>
-            </a:ln>
-          </p:spPr>
-          <p:txBody>
-            <a:bodyPr/>
-            <a:lstStyle/>
-            <a:p/>
-          </p:txBody>
-        </p:sp>
-        <p:sp>
-          <p:nvSpPr>
-            <p:cNvPr id="109" name="pl109"/>
-            <p:cNvSpPr/>
-            <p:nvPr/>
-          </p:nvSpPr>
-          <p:spPr>
-            <a:xfrm>
-              <a:off x="7628611" y="2557223"/>
-              <a:ext cx="1308481" cy="0"/>
-            </a:xfrm>
-            <a:custGeom>
-              <a:avLst/>
-              <a:pathLst>
-                <a:path w="1308481" h="0">
-                  <a:moveTo>
-                    <a:pt x="0" y="0"/>
-                  </a:moveTo>
-                  <a:lnTo>
-                    <a:pt x="1308481" y="0"/>
-                  </a:lnTo>
-                  <a:lnTo>
-                    <a:pt x="1308481" y="0"/>
-                  </a:lnTo>
-                </a:path>
-              </a:pathLst>
-            </a:custGeom>
-            <a:ln w="13550" cap="flat">
-              <a:solidFill>
-                <a:srgbClr val="EBEBEB">
-                  <a:alpha val="100000"/>
-                </a:srgbClr>
-              </a:solidFill>
-              <a:prstDash val="solid"/>
-              <a:round/>
-            </a:ln>
-          </p:spPr>
-          <p:txBody>
-            <a:bodyPr/>
-            <a:lstStyle/>
-            <a:p/>
-          </p:txBody>
-        </p:sp>
-        <p:sp>
-          <p:nvSpPr>
-            <p:cNvPr id="110" name="pl110"/>
-            <p:cNvSpPr/>
-            <p:nvPr/>
-          </p:nvSpPr>
-          <p:spPr>
-            <a:xfrm>
-              <a:off x="7737651" y="1809173"/>
-              <a:ext cx="0" cy="3245468"/>
-            </a:xfrm>
-            <a:custGeom>
-              <a:avLst/>
-              <a:pathLst>
-                <a:path w="0" h="3245468">
-                  <a:moveTo>
-                    <a:pt x="0" y="3245468"/>
-                  </a:moveTo>
-                  <a:lnTo>
-                    <a:pt x="0" y="0"/>
-                  </a:lnTo>
-                  <a:lnTo>
-                    <a:pt x="0" y="0"/>
-                  </a:lnTo>
-                </a:path>
-              </a:pathLst>
-            </a:custGeom>
-            <a:ln w="13550" cap="flat">
-              <a:solidFill>
-                <a:srgbClr val="EBEBEB">
-                  <a:alpha val="100000"/>
-                </a:srgbClr>
-              </a:solidFill>
-              <a:prstDash val="solid"/>
-              <a:round/>
-            </a:ln>
-          </p:spPr>
-          <p:txBody>
-            <a:bodyPr/>
-            <a:lstStyle/>
-            <a:p/>
-          </p:txBody>
-        </p:sp>
-        <p:sp>
-          <p:nvSpPr>
-            <p:cNvPr id="111" name="pl111"/>
-            <p:cNvSpPr/>
-            <p:nvPr/>
-          </p:nvSpPr>
-          <p:spPr>
-            <a:xfrm>
-              <a:off x="7919384" y="1809173"/>
-              <a:ext cx="0" cy="3245468"/>
-            </a:xfrm>
-            <a:custGeom>
-              <a:avLst/>
-              <a:pathLst>
-                <a:path w="0" h="3245468">
-                  <a:moveTo>
-                    <a:pt x="0" y="3245468"/>
-                  </a:moveTo>
-                  <a:lnTo>
-                    <a:pt x="0" y="0"/>
-                  </a:lnTo>
-                  <a:lnTo>
-                    <a:pt x="0" y="0"/>
-                  </a:lnTo>
-                </a:path>
-              </a:pathLst>
-            </a:custGeom>
-            <a:ln w="13550" cap="flat">
-              <a:solidFill>
-                <a:srgbClr val="EBEBEB">
-                  <a:alpha val="100000"/>
-                </a:srgbClr>
-              </a:solidFill>
-              <a:prstDash val="solid"/>
-              <a:round/>
-            </a:ln>
-          </p:spPr>
-          <p:txBody>
-            <a:bodyPr/>
-            <a:lstStyle/>
-            <a:p/>
-          </p:txBody>
-        </p:sp>
-        <p:sp>
-          <p:nvSpPr>
-            <p:cNvPr id="112" name="pl112"/>
-            <p:cNvSpPr/>
-            <p:nvPr/>
-          </p:nvSpPr>
-          <p:spPr>
-            <a:xfrm>
-              <a:off x="8101118" y="1809173"/>
-              <a:ext cx="0" cy="3245468"/>
-            </a:xfrm>
-            <a:custGeom>
-              <a:avLst/>
-              <a:pathLst>
-                <a:path w="0" h="3245468">
-                  <a:moveTo>
-                    <a:pt x="0" y="3245468"/>
-                  </a:moveTo>
-                  <a:lnTo>
-                    <a:pt x="0" y="0"/>
-                  </a:lnTo>
-                  <a:lnTo>
-                    <a:pt x="0" y="0"/>
-                  </a:lnTo>
-                </a:path>
-              </a:pathLst>
-            </a:custGeom>
-            <a:ln w="13550" cap="flat">
-              <a:solidFill>
-                <a:srgbClr val="EBEBEB">
-                  <a:alpha val="100000"/>
-                </a:srgbClr>
-              </a:solidFill>
-              <a:prstDash val="solid"/>
-              <a:round/>
-            </a:ln>
-          </p:spPr>
-          <p:txBody>
-            <a:bodyPr/>
-            <a:lstStyle/>
-            <a:p/>
-          </p:txBody>
-        </p:sp>
-        <p:sp>
-          <p:nvSpPr>
-            <p:cNvPr id="113" name="pl113"/>
-            <p:cNvSpPr/>
-            <p:nvPr/>
-          </p:nvSpPr>
-          <p:spPr>
-            <a:xfrm>
-              <a:off x="8282851" y="1809173"/>
-              <a:ext cx="0" cy="3245468"/>
-            </a:xfrm>
-            <a:custGeom>
-              <a:avLst/>
-              <a:pathLst>
-                <a:path w="0" h="3245468">
-                  <a:moveTo>
-                    <a:pt x="0" y="3245468"/>
-                  </a:moveTo>
-                  <a:lnTo>
-                    <a:pt x="0" y="0"/>
-                  </a:lnTo>
-                  <a:lnTo>
-                    <a:pt x="0" y="0"/>
-                  </a:lnTo>
-                </a:path>
-              </a:pathLst>
-            </a:custGeom>
-            <a:ln w="13550" cap="flat">
-              <a:solidFill>
-                <a:srgbClr val="EBEBEB">
-                  <a:alpha val="100000"/>
-                </a:srgbClr>
-              </a:solidFill>
-              <a:prstDash val="solid"/>
-              <a:round/>
-            </a:ln>
-          </p:spPr>
-          <p:txBody>
-            <a:bodyPr/>
-            <a:lstStyle/>
-            <a:p/>
-          </p:txBody>
-        </p:sp>
-        <p:sp>
-          <p:nvSpPr>
-            <p:cNvPr id="114" name="pl114"/>
-            <p:cNvSpPr/>
-            <p:nvPr/>
-          </p:nvSpPr>
-          <p:spPr>
-            <a:xfrm>
-              <a:off x="8464585" y="1809173"/>
-              <a:ext cx="0" cy="3245468"/>
-            </a:xfrm>
-            <a:custGeom>
-              <a:avLst/>
-              <a:pathLst>
-                <a:path w="0" h="3245468">
-                  <a:moveTo>
-                    <a:pt x="0" y="3245468"/>
-                  </a:moveTo>
-                  <a:lnTo>
-                    <a:pt x="0" y="0"/>
-                  </a:lnTo>
-                  <a:lnTo>
-                    <a:pt x="0" y="0"/>
-                  </a:lnTo>
-                </a:path>
-              </a:pathLst>
-            </a:custGeom>
-            <a:ln w="13550" cap="flat">
-              <a:solidFill>
-                <a:srgbClr val="EBEBEB">
-                  <a:alpha val="100000"/>
-                </a:srgbClr>
-              </a:solidFill>
-              <a:prstDash val="solid"/>
-              <a:round/>
-            </a:ln>
-          </p:spPr>
-          <p:txBody>
-            <a:bodyPr/>
-            <a:lstStyle/>
-            <a:p/>
-          </p:txBody>
-        </p:sp>
-        <p:sp>
-          <p:nvSpPr>
-            <p:cNvPr id="115" name="pl115"/>
-            <p:cNvSpPr/>
-            <p:nvPr/>
-          </p:nvSpPr>
-          <p:spPr>
-            <a:xfrm>
-              <a:off x="8646318" y="1809173"/>
-              <a:ext cx="0" cy="3245468"/>
-            </a:xfrm>
-            <a:custGeom>
-              <a:avLst/>
-              <a:pathLst>
-                <a:path w="0" h="3245468">
-                  <a:moveTo>
-                    <a:pt x="0" y="3245468"/>
-                  </a:moveTo>
-                  <a:lnTo>
-                    <a:pt x="0" y="0"/>
-                  </a:lnTo>
-                  <a:lnTo>
-                    <a:pt x="0" y="0"/>
-                  </a:lnTo>
-                </a:path>
-              </a:pathLst>
-            </a:custGeom>
-            <a:ln w="13550" cap="flat">
-              <a:solidFill>
-                <a:srgbClr val="EBEBEB">
-                  <a:alpha val="100000"/>
-                </a:srgbClr>
-              </a:solidFill>
-              <a:prstDash val="solid"/>
-              <a:round/>
-            </a:ln>
-          </p:spPr>
-          <p:txBody>
-            <a:bodyPr/>
-            <a:lstStyle/>
-            <a:p/>
-          </p:txBody>
-        </p:sp>
-        <p:sp>
-          <p:nvSpPr>
-            <p:cNvPr id="116" name="pl116"/>
-            <p:cNvSpPr/>
-            <p:nvPr/>
-          </p:nvSpPr>
-          <p:spPr>
-            <a:xfrm>
-              <a:off x="8828052" y="1809173"/>
-              <a:ext cx="0" cy="3245468"/>
-            </a:xfrm>
-            <a:custGeom>
-              <a:avLst/>
-              <a:pathLst>
-                <a:path w="0" h="3245468">
-                  <a:moveTo>
-                    <a:pt x="0" y="3245468"/>
-                  </a:moveTo>
-                  <a:lnTo>
-                    <a:pt x="0" y="0"/>
-                  </a:lnTo>
-                  <a:lnTo>
-                    <a:pt x="0" y="0"/>
-                  </a:lnTo>
-                </a:path>
-              </a:pathLst>
-            </a:custGeom>
-            <a:ln w="13550" cap="flat">
-              <a:solidFill>
-                <a:srgbClr val="EBEBEB">
-                  <a:alpha val="100000"/>
-                </a:srgbClr>
-              </a:solidFill>
-              <a:prstDash val="solid"/>
-              <a:round/>
-            </a:ln>
-          </p:spPr>
-          <p:txBody>
-            <a:bodyPr/>
-            <a:lstStyle/>
-            <a:p/>
-          </p:txBody>
-        </p:sp>
-        <p:sp>
-          <p:nvSpPr>
-            <p:cNvPr id="117" name="rc117"/>
-            <p:cNvSpPr/>
-            <p:nvPr/>
-          </p:nvSpPr>
-          <p:spPr>
-            <a:xfrm>
-              <a:off x="7655871" y="4567690"/>
-              <a:ext cx="163560" cy="339429"/>
-            </a:xfrm>
-            <a:prstGeom prst="rect">
-              <a:avLst/>
-            </a:prstGeom>
-            <a:solidFill>
-              <a:srgbClr val="FEE5D9">
-                <a:alpha val="100000"/>
-              </a:srgbClr>
-            </a:solidFill>
-          </p:spPr>
-          <p:txBody>
-            <a:bodyPr/>
-            <a:lstStyle/>
-            <a:p/>
-          </p:txBody>
-        </p:sp>
-        <p:sp>
-          <p:nvSpPr>
-            <p:cNvPr id="118" name="rc118"/>
-            <p:cNvSpPr/>
-            <p:nvPr/>
-          </p:nvSpPr>
-          <p:spPr>
-            <a:xfrm>
-              <a:off x="7837604" y="4828790"/>
-              <a:ext cx="163560" cy="78329"/>
-            </a:xfrm>
-            <a:prstGeom prst="rect">
-              <a:avLst/>
-            </a:prstGeom>
-            <a:solidFill>
-              <a:srgbClr val="FCBBA1">
-                <a:alpha val="100000"/>
-              </a:srgbClr>
-            </a:solidFill>
-          </p:spPr>
-          <p:txBody>
-            <a:bodyPr/>
-            <a:lstStyle/>
-            <a:p/>
-          </p:txBody>
-        </p:sp>
-        <p:sp>
-          <p:nvSpPr>
-            <p:cNvPr id="119" name="rc119"/>
-            <p:cNvSpPr/>
-            <p:nvPr/>
-          </p:nvSpPr>
-          <p:spPr>
-            <a:xfrm>
-              <a:off x="8019338" y="4411030"/>
-              <a:ext cx="163560" cy="496089"/>
-            </a:xfrm>
-            <a:prstGeom prst="rect">
-              <a:avLst/>
-            </a:prstGeom>
-            <a:solidFill>
-              <a:srgbClr val="FC9272">
-                <a:alpha val="100000"/>
-              </a:srgbClr>
-            </a:solidFill>
-          </p:spPr>
-          <p:txBody>
-            <a:bodyPr/>
-            <a:lstStyle/>
-            <a:p/>
-          </p:txBody>
-        </p:sp>
-        <p:sp>
-          <p:nvSpPr>
-            <p:cNvPr id="120" name="rc120"/>
-            <p:cNvSpPr/>
-            <p:nvPr/>
-          </p:nvSpPr>
-          <p:spPr>
-            <a:xfrm>
-              <a:off x="8201071" y="4332700"/>
-              <a:ext cx="163560" cy="574419"/>
-            </a:xfrm>
-            <a:prstGeom prst="rect">
-              <a:avLst/>
-            </a:prstGeom>
-            <a:solidFill>
-              <a:srgbClr val="FB6A4A">
-                <a:alpha val="100000"/>
-              </a:srgbClr>
-            </a:solidFill>
-          </p:spPr>
-          <p:txBody>
-            <a:bodyPr/>
-            <a:lstStyle/>
-            <a:p/>
-          </p:txBody>
-        </p:sp>
-        <p:sp>
-          <p:nvSpPr>
-            <p:cNvPr id="121" name="rc121"/>
-            <p:cNvSpPr/>
-            <p:nvPr/>
-          </p:nvSpPr>
-          <p:spPr>
-            <a:xfrm>
-              <a:off x="8382805" y="4593800"/>
-              <a:ext cx="163560" cy="313319"/>
-            </a:xfrm>
-            <a:prstGeom prst="rect">
-              <a:avLst/>
-            </a:prstGeom>
-            <a:solidFill>
-              <a:srgbClr val="EF3B2C">
-                <a:alpha val="100000"/>
-              </a:srgbClr>
-            </a:solidFill>
-          </p:spPr>
-          <p:txBody>
-            <a:bodyPr/>
-            <a:lstStyle/>
-            <a:p/>
-          </p:txBody>
-        </p:sp>
-        <p:sp>
-          <p:nvSpPr>
-            <p:cNvPr id="122" name="rc122"/>
-            <p:cNvSpPr/>
-            <p:nvPr/>
-          </p:nvSpPr>
-          <p:spPr>
-            <a:xfrm>
-              <a:off x="8564538" y="4332700"/>
-              <a:ext cx="163560" cy="574419"/>
-            </a:xfrm>
-            <a:prstGeom prst="rect">
-              <a:avLst/>
-            </a:prstGeom>
-            <a:solidFill>
-              <a:srgbClr val="CB181D">
-                <a:alpha val="100000"/>
-              </a:srgbClr>
-            </a:solidFill>
-          </p:spPr>
-          <p:txBody>
-            <a:bodyPr/>
-            <a:lstStyle/>
-            <a:p/>
-          </p:txBody>
-        </p:sp>
-        <p:sp>
-          <p:nvSpPr>
-            <p:cNvPr id="123" name="rc123"/>
-            <p:cNvSpPr/>
-            <p:nvPr/>
-          </p:nvSpPr>
-          <p:spPr>
-            <a:xfrm>
-              <a:off x="8746272" y="4724350"/>
-              <a:ext cx="163560" cy="182769"/>
-            </a:xfrm>
-            <a:prstGeom prst="rect">
-              <a:avLst/>
-            </a:prstGeom>
-            <a:solidFill>
-              <a:srgbClr val="99000D">
-                <a:alpha val="100000"/>
-              </a:srgbClr>
-            </a:solidFill>
-          </p:spPr>
-          <p:txBody>
-            <a:bodyPr/>
-            <a:lstStyle/>
-            <a:p/>
-          </p:txBody>
-        </p:sp>
-        <p:sp>
-          <p:nvSpPr>
-            <p:cNvPr id="124" name="rc124"/>
-            <p:cNvSpPr/>
-            <p:nvPr/>
-          </p:nvSpPr>
-          <p:spPr>
-            <a:xfrm>
-              <a:off x="7628611" y="1809173"/>
-              <a:ext cx="1308481" cy="3245468"/>
-            </a:xfrm>
-            <a:prstGeom prst="rect">
-              <a:avLst/>
-            </a:prstGeom>
-            <a:ln w="13550" cap="rnd">
-              <a:solidFill>
-                <a:srgbClr val="333333">
-                  <a:alpha val="100000"/>
-                </a:srgbClr>
-              </a:solidFill>
-              <a:prstDash val="solid"/>
-              <a:round/>
-            </a:ln>
-          </p:spPr>
-          <p:txBody>
-            <a:bodyPr/>
-            <a:lstStyle/>
-            <a:p/>
-          </p:txBody>
-        </p:sp>
-        <p:sp>
-          <p:nvSpPr>
-            <p:cNvPr id="125" name="rc125"/>
-            <p:cNvSpPr/>
-            <p:nvPr/>
-          </p:nvSpPr>
-          <p:spPr>
-            <a:xfrm>
-              <a:off x="2116330" y="1590617"/>
-              <a:ext cx="1308481" cy="218555"/>
+            <p:cNvPr id="75" name="rc75"/>
+            <p:cNvSpPr/>
+            <p:nvPr/>
+          </p:nvSpPr>
+          <p:spPr>
+            <a:xfrm>
+              <a:off x="2179881" y="1590617"/>
+              <a:ext cx="1295770" cy="218555"/>
             </a:xfrm>
             <a:prstGeom prst="rect">
               <a:avLst/>
@@ -7636,13 +5911,13 @@
         </p:sp>
         <p:sp>
           <p:nvSpPr>
-            <p:cNvPr id="126" name="tx126"/>
-            <p:cNvSpPr/>
-            <p:nvPr/>
-          </p:nvSpPr>
-          <p:spPr>
-            <a:xfrm>
-              <a:off x="2561021" y="1670045"/>
+            <p:cNvPr id="76" name="tx76"/>
+            <p:cNvSpPr/>
+            <p:nvPr/>
+          </p:nvSpPr>
+          <p:spPr>
+            <a:xfrm>
+              <a:off x="2618217" y="1670045"/>
               <a:ext cx="419100" cy="69850"/>
             </a:xfrm>
             <a:prstGeom prst="rect">
@@ -7682,14 +5957,14 @@
         </p:sp>
         <p:sp>
           <p:nvSpPr>
-            <p:cNvPr id="127" name="rc127"/>
-            <p:cNvSpPr/>
-            <p:nvPr/>
-          </p:nvSpPr>
-          <p:spPr>
-            <a:xfrm>
-              <a:off x="3494401" y="1590617"/>
-              <a:ext cx="1308481" cy="218555"/>
+            <p:cNvPr id="77" name="rc77"/>
+            <p:cNvSpPr/>
+            <p:nvPr/>
+          </p:nvSpPr>
+          <p:spPr>
+            <a:xfrm>
+              <a:off x="3545241" y="1590617"/>
+              <a:ext cx="1295770" cy="218555"/>
             </a:xfrm>
             <a:prstGeom prst="rect">
               <a:avLst/>
@@ -7717,13 +5992,13 @@
         </p:sp>
         <p:sp>
           <p:nvSpPr>
-            <p:cNvPr id="128" name="tx128"/>
-            <p:cNvSpPr/>
-            <p:nvPr/>
-          </p:nvSpPr>
-          <p:spPr>
-            <a:xfrm>
-              <a:off x="3981001" y="1670045"/>
+            <p:cNvPr id="78" name="tx78"/>
+            <p:cNvSpPr/>
+            <p:nvPr/>
+          </p:nvSpPr>
+          <p:spPr>
+            <a:xfrm>
+              <a:off x="4025487" y="1670045"/>
               <a:ext cx="335280" cy="69850"/>
             </a:xfrm>
             <a:prstGeom prst="rect">
@@ -7763,14 +6038,14 @@
         </p:sp>
         <p:sp>
           <p:nvSpPr>
-            <p:cNvPr id="129" name="rc129"/>
-            <p:cNvSpPr/>
-            <p:nvPr/>
-          </p:nvSpPr>
-          <p:spPr>
-            <a:xfrm>
-              <a:off x="4872471" y="1590617"/>
-              <a:ext cx="1308481" cy="218555"/>
+            <p:cNvPr id="79" name="rc79"/>
+            <p:cNvSpPr/>
+            <p:nvPr/>
+          </p:nvSpPr>
+          <p:spPr>
+            <a:xfrm>
+              <a:off x="4910601" y="1590617"/>
+              <a:ext cx="1295770" cy="218555"/>
             </a:xfrm>
             <a:prstGeom prst="rect">
               <a:avLst/>
@@ -7798,13 +6073,13 @@
         </p:sp>
         <p:sp>
           <p:nvSpPr>
-            <p:cNvPr id="130" name="tx130"/>
-            <p:cNvSpPr/>
-            <p:nvPr/>
-          </p:nvSpPr>
-          <p:spPr>
-            <a:xfrm>
-              <a:off x="5317161" y="1670045"/>
+            <p:cNvPr id="80" name="tx80"/>
+            <p:cNvSpPr/>
+            <p:nvPr/>
+          </p:nvSpPr>
+          <p:spPr>
+            <a:xfrm>
+              <a:off x="5348937" y="1670045"/>
               <a:ext cx="419100" cy="69850"/>
             </a:xfrm>
             <a:prstGeom prst="rect">
@@ -7844,14 +6119,14 @@
         </p:sp>
         <p:sp>
           <p:nvSpPr>
-            <p:cNvPr id="131" name="rc131"/>
-            <p:cNvSpPr/>
-            <p:nvPr/>
-          </p:nvSpPr>
-          <p:spPr>
-            <a:xfrm>
-              <a:off x="6250541" y="1590617"/>
-              <a:ext cx="1308481" cy="218555"/>
+            <p:cNvPr id="81" name="rc81"/>
+            <p:cNvSpPr/>
+            <p:nvPr/>
+          </p:nvSpPr>
+          <p:spPr>
+            <a:xfrm>
+              <a:off x="6275961" y="1590617"/>
+              <a:ext cx="1295770" cy="218555"/>
             </a:xfrm>
             <a:prstGeom prst="rect">
               <a:avLst/>
@@ -7879,13 +6154,13 @@
         </p:sp>
         <p:sp>
           <p:nvSpPr>
-            <p:cNvPr id="132" name="tx132"/>
-            <p:cNvSpPr/>
-            <p:nvPr/>
-          </p:nvSpPr>
-          <p:spPr>
-            <a:xfrm>
-              <a:off x="6653321" y="1670045"/>
+            <p:cNvPr id="82" name="tx82"/>
+            <p:cNvSpPr/>
+            <p:nvPr/>
+          </p:nvSpPr>
+          <p:spPr>
+            <a:xfrm>
+              <a:off x="6672387" y="1670045"/>
               <a:ext cx="502920" cy="69850"/>
             </a:xfrm>
             <a:prstGeom prst="rect">
@@ -7925,14 +6200,14 @@
         </p:sp>
         <p:sp>
           <p:nvSpPr>
-            <p:cNvPr id="133" name="rc133"/>
-            <p:cNvSpPr/>
-            <p:nvPr/>
-          </p:nvSpPr>
-          <p:spPr>
-            <a:xfrm>
-              <a:off x="7628611" y="1590617"/>
-              <a:ext cx="1308481" cy="218555"/>
+            <p:cNvPr id="83" name="rc83"/>
+            <p:cNvSpPr/>
+            <p:nvPr/>
+          </p:nvSpPr>
+          <p:spPr>
+            <a:xfrm>
+              <a:off x="7641321" y="1590617"/>
+              <a:ext cx="1295770" cy="218555"/>
             </a:xfrm>
             <a:prstGeom prst="rect">
               <a:avLst/>
@@ -7960,13 +6235,13 @@
         </p:sp>
         <p:sp>
           <p:nvSpPr>
-            <p:cNvPr id="134" name="tx134"/>
-            <p:cNvSpPr/>
-            <p:nvPr/>
-          </p:nvSpPr>
-          <p:spPr>
-            <a:xfrm>
-              <a:off x="8199031" y="1670045"/>
+            <p:cNvPr id="84" name="tx84"/>
+            <p:cNvSpPr/>
+            <p:nvPr/>
+          </p:nvSpPr>
+          <p:spPr>
+            <a:xfrm>
+              <a:off x="8205386" y="1670045"/>
               <a:ext cx="167640" cy="69850"/>
             </a:xfrm>
             <a:prstGeom prst="rect">
@@ -8006,13 +6281,13 @@
         </p:sp>
         <p:sp>
           <p:nvSpPr>
-            <p:cNvPr id="135" name="pl135"/>
-            <p:cNvSpPr/>
-            <p:nvPr/>
-          </p:nvSpPr>
-          <p:spPr>
-            <a:xfrm>
-              <a:off x="2225370" y="5054641"/>
+            <p:cNvPr id="85" name="pl85"/>
+            <p:cNvSpPr/>
+            <p:nvPr/>
+          </p:nvSpPr>
+          <p:spPr>
+            <a:xfrm>
+              <a:off x="2533273" y="5274097"/>
               <a:ext cx="0" cy="34794"/>
             </a:xfrm>
             <a:custGeom>
@@ -8046,13 +6321,13 @@
         </p:sp>
         <p:sp>
           <p:nvSpPr>
-            <p:cNvPr id="136" name="pl136"/>
-            <p:cNvSpPr/>
-            <p:nvPr/>
-          </p:nvSpPr>
-          <p:spPr>
-            <a:xfrm>
-              <a:off x="2407104" y="5054641"/>
+            <p:cNvPr id="86" name="pl86"/>
+            <p:cNvSpPr/>
+            <p:nvPr/>
+          </p:nvSpPr>
+          <p:spPr>
+            <a:xfrm>
+              <a:off x="3122260" y="5274097"/>
               <a:ext cx="0" cy="34794"/>
             </a:xfrm>
             <a:custGeom>
@@ -8086,13 +6361,13 @@
         </p:sp>
         <p:sp>
           <p:nvSpPr>
-            <p:cNvPr id="137" name="pl137"/>
-            <p:cNvSpPr/>
-            <p:nvPr/>
-          </p:nvSpPr>
-          <p:spPr>
-            <a:xfrm>
-              <a:off x="2588837" y="5054641"/>
+            <p:cNvPr id="87" name="pl87"/>
+            <p:cNvSpPr/>
+            <p:nvPr/>
+          </p:nvSpPr>
+          <p:spPr>
+            <a:xfrm>
+              <a:off x="3898633" y="5274097"/>
               <a:ext cx="0" cy="34794"/>
             </a:xfrm>
             <a:custGeom>
@@ -8126,13 +6401,13 @@
         </p:sp>
         <p:sp>
           <p:nvSpPr>
-            <p:cNvPr id="138" name="pl138"/>
-            <p:cNvSpPr/>
-            <p:nvPr/>
-          </p:nvSpPr>
-          <p:spPr>
-            <a:xfrm>
-              <a:off x="2770571" y="5054641"/>
+            <p:cNvPr id="88" name="pl88"/>
+            <p:cNvSpPr/>
+            <p:nvPr/>
+          </p:nvSpPr>
+          <p:spPr>
+            <a:xfrm>
+              <a:off x="4487620" y="5274097"/>
               <a:ext cx="0" cy="34794"/>
             </a:xfrm>
             <a:custGeom>
@@ -8166,13 +6441,13 @@
         </p:sp>
         <p:sp>
           <p:nvSpPr>
-            <p:cNvPr id="139" name="pl139"/>
-            <p:cNvSpPr/>
-            <p:nvPr/>
-          </p:nvSpPr>
-          <p:spPr>
-            <a:xfrm>
-              <a:off x="2952304" y="5054641"/>
+            <p:cNvPr id="89" name="pl89"/>
+            <p:cNvSpPr/>
+            <p:nvPr/>
+          </p:nvSpPr>
+          <p:spPr>
+            <a:xfrm>
+              <a:off x="5263993" y="5274097"/>
               <a:ext cx="0" cy="34794"/>
             </a:xfrm>
             <a:custGeom>
@@ -8206,13 +6481,13 @@
         </p:sp>
         <p:sp>
           <p:nvSpPr>
-            <p:cNvPr id="140" name="pl140"/>
-            <p:cNvSpPr/>
-            <p:nvPr/>
-          </p:nvSpPr>
-          <p:spPr>
-            <a:xfrm>
-              <a:off x="3134038" y="5054641"/>
+            <p:cNvPr id="90" name="pl90"/>
+            <p:cNvSpPr/>
+            <p:nvPr/>
+          </p:nvSpPr>
+          <p:spPr>
+            <a:xfrm>
+              <a:off x="5852980" y="5274097"/>
               <a:ext cx="0" cy="34794"/>
             </a:xfrm>
             <a:custGeom>
@@ -8246,13 +6521,13 @@
         </p:sp>
         <p:sp>
           <p:nvSpPr>
-            <p:cNvPr id="141" name="pl141"/>
-            <p:cNvSpPr/>
-            <p:nvPr/>
-          </p:nvSpPr>
-          <p:spPr>
-            <a:xfrm>
-              <a:off x="3315771" y="5054641"/>
+            <p:cNvPr id="91" name="pl91"/>
+            <p:cNvSpPr/>
+            <p:nvPr/>
+          </p:nvSpPr>
+          <p:spPr>
+            <a:xfrm>
+              <a:off x="6629353" y="5274097"/>
               <a:ext cx="0" cy="34794"/>
             </a:xfrm>
             <a:custGeom>
@@ -8286,13 +6561,13 @@
         </p:sp>
         <p:sp>
           <p:nvSpPr>
-            <p:cNvPr id="142" name="pl142"/>
-            <p:cNvSpPr/>
-            <p:nvPr/>
-          </p:nvSpPr>
-          <p:spPr>
-            <a:xfrm>
-              <a:off x="3603441" y="5054641"/>
+            <p:cNvPr id="92" name="pl92"/>
+            <p:cNvSpPr/>
+            <p:nvPr/>
+          </p:nvSpPr>
+          <p:spPr>
+            <a:xfrm>
+              <a:off x="7218340" y="5274097"/>
               <a:ext cx="0" cy="34794"/>
             </a:xfrm>
             <a:custGeom>
@@ -8326,13 +6601,13 @@
         </p:sp>
         <p:sp>
           <p:nvSpPr>
-            <p:cNvPr id="143" name="pl143"/>
-            <p:cNvSpPr/>
-            <p:nvPr/>
-          </p:nvSpPr>
-          <p:spPr>
-            <a:xfrm>
-              <a:off x="3785174" y="5054641"/>
+            <p:cNvPr id="93" name="pl93"/>
+            <p:cNvSpPr/>
+            <p:nvPr/>
+          </p:nvSpPr>
+          <p:spPr>
+            <a:xfrm>
+              <a:off x="7994713" y="5274097"/>
               <a:ext cx="0" cy="34794"/>
             </a:xfrm>
             <a:custGeom>
@@ -8366,13 +6641,13 @@
         </p:sp>
         <p:sp>
           <p:nvSpPr>
-            <p:cNvPr id="144" name="pl144"/>
-            <p:cNvSpPr/>
-            <p:nvPr/>
-          </p:nvSpPr>
-          <p:spPr>
-            <a:xfrm>
-              <a:off x="3966908" y="5054641"/>
+            <p:cNvPr id="94" name="pl94"/>
+            <p:cNvSpPr/>
+            <p:nvPr/>
+          </p:nvSpPr>
+          <p:spPr>
+            <a:xfrm>
+              <a:off x="8583700" y="5274097"/>
               <a:ext cx="0" cy="34794"/>
             </a:xfrm>
             <a:custGeom>
@@ -8406,1013 +6681,13 @@
         </p:sp>
         <p:sp>
           <p:nvSpPr>
-            <p:cNvPr id="145" name="pl145"/>
-            <p:cNvSpPr/>
-            <p:nvPr/>
-          </p:nvSpPr>
-          <p:spPr>
-            <a:xfrm>
-              <a:off x="4148641" y="5054641"/>
-              <a:ext cx="0" cy="34794"/>
-            </a:xfrm>
-            <a:custGeom>
-              <a:avLst/>
-              <a:pathLst>
-                <a:path w="0" h="34794">
-                  <a:moveTo>
-                    <a:pt x="0" y="34794"/>
-                  </a:moveTo>
-                  <a:lnTo>
-                    <a:pt x="0" y="0"/>
-                  </a:lnTo>
-                </a:path>
-              </a:pathLst>
-            </a:custGeom>
-            <a:ln w="13550" cap="flat">
-              <a:solidFill>
-                <a:srgbClr val="333333">
-                  <a:alpha val="100000"/>
-                </a:srgbClr>
-              </a:solidFill>
-              <a:prstDash val="solid"/>
-              <a:round/>
-            </a:ln>
-          </p:spPr>
-          <p:txBody>
-            <a:bodyPr/>
-            <a:lstStyle/>
-            <a:p/>
-          </p:txBody>
-        </p:sp>
-        <p:sp>
-          <p:nvSpPr>
-            <p:cNvPr id="146" name="pl146"/>
-            <p:cNvSpPr/>
-            <p:nvPr/>
-          </p:nvSpPr>
-          <p:spPr>
-            <a:xfrm>
-              <a:off x="4330375" y="5054641"/>
-              <a:ext cx="0" cy="34794"/>
-            </a:xfrm>
-            <a:custGeom>
-              <a:avLst/>
-              <a:pathLst>
-                <a:path w="0" h="34794">
-                  <a:moveTo>
-                    <a:pt x="0" y="34794"/>
-                  </a:moveTo>
-                  <a:lnTo>
-                    <a:pt x="0" y="0"/>
-                  </a:lnTo>
-                </a:path>
-              </a:pathLst>
-            </a:custGeom>
-            <a:ln w="13550" cap="flat">
-              <a:solidFill>
-                <a:srgbClr val="333333">
-                  <a:alpha val="100000"/>
-                </a:srgbClr>
-              </a:solidFill>
-              <a:prstDash val="solid"/>
-              <a:round/>
-            </a:ln>
-          </p:spPr>
-          <p:txBody>
-            <a:bodyPr/>
-            <a:lstStyle/>
-            <a:p/>
-          </p:txBody>
-        </p:sp>
-        <p:sp>
-          <p:nvSpPr>
-            <p:cNvPr id="147" name="pl147"/>
-            <p:cNvSpPr/>
-            <p:nvPr/>
-          </p:nvSpPr>
-          <p:spPr>
-            <a:xfrm>
-              <a:off x="4512108" y="5054641"/>
-              <a:ext cx="0" cy="34794"/>
-            </a:xfrm>
-            <a:custGeom>
-              <a:avLst/>
-              <a:pathLst>
-                <a:path w="0" h="34794">
-                  <a:moveTo>
-                    <a:pt x="0" y="34794"/>
-                  </a:moveTo>
-                  <a:lnTo>
-                    <a:pt x="0" y="0"/>
-                  </a:lnTo>
-                </a:path>
-              </a:pathLst>
-            </a:custGeom>
-            <a:ln w="13550" cap="flat">
-              <a:solidFill>
-                <a:srgbClr val="333333">
-                  <a:alpha val="100000"/>
-                </a:srgbClr>
-              </a:solidFill>
-              <a:prstDash val="solid"/>
-              <a:round/>
-            </a:ln>
-          </p:spPr>
-          <p:txBody>
-            <a:bodyPr/>
-            <a:lstStyle/>
-            <a:p/>
-          </p:txBody>
-        </p:sp>
-        <p:sp>
-          <p:nvSpPr>
-            <p:cNvPr id="148" name="pl148"/>
-            <p:cNvSpPr/>
-            <p:nvPr/>
-          </p:nvSpPr>
-          <p:spPr>
-            <a:xfrm>
-              <a:off x="4693842" y="5054641"/>
-              <a:ext cx="0" cy="34794"/>
-            </a:xfrm>
-            <a:custGeom>
-              <a:avLst/>
-              <a:pathLst>
-                <a:path w="0" h="34794">
-                  <a:moveTo>
-                    <a:pt x="0" y="34794"/>
-                  </a:moveTo>
-                  <a:lnTo>
-                    <a:pt x="0" y="0"/>
-                  </a:lnTo>
-                </a:path>
-              </a:pathLst>
-            </a:custGeom>
-            <a:ln w="13550" cap="flat">
-              <a:solidFill>
-                <a:srgbClr val="333333">
-                  <a:alpha val="100000"/>
-                </a:srgbClr>
-              </a:solidFill>
-              <a:prstDash val="solid"/>
-              <a:round/>
-            </a:ln>
-          </p:spPr>
-          <p:txBody>
-            <a:bodyPr/>
-            <a:lstStyle/>
-            <a:p/>
-          </p:txBody>
-        </p:sp>
-        <p:sp>
-          <p:nvSpPr>
-            <p:cNvPr id="149" name="pl149"/>
-            <p:cNvSpPr/>
-            <p:nvPr/>
-          </p:nvSpPr>
-          <p:spPr>
-            <a:xfrm>
-              <a:off x="4981511" y="5054641"/>
-              <a:ext cx="0" cy="34794"/>
-            </a:xfrm>
-            <a:custGeom>
-              <a:avLst/>
-              <a:pathLst>
-                <a:path w="0" h="34794">
-                  <a:moveTo>
-                    <a:pt x="0" y="34794"/>
-                  </a:moveTo>
-                  <a:lnTo>
-                    <a:pt x="0" y="0"/>
-                  </a:lnTo>
-                </a:path>
-              </a:pathLst>
-            </a:custGeom>
-            <a:ln w="13550" cap="flat">
-              <a:solidFill>
-                <a:srgbClr val="333333">
-                  <a:alpha val="100000"/>
-                </a:srgbClr>
-              </a:solidFill>
-              <a:prstDash val="solid"/>
-              <a:round/>
-            </a:ln>
-          </p:spPr>
-          <p:txBody>
-            <a:bodyPr/>
-            <a:lstStyle/>
-            <a:p/>
-          </p:txBody>
-        </p:sp>
-        <p:sp>
-          <p:nvSpPr>
-            <p:cNvPr id="150" name="pl150"/>
-            <p:cNvSpPr/>
-            <p:nvPr/>
-          </p:nvSpPr>
-          <p:spPr>
-            <a:xfrm>
-              <a:off x="5163244" y="5054641"/>
-              <a:ext cx="0" cy="34794"/>
-            </a:xfrm>
-            <a:custGeom>
-              <a:avLst/>
-              <a:pathLst>
-                <a:path w="0" h="34794">
-                  <a:moveTo>
-                    <a:pt x="0" y="34794"/>
-                  </a:moveTo>
-                  <a:lnTo>
-                    <a:pt x="0" y="0"/>
-                  </a:lnTo>
-                </a:path>
-              </a:pathLst>
-            </a:custGeom>
-            <a:ln w="13550" cap="flat">
-              <a:solidFill>
-                <a:srgbClr val="333333">
-                  <a:alpha val="100000"/>
-                </a:srgbClr>
-              </a:solidFill>
-              <a:prstDash val="solid"/>
-              <a:round/>
-            </a:ln>
-          </p:spPr>
-          <p:txBody>
-            <a:bodyPr/>
-            <a:lstStyle/>
-            <a:p/>
-          </p:txBody>
-        </p:sp>
-        <p:sp>
-          <p:nvSpPr>
-            <p:cNvPr id="151" name="pl151"/>
-            <p:cNvSpPr/>
-            <p:nvPr/>
-          </p:nvSpPr>
-          <p:spPr>
-            <a:xfrm>
-              <a:off x="5344978" y="5054641"/>
-              <a:ext cx="0" cy="34794"/>
-            </a:xfrm>
-            <a:custGeom>
-              <a:avLst/>
-              <a:pathLst>
-                <a:path w="0" h="34794">
-                  <a:moveTo>
-                    <a:pt x="0" y="34794"/>
-                  </a:moveTo>
-                  <a:lnTo>
-                    <a:pt x="0" y="0"/>
-                  </a:lnTo>
-                </a:path>
-              </a:pathLst>
-            </a:custGeom>
-            <a:ln w="13550" cap="flat">
-              <a:solidFill>
-                <a:srgbClr val="333333">
-                  <a:alpha val="100000"/>
-                </a:srgbClr>
-              </a:solidFill>
-              <a:prstDash val="solid"/>
-              <a:round/>
-            </a:ln>
-          </p:spPr>
-          <p:txBody>
-            <a:bodyPr/>
-            <a:lstStyle/>
-            <a:p/>
-          </p:txBody>
-        </p:sp>
-        <p:sp>
-          <p:nvSpPr>
-            <p:cNvPr id="152" name="pl152"/>
-            <p:cNvSpPr/>
-            <p:nvPr/>
-          </p:nvSpPr>
-          <p:spPr>
-            <a:xfrm>
-              <a:off x="5526711" y="5054641"/>
-              <a:ext cx="0" cy="34794"/>
-            </a:xfrm>
-            <a:custGeom>
-              <a:avLst/>
-              <a:pathLst>
-                <a:path w="0" h="34794">
-                  <a:moveTo>
-                    <a:pt x="0" y="34794"/>
-                  </a:moveTo>
-                  <a:lnTo>
-                    <a:pt x="0" y="0"/>
-                  </a:lnTo>
-                </a:path>
-              </a:pathLst>
-            </a:custGeom>
-            <a:ln w="13550" cap="flat">
-              <a:solidFill>
-                <a:srgbClr val="333333">
-                  <a:alpha val="100000"/>
-                </a:srgbClr>
-              </a:solidFill>
-              <a:prstDash val="solid"/>
-              <a:round/>
-            </a:ln>
-          </p:spPr>
-          <p:txBody>
-            <a:bodyPr/>
-            <a:lstStyle/>
-            <a:p/>
-          </p:txBody>
-        </p:sp>
-        <p:sp>
-          <p:nvSpPr>
-            <p:cNvPr id="153" name="pl153"/>
-            <p:cNvSpPr/>
-            <p:nvPr/>
-          </p:nvSpPr>
-          <p:spPr>
-            <a:xfrm>
-              <a:off x="5708445" y="5054641"/>
-              <a:ext cx="0" cy="34794"/>
-            </a:xfrm>
-            <a:custGeom>
-              <a:avLst/>
-              <a:pathLst>
-                <a:path w="0" h="34794">
-                  <a:moveTo>
-                    <a:pt x="0" y="34794"/>
-                  </a:moveTo>
-                  <a:lnTo>
-                    <a:pt x="0" y="0"/>
-                  </a:lnTo>
-                </a:path>
-              </a:pathLst>
-            </a:custGeom>
-            <a:ln w="13550" cap="flat">
-              <a:solidFill>
-                <a:srgbClr val="333333">
-                  <a:alpha val="100000"/>
-                </a:srgbClr>
-              </a:solidFill>
-              <a:prstDash val="solid"/>
-              <a:round/>
-            </a:ln>
-          </p:spPr>
-          <p:txBody>
-            <a:bodyPr/>
-            <a:lstStyle/>
-            <a:p/>
-          </p:txBody>
-        </p:sp>
-        <p:sp>
-          <p:nvSpPr>
-            <p:cNvPr id="154" name="pl154"/>
-            <p:cNvSpPr/>
-            <p:nvPr/>
-          </p:nvSpPr>
-          <p:spPr>
-            <a:xfrm>
-              <a:off x="5890178" y="5054641"/>
-              <a:ext cx="0" cy="34794"/>
-            </a:xfrm>
-            <a:custGeom>
-              <a:avLst/>
-              <a:pathLst>
-                <a:path w="0" h="34794">
-                  <a:moveTo>
-                    <a:pt x="0" y="34794"/>
-                  </a:moveTo>
-                  <a:lnTo>
-                    <a:pt x="0" y="0"/>
-                  </a:lnTo>
-                </a:path>
-              </a:pathLst>
-            </a:custGeom>
-            <a:ln w="13550" cap="flat">
-              <a:solidFill>
-                <a:srgbClr val="333333">
-                  <a:alpha val="100000"/>
-                </a:srgbClr>
-              </a:solidFill>
-              <a:prstDash val="solid"/>
-              <a:round/>
-            </a:ln>
-          </p:spPr>
-          <p:txBody>
-            <a:bodyPr/>
-            <a:lstStyle/>
-            <a:p/>
-          </p:txBody>
-        </p:sp>
-        <p:sp>
-          <p:nvSpPr>
-            <p:cNvPr id="155" name="pl155"/>
-            <p:cNvSpPr/>
-            <p:nvPr/>
-          </p:nvSpPr>
-          <p:spPr>
-            <a:xfrm>
-              <a:off x="6071912" y="5054641"/>
-              <a:ext cx="0" cy="34794"/>
-            </a:xfrm>
-            <a:custGeom>
-              <a:avLst/>
-              <a:pathLst>
-                <a:path w="0" h="34794">
-                  <a:moveTo>
-                    <a:pt x="0" y="34794"/>
-                  </a:moveTo>
-                  <a:lnTo>
-                    <a:pt x="0" y="0"/>
-                  </a:lnTo>
-                </a:path>
-              </a:pathLst>
-            </a:custGeom>
-            <a:ln w="13550" cap="flat">
-              <a:solidFill>
-                <a:srgbClr val="333333">
-                  <a:alpha val="100000"/>
-                </a:srgbClr>
-              </a:solidFill>
-              <a:prstDash val="solid"/>
-              <a:round/>
-            </a:ln>
-          </p:spPr>
-          <p:txBody>
-            <a:bodyPr/>
-            <a:lstStyle/>
-            <a:p/>
-          </p:txBody>
-        </p:sp>
-        <p:sp>
-          <p:nvSpPr>
-            <p:cNvPr id="156" name="pl156"/>
-            <p:cNvSpPr/>
-            <p:nvPr/>
-          </p:nvSpPr>
-          <p:spPr>
-            <a:xfrm>
-              <a:off x="6359581" y="5054641"/>
-              <a:ext cx="0" cy="34794"/>
-            </a:xfrm>
-            <a:custGeom>
-              <a:avLst/>
-              <a:pathLst>
-                <a:path w="0" h="34794">
-                  <a:moveTo>
-                    <a:pt x="0" y="34794"/>
-                  </a:moveTo>
-                  <a:lnTo>
-                    <a:pt x="0" y="0"/>
-                  </a:lnTo>
-                </a:path>
-              </a:pathLst>
-            </a:custGeom>
-            <a:ln w="13550" cap="flat">
-              <a:solidFill>
-                <a:srgbClr val="333333">
-                  <a:alpha val="100000"/>
-                </a:srgbClr>
-              </a:solidFill>
-              <a:prstDash val="solid"/>
-              <a:round/>
-            </a:ln>
-          </p:spPr>
-          <p:txBody>
-            <a:bodyPr/>
-            <a:lstStyle/>
-            <a:p/>
-          </p:txBody>
-        </p:sp>
-        <p:sp>
-          <p:nvSpPr>
-            <p:cNvPr id="157" name="pl157"/>
-            <p:cNvSpPr/>
-            <p:nvPr/>
-          </p:nvSpPr>
-          <p:spPr>
-            <a:xfrm>
-              <a:off x="6541314" y="5054641"/>
-              <a:ext cx="0" cy="34794"/>
-            </a:xfrm>
-            <a:custGeom>
-              <a:avLst/>
-              <a:pathLst>
-                <a:path w="0" h="34794">
-                  <a:moveTo>
-                    <a:pt x="0" y="34794"/>
-                  </a:moveTo>
-                  <a:lnTo>
-                    <a:pt x="0" y="0"/>
-                  </a:lnTo>
-                </a:path>
-              </a:pathLst>
-            </a:custGeom>
-            <a:ln w="13550" cap="flat">
-              <a:solidFill>
-                <a:srgbClr val="333333">
-                  <a:alpha val="100000"/>
-                </a:srgbClr>
-              </a:solidFill>
-              <a:prstDash val="solid"/>
-              <a:round/>
-            </a:ln>
-          </p:spPr>
-          <p:txBody>
-            <a:bodyPr/>
-            <a:lstStyle/>
-            <a:p/>
-          </p:txBody>
-        </p:sp>
-        <p:sp>
-          <p:nvSpPr>
-            <p:cNvPr id="158" name="pl158"/>
-            <p:cNvSpPr/>
-            <p:nvPr/>
-          </p:nvSpPr>
-          <p:spPr>
-            <a:xfrm>
-              <a:off x="6723048" y="5054641"/>
-              <a:ext cx="0" cy="34794"/>
-            </a:xfrm>
-            <a:custGeom>
-              <a:avLst/>
-              <a:pathLst>
-                <a:path w="0" h="34794">
-                  <a:moveTo>
-                    <a:pt x="0" y="34794"/>
-                  </a:moveTo>
-                  <a:lnTo>
-                    <a:pt x="0" y="0"/>
-                  </a:lnTo>
-                </a:path>
-              </a:pathLst>
-            </a:custGeom>
-            <a:ln w="13550" cap="flat">
-              <a:solidFill>
-                <a:srgbClr val="333333">
-                  <a:alpha val="100000"/>
-                </a:srgbClr>
-              </a:solidFill>
-              <a:prstDash val="solid"/>
-              <a:round/>
-            </a:ln>
-          </p:spPr>
-          <p:txBody>
-            <a:bodyPr/>
-            <a:lstStyle/>
-            <a:p/>
-          </p:txBody>
-        </p:sp>
-        <p:sp>
-          <p:nvSpPr>
-            <p:cNvPr id="159" name="pl159"/>
-            <p:cNvSpPr/>
-            <p:nvPr/>
-          </p:nvSpPr>
-          <p:spPr>
-            <a:xfrm>
-              <a:off x="6904781" y="5054641"/>
-              <a:ext cx="0" cy="34794"/>
-            </a:xfrm>
-            <a:custGeom>
-              <a:avLst/>
-              <a:pathLst>
-                <a:path w="0" h="34794">
-                  <a:moveTo>
-                    <a:pt x="0" y="34794"/>
-                  </a:moveTo>
-                  <a:lnTo>
-                    <a:pt x="0" y="0"/>
-                  </a:lnTo>
-                </a:path>
-              </a:pathLst>
-            </a:custGeom>
-            <a:ln w="13550" cap="flat">
-              <a:solidFill>
-                <a:srgbClr val="333333">
-                  <a:alpha val="100000"/>
-                </a:srgbClr>
-              </a:solidFill>
-              <a:prstDash val="solid"/>
-              <a:round/>
-            </a:ln>
-          </p:spPr>
-          <p:txBody>
-            <a:bodyPr/>
-            <a:lstStyle/>
-            <a:p/>
-          </p:txBody>
-        </p:sp>
-        <p:sp>
-          <p:nvSpPr>
-            <p:cNvPr id="160" name="pl160"/>
-            <p:cNvSpPr/>
-            <p:nvPr/>
-          </p:nvSpPr>
-          <p:spPr>
-            <a:xfrm>
-              <a:off x="7086515" y="5054641"/>
-              <a:ext cx="0" cy="34794"/>
-            </a:xfrm>
-            <a:custGeom>
-              <a:avLst/>
-              <a:pathLst>
-                <a:path w="0" h="34794">
-                  <a:moveTo>
-                    <a:pt x="0" y="34794"/>
-                  </a:moveTo>
-                  <a:lnTo>
-                    <a:pt x="0" y="0"/>
-                  </a:lnTo>
-                </a:path>
-              </a:pathLst>
-            </a:custGeom>
-            <a:ln w="13550" cap="flat">
-              <a:solidFill>
-                <a:srgbClr val="333333">
-                  <a:alpha val="100000"/>
-                </a:srgbClr>
-              </a:solidFill>
-              <a:prstDash val="solid"/>
-              <a:round/>
-            </a:ln>
-          </p:spPr>
-          <p:txBody>
-            <a:bodyPr/>
-            <a:lstStyle/>
-            <a:p/>
-          </p:txBody>
-        </p:sp>
-        <p:sp>
-          <p:nvSpPr>
-            <p:cNvPr id="161" name="pl161"/>
-            <p:cNvSpPr/>
-            <p:nvPr/>
-          </p:nvSpPr>
-          <p:spPr>
-            <a:xfrm>
-              <a:off x="7268248" y="5054641"/>
-              <a:ext cx="0" cy="34794"/>
-            </a:xfrm>
-            <a:custGeom>
-              <a:avLst/>
-              <a:pathLst>
-                <a:path w="0" h="34794">
-                  <a:moveTo>
-                    <a:pt x="0" y="34794"/>
-                  </a:moveTo>
-                  <a:lnTo>
-                    <a:pt x="0" y="0"/>
-                  </a:lnTo>
-                </a:path>
-              </a:pathLst>
-            </a:custGeom>
-            <a:ln w="13550" cap="flat">
-              <a:solidFill>
-                <a:srgbClr val="333333">
-                  <a:alpha val="100000"/>
-                </a:srgbClr>
-              </a:solidFill>
-              <a:prstDash val="solid"/>
-              <a:round/>
-            </a:ln>
-          </p:spPr>
-          <p:txBody>
-            <a:bodyPr/>
-            <a:lstStyle/>
-            <a:p/>
-          </p:txBody>
-        </p:sp>
-        <p:sp>
-          <p:nvSpPr>
-            <p:cNvPr id="162" name="pl162"/>
-            <p:cNvSpPr/>
-            <p:nvPr/>
-          </p:nvSpPr>
-          <p:spPr>
-            <a:xfrm>
-              <a:off x="7449982" y="5054641"/>
-              <a:ext cx="0" cy="34794"/>
-            </a:xfrm>
-            <a:custGeom>
-              <a:avLst/>
-              <a:pathLst>
-                <a:path w="0" h="34794">
-                  <a:moveTo>
-                    <a:pt x="0" y="34794"/>
-                  </a:moveTo>
-                  <a:lnTo>
-                    <a:pt x="0" y="0"/>
-                  </a:lnTo>
-                </a:path>
-              </a:pathLst>
-            </a:custGeom>
-            <a:ln w="13550" cap="flat">
-              <a:solidFill>
-                <a:srgbClr val="333333">
-                  <a:alpha val="100000"/>
-                </a:srgbClr>
-              </a:solidFill>
-              <a:prstDash val="solid"/>
-              <a:round/>
-            </a:ln>
-          </p:spPr>
-          <p:txBody>
-            <a:bodyPr/>
-            <a:lstStyle/>
-            <a:p/>
-          </p:txBody>
-        </p:sp>
-        <p:sp>
-          <p:nvSpPr>
-            <p:cNvPr id="163" name="pl163"/>
-            <p:cNvSpPr/>
-            <p:nvPr/>
-          </p:nvSpPr>
-          <p:spPr>
-            <a:xfrm>
-              <a:off x="7737651" y="5054641"/>
-              <a:ext cx="0" cy="34794"/>
-            </a:xfrm>
-            <a:custGeom>
-              <a:avLst/>
-              <a:pathLst>
-                <a:path w="0" h="34794">
-                  <a:moveTo>
-                    <a:pt x="0" y="34794"/>
-                  </a:moveTo>
-                  <a:lnTo>
-                    <a:pt x="0" y="0"/>
-                  </a:lnTo>
-                </a:path>
-              </a:pathLst>
-            </a:custGeom>
-            <a:ln w="13550" cap="flat">
-              <a:solidFill>
-                <a:srgbClr val="333333">
-                  <a:alpha val="100000"/>
-                </a:srgbClr>
-              </a:solidFill>
-              <a:prstDash val="solid"/>
-              <a:round/>
-            </a:ln>
-          </p:spPr>
-          <p:txBody>
-            <a:bodyPr/>
-            <a:lstStyle/>
-            <a:p/>
-          </p:txBody>
-        </p:sp>
-        <p:sp>
-          <p:nvSpPr>
-            <p:cNvPr id="164" name="pl164"/>
-            <p:cNvSpPr/>
-            <p:nvPr/>
-          </p:nvSpPr>
-          <p:spPr>
-            <a:xfrm>
-              <a:off x="7919384" y="5054641"/>
-              <a:ext cx="0" cy="34794"/>
-            </a:xfrm>
-            <a:custGeom>
-              <a:avLst/>
-              <a:pathLst>
-                <a:path w="0" h="34794">
-                  <a:moveTo>
-                    <a:pt x="0" y="34794"/>
-                  </a:moveTo>
-                  <a:lnTo>
-                    <a:pt x="0" y="0"/>
-                  </a:lnTo>
-                </a:path>
-              </a:pathLst>
-            </a:custGeom>
-            <a:ln w="13550" cap="flat">
-              <a:solidFill>
-                <a:srgbClr val="333333">
-                  <a:alpha val="100000"/>
-                </a:srgbClr>
-              </a:solidFill>
-              <a:prstDash val="solid"/>
-              <a:round/>
-            </a:ln>
-          </p:spPr>
-          <p:txBody>
-            <a:bodyPr/>
-            <a:lstStyle/>
-            <a:p/>
-          </p:txBody>
-        </p:sp>
-        <p:sp>
-          <p:nvSpPr>
-            <p:cNvPr id="165" name="pl165"/>
-            <p:cNvSpPr/>
-            <p:nvPr/>
-          </p:nvSpPr>
-          <p:spPr>
-            <a:xfrm>
-              <a:off x="8101118" y="5054641"/>
-              <a:ext cx="0" cy="34794"/>
-            </a:xfrm>
-            <a:custGeom>
-              <a:avLst/>
-              <a:pathLst>
-                <a:path w="0" h="34794">
-                  <a:moveTo>
-                    <a:pt x="0" y="34794"/>
-                  </a:moveTo>
-                  <a:lnTo>
-                    <a:pt x="0" y="0"/>
-                  </a:lnTo>
-                </a:path>
-              </a:pathLst>
-            </a:custGeom>
-            <a:ln w="13550" cap="flat">
-              <a:solidFill>
-                <a:srgbClr val="333333">
-                  <a:alpha val="100000"/>
-                </a:srgbClr>
-              </a:solidFill>
-              <a:prstDash val="solid"/>
-              <a:round/>
-            </a:ln>
-          </p:spPr>
-          <p:txBody>
-            <a:bodyPr/>
-            <a:lstStyle/>
-            <a:p/>
-          </p:txBody>
-        </p:sp>
-        <p:sp>
-          <p:nvSpPr>
-            <p:cNvPr id="166" name="pl166"/>
-            <p:cNvSpPr/>
-            <p:nvPr/>
-          </p:nvSpPr>
-          <p:spPr>
-            <a:xfrm>
-              <a:off x="8282851" y="5054641"/>
-              <a:ext cx="0" cy="34794"/>
-            </a:xfrm>
-            <a:custGeom>
-              <a:avLst/>
-              <a:pathLst>
-                <a:path w="0" h="34794">
-                  <a:moveTo>
-                    <a:pt x="0" y="34794"/>
-                  </a:moveTo>
-                  <a:lnTo>
-                    <a:pt x="0" y="0"/>
-                  </a:lnTo>
-                </a:path>
-              </a:pathLst>
-            </a:custGeom>
-            <a:ln w="13550" cap="flat">
-              <a:solidFill>
-                <a:srgbClr val="333333">
-                  <a:alpha val="100000"/>
-                </a:srgbClr>
-              </a:solidFill>
-              <a:prstDash val="solid"/>
-              <a:round/>
-            </a:ln>
-          </p:spPr>
-          <p:txBody>
-            <a:bodyPr/>
-            <a:lstStyle/>
-            <a:p/>
-          </p:txBody>
-        </p:sp>
-        <p:sp>
-          <p:nvSpPr>
-            <p:cNvPr id="167" name="pl167"/>
-            <p:cNvSpPr/>
-            <p:nvPr/>
-          </p:nvSpPr>
-          <p:spPr>
-            <a:xfrm>
-              <a:off x="8464585" y="5054641"/>
-              <a:ext cx="0" cy="34794"/>
-            </a:xfrm>
-            <a:custGeom>
-              <a:avLst/>
-              <a:pathLst>
-                <a:path w="0" h="34794">
-                  <a:moveTo>
-                    <a:pt x="0" y="34794"/>
-                  </a:moveTo>
-                  <a:lnTo>
-                    <a:pt x="0" y="0"/>
-                  </a:lnTo>
-                </a:path>
-              </a:pathLst>
-            </a:custGeom>
-            <a:ln w="13550" cap="flat">
-              <a:solidFill>
-                <a:srgbClr val="333333">
-                  <a:alpha val="100000"/>
-                </a:srgbClr>
-              </a:solidFill>
-              <a:prstDash val="solid"/>
-              <a:round/>
-            </a:ln>
-          </p:spPr>
-          <p:txBody>
-            <a:bodyPr/>
-            <a:lstStyle/>
-            <a:p/>
-          </p:txBody>
-        </p:sp>
-        <p:sp>
-          <p:nvSpPr>
-            <p:cNvPr id="168" name="pl168"/>
-            <p:cNvSpPr/>
-            <p:nvPr/>
-          </p:nvSpPr>
-          <p:spPr>
-            <a:xfrm>
-              <a:off x="8646318" y="5054641"/>
-              <a:ext cx="0" cy="34794"/>
-            </a:xfrm>
-            <a:custGeom>
-              <a:avLst/>
-              <a:pathLst>
-                <a:path w="0" h="34794">
-                  <a:moveTo>
-                    <a:pt x="0" y="34794"/>
-                  </a:moveTo>
-                  <a:lnTo>
-                    <a:pt x="0" y="0"/>
-                  </a:lnTo>
-                </a:path>
-              </a:pathLst>
-            </a:custGeom>
-            <a:ln w="13550" cap="flat">
-              <a:solidFill>
-                <a:srgbClr val="333333">
-                  <a:alpha val="100000"/>
-                </a:srgbClr>
-              </a:solidFill>
-              <a:prstDash val="solid"/>
-              <a:round/>
-            </a:ln>
-          </p:spPr>
-          <p:txBody>
-            <a:bodyPr/>
-            <a:lstStyle/>
-            <a:p/>
-          </p:txBody>
-        </p:sp>
-        <p:sp>
-          <p:nvSpPr>
-            <p:cNvPr id="169" name="pl169"/>
-            <p:cNvSpPr/>
-            <p:nvPr/>
-          </p:nvSpPr>
-          <p:spPr>
-            <a:xfrm>
-              <a:off x="8828052" y="5054641"/>
-              <a:ext cx="0" cy="34794"/>
-            </a:xfrm>
-            <a:custGeom>
-              <a:avLst/>
-              <a:pathLst>
-                <a:path w="0" h="34794">
-                  <a:moveTo>
-                    <a:pt x="0" y="34794"/>
-                  </a:moveTo>
-                  <a:lnTo>
-                    <a:pt x="0" y="0"/>
-                  </a:lnTo>
-                </a:path>
-              </a:pathLst>
-            </a:custGeom>
-            <a:ln w="13550" cap="flat">
-              <a:solidFill>
-                <a:srgbClr val="333333">
-                  <a:alpha val="100000"/>
-                </a:srgbClr>
-              </a:solidFill>
-              <a:prstDash val="solid"/>
-              <a:round/>
-            </a:ln>
-          </p:spPr>
-          <p:txBody>
-            <a:bodyPr/>
-            <a:lstStyle/>
-            <a:p/>
-          </p:txBody>
-        </p:sp>
-        <p:sp>
-          <p:nvSpPr>
-            <p:cNvPr id="170" name="tx170"/>
-            <p:cNvSpPr/>
-            <p:nvPr/>
-          </p:nvSpPr>
-          <p:spPr>
-            <a:xfrm>
-              <a:off x="1991545" y="4865428"/>
+            <p:cNvPr id="95" name="tx95"/>
+            <p:cNvSpPr/>
+            <p:nvPr/>
+          </p:nvSpPr>
+          <p:spPr>
+            <a:xfrm>
+              <a:off x="2055095" y="5074909"/>
               <a:ext cx="62155" cy="81691"/>
             </a:xfrm>
             <a:prstGeom prst="rect">
@@ -9452,14 +6727,14 @@
         </p:sp>
         <p:sp>
           <p:nvSpPr>
-            <p:cNvPr id="171" name="tx171"/>
-            <p:cNvSpPr/>
-            <p:nvPr/>
-          </p:nvSpPr>
-          <p:spPr>
-            <a:xfrm>
-              <a:off x="1929389" y="4082075"/>
-              <a:ext cx="124311" cy="81746"/>
+            <p:cNvPr id="96" name="tx96"/>
+            <p:cNvSpPr/>
+            <p:nvPr/>
+          </p:nvSpPr>
+          <p:spPr>
+            <a:xfrm>
+              <a:off x="1930784" y="4153876"/>
+              <a:ext cx="186466" cy="81691"/>
             </a:xfrm>
             <a:prstGeom prst="rect">
               <a:avLst/>
@@ -9491,21 +6766,21 @@
                   <a:latin typeface="Arial"/>
                   <a:cs typeface="Arial"/>
                 </a:rPr>
-                <a:t>30</a:t>
+                <a:t>100</a:t>
               </a:r>
             </a:p>
           </p:txBody>
         </p:sp>
         <p:sp>
           <p:nvSpPr>
-            <p:cNvPr id="172" name="tx172"/>
-            <p:cNvSpPr/>
-            <p:nvPr/>
-          </p:nvSpPr>
-          <p:spPr>
-            <a:xfrm>
-              <a:off x="1929389" y="3298830"/>
-              <a:ext cx="124311" cy="81691"/>
+            <p:cNvPr id="97" name="tx97"/>
+            <p:cNvSpPr/>
+            <p:nvPr/>
+          </p:nvSpPr>
+          <p:spPr>
+            <a:xfrm>
+              <a:off x="1930784" y="3232844"/>
+              <a:ext cx="186466" cy="81691"/>
             </a:xfrm>
             <a:prstGeom prst="rect">
               <a:avLst/>
@@ -9537,21 +6812,21 @@
                   <a:latin typeface="Arial"/>
                   <a:cs typeface="Arial"/>
                 </a:rPr>
-                <a:t>60</a:t>
+                <a:t>200</a:t>
               </a:r>
             </a:p>
           </p:txBody>
         </p:sp>
         <p:sp>
           <p:nvSpPr>
-            <p:cNvPr id="173" name="tx173"/>
-            <p:cNvSpPr/>
-            <p:nvPr/>
-          </p:nvSpPr>
-          <p:spPr>
-            <a:xfrm>
-              <a:off x="1929389" y="2515531"/>
-              <a:ext cx="124311" cy="81691"/>
+            <p:cNvPr id="98" name="tx98"/>
+            <p:cNvSpPr/>
+            <p:nvPr/>
+          </p:nvSpPr>
+          <p:spPr>
+            <a:xfrm>
+              <a:off x="1930784" y="2311757"/>
+              <a:ext cx="186466" cy="81746"/>
             </a:xfrm>
             <a:prstGeom prst="rect">
               <a:avLst/>
@@ -9583,20 +6858,20 @@
                   <a:latin typeface="Arial"/>
                   <a:cs typeface="Arial"/>
                 </a:rPr>
-                <a:t>90</a:t>
+                <a:t>300</a:t>
               </a:r>
             </a:p>
           </p:txBody>
         </p:sp>
         <p:sp>
           <p:nvSpPr>
-            <p:cNvPr id="174" name="pl174"/>
-            <p:cNvSpPr/>
-            <p:nvPr/>
-          </p:nvSpPr>
-          <p:spPr>
-            <a:xfrm>
-              <a:off x="2081536" y="4907120"/>
+            <p:cNvPr id="99" name="pl99"/>
+            <p:cNvSpPr/>
+            <p:nvPr/>
+          </p:nvSpPr>
+          <p:spPr>
+            <a:xfrm>
+              <a:off x="2145087" y="5116600"/>
               <a:ext cx="34794" cy="0"/>
             </a:xfrm>
             <a:custGeom>
@@ -9630,13 +6905,13 @@
         </p:sp>
         <p:sp>
           <p:nvSpPr>
-            <p:cNvPr id="175" name="pl175"/>
-            <p:cNvSpPr/>
-            <p:nvPr/>
-          </p:nvSpPr>
-          <p:spPr>
-            <a:xfrm>
-              <a:off x="2081536" y="4123821"/>
+            <p:cNvPr id="100" name="pl100"/>
+            <p:cNvSpPr/>
+            <p:nvPr/>
+          </p:nvSpPr>
+          <p:spPr>
+            <a:xfrm>
+              <a:off x="2145087" y="4195568"/>
               <a:ext cx="34794" cy="0"/>
             </a:xfrm>
             <a:custGeom>
@@ -9670,13 +6945,13 @@
         </p:sp>
         <p:sp>
           <p:nvSpPr>
-            <p:cNvPr id="176" name="pl176"/>
-            <p:cNvSpPr/>
-            <p:nvPr/>
-          </p:nvSpPr>
-          <p:spPr>
-            <a:xfrm>
-              <a:off x="2081536" y="3340522"/>
+            <p:cNvPr id="101" name="pl101"/>
+            <p:cNvSpPr/>
+            <p:nvPr/>
+          </p:nvSpPr>
+          <p:spPr>
+            <a:xfrm>
+              <a:off x="2145087" y="3274535"/>
               <a:ext cx="34794" cy="0"/>
             </a:xfrm>
             <a:custGeom>
@@ -9710,13 +6985,13 @@
         </p:sp>
         <p:sp>
           <p:nvSpPr>
-            <p:cNvPr id="177" name="pl177"/>
-            <p:cNvSpPr/>
-            <p:nvPr/>
-          </p:nvSpPr>
-          <p:spPr>
-            <a:xfrm>
-              <a:off x="2081536" y="2557223"/>
+            <p:cNvPr id="102" name="pl102"/>
+            <p:cNvSpPr/>
+            <p:nvPr/>
+          </p:nvSpPr>
+          <p:spPr>
+            <a:xfrm>
+              <a:off x="2145087" y="2353503"/>
               <a:ext cx="34794" cy="0"/>
             </a:xfrm>
             <a:custGeom>
@@ -9750,14 +7025,14 @@
         </p:sp>
         <p:sp>
           <p:nvSpPr>
-            <p:cNvPr id="178" name="rc178"/>
-            <p:cNvSpPr/>
-            <p:nvPr/>
-          </p:nvSpPr>
-          <p:spPr>
-            <a:xfrm>
-              <a:off x="3684865" y="5394142"/>
-              <a:ext cx="3683692" cy="578090"/>
+            <p:cNvPr id="103" name="rc103"/>
+            <p:cNvSpPr/>
+            <p:nvPr/>
+          </p:nvSpPr>
+          <p:spPr>
+            <a:xfrm>
+              <a:off x="4891948" y="5613598"/>
+              <a:ext cx="1333077" cy="358634"/>
             </a:xfrm>
             <a:prstGeom prst="rect">
               <a:avLst/>
@@ -9776,13 +7051,13 @@
         </p:sp>
         <p:sp>
           <p:nvSpPr>
-            <p:cNvPr id="179" name="rc179"/>
-            <p:cNvSpPr/>
-            <p:nvPr/>
-          </p:nvSpPr>
-          <p:spPr>
-            <a:xfrm>
-              <a:off x="3824043" y="5463731"/>
+            <p:cNvPr id="104" name="rc104"/>
+            <p:cNvSpPr/>
+            <p:nvPr/>
+          </p:nvSpPr>
+          <p:spPr>
+            <a:xfrm>
+              <a:off x="5031126" y="5683187"/>
               <a:ext cx="219455" cy="219455"/>
             </a:xfrm>
             <a:prstGeom prst="rect">
@@ -9802,20 +7077,20 @@
         </p:sp>
         <p:sp>
           <p:nvSpPr>
-            <p:cNvPr id="180" name="rc180"/>
-            <p:cNvSpPr/>
-            <p:nvPr/>
-          </p:nvSpPr>
-          <p:spPr>
-            <a:xfrm>
-              <a:off x="3833043" y="5472731"/>
+            <p:cNvPr id="105" name="rc105"/>
+            <p:cNvSpPr/>
+            <p:nvPr/>
+          </p:nvSpPr>
+          <p:spPr>
+            <a:xfrm>
+              <a:off x="5040126" y="5692187"/>
               <a:ext cx="201456" cy="201456"/>
             </a:xfrm>
             <a:prstGeom prst="rect">
               <a:avLst/>
             </a:prstGeom>
             <a:solidFill>
-              <a:srgbClr val="FEE5D9">
+              <a:srgbClr val="FEE0D2">
                 <a:alpha val="100000"/>
               </a:srgbClr>
             </a:solidFill>
@@ -9828,13 +7103,13 @@
         </p:sp>
         <p:sp>
           <p:nvSpPr>
-            <p:cNvPr id="181" name="rc181"/>
-            <p:cNvSpPr/>
-            <p:nvPr/>
-          </p:nvSpPr>
-          <p:spPr>
-            <a:xfrm>
-              <a:off x="3824043" y="5683187"/>
+            <p:cNvPr id="106" name="rc106"/>
+            <p:cNvSpPr/>
+            <p:nvPr/>
+          </p:nvSpPr>
+          <p:spPr>
+            <a:xfrm>
+              <a:off x="5580413" y="5683187"/>
               <a:ext cx="219455" cy="219455"/>
             </a:xfrm>
             <a:prstGeom prst="rect">
@@ -9854,65 +7129,13 @@
         </p:sp>
         <p:sp>
           <p:nvSpPr>
-            <p:cNvPr id="182" name="rc182"/>
-            <p:cNvSpPr/>
-            <p:nvPr/>
-          </p:nvSpPr>
-          <p:spPr>
-            <a:xfrm>
-              <a:off x="3833043" y="5692187"/>
-              <a:ext cx="201456" cy="201456"/>
-            </a:xfrm>
-            <a:prstGeom prst="rect">
-              <a:avLst/>
-            </a:prstGeom>
-            <a:solidFill>
-              <a:srgbClr val="FCBBA1">
-                <a:alpha val="100000"/>
-              </a:srgbClr>
-            </a:solidFill>
-          </p:spPr>
-          <p:txBody>
-            <a:bodyPr/>
-            <a:lstStyle/>
-            <a:p/>
-          </p:txBody>
-        </p:sp>
-        <p:sp>
-          <p:nvSpPr>
-            <p:cNvPr id="183" name="rc183"/>
-            <p:cNvSpPr/>
-            <p:nvPr/>
-          </p:nvSpPr>
-          <p:spPr>
-            <a:xfrm>
-              <a:off x="4598958" y="5463731"/>
-              <a:ext cx="219455" cy="219455"/>
-            </a:xfrm>
-            <a:prstGeom prst="rect">
-              <a:avLst/>
-            </a:prstGeom>
-            <a:solidFill>
-              <a:srgbClr val="FFFFFF">
-                <a:alpha val="100000"/>
-              </a:srgbClr>
-            </a:solidFill>
-          </p:spPr>
-          <p:txBody>
-            <a:bodyPr/>
-            <a:lstStyle/>
-            <a:p/>
-          </p:txBody>
-        </p:sp>
-        <p:sp>
-          <p:nvSpPr>
-            <p:cNvPr id="184" name="rc184"/>
-            <p:cNvSpPr/>
-            <p:nvPr/>
-          </p:nvSpPr>
-          <p:spPr>
-            <a:xfrm>
-              <a:off x="4607958" y="5472731"/>
+            <p:cNvPr id="107" name="rc107"/>
+            <p:cNvSpPr/>
+            <p:nvPr/>
+          </p:nvSpPr>
+          <p:spPr>
+            <a:xfrm>
+              <a:off x="5589413" y="5692187"/>
               <a:ext cx="201456" cy="201456"/>
             </a:xfrm>
             <a:prstGeom prst="rect">
@@ -9932,222 +7155,14 @@
         </p:sp>
         <p:sp>
           <p:nvSpPr>
-            <p:cNvPr id="185" name="rc185"/>
-            <p:cNvSpPr/>
-            <p:nvPr/>
-          </p:nvSpPr>
-          <p:spPr>
-            <a:xfrm>
-              <a:off x="4598958" y="5683187"/>
-              <a:ext cx="219455" cy="219455"/>
-            </a:xfrm>
-            <a:prstGeom prst="rect">
-              <a:avLst/>
-            </a:prstGeom>
-            <a:solidFill>
-              <a:srgbClr val="FFFFFF">
-                <a:alpha val="100000"/>
-              </a:srgbClr>
-            </a:solidFill>
-          </p:spPr>
-          <p:txBody>
-            <a:bodyPr/>
-            <a:lstStyle/>
-            <a:p/>
-          </p:txBody>
-        </p:sp>
-        <p:sp>
-          <p:nvSpPr>
-            <p:cNvPr id="186" name="rc186"/>
-            <p:cNvSpPr/>
-            <p:nvPr/>
-          </p:nvSpPr>
-          <p:spPr>
-            <a:xfrm>
-              <a:off x="4607958" y="5692187"/>
-              <a:ext cx="201456" cy="201456"/>
-            </a:xfrm>
-            <a:prstGeom prst="rect">
-              <a:avLst/>
-            </a:prstGeom>
-            <a:solidFill>
-              <a:srgbClr val="FB6A4A">
-                <a:alpha val="100000"/>
-              </a:srgbClr>
-            </a:solidFill>
-          </p:spPr>
-          <p:txBody>
-            <a:bodyPr/>
-            <a:lstStyle/>
-            <a:p/>
-          </p:txBody>
-        </p:sp>
-        <p:sp>
-          <p:nvSpPr>
-            <p:cNvPr id="187" name="rc187"/>
-            <p:cNvSpPr/>
-            <p:nvPr/>
-          </p:nvSpPr>
-          <p:spPr>
-            <a:xfrm>
-              <a:off x="5500974" y="5463731"/>
-              <a:ext cx="219455" cy="219455"/>
-            </a:xfrm>
-            <a:prstGeom prst="rect">
-              <a:avLst/>
-            </a:prstGeom>
-            <a:solidFill>
-              <a:srgbClr val="FFFFFF">
-                <a:alpha val="100000"/>
-              </a:srgbClr>
-            </a:solidFill>
-          </p:spPr>
-          <p:txBody>
-            <a:bodyPr/>
-            <a:lstStyle/>
-            <a:p/>
-          </p:txBody>
-        </p:sp>
-        <p:sp>
-          <p:nvSpPr>
-            <p:cNvPr id="188" name="rc188"/>
-            <p:cNvSpPr/>
-            <p:nvPr/>
-          </p:nvSpPr>
-          <p:spPr>
-            <a:xfrm>
-              <a:off x="5509974" y="5472731"/>
-              <a:ext cx="201456" cy="201456"/>
-            </a:xfrm>
-            <a:prstGeom prst="rect">
-              <a:avLst/>
-            </a:prstGeom>
-            <a:solidFill>
-              <a:srgbClr val="EF3B2C">
-                <a:alpha val="100000"/>
-              </a:srgbClr>
-            </a:solidFill>
-          </p:spPr>
-          <p:txBody>
-            <a:bodyPr/>
-            <a:lstStyle/>
-            <a:p/>
-          </p:txBody>
-        </p:sp>
-        <p:sp>
-          <p:nvSpPr>
-            <p:cNvPr id="189" name="rc189"/>
-            <p:cNvSpPr/>
-            <p:nvPr/>
-          </p:nvSpPr>
-          <p:spPr>
-            <a:xfrm>
-              <a:off x="5500974" y="5683187"/>
-              <a:ext cx="219455" cy="219455"/>
-            </a:xfrm>
-            <a:prstGeom prst="rect">
-              <a:avLst/>
-            </a:prstGeom>
-            <a:solidFill>
-              <a:srgbClr val="FFFFFF">
-                <a:alpha val="100000"/>
-              </a:srgbClr>
-            </a:solidFill>
-          </p:spPr>
-          <p:txBody>
-            <a:bodyPr/>
-            <a:lstStyle/>
-            <a:p/>
-          </p:txBody>
-        </p:sp>
-        <p:sp>
-          <p:nvSpPr>
-            <p:cNvPr id="190" name="rc190"/>
-            <p:cNvSpPr/>
-            <p:nvPr/>
-          </p:nvSpPr>
-          <p:spPr>
-            <a:xfrm>
-              <a:off x="5509974" y="5692187"/>
-              <a:ext cx="201456" cy="201456"/>
-            </a:xfrm>
-            <a:prstGeom prst="rect">
-              <a:avLst/>
-            </a:prstGeom>
-            <a:solidFill>
-              <a:srgbClr val="CB181D">
-                <a:alpha val="100000"/>
-              </a:srgbClr>
-            </a:solidFill>
-          </p:spPr>
-          <p:txBody>
-            <a:bodyPr/>
-            <a:lstStyle/>
-            <a:p/>
-          </p:txBody>
-        </p:sp>
-        <p:sp>
-          <p:nvSpPr>
-            <p:cNvPr id="191" name="rc191"/>
-            <p:cNvSpPr/>
-            <p:nvPr/>
-          </p:nvSpPr>
-          <p:spPr>
-            <a:xfrm>
-              <a:off x="6402990" y="5463731"/>
-              <a:ext cx="219455" cy="219455"/>
-            </a:xfrm>
-            <a:prstGeom prst="rect">
-              <a:avLst/>
-            </a:prstGeom>
-            <a:solidFill>
-              <a:srgbClr val="FFFFFF">
-                <a:alpha val="100000"/>
-              </a:srgbClr>
-            </a:solidFill>
-          </p:spPr>
-          <p:txBody>
-            <a:bodyPr/>
-            <a:lstStyle/>
-            <a:p/>
-          </p:txBody>
-        </p:sp>
-        <p:sp>
-          <p:nvSpPr>
-            <p:cNvPr id="192" name="rc192"/>
-            <p:cNvSpPr/>
-            <p:nvPr/>
-          </p:nvSpPr>
-          <p:spPr>
-            <a:xfrm>
-              <a:off x="6411990" y="5472731"/>
-              <a:ext cx="201456" cy="201456"/>
-            </a:xfrm>
-            <a:prstGeom prst="rect">
-              <a:avLst/>
-            </a:prstGeom>
-            <a:solidFill>
-              <a:srgbClr val="99000D">
-                <a:alpha val="100000"/>
-              </a:srgbClr>
-            </a:solidFill>
-          </p:spPr>
-          <p:txBody>
-            <a:bodyPr/>
-            <a:lstStyle/>
-            <a:p/>
-          </p:txBody>
-        </p:sp>
-        <p:sp>
-          <p:nvSpPr>
-            <p:cNvPr id="193" name="tx193"/>
-            <p:cNvSpPr/>
-            <p:nvPr/>
-          </p:nvSpPr>
-          <p:spPr>
-            <a:xfrm>
-              <a:off x="4113088" y="5531767"/>
-              <a:ext cx="269468" cy="81691"/>
+            <p:cNvPr id="108" name="tx108"/>
+            <p:cNvSpPr/>
+            <p:nvPr/>
+          </p:nvSpPr>
+          <p:spPr>
+            <a:xfrm>
+              <a:off x="5320171" y="5763065"/>
+              <a:ext cx="167640" cy="69850"/>
             </a:xfrm>
             <a:prstGeom prst="rect">
               <a:avLst/>
@@ -10179,21 +7194,21 @@
                   <a:latin typeface="Arial"/>
                   <a:cs typeface="Arial"/>
                 </a:rPr>
-                <a:t>≤10亿</a:t>
+                <a:t>必要</a:t>
               </a:r>
             </a:p>
           </p:txBody>
         </p:sp>
         <p:sp>
           <p:nvSpPr>
-            <p:cNvPr id="194" name="tx194"/>
-            <p:cNvSpPr/>
-            <p:nvPr/>
-          </p:nvSpPr>
-          <p:spPr>
-            <a:xfrm>
-              <a:off x="4113088" y="5751223"/>
-              <a:ext cx="393779" cy="81691"/>
+            <p:cNvPr id="109" name="tx109"/>
+            <p:cNvSpPr/>
+            <p:nvPr/>
+          </p:nvSpPr>
+          <p:spPr>
+            <a:xfrm>
+              <a:off x="5869458" y="5763065"/>
+              <a:ext cx="251460" cy="69850"/>
             </a:xfrm>
             <a:prstGeom prst="rect">
               <a:avLst/>
@@ -10225,237 +7240,7 @@
                   <a:latin typeface="Arial"/>
                   <a:cs typeface="Arial"/>
                 </a:rPr>
-                <a:t>≥1000亿</a:t>
-              </a:r>
-            </a:p>
-          </p:txBody>
-        </p:sp>
-        <p:sp>
-          <p:nvSpPr>
-            <p:cNvPr id="195" name="tx195"/>
-            <p:cNvSpPr/>
-            <p:nvPr/>
-          </p:nvSpPr>
-          <p:spPr>
-            <a:xfrm>
-              <a:off x="4888003" y="5531767"/>
-              <a:ext cx="369659" cy="81691"/>
-            </a:xfrm>
-            <a:prstGeom prst="rect">
-              <a:avLst/>
-            </a:prstGeom>
-            <a:noFill/>
-          </p:spPr>
-          <p:txBody>
-            <a:bodyPr lIns="0" rIns="0" tIns="0" bIns="0" anchorCtr="1" anchor="ctr" wrap="none"/>
-            <a:lstStyle/>
-            <a:p>
-              <a:pPr algn="l" marL="0" marR="0" indent="0">
-                <a:lnSpc>
-                  <a:spcPts val="880"/>
-                </a:lnSpc>
-                <a:spcBef>
-                  <a:spcPts val="0"/>
-                </a:spcBef>
-                <a:spcAft>
-                  <a:spcPts val="0"/>
-                </a:spcAft>
-              </a:pPr>
-              <a:r>
-                <a:rPr sz="880">
-                  <a:solidFill>
-                    <a:srgbClr val="000000">
-                      <a:alpha val="100000"/>
-                    </a:srgbClr>
-                  </a:solidFill>
-                  <a:latin typeface="Arial"/>
-                  <a:cs typeface="Arial"/>
-                </a:rPr>
-                <a:t>10-50亿</a:t>
-              </a:r>
-            </a:p>
-          </p:txBody>
-        </p:sp>
-        <p:sp>
-          <p:nvSpPr>
-            <p:cNvPr id="196" name="tx196"/>
-            <p:cNvSpPr/>
-            <p:nvPr/>
-          </p:nvSpPr>
-          <p:spPr>
-            <a:xfrm>
-              <a:off x="4888003" y="5751169"/>
-              <a:ext cx="493970" cy="81746"/>
-            </a:xfrm>
-            <a:prstGeom prst="rect">
-              <a:avLst/>
-            </a:prstGeom>
-            <a:noFill/>
-          </p:spPr>
-          <p:txBody>
-            <a:bodyPr lIns="0" rIns="0" tIns="0" bIns="0" anchorCtr="1" anchor="ctr" wrap="none"/>
-            <a:lstStyle/>
-            <a:p>
-              <a:pPr algn="l" marL="0" marR="0" indent="0">
-                <a:lnSpc>
-                  <a:spcPts val="880"/>
-                </a:lnSpc>
-                <a:spcBef>
-                  <a:spcPts val="0"/>
-                </a:spcBef>
-                <a:spcAft>
-                  <a:spcPts val="0"/>
-                </a:spcAft>
-              </a:pPr>
-              <a:r>
-                <a:rPr sz="880">
-                  <a:solidFill>
-                    <a:srgbClr val="000000">
-                      <a:alpha val="100000"/>
-                    </a:srgbClr>
-                  </a:solidFill>
-                  <a:latin typeface="Arial"/>
-                  <a:cs typeface="Arial"/>
-                </a:rPr>
-                <a:t>100-300亿</a:t>
-              </a:r>
-            </a:p>
-          </p:txBody>
-        </p:sp>
-        <p:sp>
-          <p:nvSpPr>
-            <p:cNvPr id="197" name="tx197"/>
-            <p:cNvSpPr/>
-            <p:nvPr/>
-          </p:nvSpPr>
-          <p:spPr>
-            <a:xfrm>
-              <a:off x="5790019" y="5531713"/>
-              <a:ext cx="493970" cy="81746"/>
-            </a:xfrm>
-            <a:prstGeom prst="rect">
-              <a:avLst/>
-            </a:prstGeom>
-            <a:noFill/>
-          </p:spPr>
-          <p:txBody>
-            <a:bodyPr lIns="0" rIns="0" tIns="0" bIns="0" anchorCtr="1" anchor="ctr" wrap="none"/>
-            <a:lstStyle/>
-            <a:p>
-              <a:pPr algn="l" marL="0" marR="0" indent="0">
-                <a:lnSpc>
-                  <a:spcPts val="880"/>
-                </a:lnSpc>
-                <a:spcBef>
-                  <a:spcPts val="0"/>
-                </a:spcBef>
-                <a:spcAft>
-                  <a:spcPts val="0"/>
-                </a:spcAft>
-              </a:pPr>
-              <a:r>
-                <a:rPr sz="880">
-                  <a:solidFill>
-                    <a:srgbClr val="000000">
-                      <a:alpha val="100000"/>
-                    </a:srgbClr>
-                  </a:solidFill>
-                  <a:latin typeface="Arial"/>
-                  <a:cs typeface="Arial"/>
-                </a:rPr>
-                <a:t>300-500亿</a:t>
-              </a:r>
-            </a:p>
-          </p:txBody>
-        </p:sp>
-        <p:sp>
-          <p:nvSpPr>
-            <p:cNvPr id="198" name="tx198"/>
-            <p:cNvSpPr/>
-            <p:nvPr/>
-          </p:nvSpPr>
-          <p:spPr>
-            <a:xfrm>
-              <a:off x="5790019" y="5751223"/>
-              <a:ext cx="431814" cy="81691"/>
-            </a:xfrm>
-            <a:prstGeom prst="rect">
-              <a:avLst/>
-            </a:prstGeom>
-            <a:noFill/>
-          </p:spPr>
-          <p:txBody>
-            <a:bodyPr lIns="0" rIns="0" tIns="0" bIns="0" anchorCtr="1" anchor="ctr" wrap="none"/>
-            <a:lstStyle/>
-            <a:p>
-              <a:pPr algn="l" marL="0" marR="0" indent="0">
-                <a:lnSpc>
-                  <a:spcPts val="880"/>
-                </a:lnSpc>
-                <a:spcBef>
-                  <a:spcPts val="0"/>
-                </a:spcBef>
-                <a:spcAft>
-                  <a:spcPts val="0"/>
-                </a:spcAft>
-              </a:pPr>
-              <a:r>
-                <a:rPr sz="880">
-                  <a:solidFill>
-                    <a:srgbClr val="000000">
-                      <a:alpha val="100000"/>
-                    </a:srgbClr>
-                  </a:solidFill>
-                  <a:latin typeface="Arial"/>
-                  <a:cs typeface="Arial"/>
-                </a:rPr>
-                <a:t>50-100亿</a:t>
-              </a:r>
-            </a:p>
-          </p:txBody>
-        </p:sp>
-        <p:sp>
-          <p:nvSpPr>
-            <p:cNvPr id="199" name="tx199"/>
-            <p:cNvSpPr/>
-            <p:nvPr/>
-          </p:nvSpPr>
-          <p:spPr>
-            <a:xfrm>
-              <a:off x="6692035" y="5531767"/>
-              <a:ext cx="556126" cy="81691"/>
-            </a:xfrm>
-            <a:prstGeom prst="rect">
-              <a:avLst/>
-            </a:prstGeom>
-            <a:noFill/>
-          </p:spPr>
-          <p:txBody>
-            <a:bodyPr lIns="0" rIns="0" tIns="0" bIns="0" anchorCtr="1" anchor="ctr" wrap="none"/>
-            <a:lstStyle/>
-            <a:p>
-              <a:pPr algn="l" marL="0" marR="0" indent="0">
-                <a:lnSpc>
-                  <a:spcPts val="880"/>
-                </a:lnSpc>
-                <a:spcBef>
-                  <a:spcPts val="0"/>
-                </a:spcBef>
-                <a:spcAft>
-                  <a:spcPts val="0"/>
-                </a:spcAft>
-              </a:pPr>
-              <a:r>
-                <a:rPr sz="880">
-                  <a:solidFill>
-                    <a:srgbClr val="000000">
-                      <a:alpha val="100000"/>
-                    </a:srgbClr>
-                  </a:solidFill>
-                  <a:latin typeface="Arial"/>
-                  <a:cs typeface="Arial"/>
-                </a:rPr>
-                <a:t>500-1000亿</a:t>
+                <a:t>不必要</a:t>
               </a:r>
             </a:p>
           </p:txBody>

--- a/_book/plot/unnamed-chunk-51-1.pptx
+++ b/_book/plot/unnamed-chunk-51-1.pptx
@@ -3218,7 +3218,7 @@
           </p:nvSpPr>
           <p:spPr>
             <a:xfrm>
-              <a:off x="2179881" y="4656084"/>
+              <a:off x="2179881" y="4517754"/>
               <a:ext cx="1295770" cy="0"/>
             </a:xfrm>
             <a:custGeom>
@@ -3261,7 +3261,7 @@
           </p:nvSpPr>
           <p:spPr>
             <a:xfrm>
-              <a:off x="2179881" y="3735052"/>
+              <a:off x="2179881" y="3320062"/>
               <a:ext cx="1295770" cy="0"/>
             </a:xfrm>
             <a:custGeom>
@@ -3304,7 +3304,7 @@
           </p:nvSpPr>
           <p:spPr>
             <a:xfrm>
-              <a:off x="2179881" y="2814019"/>
+              <a:off x="2179881" y="2122369"/>
               <a:ext cx="1295770" cy="0"/>
             </a:xfrm>
             <a:custGeom>
@@ -3347,49 +3347,6 @@
           </p:nvSpPr>
           <p:spPr>
             <a:xfrm>
-              <a:off x="2179881" y="1892987"/>
-              <a:ext cx="1295770" cy="0"/>
-            </a:xfrm>
-            <a:custGeom>
-              <a:avLst/>
-              <a:pathLst>
-                <a:path w="1295770" h="0">
-                  <a:moveTo>
-                    <a:pt x="0" y="0"/>
-                  </a:moveTo>
-                  <a:lnTo>
-                    <a:pt x="1295770" y="0"/>
-                  </a:lnTo>
-                  <a:lnTo>
-                    <a:pt x="1295770" y="0"/>
-                  </a:lnTo>
-                </a:path>
-              </a:pathLst>
-            </a:custGeom>
-            <a:ln w="6775" cap="flat">
-              <a:solidFill>
-                <a:srgbClr val="EBEBEB">
-                  <a:alpha val="100000"/>
-                </a:srgbClr>
-              </a:solidFill>
-              <a:prstDash val="solid"/>
-              <a:round/>
-            </a:ln>
-          </p:spPr>
-          <p:txBody>
-            <a:bodyPr/>
-            <a:lstStyle/>
-            <a:p/>
-          </p:txBody>
-        </p:sp>
-        <p:sp>
-          <p:nvSpPr>
-            <p:cNvPr id="10" name="pl10"/>
-            <p:cNvSpPr/>
-            <p:nvPr/>
-          </p:nvSpPr>
-          <p:spPr>
-            <a:xfrm>
               <a:off x="2179881" y="5116600"/>
               <a:ext cx="1295770" cy="0"/>
             </a:xfrm>
@@ -3427,13 +3384,13 @@
         </p:sp>
         <p:sp>
           <p:nvSpPr>
-            <p:cNvPr id="11" name="pl11"/>
-            <p:cNvSpPr/>
-            <p:nvPr/>
-          </p:nvSpPr>
-          <p:spPr>
-            <a:xfrm>
-              <a:off x="2179881" y="4195568"/>
+            <p:cNvPr id="10" name="pl10"/>
+            <p:cNvSpPr/>
+            <p:nvPr/>
+          </p:nvSpPr>
+          <p:spPr>
+            <a:xfrm>
+              <a:off x="2179881" y="3918908"/>
               <a:ext cx="1295770" cy="0"/>
             </a:xfrm>
             <a:custGeom>
@@ -3470,13 +3427,13 @@
         </p:sp>
         <p:sp>
           <p:nvSpPr>
-            <p:cNvPr id="12" name="pl12"/>
-            <p:cNvSpPr/>
-            <p:nvPr/>
-          </p:nvSpPr>
-          <p:spPr>
-            <a:xfrm>
-              <a:off x="2179881" y="3274535"/>
+            <p:cNvPr id="11" name="pl11"/>
+            <p:cNvSpPr/>
+            <p:nvPr/>
+          </p:nvSpPr>
+          <p:spPr>
+            <a:xfrm>
+              <a:off x="2179881" y="2721215"/>
               <a:ext cx="1295770" cy="0"/>
             </a:xfrm>
             <a:custGeom>
@@ -3513,56 +3470,13 @@
         </p:sp>
         <p:sp>
           <p:nvSpPr>
-            <p:cNvPr id="13" name="pl13"/>
-            <p:cNvSpPr/>
-            <p:nvPr/>
-          </p:nvSpPr>
-          <p:spPr>
-            <a:xfrm>
-              <a:off x="2179881" y="2353503"/>
-              <a:ext cx="1295770" cy="0"/>
-            </a:xfrm>
-            <a:custGeom>
-              <a:avLst/>
-              <a:pathLst>
-                <a:path w="1295770" h="0">
-                  <a:moveTo>
-                    <a:pt x="0" y="0"/>
-                  </a:moveTo>
-                  <a:lnTo>
-                    <a:pt x="1295770" y="0"/>
-                  </a:lnTo>
-                  <a:lnTo>
-                    <a:pt x="1295770" y="0"/>
-                  </a:lnTo>
-                </a:path>
-              </a:pathLst>
-            </a:custGeom>
-            <a:ln w="13550" cap="flat">
-              <a:solidFill>
-                <a:srgbClr val="EBEBEB">
-                  <a:alpha val="100000"/>
-                </a:srgbClr>
-              </a:solidFill>
-              <a:prstDash val="solid"/>
-              <a:round/>
-            </a:ln>
-          </p:spPr>
-          <p:txBody>
-            <a:bodyPr/>
-            <a:lstStyle/>
-            <a:p/>
-          </p:txBody>
-        </p:sp>
-        <p:sp>
-          <p:nvSpPr>
-            <p:cNvPr id="14" name="pl14"/>
-            <p:cNvSpPr/>
-            <p:nvPr/>
-          </p:nvSpPr>
-          <p:spPr>
-            <a:xfrm>
-              <a:off x="2533273" y="1809173"/>
+            <p:cNvPr id="12" name="pl12"/>
+            <p:cNvSpPr/>
+            <p:nvPr/>
+          </p:nvSpPr>
+          <p:spPr>
+            <a:xfrm>
+              <a:off x="2364991" y="1809173"/>
               <a:ext cx="0" cy="3464924"/>
             </a:xfrm>
             <a:custGeom>
@@ -3599,13 +3513,13 @@
         </p:sp>
         <p:sp>
           <p:nvSpPr>
-            <p:cNvPr id="15" name="pl15"/>
-            <p:cNvSpPr/>
-            <p:nvPr/>
-          </p:nvSpPr>
-          <p:spPr>
-            <a:xfrm>
-              <a:off x="3122260" y="1809173"/>
+            <p:cNvPr id="13" name="pl13"/>
+            <p:cNvSpPr/>
+            <p:nvPr/>
+          </p:nvSpPr>
+          <p:spPr>
+            <a:xfrm>
+              <a:off x="2673508" y="1809173"/>
               <a:ext cx="0" cy="3464924"/>
             </a:xfrm>
             <a:custGeom>
@@ -3642,20 +3556,106 @@
         </p:sp>
         <p:sp>
           <p:nvSpPr>
+            <p:cNvPr id="14" name="pl14"/>
+            <p:cNvSpPr/>
+            <p:nvPr/>
+          </p:nvSpPr>
+          <p:spPr>
+            <a:xfrm>
+              <a:off x="2982025" y="1809173"/>
+              <a:ext cx="0" cy="3464924"/>
+            </a:xfrm>
+            <a:custGeom>
+              <a:avLst/>
+              <a:pathLst>
+                <a:path w="0" h="3464924">
+                  <a:moveTo>
+                    <a:pt x="0" y="3464924"/>
+                  </a:moveTo>
+                  <a:lnTo>
+                    <a:pt x="0" y="0"/>
+                  </a:lnTo>
+                  <a:lnTo>
+                    <a:pt x="0" y="0"/>
+                  </a:lnTo>
+                </a:path>
+              </a:pathLst>
+            </a:custGeom>
+            <a:ln w="13550" cap="flat">
+              <a:solidFill>
+                <a:srgbClr val="EBEBEB">
+                  <a:alpha val="100000"/>
+                </a:srgbClr>
+              </a:solidFill>
+              <a:prstDash val="solid"/>
+              <a:round/>
+            </a:ln>
+          </p:spPr>
+          <p:txBody>
+            <a:bodyPr/>
+            <a:lstStyle/>
+            <a:p/>
+          </p:txBody>
+        </p:sp>
+        <p:sp>
+          <p:nvSpPr>
+            <p:cNvPr id="15" name="pl15"/>
+            <p:cNvSpPr/>
+            <p:nvPr/>
+          </p:nvSpPr>
+          <p:spPr>
+            <a:xfrm>
+              <a:off x="3290542" y="1809173"/>
+              <a:ext cx="0" cy="3464924"/>
+            </a:xfrm>
+            <a:custGeom>
+              <a:avLst/>
+              <a:pathLst>
+                <a:path w="0" h="3464924">
+                  <a:moveTo>
+                    <a:pt x="0" y="3464924"/>
+                  </a:moveTo>
+                  <a:lnTo>
+                    <a:pt x="0" y="0"/>
+                  </a:lnTo>
+                  <a:lnTo>
+                    <a:pt x="0" y="0"/>
+                  </a:lnTo>
+                </a:path>
+              </a:pathLst>
+            </a:custGeom>
+            <a:ln w="13550" cap="flat">
+              <a:solidFill>
+                <a:srgbClr val="EBEBEB">
+                  <a:alpha val="100000"/>
+                </a:srgbClr>
+              </a:solidFill>
+              <a:prstDash val="solid"/>
+              <a:round/>
+            </a:ln>
+          </p:spPr>
+          <p:txBody>
+            <a:bodyPr/>
+            <a:lstStyle/>
+            <a:p/>
+          </p:txBody>
+        </p:sp>
+        <p:sp>
+          <p:nvSpPr>
             <p:cNvPr id="16" name="rc16"/>
             <p:cNvSpPr/>
             <p:nvPr/>
           </p:nvSpPr>
           <p:spPr>
             <a:xfrm>
-              <a:off x="2268229" y="1966669"/>
-              <a:ext cx="530088" cy="3149931"/>
+              <a:off x="2226159" y="4709385"/>
+              <a:ext cx="277665" cy="407215"/>
             </a:xfrm>
             <a:prstGeom prst="rect">
               <a:avLst/>
             </a:prstGeom>
             <a:solidFill>
-              <a:srgbClr val="FEE0D2">
+              <a:srgbClr val="FEE5D9">
                 <a:alpha val="100000"/>
               </a:srgbClr>
             </a:solidFill>
@@ -3674,14 +3674,14 @@
           </p:nvSpPr>
           <p:spPr>
             <a:xfrm>
-              <a:off x="2857216" y="4213989"/>
-              <a:ext cx="530088" cy="902611"/>
+              <a:off x="2534676" y="1966669"/>
+              <a:ext cx="277665" cy="3149931"/>
             </a:xfrm>
             <a:prstGeom prst="rect">
               <a:avLst/>
             </a:prstGeom>
             <a:solidFill>
-              <a:srgbClr val="FC9272">
+              <a:srgbClr val="FCAE91">
                 <a:alpha val="100000"/>
               </a:srgbClr>
             </a:solidFill>
@@ -3700,6 +3700,58 @@
           </p:nvSpPr>
           <p:spPr>
             <a:xfrm>
+              <a:off x="2843193" y="4146469"/>
+              <a:ext cx="277665" cy="970130"/>
+            </a:xfrm>
+            <a:prstGeom prst="rect">
+              <a:avLst/>
+            </a:prstGeom>
+            <a:solidFill>
+              <a:srgbClr val="FB6A4A">
+                <a:alpha val="100000"/>
+              </a:srgbClr>
+            </a:solidFill>
+          </p:spPr>
+          <p:txBody>
+            <a:bodyPr/>
+            <a:lstStyle/>
+            <a:p/>
+          </p:txBody>
+        </p:sp>
+        <p:sp>
+          <p:nvSpPr>
+            <p:cNvPr id="19" name="rc19"/>
+            <p:cNvSpPr/>
+            <p:nvPr/>
+          </p:nvSpPr>
+          <p:spPr>
+            <a:xfrm>
+              <a:off x="3151709" y="4374031"/>
+              <a:ext cx="277665" cy="742569"/>
+            </a:xfrm>
+            <a:prstGeom prst="rect">
+              <a:avLst/>
+            </a:prstGeom>
+            <a:solidFill>
+              <a:srgbClr val="CB181D">
+                <a:alpha val="100000"/>
+              </a:srgbClr>
+            </a:solidFill>
+          </p:spPr>
+          <p:txBody>
+            <a:bodyPr/>
+            <a:lstStyle/>
+            <a:p/>
+          </p:txBody>
+        </p:sp>
+        <p:sp>
+          <p:nvSpPr>
+            <p:cNvPr id="20" name="rc20"/>
+            <p:cNvSpPr/>
+            <p:nvPr/>
+          </p:nvSpPr>
+          <p:spPr>
+            <a:xfrm>
               <a:off x="2179881" y="1809173"/>
               <a:ext cx="1295770" cy="3464924"/>
             </a:xfrm>
@@ -3724,7 +3776,7 @@
         </p:sp>
         <p:sp>
           <p:nvSpPr>
-            <p:cNvPr id="19" name="rc19"/>
+            <p:cNvPr id="21" name="rc21"/>
             <p:cNvSpPr/>
             <p:nvPr/>
           </p:nvSpPr>
@@ -3750,13 +3802,13 @@
         </p:sp>
         <p:sp>
           <p:nvSpPr>
-            <p:cNvPr id="20" name="pl20"/>
-            <p:cNvSpPr/>
-            <p:nvPr/>
-          </p:nvSpPr>
-          <p:spPr>
-            <a:xfrm>
-              <a:off x="3545241" y="4656084"/>
+            <p:cNvPr id="22" name="pl22"/>
+            <p:cNvSpPr/>
+            <p:nvPr/>
+          </p:nvSpPr>
+          <p:spPr>
+            <a:xfrm>
+              <a:off x="3545241" y="4517754"/>
               <a:ext cx="1295770" cy="0"/>
             </a:xfrm>
             <a:custGeom>
@@ -3793,13 +3845,13 @@
         </p:sp>
         <p:sp>
           <p:nvSpPr>
-            <p:cNvPr id="21" name="pl21"/>
-            <p:cNvSpPr/>
-            <p:nvPr/>
-          </p:nvSpPr>
-          <p:spPr>
-            <a:xfrm>
-              <a:off x="3545241" y="3735052"/>
+            <p:cNvPr id="23" name="pl23"/>
+            <p:cNvSpPr/>
+            <p:nvPr/>
+          </p:nvSpPr>
+          <p:spPr>
+            <a:xfrm>
+              <a:off x="3545241" y="3320062"/>
               <a:ext cx="1295770" cy="0"/>
             </a:xfrm>
             <a:custGeom>
@@ -3836,13 +3888,13 @@
         </p:sp>
         <p:sp>
           <p:nvSpPr>
-            <p:cNvPr id="22" name="pl22"/>
-            <p:cNvSpPr/>
-            <p:nvPr/>
-          </p:nvSpPr>
-          <p:spPr>
-            <a:xfrm>
-              <a:off x="3545241" y="2814019"/>
+            <p:cNvPr id="24" name="pl24"/>
+            <p:cNvSpPr/>
+            <p:nvPr/>
+          </p:nvSpPr>
+          <p:spPr>
+            <a:xfrm>
+              <a:off x="3545241" y="2122369"/>
               <a:ext cx="1295770" cy="0"/>
             </a:xfrm>
             <a:custGeom>
@@ -3879,50 +3931,7 @@
         </p:sp>
         <p:sp>
           <p:nvSpPr>
-            <p:cNvPr id="23" name="pl23"/>
-            <p:cNvSpPr/>
-            <p:nvPr/>
-          </p:nvSpPr>
-          <p:spPr>
-            <a:xfrm>
-              <a:off x="3545241" y="1892987"/>
-              <a:ext cx="1295770" cy="0"/>
-            </a:xfrm>
-            <a:custGeom>
-              <a:avLst/>
-              <a:pathLst>
-                <a:path w="1295770" h="0">
-                  <a:moveTo>
-                    <a:pt x="0" y="0"/>
-                  </a:moveTo>
-                  <a:lnTo>
-                    <a:pt x="1295770" y="0"/>
-                  </a:lnTo>
-                  <a:lnTo>
-                    <a:pt x="1295770" y="0"/>
-                  </a:lnTo>
-                </a:path>
-              </a:pathLst>
-            </a:custGeom>
-            <a:ln w="6775" cap="flat">
-              <a:solidFill>
-                <a:srgbClr val="EBEBEB">
-                  <a:alpha val="100000"/>
-                </a:srgbClr>
-              </a:solidFill>
-              <a:prstDash val="solid"/>
-              <a:round/>
-            </a:ln>
-          </p:spPr>
-          <p:txBody>
-            <a:bodyPr/>
-            <a:lstStyle/>
-            <a:p/>
-          </p:txBody>
-        </p:sp>
-        <p:sp>
-          <p:nvSpPr>
-            <p:cNvPr id="24" name="pl24"/>
+            <p:cNvPr id="25" name="pl25"/>
             <p:cNvSpPr/>
             <p:nvPr/>
           </p:nvSpPr>
@@ -3965,13 +3974,13 @@
         </p:sp>
         <p:sp>
           <p:nvSpPr>
-            <p:cNvPr id="25" name="pl25"/>
-            <p:cNvSpPr/>
-            <p:nvPr/>
-          </p:nvSpPr>
-          <p:spPr>
-            <a:xfrm>
-              <a:off x="3545241" y="4195568"/>
+            <p:cNvPr id="26" name="pl26"/>
+            <p:cNvSpPr/>
+            <p:nvPr/>
+          </p:nvSpPr>
+          <p:spPr>
+            <a:xfrm>
+              <a:off x="3545241" y="3918908"/>
               <a:ext cx="1295770" cy="0"/>
             </a:xfrm>
             <a:custGeom>
@@ -4008,13 +4017,13 @@
         </p:sp>
         <p:sp>
           <p:nvSpPr>
-            <p:cNvPr id="26" name="pl26"/>
-            <p:cNvSpPr/>
-            <p:nvPr/>
-          </p:nvSpPr>
-          <p:spPr>
-            <a:xfrm>
-              <a:off x="3545241" y="3274535"/>
+            <p:cNvPr id="27" name="pl27"/>
+            <p:cNvSpPr/>
+            <p:nvPr/>
+          </p:nvSpPr>
+          <p:spPr>
+            <a:xfrm>
+              <a:off x="3545241" y="2721215"/>
               <a:ext cx="1295770" cy="0"/>
             </a:xfrm>
             <a:custGeom>
@@ -4051,56 +4060,13 @@
         </p:sp>
         <p:sp>
           <p:nvSpPr>
-            <p:cNvPr id="27" name="pl27"/>
-            <p:cNvSpPr/>
-            <p:nvPr/>
-          </p:nvSpPr>
-          <p:spPr>
-            <a:xfrm>
-              <a:off x="3545241" y="2353503"/>
-              <a:ext cx="1295770" cy="0"/>
-            </a:xfrm>
-            <a:custGeom>
-              <a:avLst/>
-              <a:pathLst>
-                <a:path w="1295770" h="0">
-                  <a:moveTo>
-                    <a:pt x="0" y="0"/>
-                  </a:moveTo>
-                  <a:lnTo>
-                    <a:pt x="1295770" y="0"/>
-                  </a:lnTo>
-                  <a:lnTo>
-                    <a:pt x="1295770" y="0"/>
-                  </a:lnTo>
-                </a:path>
-              </a:pathLst>
-            </a:custGeom>
-            <a:ln w="13550" cap="flat">
-              <a:solidFill>
-                <a:srgbClr val="EBEBEB">
-                  <a:alpha val="100000"/>
-                </a:srgbClr>
-              </a:solidFill>
-              <a:prstDash val="solid"/>
-              <a:round/>
-            </a:ln>
-          </p:spPr>
-          <p:txBody>
-            <a:bodyPr/>
-            <a:lstStyle/>
-            <a:p/>
-          </p:txBody>
-        </p:sp>
-        <p:sp>
-          <p:nvSpPr>
             <p:cNvPr id="28" name="pl28"/>
             <p:cNvSpPr/>
             <p:nvPr/>
           </p:nvSpPr>
           <p:spPr>
             <a:xfrm>
-              <a:off x="3898633" y="1809173"/>
+              <a:off x="3730351" y="1809173"/>
               <a:ext cx="0" cy="3464924"/>
             </a:xfrm>
             <a:custGeom>
@@ -4143,7 +4109,7 @@
           </p:nvSpPr>
           <p:spPr>
             <a:xfrm>
-              <a:off x="4487620" y="1809173"/>
+              <a:off x="4038868" y="1809173"/>
               <a:ext cx="0" cy="3464924"/>
             </a:xfrm>
             <a:custGeom>
@@ -4180,20 +4146,106 @@
         </p:sp>
         <p:sp>
           <p:nvSpPr>
-            <p:cNvPr id="30" name="rc30"/>
-            <p:cNvSpPr/>
-            <p:nvPr/>
-          </p:nvSpPr>
-          <p:spPr>
-            <a:xfrm>
-              <a:off x="3633589" y="3200853"/>
-              <a:ext cx="530088" cy="1915747"/>
+            <p:cNvPr id="30" name="pl30"/>
+            <p:cNvSpPr/>
+            <p:nvPr/>
+          </p:nvSpPr>
+          <p:spPr>
+            <a:xfrm>
+              <a:off x="4347385" y="1809173"/>
+              <a:ext cx="0" cy="3464924"/>
+            </a:xfrm>
+            <a:custGeom>
+              <a:avLst/>
+              <a:pathLst>
+                <a:path w="0" h="3464924">
+                  <a:moveTo>
+                    <a:pt x="0" y="3464924"/>
+                  </a:moveTo>
+                  <a:lnTo>
+                    <a:pt x="0" y="0"/>
+                  </a:lnTo>
+                  <a:lnTo>
+                    <a:pt x="0" y="0"/>
+                  </a:lnTo>
+                </a:path>
+              </a:pathLst>
+            </a:custGeom>
+            <a:ln w="13550" cap="flat">
+              <a:solidFill>
+                <a:srgbClr val="EBEBEB">
+                  <a:alpha val="100000"/>
+                </a:srgbClr>
+              </a:solidFill>
+              <a:prstDash val="solid"/>
+              <a:round/>
+            </a:ln>
+          </p:spPr>
+          <p:txBody>
+            <a:bodyPr/>
+            <a:lstStyle/>
+            <a:p/>
+          </p:txBody>
+        </p:sp>
+        <p:sp>
+          <p:nvSpPr>
+            <p:cNvPr id="31" name="pl31"/>
+            <p:cNvSpPr/>
+            <p:nvPr/>
+          </p:nvSpPr>
+          <p:spPr>
+            <a:xfrm>
+              <a:off x="4655902" y="1809173"/>
+              <a:ext cx="0" cy="3464924"/>
+            </a:xfrm>
+            <a:custGeom>
+              <a:avLst/>
+              <a:pathLst>
+                <a:path w="0" h="3464924">
+                  <a:moveTo>
+                    <a:pt x="0" y="3464924"/>
+                  </a:moveTo>
+                  <a:lnTo>
+                    <a:pt x="0" y="0"/>
+                  </a:lnTo>
+                  <a:lnTo>
+                    <a:pt x="0" y="0"/>
+                  </a:lnTo>
+                </a:path>
+              </a:pathLst>
+            </a:custGeom>
+            <a:ln w="13550" cap="flat">
+              <a:solidFill>
+                <a:srgbClr val="EBEBEB">
+                  <a:alpha val="100000"/>
+                </a:srgbClr>
+              </a:solidFill>
+              <a:prstDash val="solid"/>
+              <a:round/>
+            </a:ln>
+          </p:spPr>
+          <p:txBody>
+            <a:bodyPr/>
+            <a:lstStyle/>
+            <a:p/>
+          </p:txBody>
+        </p:sp>
+        <p:sp>
+          <p:nvSpPr>
+            <p:cNvPr id="32" name="rc32"/>
+            <p:cNvSpPr/>
+            <p:nvPr/>
+          </p:nvSpPr>
+          <p:spPr>
+            <a:xfrm>
+              <a:off x="3591519" y="4793223"/>
+              <a:ext cx="277665" cy="323376"/>
             </a:xfrm>
             <a:prstGeom prst="rect">
               <a:avLst/>
             </a:prstGeom>
             <a:solidFill>
-              <a:srgbClr val="FEE0D2">
+              <a:srgbClr val="FEE5D9">
                 <a:alpha val="100000"/>
               </a:srgbClr>
             </a:solidFill>
@@ -4206,20 +4258,20 @@
         </p:sp>
         <p:sp>
           <p:nvSpPr>
-            <p:cNvPr id="31" name="rc31"/>
-            <p:cNvSpPr/>
-            <p:nvPr/>
-          </p:nvSpPr>
-          <p:spPr>
-            <a:xfrm>
-              <a:off x="4222576" y="4646874"/>
-              <a:ext cx="530088" cy="469726"/>
+            <p:cNvPr id="33" name="rc33"/>
+            <p:cNvSpPr/>
+            <p:nvPr/>
+          </p:nvSpPr>
+          <p:spPr>
+            <a:xfrm>
+              <a:off x="3900036" y="3547623"/>
+              <a:ext cx="277665" cy="1568977"/>
             </a:xfrm>
             <a:prstGeom prst="rect">
               <a:avLst/>
             </a:prstGeom>
             <a:solidFill>
-              <a:srgbClr val="FC9272">
+              <a:srgbClr val="FCAE91">
                 <a:alpha val="100000"/>
               </a:srgbClr>
             </a:solidFill>
@@ -4232,7 +4284,59 @@
         </p:sp>
         <p:sp>
           <p:nvSpPr>
-            <p:cNvPr id="32" name="rc32"/>
+            <p:cNvPr id="34" name="rc34"/>
+            <p:cNvSpPr/>
+            <p:nvPr/>
+          </p:nvSpPr>
+          <p:spPr>
+            <a:xfrm>
+              <a:off x="4208552" y="4565662"/>
+              <a:ext cx="277665" cy="550938"/>
+            </a:xfrm>
+            <a:prstGeom prst="rect">
+              <a:avLst/>
+            </a:prstGeom>
+            <a:solidFill>
+              <a:srgbClr val="FB6A4A">
+                <a:alpha val="100000"/>
+              </a:srgbClr>
+            </a:solidFill>
+          </p:spPr>
+          <p:txBody>
+            <a:bodyPr/>
+            <a:lstStyle/>
+            <a:p/>
+          </p:txBody>
+        </p:sp>
+        <p:sp>
+          <p:nvSpPr>
+            <p:cNvPr id="35" name="rc35"/>
+            <p:cNvSpPr/>
+            <p:nvPr/>
+          </p:nvSpPr>
+          <p:spPr>
+            <a:xfrm>
+              <a:off x="4517069" y="4457870"/>
+              <a:ext cx="277665" cy="658730"/>
+            </a:xfrm>
+            <a:prstGeom prst="rect">
+              <a:avLst/>
+            </a:prstGeom>
+            <a:solidFill>
+              <a:srgbClr val="CB181D">
+                <a:alpha val="100000"/>
+              </a:srgbClr>
+            </a:solidFill>
+          </p:spPr>
+          <p:txBody>
+            <a:bodyPr/>
+            <a:lstStyle/>
+            <a:p/>
+          </p:txBody>
+        </p:sp>
+        <p:sp>
+          <p:nvSpPr>
+            <p:cNvPr id="36" name="rc36"/>
             <p:cNvSpPr/>
             <p:nvPr/>
           </p:nvSpPr>
@@ -4262,7 +4366,7 @@
         </p:sp>
         <p:sp>
           <p:nvSpPr>
-            <p:cNvPr id="33" name="rc33"/>
+            <p:cNvPr id="37" name="rc37"/>
             <p:cNvSpPr/>
             <p:nvPr/>
           </p:nvSpPr>
@@ -4288,13 +4392,13 @@
         </p:sp>
         <p:sp>
           <p:nvSpPr>
-            <p:cNvPr id="34" name="pl34"/>
-            <p:cNvSpPr/>
-            <p:nvPr/>
-          </p:nvSpPr>
-          <p:spPr>
-            <a:xfrm>
-              <a:off x="4910601" y="4656084"/>
+            <p:cNvPr id="38" name="pl38"/>
+            <p:cNvSpPr/>
+            <p:nvPr/>
+          </p:nvSpPr>
+          <p:spPr>
+            <a:xfrm>
+              <a:off x="4910601" y="4517754"/>
               <a:ext cx="1295770" cy="0"/>
             </a:xfrm>
             <a:custGeom>
@@ -4331,13 +4435,13 @@
         </p:sp>
         <p:sp>
           <p:nvSpPr>
-            <p:cNvPr id="35" name="pl35"/>
-            <p:cNvSpPr/>
-            <p:nvPr/>
-          </p:nvSpPr>
-          <p:spPr>
-            <a:xfrm>
-              <a:off x="4910601" y="3735052"/>
+            <p:cNvPr id="39" name="pl39"/>
+            <p:cNvSpPr/>
+            <p:nvPr/>
+          </p:nvSpPr>
+          <p:spPr>
+            <a:xfrm>
+              <a:off x="4910601" y="3320062"/>
               <a:ext cx="1295770" cy="0"/>
             </a:xfrm>
             <a:custGeom>
@@ -4374,13 +4478,13 @@
         </p:sp>
         <p:sp>
           <p:nvSpPr>
-            <p:cNvPr id="36" name="pl36"/>
-            <p:cNvSpPr/>
-            <p:nvPr/>
-          </p:nvSpPr>
-          <p:spPr>
-            <a:xfrm>
-              <a:off x="4910601" y="2814019"/>
+            <p:cNvPr id="40" name="pl40"/>
+            <p:cNvSpPr/>
+            <p:nvPr/>
+          </p:nvSpPr>
+          <p:spPr>
+            <a:xfrm>
+              <a:off x="4910601" y="2122369"/>
               <a:ext cx="1295770" cy="0"/>
             </a:xfrm>
             <a:custGeom>
@@ -4417,50 +4521,7 @@
         </p:sp>
         <p:sp>
           <p:nvSpPr>
-            <p:cNvPr id="37" name="pl37"/>
-            <p:cNvSpPr/>
-            <p:nvPr/>
-          </p:nvSpPr>
-          <p:spPr>
-            <a:xfrm>
-              <a:off x="4910601" y="1892987"/>
-              <a:ext cx="1295770" cy="0"/>
-            </a:xfrm>
-            <a:custGeom>
-              <a:avLst/>
-              <a:pathLst>
-                <a:path w="1295770" h="0">
-                  <a:moveTo>
-                    <a:pt x="0" y="0"/>
-                  </a:moveTo>
-                  <a:lnTo>
-                    <a:pt x="1295770" y="0"/>
-                  </a:lnTo>
-                  <a:lnTo>
-                    <a:pt x="1295770" y="0"/>
-                  </a:lnTo>
-                </a:path>
-              </a:pathLst>
-            </a:custGeom>
-            <a:ln w="6775" cap="flat">
-              <a:solidFill>
-                <a:srgbClr val="EBEBEB">
-                  <a:alpha val="100000"/>
-                </a:srgbClr>
-              </a:solidFill>
-              <a:prstDash val="solid"/>
-              <a:round/>
-            </a:ln>
-          </p:spPr>
-          <p:txBody>
-            <a:bodyPr/>
-            <a:lstStyle/>
-            <a:p/>
-          </p:txBody>
-        </p:sp>
-        <p:sp>
-          <p:nvSpPr>
-            <p:cNvPr id="38" name="pl38"/>
+            <p:cNvPr id="41" name="pl41"/>
             <p:cNvSpPr/>
             <p:nvPr/>
           </p:nvSpPr>
@@ -4503,13 +4564,13 @@
         </p:sp>
         <p:sp>
           <p:nvSpPr>
-            <p:cNvPr id="39" name="pl39"/>
-            <p:cNvSpPr/>
-            <p:nvPr/>
-          </p:nvSpPr>
-          <p:spPr>
-            <a:xfrm>
-              <a:off x="4910601" y="4195568"/>
+            <p:cNvPr id="42" name="pl42"/>
+            <p:cNvSpPr/>
+            <p:nvPr/>
+          </p:nvSpPr>
+          <p:spPr>
+            <a:xfrm>
+              <a:off x="4910601" y="3918908"/>
               <a:ext cx="1295770" cy="0"/>
             </a:xfrm>
             <a:custGeom>
@@ -4546,13 +4607,13 @@
         </p:sp>
         <p:sp>
           <p:nvSpPr>
-            <p:cNvPr id="40" name="pl40"/>
-            <p:cNvSpPr/>
-            <p:nvPr/>
-          </p:nvSpPr>
-          <p:spPr>
-            <a:xfrm>
-              <a:off x="4910601" y="3274535"/>
+            <p:cNvPr id="43" name="pl43"/>
+            <p:cNvSpPr/>
+            <p:nvPr/>
+          </p:nvSpPr>
+          <p:spPr>
+            <a:xfrm>
+              <a:off x="4910601" y="2721215"/>
               <a:ext cx="1295770" cy="0"/>
             </a:xfrm>
             <a:custGeom>
@@ -4589,56 +4650,13 @@
         </p:sp>
         <p:sp>
           <p:nvSpPr>
-            <p:cNvPr id="41" name="pl41"/>
-            <p:cNvSpPr/>
-            <p:nvPr/>
-          </p:nvSpPr>
-          <p:spPr>
-            <a:xfrm>
-              <a:off x="4910601" y="2353503"/>
-              <a:ext cx="1295770" cy="0"/>
-            </a:xfrm>
-            <a:custGeom>
-              <a:avLst/>
-              <a:pathLst>
-                <a:path w="1295770" h="0">
-                  <a:moveTo>
-                    <a:pt x="0" y="0"/>
-                  </a:moveTo>
-                  <a:lnTo>
-                    <a:pt x="1295770" y="0"/>
-                  </a:lnTo>
-                  <a:lnTo>
-                    <a:pt x="1295770" y="0"/>
-                  </a:lnTo>
-                </a:path>
-              </a:pathLst>
-            </a:custGeom>
-            <a:ln w="13550" cap="flat">
-              <a:solidFill>
-                <a:srgbClr val="EBEBEB">
-                  <a:alpha val="100000"/>
-                </a:srgbClr>
-              </a:solidFill>
-              <a:prstDash val="solid"/>
-              <a:round/>
-            </a:ln>
-          </p:spPr>
-          <p:txBody>
-            <a:bodyPr/>
-            <a:lstStyle/>
-            <a:p/>
-          </p:txBody>
-        </p:sp>
-        <p:sp>
-          <p:nvSpPr>
-            <p:cNvPr id="42" name="pl42"/>
-            <p:cNvSpPr/>
-            <p:nvPr/>
-          </p:nvSpPr>
-          <p:spPr>
-            <a:xfrm>
-              <a:off x="5263993" y="1809173"/>
+            <p:cNvPr id="44" name="pl44"/>
+            <p:cNvSpPr/>
+            <p:nvPr/>
+          </p:nvSpPr>
+          <p:spPr>
+            <a:xfrm>
+              <a:off x="5095711" y="1809173"/>
               <a:ext cx="0" cy="3464924"/>
             </a:xfrm>
             <a:custGeom>
@@ -4675,13 +4693,13 @@
         </p:sp>
         <p:sp>
           <p:nvSpPr>
-            <p:cNvPr id="43" name="pl43"/>
-            <p:cNvSpPr/>
-            <p:nvPr/>
-          </p:nvSpPr>
-          <p:spPr>
-            <a:xfrm>
-              <a:off x="5852980" y="1809173"/>
+            <p:cNvPr id="45" name="pl45"/>
+            <p:cNvSpPr/>
+            <p:nvPr/>
+          </p:nvSpPr>
+          <p:spPr>
+            <a:xfrm>
+              <a:off x="5404228" y="1809173"/>
               <a:ext cx="0" cy="3464924"/>
             </a:xfrm>
             <a:custGeom>
@@ -4718,20 +4736,106 @@
         </p:sp>
         <p:sp>
           <p:nvSpPr>
-            <p:cNvPr id="44" name="rc44"/>
-            <p:cNvSpPr/>
-            <p:nvPr/>
-          </p:nvSpPr>
-          <p:spPr>
-            <a:xfrm>
-              <a:off x="4998949" y="4702136"/>
-              <a:ext cx="530088" cy="414464"/>
+            <p:cNvPr id="46" name="pl46"/>
+            <p:cNvSpPr/>
+            <p:nvPr/>
+          </p:nvSpPr>
+          <p:spPr>
+            <a:xfrm>
+              <a:off x="5712745" y="1809173"/>
+              <a:ext cx="0" cy="3464924"/>
+            </a:xfrm>
+            <a:custGeom>
+              <a:avLst/>
+              <a:pathLst>
+                <a:path w="0" h="3464924">
+                  <a:moveTo>
+                    <a:pt x="0" y="3464924"/>
+                  </a:moveTo>
+                  <a:lnTo>
+                    <a:pt x="0" y="0"/>
+                  </a:lnTo>
+                  <a:lnTo>
+                    <a:pt x="0" y="0"/>
+                  </a:lnTo>
+                </a:path>
+              </a:pathLst>
+            </a:custGeom>
+            <a:ln w="13550" cap="flat">
+              <a:solidFill>
+                <a:srgbClr val="EBEBEB">
+                  <a:alpha val="100000"/>
+                </a:srgbClr>
+              </a:solidFill>
+              <a:prstDash val="solid"/>
+              <a:round/>
+            </a:ln>
+          </p:spPr>
+          <p:txBody>
+            <a:bodyPr/>
+            <a:lstStyle/>
+            <a:p/>
+          </p:txBody>
+        </p:sp>
+        <p:sp>
+          <p:nvSpPr>
+            <p:cNvPr id="47" name="pl47"/>
+            <p:cNvSpPr/>
+            <p:nvPr/>
+          </p:nvSpPr>
+          <p:spPr>
+            <a:xfrm>
+              <a:off x="6021262" y="1809173"/>
+              <a:ext cx="0" cy="3464924"/>
+            </a:xfrm>
+            <a:custGeom>
+              <a:avLst/>
+              <a:pathLst>
+                <a:path w="0" h="3464924">
+                  <a:moveTo>
+                    <a:pt x="0" y="3464924"/>
+                  </a:moveTo>
+                  <a:lnTo>
+                    <a:pt x="0" y="0"/>
+                  </a:lnTo>
+                  <a:lnTo>
+                    <a:pt x="0" y="0"/>
+                  </a:lnTo>
+                </a:path>
+              </a:pathLst>
+            </a:custGeom>
+            <a:ln w="13550" cap="flat">
+              <a:solidFill>
+                <a:srgbClr val="EBEBEB">
+                  <a:alpha val="100000"/>
+                </a:srgbClr>
+              </a:solidFill>
+              <a:prstDash val="solid"/>
+              <a:round/>
+            </a:ln>
+          </p:spPr>
+          <p:txBody>
+            <a:bodyPr/>
+            <a:lstStyle/>
+            <a:p/>
+          </p:txBody>
+        </p:sp>
+        <p:sp>
+          <p:nvSpPr>
+            <p:cNvPr id="48" name="rc48"/>
+            <p:cNvSpPr/>
+            <p:nvPr/>
+          </p:nvSpPr>
+          <p:spPr>
+            <a:xfrm>
+              <a:off x="4956879" y="5068693"/>
+              <a:ext cx="277665" cy="47907"/>
             </a:xfrm>
             <a:prstGeom prst="rect">
               <a:avLst/>
             </a:prstGeom>
             <a:solidFill>
-              <a:srgbClr val="FEE0D2">
+              <a:srgbClr val="FEE5D9">
                 <a:alpha val="100000"/>
               </a:srgbClr>
             </a:solidFill>
@@ -4744,20 +4848,20 @@
         </p:sp>
         <p:sp>
           <p:nvSpPr>
-            <p:cNvPr id="45" name="rc45"/>
-            <p:cNvSpPr/>
-            <p:nvPr/>
-          </p:nvSpPr>
-          <p:spPr>
-            <a:xfrm>
-              <a:off x="5587936" y="4738977"/>
-              <a:ext cx="530088" cy="377623"/>
+            <p:cNvPr id="49" name="rc49"/>
+            <p:cNvSpPr/>
+            <p:nvPr/>
+          </p:nvSpPr>
+          <p:spPr>
+            <a:xfrm>
+              <a:off x="5265396" y="4685431"/>
+              <a:ext cx="277665" cy="431169"/>
             </a:xfrm>
             <a:prstGeom prst="rect">
               <a:avLst/>
             </a:prstGeom>
             <a:solidFill>
-              <a:srgbClr val="FC9272">
+              <a:srgbClr val="FCAE91">
                 <a:alpha val="100000"/>
               </a:srgbClr>
             </a:solidFill>
@@ -4770,7 +4874,59 @@
         </p:sp>
         <p:sp>
           <p:nvSpPr>
-            <p:cNvPr id="46" name="rc46"/>
+            <p:cNvPr id="50" name="rc50"/>
+            <p:cNvSpPr/>
+            <p:nvPr/>
+          </p:nvSpPr>
+          <p:spPr>
+            <a:xfrm>
+              <a:off x="5573912" y="4901016"/>
+              <a:ext cx="277665" cy="215584"/>
+            </a:xfrm>
+            <a:prstGeom prst="rect">
+              <a:avLst/>
+            </a:prstGeom>
+            <a:solidFill>
+              <a:srgbClr val="FB6A4A">
+                <a:alpha val="100000"/>
+              </a:srgbClr>
+            </a:solidFill>
+          </p:spPr>
+          <p:txBody>
+            <a:bodyPr/>
+            <a:lstStyle/>
+            <a:p/>
+          </p:txBody>
+        </p:sp>
+        <p:sp>
+          <p:nvSpPr>
+            <p:cNvPr id="51" name="rc51"/>
+            <p:cNvSpPr/>
+            <p:nvPr/>
+          </p:nvSpPr>
+          <p:spPr>
+            <a:xfrm>
+              <a:off x="5882429" y="4781246"/>
+              <a:ext cx="277665" cy="335353"/>
+            </a:xfrm>
+            <a:prstGeom prst="rect">
+              <a:avLst/>
+            </a:prstGeom>
+            <a:solidFill>
+              <a:srgbClr val="CB181D">
+                <a:alpha val="100000"/>
+              </a:srgbClr>
+            </a:solidFill>
+          </p:spPr>
+          <p:txBody>
+            <a:bodyPr/>
+            <a:lstStyle/>
+            <a:p/>
+          </p:txBody>
+        </p:sp>
+        <p:sp>
+          <p:nvSpPr>
+            <p:cNvPr id="52" name="rc52"/>
             <p:cNvSpPr/>
             <p:nvPr/>
           </p:nvSpPr>
@@ -4800,7 +4956,7 @@
         </p:sp>
         <p:sp>
           <p:nvSpPr>
-            <p:cNvPr id="47" name="rc47"/>
+            <p:cNvPr id="53" name="rc53"/>
             <p:cNvSpPr/>
             <p:nvPr/>
           </p:nvSpPr>
@@ -4826,13 +4982,13 @@
         </p:sp>
         <p:sp>
           <p:nvSpPr>
-            <p:cNvPr id="48" name="pl48"/>
-            <p:cNvSpPr/>
-            <p:nvPr/>
-          </p:nvSpPr>
-          <p:spPr>
-            <a:xfrm>
-              <a:off x="6275961" y="4656084"/>
+            <p:cNvPr id="54" name="pl54"/>
+            <p:cNvSpPr/>
+            <p:nvPr/>
+          </p:nvSpPr>
+          <p:spPr>
+            <a:xfrm>
+              <a:off x="6275961" y="4517754"/>
               <a:ext cx="1295770" cy="0"/>
             </a:xfrm>
             <a:custGeom>
@@ -4869,13 +5025,13 @@
         </p:sp>
         <p:sp>
           <p:nvSpPr>
-            <p:cNvPr id="49" name="pl49"/>
-            <p:cNvSpPr/>
-            <p:nvPr/>
-          </p:nvSpPr>
-          <p:spPr>
-            <a:xfrm>
-              <a:off x="6275961" y="3735052"/>
+            <p:cNvPr id="55" name="pl55"/>
+            <p:cNvSpPr/>
+            <p:nvPr/>
+          </p:nvSpPr>
+          <p:spPr>
+            <a:xfrm>
+              <a:off x="6275961" y="3320062"/>
               <a:ext cx="1295770" cy="0"/>
             </a:xfrm>
             <a:custGeom>
@@ -4912,13 +5068,13 @@
         </p:sp>
         <p:sp>
           <p:nvSpPr>
-            <p:cNvPr id="50" name="pl50"/>
-            <p:cNvSpPr/>
-            <p:nvPr/>
-          </p:nvSpPr>
-          <p:spPr>
-            <a:xfrm>
-              <a:off x="6275961" y="2814019"/>
+            <p:cNvPr id="56" name="pl56"/>
+            <p:cNvSpPr/>
+            <p:nvPr/>
+          </p:nvSpPr>
+          <p:spPr>
+            <a:xfrm>
+              <a:off x="6275961" y="2122369"/>
               <a:ext cx="1295770" cy="0"/>
             </a:xfrm>
             <a:custGeom>
@@ -4955,50 +5111,7 @@
         </p:sp>
         <p:sp>
           <p:nvSpPr>
-            <p:cNvPr id="51" name="pl51"/>
-            <p:cNvSpPr/>
-            <p:nvPr/>
-          </p:nvSpPr>
-          <p:spPr>
-            <a:xfrm>
-              <a:off x="6275961" y="1892987"/>
-              <a:ext cx="1295770" cy="0"/>
-            </a:xfrm>
-            <a:custGeom>
-              <a:avLst/>
-              <a:pathLst>
-                <a:path w="1295770" h="0">
-                  <a:moveTo>
-                    <a:pt x="0" y="0"/>
-                  </a:moveTo>
-                  <a:lnTo>
-                    <a:pt x="1295770" y="0"/>
-                  </a:lnTo>
-                  <a:lnTo>
-                    <a:pt x="1295770" y="0"/>
-                  </a:lnTo>
-                </a:path>
-              </a:pathLst>
-            </a:custGeom>
-            <a:ln w="6775" cap="flat">
-              <a:solidFill>
-                <a:srgbClr val="EBEBEB">
-                  <a:alpha val="100000"/>
-                </a:srgbClr>
-              </a:solidFill>
-              <a:prstDash val="solid"/>
-              <a:round/>
-            </a:ln>
-          </p:spPr>
-          <p:txBody>
-            <a:bodyPr/>
-            <a:lstStyle/>
-            <a:p/>
-          </p:txBody>
-        </p:sp>
-        <p:sp>
-          <p:nvSpPr>
-            <p:cNvPr id="52" name="pl52"/>
+            <p:cNvPr id="57" name="pl57"/>
             <p:cNvSpPr/>
             <p:nvPr/>
           </p:nvSpPr>
@@ -5041,13 +5154,13 @@
         </p:sp>
         <p:sp>
           <p:nvSpPr>
-            <p:cNvPr id="53" name="pl53"/>
-            <p:cNvSpPr/>
-            <p:nvPr/>
-          </p:nvSpPr>
-          <p:spPr>
-            <a:xfrm>
-              <a:off x="6275961" y="4195568"/>
+            <p:cNvPr id="58" name="pl58"/>
+            <p:cNvSpPr/>
+            <p:nvPr/>
+          </p:nvSpPr>
+          <p:spPr>
+            <a:xfrm>
+              <a:off x="6275961" y="3918908"/>
               <a:ext cx="1295770" cy="0"/>
             </a:xfrm>
             <a:custGeom>
@@ -5084,13 +5197,13 @@
         </p:sp>
         <p:sp>
           <p:nvSpPr>
-            <p:cNvPr id="54" name="pl54"/>
-            <p:cNvSpPr/>
-            <p:nvPr/>
-          </p:nvSpPr>
-          <p:spPr>
-            <a:xfrm>
-              <a:off x="6275961" y="3274535"/>
+            <p:cNvPr id="59" name="pl59"/>
+            <p:cNvSpPr/>
+            <p:nvPr/>
+          </p:nvSpPr>
+          <p:spPr>
+            <a:xfrm>
+              <a:off x="6275961" y="2721215"/>
               <a:ext cx="1295770" cy="0"/>
             </a:xfrm>
             <a:custGeom>
@@ -5127,56 +5240,13 @@
         </p:sp>
         <p:sp>
           <p:nvSpPr>
-            <p:cNvPr id="55" name="pl55"/>
-            <p:cNvSpPr/>
-            <p:nvPr/>
-          </p:nvSpPr>
-          <p:spPr>
-            <a:xfrm>
-              <a:off x="6275961" y="2353503"/>
-              <a:ext cx="1295770" cy="0"/>
-            </a:xfrm>
-            <a:custGeom>
-              <a:avLst/>
-              <a:pathLst>
-                <a:path w="1295770" h="0">
-                  <a:moveTo>
-                    <a:pt x="0" y="0"/>
-                  </a:moveTo>
-                  <a:lnTo>
-                    <a:pt x="1295770" y="0"/>
-                  </a:lnTo>
-                  <a:lnTo>
-                    <a:pt x="1295770" y="0"/>
-                  </a:lnTo>
-                </a:path>
-              </a:pathLst>
-            </a:custGeom>
-            <a:ln w="13550" cap="flat">
-              <a:solidFill>
-                <a:srgbClr val="EBEBEB">
-                  <a:alpha val="100000"/>
-                </a:srgbClr>
-              </a:solidFill>
-              <a:prstDash val="solid"/>
-              <a:round/>
-            </a:ln>
-          </p:spPr>
-          <p:txBody>
-            <a:bodyPr/>
-            <a:lstStyle/>
-            <a:p/>
-          </p:txBody>
-        </p:sp>
-        <p:sp>
-          <p:nvSpPr>
-            <p:cNvPr id="56" name="pl56"/>
-            <p:cNvSpPr/>
-            <p:nvPr/>
-          </p:nvSpPr>
-          <p:spPr>
-            <a:xfrm>
-              <a:off x="6629353" y="1809173"/>
+            <p:cNvPr id="60" name="pl60"/>
+            <p:cNvSpPr/>
+            <p:nvPr/>
+          </p:nvSpPr>
+          <p:spPr>
+            <a:xfrm>
+              <a:off x="6461071" y="1809173"/>
               <a:ext cx="0" cy="3464924"/>
             </a:xfrm>
             <a:custGeom>
@@ -5213,13 +5283,13 @@
         </p:sp>
         <p:sp>
           <p:nvSpPr>
-            <p:cNvPr id="57" name="pl57"/>
-            <p:cNvSpPr/>
-            <p:nvPr/>
-          </p:nvSpPr>
-          <p:spPr>
-            <a:xfrm>
-              <a:off x="7218340" y="1809173"/>
+            <p:cNvPr id="61" name="pl61"/>
+            <p:cNvSpPr/>
+            <p:nvPr/>
+          </p:nvSpPr>
+          <p:spPr>
+            <a:xfrm>
+              <a:off x="6769588" y="1809173"/>
               <a:ext cx="0" cy="3464924"/>
             </a:xfrm>
             <a:custGeom>
@@ -5256,20 +5326,106 @@
         </p:sp>
         <p:sp>
           <p:nvSpPr>
-            <p:cNvPr id="58" name="rc58"/>
-            <p:cNvSpPr/>
-            <p:nvPr/>
-          </p:nvSpPr>
-          <p:spPr>
-            <a:xfrm>
-              <a:off x="6364309" y="4812660"/>
-              <a:ext cx="530088" cy="303940"/>
+            <p:cNvPr id="62" name="pl62"/>
+            <p:cNvSpPr/>
+            <p:nvPr/>
+          </p:nvSpPr>
+          <p:spPr>
+            <a:xfrm>
+              <a:off x="7078105" y="1809173"/>
+              <a:ext cx="0" cy="3464924"/>
+            </a:xfrm>
+            <a:custGeom>
+              <a:avLst/>
+              <a:pathLst>
+                <a:path w="0" h="3464924">
+                  <a:moveTo>
+                    <a:pt x="0" y="3464924"/>
+                  </a:moveTo>
+                  <a:lnTo>
+                    <a:pt x="0" y="0"/>
+                  </a:lnTo>
+                  <a:lnTo>
+                    <a:pt x="0" y="0"/>
+                  </a:lnTo>
+                </a:path>
+              </a:pathLst>
+            </a:custGeom>
+            <a:ln w="13550" cap="flat">
+              <a:solidFill>
+                <a:srgbClr val="EBEBEB">
+                  <a:alpha val="100000"/>
+                </a:srgbClr>
+              </a:solidFill>
+              <a:prstDash val="solid"/>
+              <a:round/>
+            </a:ln>
+          </p:spPr>
+          <p:txBody>
+            <a:bodyPr/>
+            <a:lstStyle/>
+            <a:p/>
+          </p:txBody>
+        </p:sp>
+        <p:sp>
+          <p:nvSpPr>
+            <p:cNvPr id="63" name="pl63"/>
+            <p:cNvSpPr/>
+            <p:nvPr/>
+          </p:nvSpPr>
+          <p:spPr>
+            <a:xfrm>
+              <a:off x="7386622" y="1809173"/>
+              <a:ext cx="0" cy="3464924"/>
+            </a:xfrm>
+            <a:custGeom>
+              <a:avLst/>
+              <a:pathLst>
+                <a:path w="0" h="3464924">
+                  <a:moveTo>
+                    <a:pt x="0" y="3464924"/>
+                  </a:moveTo>
+                  <a:lnTo>
+                    <a:pt x="0" y="0"/>
+                  </a:lnTo>
+                  <a:lnTo>
+                    <a:pt x="0" y="0"/>
+                  </a:lnTo>
+                </a:path>
+              </a:pathLst>
+            </a:custGeom>
+            <a:ln w="13550" cap="flat">
+              <a:solidFill>
+                <a:srgbClr val="EBEBEB">
+                  <a:alpha val="100000"/>
+                </a:srgbClr>
+              </a:solidFill>
+              <a:prstDash val="solid"/>
+              <a:round/>
+            </a:ln>
+          </p:spPr>
+          <p:txBody>
+            <a:bodyPr/>
+            <a:lstStyle/>
+            <a:p/>
+          </p:txBody>
+        </p:sp>
+        <p:sp>
+          <p:nvSpPr>
+            <p:cNvPr id="64" name="rc64"/>
+            <p:cNvSpPr/>
+            <p:nvPr/>
+          </p:nvSpPr>
+          <p:spPr>
+            <a:xfrm>
+              <a:off x="6322239" y="5044739"/>
+              <a:ext cx="277665" cy="71861"/>
             </a:xfrm>
             <a:prstGeom prst="rect">
               <a:avLst/>
             </a:prstGeom>
             <a:solidFill>
-              <a:srgbClr val="FEE0D2">
+              <a:srgbClr val="FEE5D9">
                 <a:alpha val="100000"/>
               </a:srgbClr>
             </a:solidFill>
@@ -5282,20 +5438,20 @@
         </p:sp>
         <p:sp>
           <p:nvSpPr>
-            <p:cNvPr id="59" name="rc59"/>
-            <p:cNvSpPr/>
-            <p:nvPr/>
-          </p:nvSpPr>
-          <p:spPr>
-            <a:xfrm>
-              <a:off x="6953296" y="4775818"/>
-              <a:ext cx="530088" cy="340782"/>
+            <p:cNvPr id="65" name="rc65"/>
+            <p:cNvSpPr/>
+            <p:nvPr/>
+          </p:nvSpPr>
+          <p:spPr>
+            <a:xfrm>
+              <a:off x="6630755" y="4709385"/>
+              <a:ext cx="277665" cy="407215"/>
             </a:xfrm>
             <a:prstGeom prst="rect">
               <a:avLst/>
             </a:prstGeom>
             <a:solidFill>
-              <a:srgbClr val="FC9272">
+              <a:srgbClr val="FCAE91">
                 <a:alpha val="100000"/>
               </a:srgbClr>
             </a:solidFill>
@@ -5308,7 +5464,59 @@
         </p:sp>
         <p:sp>
           <p:nvSpPr>
-            <p:cNvPr id="60" name="rc60"/>
+            <p:cNvPr id="66" name="rc66"/>
+            <p:cNvSpPr/>
+            <p:nvPr/>
+          </p:nvSpPr>
+          <p:spPr>
+            <a:xfrm>
+              <a:off x="6939272" y="4877062"/>
+              <a:ext cx="277665" cy="239538"/>
+            </a:xfrm>
+            <a:prstGeom prst="rect">
+              <a:avLst/>
+            </a:prstGeom>
+            <a:solidFill>
+              <a:srgbClr val="FB6A4A">
+                <a:alpha val="100000"/>
+              </a:srgbClr>
+            </a:solidFill>
+          </p:spPr>
+          <p:txBody>
+            <a:bodyPr/>
+            <a:lstStyle/>
+            <a:p/>
+          </p:txBody>
+        </p:sp>
+        <p:sp>
+          <p:nvSpPr>
+            <p:cNvPr id="67" name="rc67"/>
+            <p:cNvSpPr/>
+            <p:nvPr/>
+          </p:nvSpPr>
+          <p:spPr>
+            <a:xfrm>
+              <a:off x="7247789" y="4996831"/>
+              <a:ext cx="277665" cy="119769"/>
+            </a:xfrm>
+            <a:prstGeom prst="rect">
+              <a:avLst/>
+            </a:prstGeom>
+            <a:solidFill>
+              <a:srgbClr val="CB181D">
+                <a:alpha val="100000"/>
+              </a:srgbClr>
+            </a:solidFill>
+          </p:spPr>
+          <p:txBody>
+            <a:bodyPr/>
+            <a:lstStyle/>
+            <a:p/>
+          </p:txBody>
+        </p:sp>
+        <p:sp>
+          <p:nvSpPr>
+            <p:cNvPr id="68" name="rc68"/>
             <p:cNvSpPr/>
             <p:nvPr/>
           </p:nvSpPr>
@@ -5338,7 +5546,7 @@
         </p:sp>
         <p:sp>
           <p:nvSpPr>
-            <p:cNvPr id="61" name="rc61"/>
+            <p:cNvPr id="69" name="rc69"/>
             <p:cNvSpPr/>
             <p:nvPr/>
           </p:nvSpPr>
@@ -5364,13 +5572,13 @@
         </p:sp>
         <p:sp>
           <p:nvSpPr>
-            <p:cNvPr id="62" name="pl62"/>
-            <p:cNvSpPr/>
-            <p:nvPr/>
-          </p:nvSpPr>
-          <p:spPr>
-            <a:xfrm>
-              <a:off x="7641321" y="4656084"/>
+            <p:cNvPr id="70" name="pl70"/>
+            <p:cNvSpPr/>
+            <p:nvPr/>
+          </p:nvSpPr>
+          <p:spPr>
+            <a:xfrm>
+              <a:off x="7641321" y="4517754"/>
               <a:ext cx="1295770" cy="0"/>
             </a:xfrm>
             <a:custGeom>
@@ -5407,13 +5615,13 @@
         </p:sp>
         <p:sp>
           <p:nvSpPr>
-            <p:cNvPr id="63" name="pl63"/>
-            <p:cNvSpPr/>
-            <p:nvPr/>
-          </p:nvSpPr>
-          <p:spPr>
-            <a:xfrm>
-              <a:off x="7641321" y="3735052"/>
+            <p:cNvPr id="71" name="pl71"/>
+            <p:cNvSpPr/>
+            <p:nvPr/>
+          </p:nvSpPr>
+          <p:spPr>
+            <a:xfrm>
+              <a:off x="7641321" y="3320062"/>
               <a:ext cx="1295770" cy="0"/>
             </a:xfrm>
             <a:custGeom>
@@ -5450,13 +5658,13 @@
         </p:sp>
         <p:sp>
           <p:nvSpPr>
-            <p:cNvPr id="64" name="pl64"/>
-            <p:cNvSpPr/>
-            <p:nvPr/>
-          </p:nvSpPr>
-          <p:spPr>
-            <a:xfrm>
-              <a:off x="7641321" y="2814019"/>
+            <p:cNvPr id="72" name="pl72"/>
+            <p:cNvSpPr/>
+            <p:nvPr/>
+          </p:nvSpPr>
+          <p:spPr>
+            <a:xfrm>
+              <a:off x="7641321" y="2122369"/>
               <a:ext cx="1295770" cy="0"/>
             </a:xfrm>
             <a:custGeom>
@@ -5493,50 +5701,7 @@
         </p:sp>
         <p:sp>
           <p:nvSpPr>
-            <p:cNvPr id="65" name="pl65"/>
-            <p:cNvSpPr/>
-            <p:nvPr/>
-          </p:nvSpPr>
-          <p:spPr>
-            <a:xfrm>
-              <a:off x="7641321" y="1892987"/>
-              <a:ext cx="1295770" cy="0"/>
-            </a:xfrm>
-            <a:custGeom>
-              <a:avLst/>
-              <a:pathLst>
-                <a:path w="1295770" h="0">
-                  <a:moveTo>
-                    <a:pt x="0" y="0"/>
-                  </a:moveTo>
-                  <a:lnTo>
-                    <a:pt x="1295770" y="0"/>
-                  </a:lnTo>
-                  <a:lnTo>
-                    <a:pt x="1295770" y="0"/>
-                  </a:lnTo>
-                </a:path>
-              </a:pathLst>
-            </a:custGeom>
-            <a:ln w="6775" cap="flat">
-              <a:solidFill>
-                <a:srgbClr val="EBEBEB">
-                  <a:alpha val="100000"/>
-                </a:srgbClr>
-              </a:solidFill>
-              <a:prstDash val="solid"/>
-              <a:round/>
-            </a:ln>
-          </p:spPr>
-          <p:txBody>
-            <a:bodyPr/>
-            <a:lstStyle/>
-            <a:p/>
-          </p:txBody>
-        </p:sp>
-        <p:sp>
-          <p:nvSpPr>
-            <p:cNvPr id="66" name="pl66"/>
+            <p:cNvPr id="73" name="pl73"/>
             <p:cNvSpPr/>
             <p:nvPr/>
           </p:nvSpPr>
@@ -5579,13 +5744,13 @@
         </p:sp>
         <p:sp>
           <p:nvSpPr>
-            <p:cNvPr id="67" name="pl67"/>
-            <p:cNvSpPr/>
-            <p:nvPr/>
-          </p:nvSpPr>
-          <p:spPr>
-            <a:xfrm>
-              <a:off x="7641321" y="4195568"/>
+            <p:cNvPr id="74" name="pl74"/>
+            <p:cNvSpPr/>
+            <p:nvPr/>
+          </p:nvSpPr>
+          <p:spPr>
+            <a:xfrm>
+              <a:off x="7641321" y="3918908"/>
               <a:ext cx="1295770" cy="0"/>
             </a:xfrm>
             <a:custGeom>
@@ -5622,13 +5787,13 @@
         </p:sp>
         <p:sp>
           <p:nvSpPr>
-            <p:cNvPr id="68" name="pl68"/>
-            <p:cNvSpPr/>
-            <p:nvPr/>
-          </p:nvSpPr>
-          <p:spPr>
-            <a:xfrm>
-              <a:off x="7641321" y="3274535"/>
+            <p:cNvPr id="75" name="pl75"/>
+            <p:cNvSpPr/>
+            <p:nvPr/>
+          </p:nvSpPr>
+          <p:spPr>
+            <a:xfrm>
+              <a:off x="7641321" y="2721215"/>
               <a:ext cx="1295770" cy="0"/>
             </a:xfrm>
             <a:custGeom>
@@ -5665,56 +5830,13 @@
         </p:sp>
         <p:sp>
           <p:nvSpPr>
-            <p:cNvPr id="69" name="pl69"/>
-            <p:cNvSpPr/>
-            <p:nvPr/>
-          </p:nvSpPr>
-          <p:spPr>
-            <a:xfrm>
-              <a:off x="7641321" y="2353503"/>
-              <a:ext cx="1295770" cy="0"/>
-            </a:xfrm>
-            <a:custGeom>
-              <a:avLst/>
-              <a:pathLst>
-                <a:path w="1295770" h="0">
-                  <a:moveTo>
-                    <a:pt x="0" y="0"/>
-                  </a:moveTo>
-                  <a:lnTo>
-                    <a:pt x="1295770" y="0"/>
-                  </a:lnTo>
-                  <a:lnTo>
-                    <a:pt x="1295770" y="0"/>
-                  </a:lnTo>
-                </a:path>
-              </a:pathLst>
-            </a:custGeom>
-            <a:ln w="13550" cap="flat">
-              <a:solidFill>
-                <a:srgbClr val="EBEBEB">
-                  <a:alpha val="100000"/>
-                </a:srgbClr>
-              </a:solidFill>
-              <a:prstDash val="solid"/>
-              <a:round/>
-            </a:ln>
-          </p:spPr>
-          <p:txBody>
-            <a:bodyPr/>
-            <a:lstStyle/>
-            <a:p/>
-          </p:txBody>
-        </p:sp>
-        <p:sp>
-          <p:nvSpPr>
-            <p:cNvPr id="70" name="pl70"/>
-            <p:cNvSpPr/>
-            <p:nvPr/>
-          </p:nvSpPr>
-          <p:spPr>
-            <a:xfrm>
-              <a:off x="7994713" y="1809173"/>
+            <p:cNvPr id="76" name="pl76"/>
+            <p:cNvSpPr/>
+            <p:nvPr/>
+          </p:nvSpPr>
+          <p:spPr>
+            <a:xfrm>
+              <a:off x="7826431" y="1809173"/>
               <a:ext cx="0" cy="3464924"/>
             </a:xfrm>
             <a:custGeom>
@@ -5751,13 +5873,13 @@
         </p:sp>
         <p:sp>
           <p:nvSpPr>
-            <p:cNvPr id="71" name="pl71"/>
-            <p:cNvSpPr/>
-            <p:nvPr/>
-          </p:nvSpPr>
-          <p:spPr>
-            <a:xfrm>
-              <a:off x="8583700" y="1809173"/>
+            <p:cNvPr id="77" name="pl77"/>
+            <p:cNvSpPr/>
+            <p:nvPr/>
+          </p:nvSpPr>
+          <p:spPr>
+            <a:xfrm>
+              <a:off x="8134948" y="1809173"/>
               <a:ext cx="0" cy="3464924"/>
             </a:xfrm>
             <a:custGeom>
@@ -5794,20 +5916,106 @@
         </p:sp>
         <p:sp>
           <p:nvSpPr>
-            <p:cNvPr id="72" name="rc72"/>
-            <p:cNvSpPr/>
-            <p:nvPr/>
-          </p:nvSpPr>
-          <p:spPr>
-            <a:xfrm>
-              <a:off x="7729669" y="4379774"/>
-              <a:ext cx="530088" cy="736826"/>
+            <p:cNvPr id="78" name="pl78"/>
+            <p:cNvSpPr/>
+            <p:nvPr/>
+          </p:nvSpPr>
+          <p:spPr>
+            <a:xfrm>
+              <a:off x="8443465" y="1809173"/>
+              <a:ext cx="0" cy="3464924"/>
+            </a:xfrm>
+            <a:custGeom>
+              <a:avLst/>
+              <a:pathLst>
+                <a:path w="0" h="3464924">
+                  <a:moveTo>
+                    <a:pt x="0" y="3464924"/>
+                  </a:moveTo>
+                  <a:lnTo>
+                    <a:pt x="0" y="0"/>
+                  </a:lnTo>
+                  <a:lnTo>
+                    <a:pt x="0" y="0"/>
+                  </a:lnTo>
+                </a:path>
+              </a:pathLst>
+            </a:custGeom>
+            <a:ln w="13550" cap="flat">
+              <a:solidFill>
+                <a:srgbClr val="EBEBEB">
+                  <a:alpha val="100000"/>
+                </a:srgbClr>
+              </a:solidFill>
+              <a:prstDash val="solid"/>
+              <a:round/>
+            </a:ln>
+          </p:spPr>
+          <p:txBody>
+            <a:bodyPr/>
+            <a:lstStyle/>
+            <a:p/>
+          </p:txBody>
+        </p:sp>
+        <p:sp>
+          <p:nvSpPr>
+            <p:cNvPr id="79" name="pl79"/>
+            <p:cNvSpPr/>
+            <p:nvPr/>
+          </p:nvSpPr>
+          <p:spPr>
+            <a:xfrm>
+              <a:off x="8751982" y="1809173"/>
+              <a:ext cx="0" cy="3464924"/>
+            </a:xfrm>
+            <a:custGeom>
+              <a:avLst/>
+              <a:pathLst>
+                <a:path w="0" h="3464924">
+                  <a:moveTo>
+                    <a:pt x="0" y="3464924"/>
+                  </a:moveTo>
+                  <a:lnTo>
+                    <a:pt x="0" y="0"/>
+                  </a:lnTo>
+                  <a:lnTo>
+                    <a:pt x="0" y="0"/>
+                  </a:lnTo>
+                </a:path>
+              </a:pathLst>
+            </a:custGeom>
+            <a:ln w="13550" cap="flat">
+              <a:solidFill>
+                <a:srgbClr val="EBEBEB">
+                  <a:alpha val="100000"/>
+                </a:srgbClr>
+              </a:solidFill>
+              <a:prstDash val="solid"/>
+              <a:round/>
+            </a:ln>
+          </p:spPr>
+          <p:txBody>
+            <a:bodyPr/>
+            <a:lstStyle/>
+            <a:p/>
+          </p:txBody>
+        </p:sp>
+        <p:sp>
+          <p:nvSpPr>
+            <p:cNvPr id="80" name="rc80"/>
+            <p:cNvSpPr/>
+            <p:nvPr/>
+          </p:nvSpPr>
+          <p:spPr>
+            <a:xfrm>
+              <a:off x="7687599" y="4960900"/>
+              <a:ext cx="277665" cy="155700"/>
             </a:xfrm>
             <a:prstGeom prst="rect">
               <a:avLst/>
             </a:prstGeom>
             <a:solidFill>
-              <a:srgbClr val="FEE0D2">
+              <a:srgbClr val="FEE5D9">
                 <a:alpha val="100000"/>
               </a:srgbClr>
             </a:solidFill>
@@ -5820,20 +6028,20 @@
         </p:sp>
         <p:sp>
           <p:nvSpPr>
-            <p:cNvPr id="73" name="rc73"/>
-            <p:cNvSpPr/>
-            <p:nvPr/>
-          </p:nvSpPr>
-          <p:spPr>
-            <a:xfrm>
-              <a:off x="8318656" y="4950815"/>
-              <a:ext cx="530088" cy="165785"/>
+            <p:cNvPr id="81" name="rc81"/>
+            <p:cNvSpPr/>
+            <p:nvPr/>
+          </p:nvSpPr>
+          <p:spPr>
+            <a:xfrm>
+              <a:off x="7996115" y="4481823"/>
+              <a:ext cx="277665" cy="634777"/>
             </a:xfrm>
             <a:prstGeom prst="rect">
               <a:avLst/>
             </a:prstGeom>
             <a:solidFill>
-              <a:srgbClr val="FC9272">
+              <a:srgbClr val="FCAE91">
                 <a:alpha val="100000"/>
               </a:srgbClr>
             </a:solidFill>
@@ -5846,7 +6054,59 @@
         </p:sp>
         <p:sp>
           <p:nvSpPr>
-            <p:cNvPr id="74" name="rc74"/>
+            <p:cNvPr id="82" name="rc82"/>
+            <p:cNvSpPr/>
+            <p:nvPr/>
+          </p:nvSpPr>
+          <p:spPr>
+            <a:xfrm>
+              <a:off x="8304632" y="4924970"/>
+              <a:ext cx="277665" cy="191630"/>
+            </a:xfrm>
+            <a:prstGeom prst="rect">
+              <a:avLst/>
+            </a:prstGeom>
+            <a:solidFill>
+              <a:srgbClr val="FB6A4A">
+                <a:alpha val="100000"/>
+              </a:srgbClr>
+            </a:solidFill>
+          </p:spPr>
+          <p:txBody>
+            <a:bodyPr/>
+            <a:lstStyle/>
+            <a:p/>
+          </p:txBody>
+        </p:sp>
+        <p:sp>
+          <p:nvSpPr>
+            <p:cNvPr id="83" name="rc83"/>
+            <p:cNvSpPr/>
+            <p:nvPr/>
+          </p:nvSpPr>
+          <p:spPr>
+            <a:xfrm>
+              <a:off x="8613149" y="4924970"/>
+              <a:ext cx="277665" cy="191630"/>
+            </a:xfrm>
+            <a:prstGeom prst="rect">
+              <a:avLst/>
+            </a:prstGeom>
+            <a:solidFill>
+              <a:srgbClr val="CB181D">
+                <a:alpha val="100000"/>
+              </a:srgbClr>
+            </a:solidFill>
+          </p:spPr>
+          <p:txBody>
+            <a:bodyPr/>
+            <a:lstStyle/>
+            <a:p/>
+          </p:txBody>
+        </p:sp>
+        <p:sp>
+          <p:nvSpPr>
+            <p:cNvPr id="84" name="rc84"/>
             <p:cNvSpPr/>
             <p:nvPr/>
           </p:nvSpPr>
@@ -5876,7 +6136,7 @@
         </p:sp>
         <p:sp>
           <p:nvSpPr>
-            <p:cNvPr id="75" name="rc75"/>
+            <p:cNvPr id="85" name="rc85"/>
             <p:cNvSpPr/>
             <p:nvPr/>
           </p:nvSpPr>
@@ -5911,7 +6171,7 @@
         </p:sp>
         <p:sp>
           <p:nvSpPr>
-            <p:cNvPr id="76" name="tx76"/>
+            <p:cNvPr id="86" name="tx86"/>
             <p:cNvSpPr/>
             <p:nvPr/>
           </p:nvSpPr>
@@ -5957,7 +6217,7 @@
         </p:sp>
         <p:sp>
           <p:nvSpPr>
-            <p:cNvPr id="77" name="rc77"/>
+            <p:cNvPr id="87" name="rc87"/>
             <p:cNvSpPr/>
             <p:nvPr/>
           </p:nvSpPr>
@@ -5992,7 +6252,7 @@
         </p:sp>
         <p:sp>
           <p:nvSpPr>
-            <p:cNvPr id="78" name="tx78"/>
+            <p:cNvPr id="88" name="tx88"/>
             <p:cNvSpPr/>
             <p:nvPr/>
           </p:nvSpPr>
@@ -6038,7 +6298,7 @@
         </p:sp>
         <p:sp>
           <p:nvSpPr>
-            <p:cNvPr id="79" name="rc79"/>
+            <p:cNvPr id="89" name="rc89"/>
             <p:cNvSpPr/>
             <p:nvPr/>
           </p:nvSpPr>
@@ -6073,7 +6333,7 @@
         </p:sp>
         <p:sp>
           <p:nvSpPr>
-            <p:cNvPr id="80" name="tx80"/>
+            <p:cNvPr id="90" name="tx90"/>
             <p:cNvSpPr/>
             <p:nvPr/>
           </p:nvSpPr>
@@ -6119,7 +6379,7 @@
         </p:sp>
         <p:sp>
           <p:nvSpPr>
-            <p:cNvPr id="81" name="rc81"/>
+            <p:cNvPr id="91" name="rc91"/>
             <p:cNvSpPr/>
             <p:nvPr/>
           </p:nvSpPr>
@@ -6154,7 +6414,7 @@
         </p:sp>
         <p:sp>
           <p:nvSpPr>
-            <p:cNvPr id="82" name="tx82"/>
+            <p:cNvPr id="92" name="tx92"/>
             <p:cNvSpPr/>
             <p:nvPr/>
           </p:nvSpPr>
@@ -6200,7 +6460,7 @@
         </p:sp>
         <p:sp>
           <p:nvSpPr>
-            <p:cNvPr id="83" name="rc83"/>
+            <p:cNvPr id="93" name="rc93"/>
             <p:cNvSpPr/>
             <p:nvPr/>
           </p:nvSpPr>
@@ -6235,7 +6495,7 @@
         </p:sp>
         <p:sp>
           <p:nvSpPr>
-            <p:cNvPr id="84" name="tx84"/>
+            <p:cNvPr id="94" name="tx94"/>
             <p:cNvSpPr/>
             <p:nvPr/>
           </p:nvSpPr>
@@ -6281,13 +6541,13 @@
         </p:sp>
         <p:sp>
           <p:nvSpPr>
-            <p:cNvPr id="85" name="pl85"/>
-            <p:cNvSpPr/>
-            <p:nvPr/>
-          </p:nvSpPr>
-          <p:spPr>
-            <a:xfrm>
-              <a:off x="2533273" y="5274097"/>
+            <p:cNvPr id="95" name="pl95"/>
+            <p:cNvSpPr/>
+            <p:nvPr/>
+          </p:nvSpPr>
+          <p:spPr>
+            <a:xfrm>
+              <a:off x="2364991" y="5274097"/>
               <a:ext cx="0" cy="34794"/>
             </a:xfrm>
             <a:custGeom>
@@ -6321,13 +6581,13 @@
         </p:sp>
         <p:sp>
           <p:nvSpPr>
-            <p:cNvPr id="86" name="pl86"/>
-            <p:cNvSpPr/>
-            <p:nvPr/>
-          </p:nvSpPr>
-          <p:spPr>
-            <a:xfrm>
-              <a:off x="3122260" y="5274097"/>
+            <p:cNvPr id="96" name="pl96"/>
+            <p:cNvSpPr/>
+            <p:nvPr/>
+          </p:nvSpPr>
+          <p:spPr>
+            <a:xfrm>
+              <a:off x="2673508" y="5274097"/>
               <a:ext cx="0" cy="34794"/>
             </a:xfrm>
             <a:custGeom>
@@ -6361,13 +6621,13 @@
         </p:sp>
         <p:sp>
           <p:nvSpPr>
-            <p:cNvPr id="87" name="pl87"/>
-            <p:cNvSpPr/>
-            <p:nvPr/>
-          </p:nvSpPr>
-          <p:spPr>
-            <a:xfrm>
-              <a:off x="3898633" y="5274097"/>
+            <p:cNvPr id="97" name="pl97"/>
+            <p:cNvSpPr/>
+            <p:nvPr/>
+          </p:nvSpPr>
+          <p:spPr>
+            <a:xfrm>
+              <a:off x="2982025" y="5274097"/>
               <a:ext cx="0" cy="34794"/>
             </a:xfrm>
             <a:custGeom>
@@ -6401,13 +6661,13 @@
         </p:sp>
         <p:sp>
           <p:nvSpPr>
-            <p:cNvPr id="88" name="pl88"/>
-            <p:cNvSpPr/>
-            <p:nvPr/>
-          </p:nvSpPr>
-          <p:spPr>
-            <a:xfrm>
-              <a:off x="4487620" y="5274097"/>
+            <p:cNvPr id="98" name="pl98"/>
+            <p:cNvSpPr/>
+            <p:nvPr/>
+          </p:nvSpPr>
+          <p:spPr>
+            <a:xfrm>
+              <a:off x="3290542" y="5274097"/>
               <a:ext cx="0" cy="34794"/>
             </a:xfrm>
             <a:custGeom>
@@ -6441,13 +6701,13 @@
         </p:sp>
         <p:sp>
           <p:nvSpPr>
-            <p:cNvPr id="89" name="pl89"/>
-            <p:cNvSpPr/>
-            <p:nvPr/>
-          </p:nvSpPr>
-          <p:spPr>
-            <a:xfrm>
-              <a:off x="5263993" y="5274097"/>
+            <p:cNvPr id="99" name="pl99"/>
+            <p:cNvSpPr/>
+            <p:nvPr/>
+          </p:nvSpPr>
+          <p:spPr>
+            <a:xfrm>
+              <a:off x="3730351" y="5274097"/>
               <a:ext cx="0" cy="34794"/>
             </a:xfrm>
             <a:custGeom>
@@ -6481,13 +6741,13 @@
         </p:sp>
         <p:sp>
           <p:nvSpPr>
-            <p:cNvPr id="90" name="pl90"/>
-            <p:cNvSpPr/>
-            <p:nvPr/>
-          </p:nvSpPr>
-          <p:spPr>
-            <a:xfrm>
-              <a:off x="5852980" y="5274097"/>
+            <p:cNvPr id="100" name="pl100"/>
+            <p:cNvSpPr/>
+            <p:nvPr/>
+          </p:nvSpPr>
+          <p:spPr>
+            <a:xfrm>
+              <a:off x="4038868" y="5274097"/>
               <a:ext cx="0" cy="34794"/>
             </a:xfrm>
             <a:custGeom>
@@ -6521,13 +6781,13 @@
         </p:sp>
         <p:sp>
           <p:nvSpPr>
-            <p:cNvPr id="91" name="pl91"/>
-            <p:cNvSpPr/>
-            <p:nvPr/>
-          </p:nvSpPr>
-          <p:spPr>
-            <a:xfrm>
-              <a:off x="6629353" y="5274097"/>
+            <p:cNvPr id="101" name="pl101"/>
+            <p:cNvSpPr/>
+            <p:nvPr/>
+          </p:nvSpPr>
+          <p:spPr>
+            <a:xfrm>
+              <a:off x="4347385" y="5274097"/>
               <a:ext cx="0" cy="34794"/>
             </a:xfrm>
             <a:custGeom>
@@ -6561,13 +6821,13 @@
         </p:sp>
         <p:sp>
           <p:nvSpPr>
-            <p:cNvPr id="92" name="pl92"/>
-            <p:cNvSpPr/>
-            <p:nvPr/>
-          </p:nvSpPr>
-          <p:spPr>
-            <a:xfrm>
-              <a:off x="7218340" y="5274097"/>
+            <p:cNvPr id="102" name="pl102"/>
+            <p:cNvSpPr/>
+            <p:nvPr/>
+          </p:nvSpPr>
+          <p:spPr>
+            <a:xfrm>
+              <a:off x="4655902" y="5274097"/>
               <a:ext cx="0" cy="34794"/>
             </a:xfrm>
             <a:custGeom>
@@ -6601,13 +6861,13 @@
         </p:sp>
         <p:sp>
           <p:nvSpPr>
-            <p:cNvPr id="93" name="pl93"/>
-            <p:cNvSpPr/>
-            <p:nvPr/>
-          </p:nvSpPr>
-          <p:spPr>
-            <a:xfrm>
-              <a:off x="7994713" y="5274097"/>
+            <p:cNvPr id="103" name="pl103"/>
+            <p:cNvSpPr/>
+            <p:nvPr/>
+          </p:nvSpPr>
+          <p:spPr>
+            <a:xfrm>
+              <a:off x="5095711" y="5274097"/>
               <a:ext cx="0" cy="34794"/>
             </a:xfrm>
             <a:custGeom>
@@ -6641,13 +6901,13 @@
         </p:sp>
         <p:sp>
           <p:nvSpPr>
-            <p:cNvPr id="94" name="pl94"/>
-            <p:cNvSpPr/>
-            <p:nvPr/>
-          </p:nvSpPr>
-          <p:spPr>
-            <a:xfrm>
-              <a:off x="8583700" y="5274097"/>
+            <p:cNvPr id="104" name="pl104"/>
+            <p:cNvSpPr/>
+            <p:nvPr/>
+          </p:nvSpPr>
+          <p:spPr>
+            <a:xfrm>
+              <a:off x="5404228" y="5274097"/>
               <a:ext cx="0" cy="34794"/>
             </a:xfrm>
             <a:custGeom>
@@ -6681,7 +6941,407 @@
         </p:sp>
         <p:sp>
           <p:nvSpPr>
-            <p:cNvPr id="95" name="tx95"/>
+            <p:cNvPr id="105" name="pl105"/>
+            <p:cNvSpPr/>
+            <p:nvPr/>
+          </p:nvSpPr>
+          <p:spPr>
+            <a:xfrm>
+              <a:off x="5712745" y="5274097"/>
+              <a:ext cx="0" cy="34794"/>
+            </a:xfrm>
+            <a:custGeom>
+              <a:avLst/>
+              <a:pathLst>
+                <a:path w="0" h="34794">
+                  <a:moveTo>
+                    <a:pt x="0" y="34794"/>
+                  </a:moveTo>
+                  <a:lnTo>
+                    <a:pt x="0" y="0"/>
+                  </a:lnTo>
+                </a:path>
+              </a:pathLst>
+            </a:custGeom>
+            <a:ln w="13550" cap="flat">
+              <a:solidFill>
+                <a:srgbClr val="333333">
+                  <a:alpha val="100000"/>
+                </a:srgbClr>
+              </a:solidFill>
+              <a:prstDash val="solid"/>
+              <a:round/>
+            </a:ln>
+          </p:spPr>
+          <p:txBody>
+            <a:bodyPr/>
+            <a:lstStyle/>
+            <a:p/>
+          </p:txBody>
+        </p:sp>
+        <p:sp>
+          <p:nvSpPr>
+            <p:cNvPr id="106" name="pl106"/>
+            <p:cNvSpPr/>
+            <p:nvPr/>
+          </p:nvSpPr>
+          <p:spPr>
+            <a:xfrm>
+              <a:off x="6021262" y="5274097"/>
+              <a:ext cx="0" cy="34794"/>
+            </a:xfrm>
+            <a:custGeom>
+              <a:avLst/>
+              <a:pathLst>
+                <a:path w="0" h="34794">
+                  <a:moveTo>
+                    <a:pt x="0" y="34794"/>
+                  </a:moveTo>
+                  <a:lnTo>
+                    <a:pt x="0" y="0"/>
+                  </a:lnTo>
+                </a:path>
+              </a:pathLst>
+            </a:custGeom>
+            <a:ln w="13550" cap="flat">
+              <a:solidFill>
+                <a:srgbClr val="333333">
+                  <a:alpha val="100000"/>
+                </a:srgbClr>
+              </a:solidFill>
+              <a:prstDash val="solid"/>
+              <a:round/>
+            </a:ln>
+          </p:spPr>
+          <p:txBody>
+            <a:bodyPr/>
+            <a:lstStyle/>
+            <a:p/>
+          </p:txBody>
+        </p:sp>
+        <p:sp>
+          <p:nvSpPr>
+            <p:cNvPr id="107" name="pl107"/>
+            <p:cNvSpPr/>
+            <p:nvPr/>
+          </p:nvSpPr>
+          <p:spPr>
+            <a:xfrm>
+              <a:off x="6461071" y="5274097"/>
+              <a:ext cx="0" cy="34794"/>
+            </a:xfrm>
+            <a:custGeom>
+              <a:avLst/>
+              <a:pathLst>
+                <a:path w="0" h="34794">
+                  <a:moveTo>
+                    <a:pt x="0" y="34794"/>
+                  </a:moveTo>
+                  <a:lnTo>
+                    <a:pt x="0" y="0"/>
+                  </a:lnTo>
+                </a:path>
+              </a:pathLst>
+            </a:custGeom>
+            <a:ln w="13550" cap="flat">
+              <a:solidFill>
+                <a:srgbClr val="333333">
+                  <a:alpha val="100000"/>
+                </a:srgbClr>
+              </a:solidFill>
+              <a:prstDash val="solid"/>
+              <a:round/>
+            </a:ln>
+          </p:spPr>
+          <p:txBody>
+            <a:bodyPr/>
+            <a:lstStyle/>
+            <a:p/>
+          </p:txBody>
+        </p:sp>
+        <p:sp>
+          <p:nvSpPr>
+            <p:cNvPr id="108" name="pl108"/>
+            <p:cNvSpPr/>
+            <p:nvPr/>
+          </p:nvSpPr>
+          <p:spPr>
+            <a:xfrm>
+              <a:off x="6769588" y="5274097"/>
+              <a:ext cx="0" cy="34794"/>
+            </a:xfrm>
+            <a:custGeom>
+              <a:avLst/>
+              <a:pathLst>
+                <a:path w="0" h="34794">
+                  <a:moveTo>
+                    <a:pt x="0" y="34794"/>
+                  </a:moveTo>
+                  <a:lnTo>
+                    <a:pt x="0" y="0"/>
+                  </a:lnTo>
+                </a:path>
+              </a:pathLst>
+            </a:custGeom>
+            <a:ln w="13550" cap="flat">
+              <a:solidFill>
+                <a:srgbClr val="333333">
+                  <a:alpha val="100000"/>
+                </a:srgbClr>
+              </a:solidFill>
+              <a:prstDash val="solid"/>
+              <a:round/>
+            </a:ln>
+          </p:spPr>
+          <p:txBody>
+            <a:bodyPr/>
+            <a:lstStyle/>
+            <a:p/>
+          </p:txBody>
+        </p:sp>
+        <p:sp>
+          <p:nvSpPr>
+            <p:cNvPr id="109" name="pl109"/>
+            <p:cNvSpPr/>
+            <p:nvPr/>
+          </p:nvSpPr>
+          <p:spPr>
+            <a:xfrm>
+              <a:off x="7078105" y="5274097"/>
+              <a:ext cx="0" cy="34794"/>
+            </a:xfrm>
+            <a:custGeom>
+              <a:avLst/>
+              <a:pathLst>
+                <a:path w="0" h="34794">
+                  <a:moveTo>
+                    <a:pt x="0" y="34794"/>
+                  </a:moveTo>
+                  <a:lnTo>
+                    <a:pt x="0" y="0"/>
+                  </a:lnTo>
+                </a:path>
+              </a:pathLst>
+            </a:custGeom>
+            <a:ln w="13550" cap="flat">
+              <a:solidFill>
+                <a:srgbClr val="333333">
+                  <a:alpha val="100000"/>
+                </a:srgbClr>
+              </a:solidFill>
+              <a:prstDash val="solid"/>
+              <a:round/>
+            </a:ln>
+          </p:spPr>
+          <p:txBody>
+            <a:bodyPr/>
+            <a:lstStyle/>
+            <a:p/>
+          </p:txBody>
+        </p:sp>
+        <p:sp>
+          <p:nvSpPr>
+            <p:cNvPr id="110" name="pl110"/>
+            <p:cNvSpPr/>
+            <p:nvPr/>
+          </p:nvSpPr>
+          <p:spPr>
+            <a:xfrm>
+              <a:off x="7386622" y="5274097"/>
+              <a:ext cx="0" cy="34794"/>
+            </a:xfrm>
+            <a:custGeom>
+              <a:avLst/>
+              <a:pathLst>
+                <a:path w="0" h="34794">
+                  <a:moveTo>
+                    <a:pt x="0" y="34794"/>
+                  </a:moveTo>
+                  <a:lnTo>
+                    <a:pt x="0" y="0"/>
+                  </a:lnTo>
+                </a:path>
+              </a:pathLst>
+            </a:custGeom>
+            <a:ln w="13550" cap="flat">
+              <a:solidFill>
+                <a:srgbClr val="333333">
+                  <a:alpha val="100000"/>
+                </a:srgbClr>
+              </a:solidFill>
+              <a:prstDash val="solid"/>
+              <a:round/>
+            </a:ln>
+          </p:spPr>
+          <p:txBody>
+            <a:bodyPr/>
+            <a:lstStyle/>
+            <a:p/>
+          </p:txBody>
+        </p:sp>
+        <p:sp>
+          <p:nvSpPr>
+            <p:cNvPr id="111" name="pl111"/>
+            <p:cNvSpPr/>
+            <p:nvPr/>
+          </p:nvSpPr>
+          <p:spPr>
+            <a:xfrm>
+              <a:off x="7826431" y="5274097"/>
+              <a:ext cx="0" cy="34794"/>
+            </a:xfrm>
+            <a:custGeom>
+              <a:avLst/>
+              <a:pathLst>
+                <a:path w="0" h="34794">
+                  <a:moveTo>
+                    <a:pt x="0" y="34794"/>
+                  </a:moveTo>
+                  <a:lnTo>
+                    <a:pt x="0" y="0"/>
+                  </a:lnTo>
+                </a:path>
+              </a:pathLst>
+            </a:custGeom>
+            <a:ln w="13550" cap="flat">
+              <a:solidFill>
+                <a:srgbClr val="333333">
+                  <a:alpha val="100000"/>
+                </a:srgbClr>
+              </a:solidFill>
+              <a:prstDash val="solid"/>
+              <a:round/>
+            </a:ln>
+          </p:spPr>
+          <p:txBody>
+            <a:bodyPr/>
+            <a:lstStyle/>
+            <a:p/>
+          </p:txBody>
+        </p:sp>
+        <p:sp>
+          <p:nvSpPr>
+            <p:cNvPr id="112" name="pl112"/>
+            <p:cNvSpPr/>
+            <p:nvPr/>
+          </p:nvSpPr>
+          <p:spPr>
+            <a:xfrm>
+              <a:off x="8134948" y="5274097"/>
+              <a:ext cx="0" cy="34794"/>
+            </a:xfrm>
+            <a:custGeom>
+              <a:avLst/>
+              <a:pathLst>
+                <a:path w="0" h="34794">
+                  <a:moveTo>
+                    <a:pt x="0" y="34794"/>
+                  </a:moveTo>
+                  <a:lnTo>
+                    <a:pt x="0" y="0"/>
+                  </a:lnTo>
+                </a:path>
+              </a:pathLst>
+            </a:custGeom>
+            <a:ln w="13550" cap="flat">
+              <a:solidFill>
+                <a:srgbClr val="333333">
+                  <a:alpha val="100000"/>
+                </a:srgbClr>
+              </a:solidFill>
+              <a:prstDash val="solid"/>
+              <a:round/>
+            </a:ln>
+          </p:spPr>
+          <p:txBody>
+            <a:bodyPr/>
+            <a:lstStyle/>
+            <a:p/>
+          </p:txBody>
+        </p:sp>
+        <p:sp>
+          <p:nvSpPr>
+            <p:cNvPr id="113" name="pl113"/>
+            <p:cNvSpPr/>
+            <p:nvPr/>
+          </p:nvSpPr>
+          <p:spPr>
+            <a:xfrm>
+              <a:off x="8443465" y="5274097"/>
+              <a:ext cx="0" cy="34794"/>
+            </a:xfrm>
+            <a:custGeom>
+              <a:avLst/>
+              <a:pathLst>
+                <a:path w="0" h="34794">
+                  <a:moveTo>
+                    <a:pt x="0" y="34794"/>
+                  </a:moveTo>
+                  <a:lnTo>
+                    <a:pt x="0" y="0"/>
+                  </a:lnTo>
+                </a:path>
+              </a:pathLst>
+            </a:custGeom>
+            <a:ln w="13550" cap="flat">
+              <a:solidFill>
+                <a:srgbClr val="333333">
+                  <a:alpha val="100000"/>
+                </a:srgbClr>
+              </a:solidFill>
+              <a:prstDash val="solid"/>
+              <a:round/>
+            </a:ln>
+          </p:spPr>
+          <p:txBody>
+            <a:bodyPr/>
+            <a:lstStyle/>
+            <a:p/>
+          </p:txBody>
+        </p:sp>
+        <p:sp>
+          <p:nvSpPr>
+            <p:cNvPr id="114" name="pl114"/>
+            <p:cNvSpPr/>
+            <p:nvPr/>
+          </p:nvSpPr>
+          <p:spPr>
+            <a:xfrm>
+              <a:off x="8751982" y="5274097"/>
+              <a:ext cx="0" cy="34794"/>
+            </a:xfrm>
+            <a:custGeom>
+              <a:avLst/>
+              <a:pathLst>
+                <a:path w="0" h="34794">
+                  <a:moveTo>
+                    <a:pt x="0" y="34794"/>
+                  </a:moveTo>
+                  <a:lnTo>
+                    <a:pt x="0" y="0"/>
+                  </a:lnTo>
+                </a:path>
+              </a:pathLst>
+            </a:custGeom>
+            <a:ln w="13550" cap="flat">
+              <a:solidFill>
+                <a:srgbClr val="333333">
+                  <a:alpha val="100000"/>
+                </a:srgbClr>
+              </a:solidFill>
+              <a:prstDash val="solid"/>
+              <a:round/>
+            </a:ln>
+          </p:spPr>
+          <p:txBody>
+            <a:bodyPr/>
+            <a:lstStyle/>
+            <a:p/>
+          </p:txBody>
+        </p:sp>
+        <p:sp>
+          <p:nvSpPr>
+            <p:cNvPr id="115" name="tx115"/>
             <p:cNvSpPr/>
             <p:nvPr/>
           </p:nvSpPr>
@@ -6727,13 +7387,13 @@
         </p:sp>
         <p:sp>
           <p:nvSpPr>
-            <p:cNvPr id="96" name="tx96"/>
-            <p:cNvSpPr/>
-            <p:nvPr/>
-          </p:nvSpPr>
-          <p:spPr>
-            <a:xfrm>
-              <a:off x="1930784" y="4153876"/>
+            <p:cNvPr id="116" name="tx116"/>
+            <p:cNvSpPr/>
+            <p:nvPr/>
+          </p:nvSpPr>
+          <p:spPr>
+            <a:xfrm>
+              <a:off x="1930784" y="3877216"/>
               <a:ext cx="186466" cy="81691"/>
             </a:xfrm>
             <a:prstGeom prst="rect">
@@ -6773,13 +7433,13 @@
         </p:sp>
         <p:sp>
           <p:nvSpPr>
-            <p:cNvPr id="97" name="tx97"/>
-            <p:cNvSpPr/>
-            <p:nvPr/>
-          </p:nvSpPr>
-          <p:spPr>
-            <a:xfrm>
-              <a:off x="1930784" y="3232844"/>
+            <p:cNvPr id="117" name="tx117"/>
+            <p:cNvSpPr/>
+            <p:nvPr/>
+          </p:nvSpPr>
+          <p:spPr>
+            <a:xfrm>
+              <a:off x="1930784" y="2679524"/>
               <a:ext cx="186466" cy="81691"/>
             </a:xfrm>
             <a:prstGeom prst="rect">
@@ -6819,14 +7479,368 @@
         </p:sp>
         <p:sp>
           <p:nvSpPr>
-            <p:cNvPr id="98" name="tx98"/>
-            <p:cNvSpPr/>
-            <p:nvPr/>
-          </p:nvSpPr>
-          <p:spPr>
-            <a:xfrm>
-              <a:off x="1930784" y="2311757"/>
-              <a:ext cx="186466" cy="81746"/>
+            <p:cNvPr id="118" name="pl118"/>
+            <p:cNvSpPr/>
+            <p:nvPr/>
+          </p:nvSpPr>
+          <p:spPr>
+            <a:xfrm>
+              <a:off x="2145087" y="5116600"/>
+              <a:ext cx="34794" cy="0"/>
+            </a:xfrm>
+            <a:custGeom>
+              <a:avLst/>
+              <a:pathLst>
+                <a:path w="34794" h="0">
+                  <a:moveTo>
+                    <a:pt x="0" y="0"/>
+                  </a:moveTo>
+                  <a:lnTo>
+                    <a:pt x="34794" y="0"/>
+                  </a:lnTo>
+                </a:path>
+              </a:pathLst>
+            </a:custGeom>
+            <a:ln w="13550" cap="flat">
+              <a:solidFill>
+                <a:srgbClr val="333333">
+                  <a:alpha val="100000"/>
+                </a:srgbClr>
+              </a:solidFill>
+              <a:prstDash val="solid"/>
+              <a:round/>
+            </a:ln>
+          </p:spPr>
+          <p:txBody>
+            <a:bodyPr/>
+            <a:lstStyle/>
+            <a:p/>
+          </p:txBody>
+        </p:sp>
+        <p:sp>
+          <p:nvSpPr>
+            <p:cNvPr id="119" name="pl119"/>
+            <p:cNvSpPr/>
+            <p:nvPr/>
+          </p:nvSpPr>
+          <p:spPr>
+            <a:xfrm>
+              <a:off x="2145087" y="3918908"/>
+              <a:ext cx="34794" cy="0"/>
+            </a:xfrm>
+            <a:custGeom>
+              <a:avLst/>
+              <a:pathLst>
+                <a:path w="34794" h="0">
+                  <a:moveTo>
+                    <a:pt x="0" y="0"/>
+                  </a:moveTo>
+                  <a:lnTo>
+                    <a:pt x="34794" y="0"/>
+                  </a:lnTo>
+                </a:path>
+              </a:pathLst>
+            </a:custGeom>
+            <a:ln w="13550" cap="flat">
+              <a:solidFill>
+                <a:srgbClr val="333333">
+                  <a:alpha val="100000"/>
+                </a:srgbClr>
+              </a:solidFill>
+              <a:prstDash val="solid"/>
+              <a:round/>
+            </a:ln>
+          </p:spPr>
+          <p:txBody>
+            <a:bodyPr/>
+            <a:lstStyle/>
+            <a:p/>
+          </p:txBody>
+        </p:sp>
+        <p:sp>
+          <p:nvSpPr>
+            <p:cNvPr id="120" name="pl120"/>
+            <p:cNvSpPr/>
+            <p:nvPr/>
+          </p:nvSpPr>
+          <p:spPr>
+            <a:xfrm>
+              <a:off x="2145087" y="2721215"/>
+              <a:ext cx="34794" cy="0"/>
+            </a:xfrm>
+            <a:custGeom>
+              <a:avLst/>
+              <a:pathLst>
+                <a:path w="34794" h="0">
+                  <a:moveTo>
+                    <a:pt x="0" y="0"/>
+                  </a:moveTo>
+                  <a:lnTo>
+                    <a:pt x="34794" y="0"/>
+                  </a:lnTo>
+                </a:path>
+              </a:pathLst>
+            </a:custGeom>
+            <a:ln w="13550" cap="flat">
+              <a:solidFill>
+                <a:srgbClr val="333333">
+                  <a:alpha val="100000"/>
+                </a:srgbClr>
+              </a:solidFill>
+              <a:prstDash val="solid"/>
+              <a:round/>
+            </a:ln>
+          </p:spPr>
+          <p:txBody>
+            <a:bodyPr/>
+            <a:lstStyle/>
+            <a:p/>
+          </p:txBody>
+        </p:sp>
+        <p:sp>
+          <p:nvSpPr>
+            <p:cNvPr id="121" name="rc121"/>
+            <p:cNvSpPr/>
+            <p:nvPr/>
+          </p:nvSpPr>
+          <p:spPr>
+            <a:xfrm>
+              <a:off x="4104346" y="5613598"/>
+              <a:ext cx="2908281" cy="358634"/>
+            </a:xfrm>
+            <a:prstGeom prst="rect">
+              <a:avLst/>
+            </a:prstGeom>
+            <a:solidFill>
+              <a:srgbClr val="FFFFFF">
+                <a:alpha val="100000"/>
+              </a:srgbClr>
+            </a:solidFill>
+          </p:spPr>
+          <p:txBody>
+            <a:bodyPr/>
+            <a:lstStyle/>
+            <a:p/>
+          </p:txBody>
+        </p:sp>
+        <p:sp>
+          <p:nvSpPr>
+            <p:cNvPr id="122" name="rc122"/>
+            <p:cNvSpPr/>
+            <p:nvPr/>
+          </p:nvSpPr>
+          <p:spPr>
+            <a:xfrm>
+              <a:off x="4243524" y="5683187"/>
+              <a:ext cx="219455" cy="219455"/>
+            </a:xfrm>
+            <a:prstGeom prst="rect">
+              <a:avLst/>
+            </a:prstGeom>
+            <a:solidFill>
+              <a:srgbClr val="FFFFFF">
+                <a:alpha val="100000"/>
+              </a:srgbClr>
+            </a:solidFill>
+          </p:spPr>
+          <p:txBody>
+            <a:bodyPr/>
+            <a:lstStyle/>
+            <a:p/>
+          </p:txBody>
+        </p:sp>
+        <p:sp>
+          <p:nvSpPr>
+            <p:cNvPr id="123" name="rc123"/>
+            <p:cNvSpPr/>
+            <p:nvPr/>
+          </p:nvSpPr>
+          <p:spPr>
+            <a:xfrm>
+              <a:off x="4252524" y="5692187"/>
+              <a:ext cx="201456" cy="201456"/>
+            </a:xfrm>
+            <a:prstGeom prst="rect">
+              <a:avLst/>
+            </a:prstGeom>
+            <a:solidFill>
+              <a:srgbClr val="FEE5D9">
+                <a:alpha val="100000"/>
+              </a:srgbClr>
+            </a:solidFill>
+          </p:spPr>
+          <p:txBody>
+            <a:bodyPr/>
+            <a:lstStyle/>
+            <a:p/>
+          </p:txBody>
+        </p:sp>
+        <p:sp>
+          <p:nvSpPr>
+            <p:cNvPr id="124" name="rc124"/>
+            <p:cNvSpPr/>
+            <p:nvPr/>
+          </p:nvSpPr>
+          <p:spPr>
+            <a:xfrm>
+              <a:off x="4888137" y="5683187"/>
+              <a:ext cx="219455" cy="219455"/>
+            </a:xfrm>
+            <a:prstGeom prst="rect">
+              <a:avLst/>
+            </a:prstGeom>
+            <a:solidFill>
+              <a:srgbClr val="FFFFFF">
+                <a:alpha val="100000"/>
+              </a:srgbClr>
+            </a:solidFill>
+          </p:spPr>
+          <p:txBody>
+            <a:bodyPr/>
+            <a:lstStyle/>
+            <a:p/>
+          </p:txBody>
+        </p:sp>
+        <p:sp>
+          <p:nvSpPr>
+            <p:cNvPr id="125" name="rc125"/>
+            <p:cNvSpPr/>
+            <p:nvPr/>
+          </p:nvSpPr>
+          <p:spPr>
+            <a:xfrm>
+              <a:off x="4897137" y="5692187"/>
+              <a:ext cx="201455" cy="201456"/>
+            </a:xfrm>
+            <a:prstGeom prst="rect">
+              <a:avLst/>
+            </a:prstGeom>
+            <a:solidFill>
+              <a:srgbClr val="FCAE91">
+                <a:alpha val="100000"/>
+              </a:srgbClr>
+            </a:solidFill>
+          </p:spPr>
+          <p:txBody>
+            <a:bodyPr/>
+            <a:lstStyle/>
+            <a:p/>
+          </p:txBody>
+        </p:sp>
+        <p:sp>
+          <p:nvSpPr>
+            <p:cNvPr id="126" name="rc126"/>
+            <p:cNvSpPr/>
+            <p:nvPr/>
+          </p:nvSpPr>
+          <p:spPr>
+            <a:xfrm>
+              <a:off x="5723402" y="5683187"/>
+              <a:ext cx="219455" cy="219455"/>
+            </a:xfrm>
+            <a:prstGeom prst="rect">
+              <a:avLst/>
+            </a:prstGeom>
+            <a:solidFill>
+              <a:srgbClr val="FFFFFF">
+                <a:alpha val="100000"/>
+              </a:srgbClr>
+            </a:solidFill>
+          </p:spPr>
+          <p:txBody>
+            <a:bodyPr/>
+            <a:lstStyle/>
+            <a:p/>
+          </p:txBody>
+        </p:sp>
+        <p:sp>
+          <p:nvSpPr>
+            <p:cNvPr id="127" name="rc127"/>
+            <p:cNvSpPr/>
+            <p:nvPr/>
+          </p:nvSpPr>
+          <p:spPr>
+            <a:xfrm>
+              <a:off x="5732402" y="5692187"/>
+              <a:ext cx="201456" cy="201456"/>
+            </a:xfrm>
+            <a:prstGeom prst="rect">
+              <a:avLst/>
+            </a:prstGeom>
+            <a:solidFill>
+              <a:srgbClr val="FB6A4A">
+                <a:alpha val="100000"/>
+              </a:srgbClr>
+            </a:solidFill>
+          </p:spPr>
+          <p:txBody>
+            <a:bodyPr/>
+            <a:lstStyle/>
+            <a:p/>
+          </p:txBody>
+        </p:sp>
+        <p:sp>
+          <p:nvSpPr>
+            <p:cNvPr id="128" name="rc128"/>
+            <p:cNvSpPr/>
+            <p:nvPr/>
+          </p:nvSpPr>
+          <p:spPr>
+            <a:xfrm>
+              <a:off x="6272688" y="5683187"/>
+              <a:ext cx="219455" cy="219455"/>
+            </a:xfrm>
+            <a:prstGeom prst="rect">
+              <a:avLst/>
+            </a:prstGeom>
+            <a:solidFill>
+              <a:srgbClr val="FFFFFF">
+                <a:alpha val="100000"/>
+              </a:srgbClr>
+            </a:solidFill>
+          </p:spPr>
+          <p:txBody>
+            <a:bodyPr/>
+            <a:lstStyle/>
+            <a:p/>
+          </p:txBody>
+        </p:sp>
+        <p:sp>
+          <p:nvSpPr>
+            <p:cNvPr id="129" name="rc129"/>
+            <p:cNvSpPr/>
+            <p:nvPr/>
+          </p:nvSpPr>
+          <p:spPr>
+            <a:xfrm>
+              <a:off x="6281688" y="5692187"/>
+              <a:ext cx="201456" cy="201456"/>
+            </a:xfrm>
+            <a:prstGeom prst="rect">
+              <a:avLst/>
+            </a:prstGeom>
+            <a:solidFill>
+              <a:srgbClr val="CB181D">
+                <a:alpha val="100000"/>
+              </a:srgbClr>
+            </a:solidFill>
+          </p:spPr>
+          <p:txBody>
+            <a:bodyPr/>
+            <a:lstStyle/>
+            <a:p/>
+          </p:txBody>
+        </p:sp>
+        <p:sp>
+          <p:nvSpPr>
+            <p:cNvPr id="130" name="tx130"/>
+            <p:cNvSpPr/>
+            <p:nvPr/>
+          </p:nvSpPr>
+          <p:spPr>
+            <a:xfrm>
+              <a:off x="4532569" y="5763065"/>
+              <a:ext cx="251460" cy="69850"/>
             </a:xfrm>
             <a:prstGeom prst="rect">
               <a:avLst/>
@@ -6851,317 +7865,73 @@
               <a:r>
                 <a:rPr sz="880">
                   <a:solidFill>
-                    <a:srgbClr val="4D4D4D">
+                    <a:srgbClr val="000000">
                       <a:alpha val="100000"/>
                     </a:srgbClr>
                   </a:solidFill>
                   <a:latin typeface="Arial"/>
                   <a:cs typeface="Arial"/>
                 </a:rPr>
-                <a:t>300</a:t>
+                <a:t>不必要</a:t>
               </a:r>
             </a:p>
           </p:txBody>
         </p:sp>
         <p:sp>
           <p:nvSpPr>
-            <p:cNvPr id="99" name="pl99"/>
-            <p:cNvSpPr/>
-            <p:nvPr/>
-          </p:nvSpPr>
-          <p:spPr>
-            <a:xfrm>
-              <a:off x="2145087" y="5116600"/>
-              <a:ext cx="34794" cy="0"/>
-            </a:xfrm>
-            <a:custGeom>
-              <a:avLst/>
-              <a:pathLst>
-                <a:path w="34794" h="0">
-                  <a:moveTo>
-                    <a:pt x="0" y="0"/>
-                  </a:moveTo>
-                  <a:lnTo>
-                    <a:pt x="34794" y="0"/>
-                  </a:lnTo>
-                </a:path>
-              </a:pathLst>
-            </a:custGeom>
-            <a:ln w="13550" cap="flat">
-              <a:solidFill>
-                <a:srgbClr val="333333">
-                  <a:alpha val="100000"/>
-                </a:srgbClr>
-              </a:solidFill>
-              <a:prstDash val="solid"/>
-              <a:round/>
-            </a:ln>
-          </p:spPr>
-          <p:txBody>
-            <a:bodyPr/>
-            <a:lstStyle/>
-            <a:p/>
-          </p:txBody>
-        </p:sp>
-        <p:sp>
-          <p:nvSpPr>
-            <p:cNvPr id="100" name="pl100"/>
-            <p:cNvSpPr/>
-            <p:nvPr/>
-          </p:nvSpPr>
-          <p:spPr>
-            <a:xfrm>
-              <a:off x="2145087" y="4195568"/>
-              <a:ext cx="34794" cy="0"/>
-            </a:xfrm>
-            <a:custGeom>
-              <a:avLst/>
-              <a:pathLst>
-                <a:path w="34794" h="0">
-                  <a:moveTo>
-                    <a:pt x="0" y="0"/>
-                  </a:moveTo>
-                  <a:lnTo>
-                    <a:pt x="34794" y="0"/>
-                  </a:lnTo>
-                </a:path>
-              </a:pathLst>
-            </a:custGeom>
-            <a:ln w="13550" cap="flat">
-              <a:solidFill>
-                <a:srgbClr val="333333">
-                  <a:alpha val="100000"/>
-                </a:srgbClr>
-              </a:solidFill>
-              <a:prstDash val="solid"/>
-              <a:round/>
-            </a:ln>
-          </p:spPr>
-          <p:txBody>
-            <a:bodyPr/>
-            <a:lstStyle/>
-            <a:p/>
-          </p:txBody>
-        </p:sp>
-        <p:sp>
-          <p:nvSpPr>
-            <p:cNvPr id="101" name="pl101"/>
-            <p:cNvSpPr/>
-            <p:nvPr/>
-          </p:nvSpPr>
-          <p:spPr>
-            <a:xfrm>
-              <a:off x="2145087" y="3274535"/>
-              <a:ext cx="34794" cy="0"/>
-            </a:xfrm>
-            <a:custGeom>
-              <a:avLst/>
-              <a:pathLst>
-                <a:path w="34794" h="0">
-                  <a:moveTo>
-                    <a:pt x="0" y="0"/>
-                  </a:moveTo>
-                  <a:lnTo>
-                    <a:pt x="34794" y="0"/>
-                  </a:lnTo>
-                </a:path>
-              </a:pathLst>
-            </a:custGeom>
-            <a:ln w="13550" cap="flat">
-              <a:solidFill>
-                <a:srgbClr val="333333">
-                  <a:alpha val="100000"/>
-                </a:srgbClr>
-              </a:solidFill>
-              <a:prstDash val="solid"/>
-              <a:round/>
-            </a:ln>
-          </p:spPr>
-          <p:txBody>
-            <a:bodyPr/>
-            <a:lstStyle/>
-            <a:p/>
-          </p:txBody>
-        </p:sp>
-        <p:sp>
-          <p:nvSpPr>
-            <p:cNvPr id="102" name="pl102"/>
-            <p:cNvSpPr/>
-            <p:nvPr/>
-          </p:nvSpPr>
-          <p:spPr>
-            <a:xfrm>
-              <a:off x="2145087" y="2353503"/>
-              <a:ext cx="34794" cy="0"/>
-            </a:xfrm>
-            <a:custGeom>
-              <a:avLst/>
-              <a:pathLst>
-                <a:path w="34794" h="0">
-                  <a:moveTo>
-                    <a:pt x="0" y="0"/>
-                  </a:moveTo>
-                  <a:lnTo>
-                    <a:pt x="34794" y="0"/>
-                  </a:lnTo>
-                </a:path>
-              </a:pathLst>
-            </a:custGeom>
-            <a:ln w="13550" cap="flat">
-              <a:solidFill>
-                <a:srgbClr val="333333">
-                  <a:alpha val="100000"/>
-                </a:srgbClr>
-              </a:solidFill>
-              <a:prstDash val="solid"/>
-              <a:round/>
-            </a:ln>
-          </p:spPr>
-          <p:txBody>
-            <a:bodyPr/>
-            <a:lstStyle/>
-            <a:p/>
-          </p:txBody>
-        </p:sp>
-        <p:sp>
-          <p:nvSpPr>
-            <p:cNvPr id="103" name="rc103"/>
-            <p:cNvSpPr/>
-            <p:nvPr/>
-          </p:nvSpPr>
-          <p:spPr>
-            <a:xfrm>
-              <a:off x="4891948" y="5613598"/>
-              <a:ext cx="1333077" cy="358634"/>
+            <p:cNvPr id="131" name="tx131"/>
+            <p:cNvSpPr/>
+            <p:nvPr/>
+          </p:nvSpPr>
+          <p:spPr>
+            <a:xfrm>
+              <a:off x="5177182" y="5763065"/>
+              <a:ext cx="419100" cy="69850"/>
             </a:xfrm>
             <a:prstGeom prst="rect">
               <a:avLst/>
             </a:prstGeom>
-            <a:solidFill>
-              <a:srgbClr val="FFFFFF">
-                <a:alpha val="100000"/>
-              </a:srgbClr>
-            </a:solidFill>
-          </p:spPr>
-          <p:txBody>
-            <a:bodyPr/>
-            <a:lstStyle/>
-            <a:p/>
-          </p:txBody>
-        </p:sp>
-        <p:sp>
-          <p:nvSpPr>
-            <p:cNvPr id="104" name="rc104"/>
-            <p:cNvSpPr/>
-            <p:nvPr/>
-          </p:nvSpPr>
-          <p:spPr>
-            <a:xfrm>
-              <a:off x="5031126" y="5683187"/>
-              <a:ext cx="219455" cy="219455"/>
-            </a:xfrm>
-            <a:prstGeom prst="rect">
-              <a:avLst/>
-            </a:prstGeom>
-            <a:solidFill>
-              <a:srgbClr val="FFFFFF">
-                <a:alpha val="100000"/>
-              </a:srgbClr>
-            </a:solidFill>
-          </p:spPr>
-          <p:txBody>
-            <a:bodyPr/>
-            <a:lstStyle/>
-            <a:p/>
-          </p:txBody>
-        </p:sp>
-        <p:sp>
-          <p:nvSpPr>
-            <p:cNvPr id="105" name="rc105"/>
-            <p:cNvSpPr/>
-            <p:nvPr/>
-          </p:nvSpPr>
-          <p:spPr>
-            <a:xfrm>
-              <a:off x="5040126" y="5692187"/>
-              <a:ext cx="201456" cy="201456"/>
-            </a:xfrm>
-            <a:prstGeom prst="rect">
-              <a:avLst/>
-            </a:prstGeom>
-            <a:solidFill>
-              <a:srgbClr val="FEE0D2">
-                <a:alpha val="100000"/>
-              </a:srgbClr>
-            </a:solidFill>
-          </p:spPr>
-          <p:txBody>
-            <a:bodyPr/>
-            <a:lstStyle/>
-            <a:p/>
-          </p:txBody>
-        </p:sp>
-        <p:sp>
-          <p:nvSpPr>
-            <p:cNvPr id="106" name="rc106"/>
-            <p:cNvSpPr/>
-            <p:nvPr/>
-          </p:nvSpPr>
-          <p:spPr>
-            <a:xfrm>
-              <a:off x="5580413" y="5683187"/>
-              <a:ext cx="219455" cy="219455"/>
-            </a:xfrm>
-            <a:prstGeom prst="rect">
-              <a:avLst/>
-            </a:prstGeom>
-            <a:solidFill>
-              <a:srgbClr val="FFFFFF">
-                <a:alpha val="100000"/>
-              </a:srgbClr>
-            </a:solidFill>
-          </p:spPr>
-          <p:txBody>
-            <a:bodyPr/>
-            <a:lstStyle/>
-            <a:p/>
-          </p:txBody>
-        </p:sp>
-        <p:sp>
-          <p:nvSpPr>
-            <p:cNvPr id="107" name="rc107"/>
-            <p:cNvSpPr/>
-            <p:nvPr/>
-          </p:nvSpPr>
-          <p:spPr>
-            <a:xfrm>
-              <a:off x="5589413" y="5692187"/>
-              <a:ext cx="201456" cy="201456"/>
-            </a:xfrm>
-            <a:prstGeom prst="rect">
-              <a:avLst/>
-            </a:prstGeom>
-            <a:solidFill>
-              <a:srgbClr val="FC9272">
-                <a:alpha val="100000"/>
-              </a:srgbClr>
-            </a:solidFill>
-          </p:spPr>
-          <p:txBody>
-            <a:bodyPr/>
-            <a:lstStyle/>
-            <a:p/>
-          </p:txBody>
-        </p:sp>
-        <p:sp>
-          <p:nvSpPr>
-            <p:cNvPr id="108" name="tx108"/>
-            <p:cNvSpPr/>
-            <p:nvPr/>
-          </p:nvSpPr>
-          <p:spPr>
-            <a:xfrm>
-              <a:off x="5320171" y="5763065"/>
+            <a:noFill/>
+          </p:spPr>
+          <p:txBody>
+            <a:bodyPr lIns="0" rIns="0" tIns="0" bIns="0" anchorCtr="1" anchor="ctr" wrap="none"/>
+            <a:lstStyle/>
+            <a:p>
+              <a:pPr algn="l" marL="0" marR="0" indent="0">
+                <a:lnSpc>
+                  <a:spcPts val="880"/>
+                </a:lnSpc>
+                <a:spcBef>
+                  <a:spcPts val="0"/>
+                </a:spcBef>
+                <a:spcAft>
+                  <a:spcPts val="0"/>
+                </a:spcAft>
+              </a:pPr>
+              <a:r>
+                <a:rPr sz="880">
+                  <a:solidFill>
+                    <a:srgbClr val="000000">
+                      <a:alpha val="100000"/>
+                    </a:srgbClr>
+                  </a:solidFill>
+                  <a:latin typeface="Arial"/>
+                  <a:cs typeface="Arial"/>
+                </a:rPr>
+                <a:t>可适度摄入</a:t>
+              </a:r>
+            </a:p>
+          </p:txBody>
+        </p:sp>
+        <p:sp>
+          <p:nvSpPr>
+            <p:cNvPr id="132" name="tx132"/>
+            <p:cNvSpPr/>
+            <p:nvPr/>
+          </p:nvSpPr>
+          <p:spPr>
+            <a:xfrm>
+              <a:off x="6012447" y="5763065"/>
               <a:ext cx="167640" cy="69850"/>
             </a:xfrm>
             <a:prstGeom prst="rect">
@@ -7201,14 +7971,14 @@
         </p:sp>
         <p:sp>
           <p:nvSpPr>
-            <p:cNvPr id="109" name="tx109"/>
-            <p:cNvSpPr/>
-            <p:nvPr/>
-          </p:nvSpPr>
-          <p:spPr>
-            <a:xfrm>
-              <a:off x="5869458" y="5763065"/>
-              <a:ext cx="251460" cy="69850"/>
+            <p:cNvPr id="133" name="tx133"/>
+            <p:cNvSpPr/>
+            <p:nvPr/>
+          </p:nvSpPr>
+          <p:spPr>
+            <a:xfrm>
+              <a:off x="6561733" y="5763065"/>
+              <a:ext cx="335280" cy="69850"/>
             </a:xfrm>
             <a:prstGeom prst="rect">
               <a:avLst/>
@@ -7240,7 +8010,7 @@
                   <a:latin typeface="Arial"/>
                   <a:cs typeface="Arial"/>
                 </a:rPr>
-                <a:t>不必要</a:t>
+                <a:t>非常必要</a:t>
               </a:r>
             </a:p>
           </p:txBody>
